--- a/reactjs.pptx
+++ b/reactjs.pptx
@@ -25,7 +25,7 @@
     <p:sldId id="268" r:id="rId13"/>
     <p:sldId id="269" r:id="rId14"/>
     <p:sldId id="276" r:id="rId15"/>
-    <p:sldId id="270" r:id="rId16"/>
+    <p:sldId id="282" r:id="rId16"/>
     <p:sldId id="271" r:id="rId17"/>
     <p:sldId id="272" r:id="rId18"/>
     <p:sldId id="277" r:id="rId19"/>
@@ -133,7 +133,18 @@
   </p:defaultTextStyle>
   <p:extLst>
     <p:ext uri="{EFAFB233-063F-42B5-8137-9DF3F51BA10A}">
-      <p15:sldGuideLst xmlns:p15="http://schemas.microsoft.com/office/powerpoint/2012/main" xmlns=""/>
+      <p15:sldGuideLst xmlns:p15="http://schemas.microsoft.com/office/powerpoint/2012/main">
+        <p15:guide id="1" orient="horz" pos="2160">
+          <p15:clr>
+            <a:srgbClr val="A4A3A4"/>
+          </p15:clr>
+        </p15:guide>
+        <p15:guide id="2" pos="3840">
+          <p15:clr>
+            <a:srgbClr val="A4A3A4"/>
+          </p15:clr>
+        </p15:guide>
+      </p15:sldGuideLst>
     </p:ext>
   </p:extLst>
 </p:presentation>
@@ -166,7 +177,7 @@
           <p:cNvPr id="2" name="Header Placeholder 1">
             <a:extLst>
               <a:ext uri="{FF2B5EF4-FFF2-40B4-BE49-F238E27FC236}">
-                <a16:creationId xmlns:a16="http://schemas.microsoft.com/office/drawing/2014/main" xmlns="" id="{5B270180-C8CF-4B16-860D-6C140DDC2805}"/>
+                <a16:creationId xmlns:a16="http://schemas.microsoft.com/office/drawing/2014/main" id="{5B270180-C8CF-4B16-860D-6C140DDC2805}"/>
               </a:ext>
             </a:extLst>
           </p:cNvPr>
@@ -203,7 +214,7 @@
           <p:cNvPr id="3" name="Date Placeholder 2">
             <a:extLst>
               <a:ext uri="{FF2B5EF4-FFF2-40B4-BE49-F238E27FC236}">
-                <a16:creationId xmlns:a16="http://schemas.microsoft.com/office/drawing/2014/main" xmlns="" id="{55BFE2D5-2073-4ADE-A1B2-7F88A99B1E0F}"/>
+                <a16:creationId xmlns:a16="http://schemas.microsoft.com/office/drawing/2014/main" id="{55BFE2D5-2073-4ADE-A1B2-7F88A99B1E0F}"/>
               </a:ext>
             </a:extLst>
           </p:cNvPr>
@@ -244,7 +255,7 @@
           <p:cNvPr id="4" name="Footer Placeholder 3">
             <a:extLst>
               <a:ext uri="{FF2B5EF4-FFF2-40B4-BE49-F238E27FC236}">
-                <a16:creationId xmlns:a16="http://schemas.microsoft.com/office/drawing/2014/main" xmlns="" id="{598A0F74-1481-4B05-B40D-30F68C5FEB95}"/>
+                <a16:creationId xmlns:a16="http://schemas.microsoft.com/office/drawing/2014/main" id="{598A0F74-1481-4B05-B40D-30F68C5FEB95}"/>
               </a:ext>
             </a:extLst>
           </p:cNvPr>
@@ -281,7 +292,7 @@
           <p:cNvPr id="5" name="Slide Number Placeholder 4">
             <a:extLst>
               <a:ext uri="{FF2B5EF4-FFF2-40B4-BE49-F238E27FC236}">
-                <a16:creationId xmlns:a16="http://schemas.microsoft.com/office/drawing/2014/main" xmlns="" id="{A540CFCC-6285-4662-A9C3-8B3B985CBF00}"/>
+                <a16:creationId xmlns:a16="http://schemas.microsoft.com/office/drawing/2014/main" id="{A540CFCC-6285-4662-A9C3-8B3B985CBF00}"/>
               </a:ext>
             </a:extLst>
           </p:cNvPr>
@@ -1118,7 +1129,7 @@
               <a:buFont typeface="Wingdings" panose="05000000000000000000" pitchFamily="2" charset="2"/>
               <a:buChar char="Ø"/>
             </a:pPr>
-            <a:endParaRPr lang="en-US" sz="1200" b="1" i="0" kern="1200" dirty="0" smtClean="0">
+            <a:endParaRPr lang="en-US" sz="1200" b="1" i="0" kern="1200" dirty="0">
               <a:solidFill>
                 <a:schemeClr val="tx1"/>
               </a:solidFill>
@@ -1134,7 +1145,7 @@
               <a:buChar char="Ø"/>
             </a:pPr>
             <a:r>
-              <a:rPr lang="vi-VN" sz="1200" b="1" i="0" kern="1200" dirty="0" smtClean="0">
+              <a:rPr lang="vi-VN" sz="1200" b="1" i="0" kern="1200" dirty="0">
                 <a:solidFill>
                   <a:schemeClr val="tx1"/>
                 </a:solidFill>
@@ -1146,7 +1157,7 @@
               <a:t>Các Class components là những class ES6.</a:t>
             </a:r>
             <a:r>
-              <a:rPr lang="vi-VN" sz="1200" b="0" i="0" kern="1200" dirty="0" smtClean="0">
+              <a:rPr lang="vi-VN" sz="1200" b="0" i="0" kern="1200" dirty="0">
                 <a:solidFill>
                   <a:schemeClr val="tx1"/>
                 </a:solidFill>
@@ -1157,7 +1168,7 @@
               </a:rPr>
               <a:t> Chúng phức tạp hơn functional components ở chỗ nó còn có: phương thức khởi tạo, life-cycle, hàm render() và quản lý state (data</a:t>
             </a:r>
-            <a:endParaRPr lang="en-US" sz="1200" b="0" i="0" kern="1200" dirty="0" smtClean="0">
+            <a:endParaRPr lang="en-US" sz="1200" b="0" i="0" kern="1200" dirty="0">
               <a:solidFill>
                 <a:schemeClr val="tx1"/>
               </a:solidFill>
@@ -1173,7 +1184,7 @@
               <a:buChar char="Ø"/>
             </a:pPr>
             <a:r>
-              <a:rPr lang="vi-VN" sz="1200" b="1" i="0" kern="1200" dirty="0" smtClean="0">
+              <a:rPr lang="vi-VN" sz="1200" b="1" i="0" kern="1200" dirty="0">
                 <a:solidFill>
                   <a:schemeClr val="tx1"/>
                 </a:solidFill>
@@ -1185,7 +1196,7 @@
               <a:t>Functional components cũng được nói với một cái tên là stateless components</a:t>
             </a:r>
             <a:r>
-              <a:rPr lang="vi-VN" sz="1200" b="0" i="0" kern="1200" dirty="0" smtClean="0">
+              <a:rPr lang="vi-VN" sz="1200" b="0" i="0" kern="1200" dirty="0">
                 <a:solidFill>
                   <a:schemeClr val="tx1"/>
                 </a:solidFill>
@@ -1197,7 +1208,7 @@
               <a:t> bởi vì chúng ta không thể làm nhiều thứ phức tạp như quản lý React State (data) hoặc phương thức life-cycle trong functional components</a:t>
             </a:r>
             <a:r>
-              <a:rPr lang="en-US" sz="1200" b="0" i="0" kern="1200" dirty="0" smtClean="0">
+              <a:rPr lang="en-US" sz="1200" b="0" i="0" kern="1200" dirty="0">
                 <a:solidFill>
                   <a:schemeClr val="tx1"/>
                 </a:solidFill>
@@ -1209,19 +1220,19 @@
               <a:t>,</a:t>
             </a:r>
             <a:r>
-              <a:rPr lang="en-US" sz="1200" b="0" i="0" kern="1200" baseline="0" dirty="0" smtClean="0">
-                <a:solidFill>
-                  <a:schemeClr val="tx1"/>
-                </a:solidFill>
-                <a:effectLst/>
-                <a:latin typeface="+mn-lt"/>
-                <a:ea typeface="+mn-ea"/>
-                <a:cs typeface="+mn-cs"/>
-              </a:rPr>
-              <a:t> </a:t>
-            </a:r>
-            <a:r>
-              <a:rPr lang="en-US" sz="1200" b="0" i="0" kern="1200" baseline="0" dirty="0" err="1" smtClean="0">
+              <a:rPr lang="en-US" sz="1200" b="0" i="0" kern="1200" baseline="0" dirty="0">
+                <a:solidFill>
+                  <a:schemeClr val="tx1"/>
+                </a:solidFill>
+                <a:effectLst/>
+                <a:latin typeface="+mn-lt"/>
+                <a:ea typeface="+mn-ea"/>
+                <a:cs typeface="+mn-cs"/>
+              </a:rPr>
+              <a:t> </a:t>
+            </a:r>
+            <a:r>
+              <a:rPr lang="en-US" sz="1200" b="0" i="0" kern="1200" baseline="0" dirty="0" err="1">
                 <a:solidFill>
                   <a:schemeClr val="tx1"/>
                 </a:solidFill>
@@ -1233,19 +1244,19 @@
               <a:t>Reactjs</a:t>
             </a:r>
             <a:r>
-              <a:rPr lang="en-US" sz="1200" b="0" i="0" kern="1200" baseline="0" dirty="0" smtClean="0">
-                <a:solidFill>
-                  <a:schemeClr val="tx1"/>
-                </a:solidFill>
-                <a:effectLst/>
-                <a:latin typeface="+mn-lt"/>
-                <a:ea typeface="+mn-ea"/>
-                <a:cs typeface="+mn-cs"/>
-              </a:rPr>
-              <a:t> </a:t>
-            </a:r>
-            <a:r>
-              <a:rPr lang="en-US" sz="1200" b="0" i="0" kern="1200" baseline="0" dirty="0" err="1" smtClean="0">
+              <a:rPr lang="en-US" sz="1200" b="0" i="0" kern="1200" baseline="0" dirty="0">
+                <a:solidFill>
+                  <a:schemeClr val="tx1"/>
+                </a:solidFill>
+                <a:effectLst/>
+                <a:latin typeface="+mn-lt"/>
+                <a:ea typeface="+mn-ea"/>
+                <a:cs typeface="+mn-cs"/>
+              </a:rPr>
+              <a:t> </a:t>
+            </a:r>
+            <a:r>
+              <a:rPr lang="en-US" sz="1200" b="0" i="0" kern="1200" baseline="0" dirty="0" err="1">
                 <a:solidFill>
                   <a:schemeClr val="tx1"/>
                 </a:solidFill>
@@ -1257,19 +1268,19 @@
               <a:t>sẽ</a:t>
             </a:r>
             <a:r>
-              <a:rPr lang="en-US" sz="1200" b="0" i="0" kern="1200" baseline="0" dirty="0" smtClean="0">
-                <a:solidFill>
-                  <a:schemeClr val="tx1"/>
-                </a:solidFill>
-                <a:effectLst/>
-                <a:latin typeface="+mn-lt"/>
-                <a:ea typeface="+mn-ea"/>
-                <a:cs typeface="+mn-cs"/>
-              </a:rPr>
-              <a:t> </a:t>
-            </a:r>
-            <a:r>
-              <a:rPr lang="en-US" sz="1200" b="0" i="0" kern="1200" baseline="0" dirty="0" err="1" smtClean="0">
+              <a:rPr lang="en-US" sz="1200" b="0" i="0" kern="1200" baseline="0" dirty="0">
+                <a:solidFill>
+                  <a:schemeClr val="tx1"/>
+                </a:solidFill>
+                <a:effectLst/>
+                <a:latin typeface="+mn-lt"/>
+                <a:ea typeface="+mn-ea"/>
+                <a:cs typeface="+mn-cs"/>
+              </a:rPr>
+              <a:t> </a:t>
+            </a:r>
+            <a:r>
+              <a:rPr lang="en-US" sz="1200" b="0" i="0" kern="1200" baseline="0" dirty="0" err="1">
                 <a:solidFill>
                   <a:schemeClr val="tx1"/>
                 </a:solidFill>
@@ -1281,19 +1292,19 @@
               <a:t>tạo</a:t>
             </a:r>
             <a:r>
-              <a:rPr lang="en-US" sz="1200" b="0" i="0" kern="1200" baseline="0" dirty="0" smtClean="0">
-                <a:solidFill>
-                  <a:schemeClr val="tx1"/>
-                </a:solidFill>
-                <a:effectLst/>
-                <a:latin typeface="+mn-lt"/>
-                <a:ea typeface="+mn-ea"/>
-                <a:cs typeface="+mn-cs"/>
-              </a:rPr>
-              <a:t> </a:t>
-            </a:r>
-            <a:r>
-              <a:rPr lang="en-US" sz="1200" b="0" i="0" kern="1200" baseline="0" dirty="0" err="1" smtClean="0">
+              <a:rPr lang="en-US" sz="1200" b="0" i="0" kern="1200" baseline="0" dirty="0">
+                <a:solidFill>
+                  <a:schemeClr val="tx1"/>
+                </a:solidFill>
+                <a:effectLst/>
+                <a:latin typeface="+mn-lt"/>
+                <a:ea typeface="+mn-ea"/>
+                <a:cs typeface="+mn-cs"/>
+              </a:rPr>
+              <a:t> </a:t>
+            </a:r>
+            <a:r>
+              <a:rPr lang="en-US" sz="1200" b="0" i="0" kern="1200" baseline="0" dirty="0" err="1">
                 <a:solidFill>
                   <a:schemeClr val="tx1"/>
                 </a:solidFill>
@@ -1305,7 +1316,7 @@
               <a:t>ra</a:t>
             </a:r>
             <a:r>
-              <a:rPr lang="en-US" sz="1200" b="0" i="0" kern="1200" baseline="0" dirty="0" smtClean="0">
+              <a:rPr lang="en-US" sz="1200" b="0" i="0" kern="1200" baseline="0" dirty="0">
                 <a:solidFill>
                   <a:schemeClr val="tx1"/>
                 </a:solidFill>
@@ -1317,7 +1328,7 @@
               <a:t> 1 instance class </a:t>
             </a:r>
             <a:r>
-              <a:rPr lang="en-US" sz="1200" b="0" i="0" kern="1200" baseline="0" dirty="0" err="1" smtClean="0">
+              <a:rPr lang="en-US" sz="1200" b="0" i="0" kern="1200" baseline="0" dirty="0" err="1">
                 <a:solidFill>
                   <a:schemeClr val="tx1"/>
                 </a:solidFill>
@@ -1329,19 +1340,19 @@
               <a:t>để</a:t>
             </a:r>
             <a:r>
-              <a:rPr lang="en-US" sz="1200" b="0" i="0" kern="1200" baseline="0" dirty="0" smtClean="0">
-                <a:solidFill>
-                  <a:schemeClr val="tx1"/>
-                </a:solidFill>
-                <a:effectLst/>
-                <a:latin typeface="+mn-lt"/>
-                <a:ea typeface="+mn-ea"/>
-                <a:cs typeface="+mn-cs"/>
-              </a:rPr>
-              <a:t> </a:t>
-            </a:r>
-            <a:r>
-              <a:rPr lang="en-US" sz="1200" b="0" i="0" kern="1200" baseline="0" dirty="0" err="1" smtClean="0">
+              <a:rPr lang="en-US" sz="1200" b="0" i="0" kern="1200" baseline="0" dirty="0">
+                <a:solidFill>
+                  <a:schemeClr val="tx1"/>
+                </a:solidFill>
+                <a:effectLst/>
+                <a:latin typeface="+mn-lt"/>
+                <a:ea typeface="+mn-ea"/>
+                <a:cs typeface="+mn-cs"/>
+              </a:rPr>
+              <a:t> </a:t>
+            </a:r>
+            <a:r>
+              <a:rPr lang="en-US" sz="1200" b="0" i="0" kern="1200" baseline="0" dirty="0" err="1">
                 <a:solidFill>
                   <a:schemeClr val="tx1"/>
                 </a:solidFill>
@@ -1353,19 +1364,19 @@
               <a:t>quản</a:t>
             </a:r>
             <a:r>
-              <a:rPr lang="en-US" sz="1200" b="0" i="0" kern="1200" baseline="0" dirty="0" smtClean="0">
-                <a:solidFill>
-                  <a:schemeClr val="tx1"/>
-                </a:solidFill>
-                <a:effectLst/>
-                <a:latin typeface="+mn-lt"/>
-                <a:ea typeface="+mn-ea"/>
-                <a:cs typeface="+mn-cs"/>
-              </a:rPr>
-              <a:t> </a:t>
-            </a:r>
-            <a:r>
-              <a:rPr lang="en-US" sz="1200" b="0" i="0" kern="1200" baseline="0" smtClean="0">
+              <a:rPr lang="en-US" sz="1200" b="0" i="0" kern="1200" baseline="0" dirty="0">
+                <a:solidFill>
+                  <a:schemeClr val="tx1"/>
+                </a:solidFill>
+                <a:effectLst/>
+                <a:latin typeface="+mn-lt"/>
+                <a:ea typeface="+mn-ea"/>
+                <a:cs typeface="+mn-cs"/>
+              </a:rPr>
+              <a:t> </a:t>
+            </a:r>
+            <a:r>
+              <a:rPr lang="en-US" sz="1200" b="0" i="0" kern="1200" baseline="0">
                 <a:solidFill>
                   <a:schemeClr val="tx1"/>
                 </a:solidFill>
@@ -1376,7 +1387,7 @@
               </a:rPr>
               <a:t>lý</a:t>
             </a:r>
-            <a:endParaRPr lang="en-US" sz="1200" b="0" i="0" kern="1200" dirty="0" smtClean="0">
+            <a:endParaRPr lang="en-US" sz="1200" b="0" i="0" kern="1200" dirty="0">
               <a:solidFill>
                 <a:schemeClr val="tx1"/>
               </a:solidFill>
@@ -1392,7 +1403,7 @@
               <a:buChar char="Ø"/>
             </a:pPr>
             <a:r>
-              <a:rPr lang="en-US" sz="1200" b="0" i="0" kern="1200" dirty="0" err="1" smtClean="0">
+              <a:rPr lang="en-US" sz="1200" b="0" i="0" kern="1200" dirty="0" err="1">
                 <a:solidFill>
                   <a:schemeClr val="tx1"/>
                 </a:solidFill>
@@ -1404,19 +1415,19 @@
               <a:t>Tuy</a:t>
             </a:r>
             <a:r>
-              <a:rPr lang="en-US" sz="1200" b="0" i="0" kern="1200" dirty="0" smtClean="0">
-                <a:solidFill>
-                  <a:schemeClr val="tx1"/>
-                </a:solidFill>
-                <a:effectLst/>
-                <a:latin typeface="+mn-lt"/>
-                <a:ea typeface="+mn-ea"/>
-                <a:cs typeface="+mn-cs"/>
-              </a:rPr>
-              <a:t> </a:t>
-            </a:r>
-            <a:r>
-              <a:rPr lang="en-US" sz="1200" b="0" i="0" kern="1200" dirty="0" err="1" smtClean="0">
+              <a:rPr lang="en-US" sz="1200" b="0" i="0" kern="1200" dirty="0">
+                <a:solidFill>
+                  <a:schemeClr val="tx1"/>
+                </a:solidFill>
+                <a:effectLst/>
+                <a:latin typeface="+mn-lt"/>
+                <a:ea typeface="+mn-ea"/>
+                <a:cs typeface="+mn-cs"/>
+              </a:rPr>
+              <a:t> </a:t>
+            </a:r>
+            <a:r>
+              <a:rPr lang="en-US" sz="1200" b="0" i="0" kern="1200" dirty="0" err="1">
                 <a:solidFill>
                   <a:schemeClr val="tx1"/>
                 </a:solidFill>
@@ -1428,7 +1439,7 @@
               <a:t>nhiên</a:t>
             </a:r>
             <a:r>
-              <a:rPr lang="en-US" sz="1200" b="0" i="0" kern="1200" dirty="0" smtClean="0">
+              <a:rPr lang="en-US" sz="1200" b="0" i="0" kern="1200" dirty="0">
                 <a:solidFill>
                   <a:schemeClr val="tx1"/>
                 </a:solidFill>
@@ -1440,7 +1451,7 @@
               <a:t>, React </a:t>
             </a:r>
             <a:r>
-              <a:rPr lang="en-US" sz="1200" b="0" i="0" kern="1200" dirty="0" err="1" smtClean="0">
+              <a:rPr lang="en-US" sz="1200" b="0" i="0" kern="1200" dirty="0" err="1">
                 <a:solidFill>
                   <a:schemeClr val="tx1"/>
                 </a:solidFill>
@@ -1452,19 +1463,19 @@
               <a:t>giới</a:t>
             </a:r>
             <a:r>
-              <a:rPr lang="en-US" sz="1200" b="0" i="0" kern="1200" dirty="0" smtClean="0">
-                <a:solidFill>
-                  <a:schemeClr val="tx1"/>
-                </a:solidFill>
-                <a:effectLst/>
-                <a:latin typeface="+mn-lt"/>
-                <a:ea typeface="+mn-ea"/>
-                <a:cs typeface="+mn-cs"/>
-              </a:rPr>
-              <a:t> </a:t>
-            </a:r>
-            <a:r>
-              <a:rPr lang="en-US" sz="1200" b="0" i="0" kern="1200" dirty="0" err="1" smtClean="0">
+              <a:rPr lang="en-US" sz="1200" b="0" i="0" kern="1200" dirty="0">
+                <a:solidFill>
+                  <a:schemeClr val="tx1"/>
+                </a:solidFill>
+                <a:effectLst/>
+                <a:latin typeface="+mn-lt"/>
+                <a:ea typeface="+mn-ea"/>
+                <a:cs typeface="+mn-cs"/>
+              </a:rPr>
+              <a:t> </a:t>
+            </a:r>
+            <a:r>
+              <a:rPr lang="en-US" sz="1200" b="0" i="0" kern="1200" dirty="0" err="1">
                 <a:solidFill>
                   <a:schemeClr val="tx1"/>
                 </a:solidFill>
@@ -1476,7 +1487,7 @@
               <a:t>thiệu</a:t>
             </a:r>
             <a:r>
-              <a:rPr lang="en-US" sz="1200" b="0" i="0" kern="1200" dirty="0" smtClean="0">
+              <a:rPr lang="en-US" sz="1200" b="0" i="0" kern="1200" dirty="0">
                 <a:solidFill>
                   <a:schemeClr val="tx1"/>
                 </a:solidFill>
@@ -1488,7 +1499,7 @@
               <a:t> React Hooks </a:t>
             </a:r>
             <a:r>
-              <a:rPr lang="en-US" sz="1200" b="0" i="0" kern="1200" dirty="0" err="1" smtClean="0">
+              <a:rPr lang="en-US" sz="1200" b="0" i="0" kern="1200" dirty="0" err="1">
                 <a:solidFill>
                   <a:schemeClr val="tx1"/>
                 </a:solidFill>
@@ -1500,7 +1511,7 @@
               <a:t>trong</a:t>
             </a:r>
             <a:r>
-              <a:rPr lang="en-US" sz="1200" b="0" i="0" kern="1200" dirty="0" smtClean="0">
+              <a:rPr lang="en-US" sz="1200" b="0" i="0" kern="1200" dirty="0">
                 <a:solidFill>
                   <a:schemeClr val="tx1"/>
                 </a:solidFill>
@@ -1512,7 +1523,7 @@
               <a:t> versions 16.8, </a:t>
             </a:r>
             <a:r>
-              <a:rPr lang="en-US" sz="1200" b="0" i="0" kern="1200" dirty="0" err="1" smtClean="0">
+              <a:rPr lang="en-US" sz="1200" b="0" i="0" kern="1200" dirty="0" err="1">
                 <a:solidFill>
                   <a:schemeClr val="tx1"/>
                 </a:solidFill>
@@ -1524,19 +1535,19 @@
               <a:t>giờ</a:t>
             </a:r>
             <a:r>
-              <a:rPr lang="en-US" sz="1200" b="0" i="0" kern="1200" dirty="0" smtClean="0">
-                <a:solidFill>
-                  <a:schemeClr val="tx1"/>
-                </a:solidFill>
-                <a:effectLst/>
-                <a:latin typeface="+mn-lt"/>
-                <a:ea typeface="+mn-ea"/>
-                <a:cs typeface="+mn-cs"/>
-              </a:rPr>
-              <a:t> </a:t>
-            </a:r>
-            <a:r>
-              <a:rPr lang="en-US" sz="1200" b="0" i="0" kern="1200" dirty="0" err="1" smtClean="0">
+              <a:rPr lang="en-US" sz="1200" b="0" i="0" kern="1200" dirty="0">
+                <a:solidFill>
+                  <a:schemeClr val="tx1"/>
+                </a:solidFill>
+                <a:effectLst/>
+                <a:latin typeface="+mn-lt"/>
+                <a:ea typeface="+mn-ea"/>
+                <a:cs typeface="+mn-cs"/>
+              </a:rPr>
+              <a:t> </a:t>
+            </a:r>
+            <a:r>
+              <a:rPr lang="en-US" sz="1200" b="0" i="0" kern="1200" dirty="0" err="1">
                 <a:solidFill>
                   <a:schemeClr val="tx1"/>
                 </a:solidFill>
@@ -1548,19 +1559,19 @@
               <a:t>nó</a:t>
             </a:r>
             <a:r>
-              <a:rPr lang="en-US" sz="1200" b="0" i="0" kern="1200" dirty="0" smtClean="0">
-                <a:solidFill>
-                  <a:schemeClr val="tx1"/>
-                </a:solidFill>
-                <a:effectLst/>
-                <a:latin typeface="+mn-lt"/>
-                <a:ea typeface="+mn-ea"/>
-                <a:cs typeface="+mn-cs"/>
-              </a:rPr>
-              <a:t> </a:t>
-            </a:r>
-            <a:r>
-              <a:rPr lang="en-US" sz="1200" b="0" i="0" kern="1200" dirty="0" err="1" smtClean="0">
+              <a:rPr lang="en-US" sz="1200" b="0" i="0" kern="1200" dirty="0">
+                <a:solidFill>
+                  <a:schemeClr val="tx1"/>
+                </a:solidFill>
+                <a:effectLst/>
+                <a:latin typeface="+mn-lt"/>
+                <a:ea typeface="+mn-ea"/>
+                <a:cs typeface="+mn-cs"/>
+              </a:rPr>
+              <a:t> </a:t>
+            </a:r>
+            <a:r>
+              <a:rPr lang="en-US" sz="1200" b="0" i="0" kern="1200" dirty="0" err="1">
                 <a:solidFill>
                   <a:schemeClr val="tx1"/>
                 </a:solidFill>
@@ -1572,19 +1583,19 @@
               <a:t>cho</a:t>
             </a:r>
             <a:r>
-              <a:rPr lang="en-US" sz="1200" b="0" i="0" kern="1200" dirty="0" smtClean="0">
-                <a:solidFill>
-                  <a:schemeClr val="tx1"/>
-                </a:solidFill>
-                <a:effectLst/>
-                <a:latin typeface="+mn-lt"/>
-                <a:ea typeface="+mn-ea"/>
-                <a:cs typeface="+mn-cs"/>
-              </a:rPr>
-              <a:t> </a:t>
-            </a:r>
-            <a:r>
-              <a:rPr lang="en-US" sz="1200" b="0" i="0" kern="1200" dirty="0" err="1" smtClean="0">
+              <a:rPr lang="en-US" sz="1200" b="0" i="0" kern="1200" dirty="0">
+                <a:solidFill>
+                  <a:schemeClr val="tx1"/>
+                </a:solidFill>
+                <a:effectLst/>
+                <a:latin typeface="+mn-lt"/>
+                <a:ea typeface="+mn-ea"/>
+                <a:cs typeface="+mn-cs"/>
+              </a:rPr>
+              <a:t> </a:t>
+            </a:r>
+            <a:r>
+              <a:rPr lang="en-US" sz="1200" b="0" i="0" kern="1200" dirty="0" err="1">
                 <a:solidFill>
                   <a:schemeClr val="tx1"/>
                 </a:solidFill>
@@ -1596,19 +1607,19 @@
               <a:t>phép</a:t>
             </a:r>
             <a:r>
-              <a:rPr lang="en-US" sz="1200" b="0" i="0" kern="1200" dirty="0" smtClean="0">
-                <a:solidFill>
-                  <a:schemeClr val="tx1"/>
-                </a:solidFill>
-                <a:effectLst/>
-                <a:latin typeface="+mn-lt"/>
-                <a:ea typeface="+mn-ea"/>
-                <a:cs typeface="+mn-cs"/>
-              </a:rPr>
-              <a:t> </a:t>
-            </a:r>
-            <a:r>
-              <a:rPr lang="en-US" sz="1200" b="0" i="0" kern="1200" dirty="0" err="1" smtClean="0">
+              <a:rPr lang="en-US" sz="1200" b="0" i="0" kern="1200" dirty="0">
+                <a:solidFill>
+                  <a:schemeClr val="tx1"/>
+                </a:solidFill>
+                <a:effectLst/>
+                <a:latin typeface="+mn-lt"/>
+                <a:ea typeface="+mn-ea"/>
+                <a:cs typeface="+mn-cs"/>
+              </a:rPr>
+              <a:t> </a:t>
+            </a:r>
+            <a:r>
+              <a:rPr lang="en-US" sz="1200" b="0" i="0" kern="1200" dirty="0" err="1">
                 <a:solidFill>
                   <a:schemeClr val="tx1"/>
                 </a:solidFill>
@@ -1620,7 +1631,7 @@
               <a:t>chúng</a:t>
             </a:r>
             <a:r>
-              <a:rPr lang="en-US" sz="1200" b="0" i="0" kern="1200" dirty="0" smtClean="0">
+              <a:rPr lang="en-US" sz="1200" b="0" i="0" kern="1200" dirty="0">
                 <a:solidFill>
                   <a:schemeClr val="tx1"/>
                 </a:solidFill>
@@ -1632,7 +1643,7 @@
               <a:t> ta </a:t>
             </a:r>
             <a:r>
-              <a:rPr lang="en-US" sz="1200" b="0" i="0" kern="1200" dirty="0" err="1" smtClean="0">
+              <a:rPr lang="en-US" sz="1200" b="0" i="0" kern="1200" dirty="0" err="1">
                 <a:solidFill>
                   <a:schemeClr val="tx1"/>
                 </a:solidFill>
@@ -1644,19 +1655,19 @@
               <a:t>sử</a:t>
             </a:r>
             <a:r>
-              <a:rPr lang="en-US" sz="1200" b="0" i="0" kern="1200" dirty="0" smtClean="0">
-                <a:solidFill>
-                  <a:schemeClr val="tx1"/>
-                </a:solidFill>
-                <a:effectLst/>
-                <a:latin typeface="+mn-lt"/>
-                <a:ea typeface="+mn-ea"/>
-                <a:cs typeface="+mn-cs"/>
-              </a:rPr>
-              <a:t> </a:t>
-            </a:r>
-            <a:r>
-              <a:rPr lang="en-US" sz="1200" b="0" i="0" kern="1200" dirty="0" err="1" smtClean="0">
+              <a:rPr lang="en-US" sz="1200" b="0" i="0" kern="1200" dirty="0">
+                <a:solidFill>
+                  <a:schemeClr val="tx1"/>
+                </a:solidFill>
+                <a:effectLst/>
+                <a:latin typeface="+mn-lt"/>
+                <a:ea typeface="+mn-ea"/>
+                <a:cs typeface="+mn-cs"/>
+              </a:rPr>
+              <a:t> </a:t>
+            </a:r>
+            <a:r>
+              <a:rPr lang="en-US" sz="1200" b="0" i="0" kern="1200" dirty="0" err="1">
                 <a:solidFill>
                   <a:schemeClr val="tx1"/>
                 </a:solidFill>
@@ -1668,7 +1679,7 @@
               <a:t>dụng</a:t>
             </a:r>
             <a:r>
-              <a:rPr lang="en-US" sz="1200" b="0" i="0" kern="1200" dirty="0" smtClean="0">
+              <a:rPr lang="en-US" sz="1200" b="0" i="0" kern="1200" dirty="0">
                 <a:solidFill>
                   <a:schemeClr val="tx1"/>
                 </a:solidFill>
@@ -1680,7 +1691,7 @@
               <a:t> state </a:t>
             </a:r>
             <a:r>
-              <a:rPr lang="en-US" sz="1200" b="0" i="0" kern="1200" dirty="0" err="1" smtClean="0">
+              <a:rPr lang="en-US" sz="1200" b="0" i="0" kern="1200" dirty="0" err="1">
                 <a:solidFill>
                   <a:schemeClr val="tx1"/>
                 </a:solidFill>
@@ -1692,19 +1703,19 @@
               <a:t>và</a:t>
             </a:r>
             <a:r>
-              <a:rPr lang="en-US" sz="1200" b="0" i="0" kern="1200" dirty="0" smtClean="0">
-                <a:solidFill>
-                  <a:schemeClr val="tx1"/>
-                </a:solidFill>
-                <a:effectLst/>
-                <a:latin typeface="+mn-lt"/>
-                <a:ea typeface="+mn-ea"/>
-                <a:cs typeface="+mn-cs"/>
-              </a:rPr>
-              <a:t> </a:t>
-            </a:r>
-            <a:r>
-              <a:rPr lang="en-US" sz="1200" b="0" i="0" kern="1200" dirty="0" err="1" smtClean="0">
+              <a:rPr lang="en-US" sz="1200" b="0" i="0" kern="1200" dirty="0">
+                <a:solidFill>
+                  <a:schemeClr val="tx1"/>
+                </a:solidFill>
+                <a:effectLst/>
+                <a:latin typeface="+mn-lt"/>
+                <a:ea typeface="+mn-ea"/>
+                <a:cs typeface="+mn-cs"/>
+              </a:rPr>
+              <a:t> </a:t>
+            </a:r>
+            <a:r>
+              <a:rPr lang="en-US" sz="1200" b="0" i="0" kern="1200" dirty="0" err="1">
                 <a:solidFill>
                   <a:schemeClr val="tx1"/>
                 </a:solidFill>
@@ -1716,7 +1727,7 @@
               <a:t>những</a:t>
             </a:r>
             <a:r>
-              <a:rPr lang="en-US" sz="1200" b="0" i="0" kern="1200" dirty="0" smtClean="0">
+              <a:rPr lang="en-US" sz="1200" b="0" i="0" kern="1200" dirty="0">
                 <a:solidFill>
                   <a:schemeClr val="tx1"/>
                 </a:solidFill>
@@ -1728,7 +1739,7 @@
               <a:t> features </a:t>
             </a:r>
             <a:r>
-              <a:rPr lang="en-US" sz="1200" b="0" i="0" kern="1200" dirty="0" err="1" smtClean="0">
+              <a:rPr lang="en-US" sz="1200" b="0" i="0" kern="1200" dirty="0" err="1">
                 <a:solidFill>
                   <a:schemeClr val="tx1"/>
                 </a:solidFill>
@@ -1740,19 +1751,19 @@
               <a:t>khác</a:t>
             </a:r>
             <a:r>
-              <a:rPr lang="en-US" sz="1200" b="0" i="0" kern="1200" dirty="0" smtClean="0">
-                <a:solidFill>
-                  <a:schemeClr val="tx1"/>
-                </a:solidFill>
-                <a:effectLst/>
-                <a:latin typeface="+mn-lt"/>
-                <a:ea typeface="+mn-ea"/>
-                <a:cs typeface="+mn-cs"/>
-              </a:rPr>
-              <a:t> </a:t>
-            </a:r>
-            <a:r>
-              <a:rPr lang="en-US" sz="1200" b="0" i="0" kern="1200" dirty="0" err="1" smtClean="0">
+              <a:rPr lang="en-US" sz="1200" b="0" i="0" kern="1200" dirty="0">
+                <a:solidFill>
+                  <a:schemeClr val="tx1"/>
+                </a:solidFill>
+                <a:effectLst/>
+                <a:latin typeface="+mn-lt"/>
+                <a:ea typeface="+mn-ea"/>
+                <a:cs typeface="+mn-cs"/>
+              </a:rPr>
+              <a:t> </a:t>
+            </a:r>
+            <a:r>
+              <a:rPr lang="en-US" sz="1200" b="0" i="0" kern="1200" dirty="0" err="1">
                 <a:solidFill>
                   <a:schemeClr val="tx1"/>
                 </a:solidFill>
@@ -1764,7 +1775,7 @@
               <a:t>trong</a:t>
             </a:r>
             <a:r>
-              <a:rPr lang="en-US" sz="1200" b="0" i="0" kern="1200" dirty="0" smtClean="0">
+              <a:rPr lang="en-US" sz="1200" b="0" i="0" kern="1200" dirty="0">
                 <a:solidFill>
                   <a:schemeClr val="tx1"/>
                 </a:solidFill>
@@ -1782,7 +1793,7 @@
               <a:buChar char="Ø"/>
             </a:pPr>
             <a:r>
-              <a:rPr lang="en-US" sz="1200" b="0" i="0" kern="1200" dirty="0" err="1" smtClean="0">
+              <a:rPr lang="en-US" sz="1200" b="0" i="0" kern="1200" dirty="0" err="1">
                 <a:solidFill>
                   <a:schemeClr val="tx1"/>
                 </a:solidFill>
@@ -1794,19 +1805,19 @@
               <a:t>Khi</a:t>
             </a:r>
             <a:r>
-              <a:rPr lang="en-US" sz="1200" b="0" i="0" kern="1200" dirty="0" smtClean="0">
-                <a:solidFill>
-                  <a:schemeClr val="tx1"/>
-                </a:solidFill>
-                <a:effectLst/>
-                <a:latin typeface="+mn-lt"/>
-                <a:ea typeface="+mn-ea"/>
-                <a:cs typeface="+mn-cs"/>
-              </a:rPr>
-              <a:t> </a:t>
-            </a:r>
-            <a:r>
-              <a:rPr lang="en-US" sz="1200" b="0" i="0" kern="1200" dirty="0" err="1" smtClean="0">
+              <a:rPr lang="en-US" sz="1200" b="0" i="0" kern="1200" dirty="0">
+                <a:solidFill>
+                  <a:schemeClr val="tx1"/>
+                </a:solidFill>
+                <a:effectLst/>
+                <a:latin typeface="+mn-lt"/>
+                <a:ea typeface="+mn-ea"/>
+                <a:cs typeface="+mn-cs"/>
+              </a:rPr>
+              <a:t> </a:t>
+            </a:r>
+            <a:r>
+              <a:rPr lang="en-US" sz="1200" b="0" i="0" kern="1200" dirty="0" err="1">
                 <a:solidFill>
                   <a:schemeClr val="tx1"/>
                 </a:solidFill>
@@ -1818,19 +1829,19 @@
               <a:t>nào</a:t>
             </a:r>
             <a:r>
-              <a:rPr lang="en-US" sz="1200" b="0" i="0" kern="1200" baseline="0" dirty="0" smtClean="0">
-                <a:solidFill>
-                  <a:schemeClr val="tx1"/>
-                </a:solidFill>
-                <a:effectLst/>
-                <a:latin typeface="+mn-lt"/>
-                <a:ea typeface="+mn-ea"/>
-                <a:cs typeface="+mn-cs"/>
-              </a:rPr>
-              <a:t> </a:t>
-            </a:r>
-            <a:r>
-              <a:rPr lang="en-US" sz="1200" b="0" i="0" kern="1200" baseline="0" dirty="0" err="1" smtClean="0">
+              <a:rPr lang="en-US" sz="1200" b="0" i="0" kern="1200" baseline="0" dirty="0">
+                <a:solidFill>
+                  <a:schemeClr val="tx1"/>
+                </a:solidFill>
+                <a:effectLst/>
+                <a:latin typeface="+mn-lt"/>
+                <a:ea typeface="+mn-ea"/>
+                <a:cs typeface="+mn-cs"/>
+              </a:rPr>
+              <a:t> </a:t>
+            </a:r>
+            <a:r>
+              <a:rPr lang="en-US" sz="1200" b="0" i="0" kern="1200" baseline="0" dirty="0" err="1">
                 <a:solidFill>
                   <a:schemeClr val="tx1"/>
                 </a:solidFill>
@@ -1842,19 +1853,19 @@
               <a:t>sử</a:t>
             </a:r>
             <a:r>
-              <a:rPr lang="en-US" sz="1200" b="0" i="0" kern="1200" baseline="0" dirty="0" smtClean="0">
-                <a:solidFill>
-                  <a:schemeClr val="tx1"/>
-                </a:solidFill>
-                <a:effectLst/>
-                <a:latin typeface="+mn-lt"/>
-                <a:ea typeface="+mn-ea"/>
-                <a:cs typeface="+mn-cs"/>
-              </a:rPr>
-              <a:t> </a:t>
-            </a:r>
-            <a:r>
-              <a:rPr lang="en-US" sz="1200" b="0" i="0" kern="1200" baseline="0" dirty="0" err="1" smtClean="0">
+              <a:rPr lang="en-US" sz="1200" b="0" i="0" kern="1200" baseline="0" dirty="0">
+                <a:solidFill>
+                  <a:schemeClr val="tx1"/>
+                </a:solidFill>
+                <a:effectLst/>
+                <a:latin typeface="+mn-lt"/>
+                <a:ea typeface="+mn-ea"/>
+                <a:cs typeface="+mn-cs"/>
+              </a:rPr>
+              <a:t> </a:t>
+            </a:r>
+            <a:r>
+              <a:rPr lang="en-US" sz="1200" b="0" i="0" kern="1200" baseline="0" dirty="0" err="1">
                 <a:solidFill>
                   <a:schemeClr val="tx1"/>
                 </a:solidFill>
@@ -1866,7 +1877,7 @@
               <a:t>dụng</a:t>
             </a:r>
             <a:r>
-              <a:rPr lang="en-US" sz="1200" b="0" i="0" kern="1200" baseline="0" dirty="0" smtClean="0">
+              <a:rPr lang="en-US" sz="1200" b="0" i="0" kern="1200" baseline="0" dirty="0">
                 <a:solidFill>
                   <a:schemeClr val="tx1"/>
                 </a:solidFill>
@@ -1878,7 +1889,7 @@
               <a:t> Class , </a:t>
             </a:r>
             <a:r>
-              <a:rPr lang="en-US" sz="1200" b="0" i="0" kern="1200" baseline="0" dirty="0" err="1" smtClean="0">
+              <a:rPr lang="en-US" sz="1200" b="0" i="0" kern="1200" baseline="0" dirty="0" err="1">
                 <a:solidFill>
                   <a:schemeClr val="tx1"/>
                 </a:solidFill>
@@ -1890,19 +1901,19 @@
               <a:t>khi</a:t>
             </a:r>
             <a:r>
-              <a:rPr lang="en-US" sz="1200" b="0" i="0" kern="1200" baseline="0" dirty="0" smtClean="0">
-                <a:solidFill>
-                  <a:schemeClr val="tx1"/>
-                </a:solidFill>
-                <a:effectLst/>
-                <a:latin typeface="+mn-lt"/>
-                <a:ea typeface="+mn-ea"/>
-                <a:cs typeface="+mn-cs"/>
-              </a:rPr>
-              <a:t> </a:t>
-            </a:r>
-            <a:r>
-              <a:rPr lang="en-US" sz="1200" b="0" i="0" kern="1200" baseline="0" dirty="0" err="1" smtClean="0">
+              <a:rPr lang="en-US" sz="1200" b="0" i="0" kern="1200" baseline="0" dirty="0">
+                <a:solidFill>
+                  <a:schemeClr val="tx1"/>
+                </a:solidFill>
+                <a:effectLst/>
+                <a:latin typeface="+mn-lt"/>
+                <a:ea typeface="+mn-ea"/>
+                <a:cs typeface="+mn-cs"/>
+              </a:rPr>
+              <a:t> </a:t>
+            </a:r>
+            <a:r>
+              <a:rPr lang="en-US" sz="1200" b="0" i="0" kern="1200" baseline="0" dirty="0" err="1">
                 <a:solidFill>
                   <a:schemeClr val="tx1"/>
                 </a:solidFill>
@@ -1914,19 +1925,19 @@
               <a:t>nào</a:t>
             </a:r>
             <a:r>
-              <a:rPr lang="en-US" sz="1200" b="0" i="0" kern="1200" baseline="0" dirty="0" smtClean="0">
-                <a:solidFill>
-                  <a:schemeClr val="tx1"/>
-                </a:solidFill>
-                <a:effectLst/>
-                <a:latin typeface="+mn-lt"/>
-                <a:ea typeface="+mn-ea"/>
-                <a:cs typeface="+mn-cs"/>
-              </a:rPr>
-              <a:t> </a:t>
-            </a:r>
-            <a:r>
-              <a:rPr lang="en-US" sz="1200" b="0" i="0" kern="1200" baseline="0" dirty="0" err="1" smtClean="0">
+              <a:rPr lang="en-US" sz="1200" b="0" i="0" kern="1200" baseline="0" dirty="0">
+                <a:solidFill>
+                  <a:schemeClr val="tx1"/>
+                </a:solidFill>
+                <a:effectLst/>
+                <a:latin typeface="+mn-lt"/>
+                <a:ea typeface="+mn-ea"/>
+                <a:cs typeface="+mn-cs"/>
+              </a:rPr>
+              <a:t> </a:t>
+            </a:r>
+            <a:r>
+              <a:rPr lang="en-US" sz="1200" b="0" i="0" kern="1200" baseline="0" dirty="0" err="1">
                 <a:solidFill>
                   <a:schemeClr val="tx1"/>
                 </a:solidFill>
@@ -1938,7 +1949,7 @@
               <a:t>dùng</a:t>
             </a:r>
             <a:r>
-              <a:rPr lang="en-US" sz="1200" b="0" i="0" kern="1200" baseline="0" dirty="0" smtClean="0">
+              <a:rPr lang="en-US" sz="1200" b="0" i="0" kern="1200" baseline="0" dirty="0">
                 <a:solidFill>
                   <a:schemeClr val="tx1"/>
                 </a:solidFill>
@@ -1956,7 +1967,7 @@
               <a:buChar char="•"/>
             </a:pPr>
             <a:r>
-              <a:rPr lang="en-US" sz="1200" b="0" i="0" kern="1200" dirty="0" err="1" smtClean="0">
+              <a:rPr lang="en-US" sz="1200" b="0" i="0" kern="1200" dirty="0" err="1">
                 <a:solidFill>
                   <a:schemeClr val="tx1"/>
                 </a:solidFill>
@@ -1968,19 +1979,19 @@
               <a:t>Khi</a:t>
             </a:r>
             <a:r>
-              <a:rPr lang="en-US" sz="1200" b="0" i="0" kern="1200" dirty="0" smtClean="0">
-                <a:solidFill>
-                  <a:schemeClr val="tx1"/>
-                </a:solidFill>
-                <a:effectLst/>
-                <a:latin typeface="+mn-lt"/>
-                <a:ea typeface="+mn-ea"/>
-                <a:cs typeface="+mn-cs"/>
-              </a:rPr>
-              <a:t> </a:t>
-            </a:r>
-            <a:r>
-              <a:rPr lang="vi-VN" sz="1200" b="0" i="0" kern="1200" dirty="0" smtClean="0">
+              <a:rPr lang="en-US" sz="1200" b="0" i="0" kern="1200" dirty="0">
+                <a:solidFill>
+                  <a:schemeClr val="tx1"/>
+                </a:solidFill>
+                <a:effectLst/>
+                <a:latin typeface="+mn-lt"/>
+                <a:ea typeface="+mn-ea"/>
+                <a:cs typeface="+mn-cs"/>
+              </a:rPr>
+              <a:t> </a:t>
+            </a:r>
+            <a:r>
+              <a:rPr lang="vi-VN" sz="1200" b="0" i="0" kern="1200" dirty="0">
                 <a:solidFill>
                   <a:schemeClr val="tx1"/>
                 </a:solidFill>
@@ -1991,7 +2002,7 @@
               </a:rPr>
               <a:t>muốn sử dụng state, lifecycle ( Vòng đời của một component từ khi xuất hiện cho đến khi đã được gắn vào DOM ) thì nên sử dụng class component ( Stateful )</a:t>
             </a:r>
-            <a:endParaRPr lang="en-US" sz="1200" b="0" i="0" kern="1200" dirty="0" smtClean="0">
+            <a:endParaRPr lang="en-US" sz="1200" b="0" i="0" kern="1200" dirty="0">
               <a:solidFill>
                 <a:schemeClr val="tx1"/>
               </a:solidFill>
@@ -2007,7 +2018,7 @@
               <a:buChar char="•"/>
             </a:pPr>
             <a:r>
-              <a:rPr lang="en-US" sz="1200" b="0" i="0" kern="1200" dirty="0" err="1" smtClean="0">
+              <a:rPr lang="en-US" sz="1200" b="0" i="0" kern="1200" dirty="0" err="1">
                 <a:solidFill>
                   <a:schemeClr val="tx1"/>
                 </a:solidFill>
@@ -2019,19 +2030,19 @@
               <a:t>Khi</a:t>
             </a:r>
             <a:r>
-              <a:rPr lang="en-US" sz="1200" b="0" i="0" kern="1200" dirty="0" smtClean="0">
-                <a:solidFill>
-                  <a:schemeClr val="tx1"/>
-                </a:solidFill>
-                <a:effectLst/>
-                <a:latin typeface="+mn-lt"/>
-                <a:ea typeface="+mn-ea"/>
-                <a:cs typeface="+mn-cs"/>
-              </a:rPr>
-              <a:t> </a:t>
-            </a:r>
-            <a:r>
-              <a:rPr lang="vi-VN" sz="1200" b="0" i="0" kern="1200" dirty="0" smtClean="0">
+              <a:rPr lang="en-US" sz="1200" b="0" i="0" kern="1200" dirty="0">
+                <a:solidFill>
+                  <a:schemeClr val="tx1"/>
+                </a:solidFill>
+                <a:effectLst/>
+                <a:latin typeface="+mn-lt"/>
+                <a:ea typeface="+mn-ea"/>
+                <a:cs typeface="+mn-cs"/>
+              </a:rPr>
+              <a:t> </a:t>
+            </a:r>
+            <a:r>
+              <a:rPr lang="vi-VN" sz="1200" b="0" i="0" kern="1200" dirty="0">
                 <a:solidFill>
                   <a:schemeClr val="tx1"/>
                 </a:solidFill>
@@ -2042,7 +2053,7 @@
               </a:rPr>
               <a:t>muốn xử lý đơn thuần, hiển thị, hay không cần khởi tạo state or lifecycle thì mọi người nên sử dụng đến function component. Stateless component chúng rất dễ viết, dễ hiểu và dễ kiểm tra, có thể tránh được từ khoá this hoàn toàn</a:t>
             </a:r>
-            <a:endParaRPr lang="en-US" sz="1200" b="0" i="0" kern="1200" dirty="0" smtClean="0">
+            <a:endParaRPr lang="en-US" sz="1200" b="0" i="0" kern="1200" dirty="0">
               <a:solidFill>
                 <a:schemeClr val="tx1"/>
               </a:solidFill>
@@ -2058,7 +2069,7 @@
               <a:buChar char="Ø"/>
             </a:pPr>
             <a:r>
-              <a:rPr lang="en-US" sz="1200" b="0" i="0" kern="1200" dirty="0" smtClean="0">
+              <a:rPr lang="en-US" sz="1200" b="0" i="0" kern="1200" dirty="0">
                 <a:solidFill>
                   <a:schemeClr val="tx1"/>
                 </a:solidFill>
@@ -2245,145 +2256,6 @@
               <a:buFont typeface="Wingdings" panose="05000000000000000000" pitchFamily="2" charset="2"/>
               <a:buChar char="Ø"/>
             </a:pPr>
-            <a:r>
-              <a:rPr lang="vi-VN" sz="1200" b="0" i="0" kern="1200" dirty="0">
-                <a:solidFill>
-                  <a:schemeClr val="tx1"/>
-                </a:solidFill>
-                <a:effectLst/>
-                <a:latin typeface="+mn-lt"/>
-                <a:ea typeface="+mn-ea"/>
-                <a:cs typeface="+mn-cs"/>
-              </a:rPr>
-              <a:t>Một </a:t>
-            </a:r>
-            <a:r>
-              <a:rPr lang="vi-VN" dirty="0"/>
-              <a:t>component</a:t>
-            </a:r>
-            <a:r>
-              <a:rPr lang="vi-VN" sz="1200" b="0" i="0" kern="1200" dirty="0">
-                <a:solidFill>
-                  <a:schemeClr val="tx1"/>
-                </a:solidFill>
-                <a:effectLst/>
-                <a:latin typeface="+mn-lt"/>
-                <a:ea typeface="+mn-ea"/>
-                <a:cs typeface="+mn-cs"/>
-              </a:rPr>
-              <a:t> cũng có thể có </a:t>
-            </a:r>
-            <a:r>
-              <a:rPr lang="vi-VN" dirty="0"/>
-              <a:t>props</a:t>
-            </a:r>
-            <a:r>
-              <a:rPr lang="vi-VN" sz="1200" b="0" i="0" kern="1200" dirty="0">
-                <a:solidFill>
-                  <a:schemeClr val="tx1"/>
-                </a:solidFill>
-                <a:effectLst/>
-                <a:latin typeface="+mn-lt"/>
-                <a:ea typeface="+mn-ea"/>
-                <a:cs typeface="+mn-cs"/>
-              </a:rPr>
-              <a:t> mặc định, do đó nếu </a:t>
-            </a:r>
-            <a:r>
-              <a:rPr lang="vi-VN" dirty="0"/>
-              <a:t>component</a:t>
-            </a:r>
-            <a:r>
-              <a:rPr lang="vi-VN" sz="1200" b="0" i="0" kern="1200" dirty="0">
-                <a:solidFill>
-                  <a:schemeClr val="tx1"/>
-                </a:solidFill>
-                <a:effectLst/>
-                <a:latin typeface="+mn-lt"/>
-                <a:ea typeface="+mn-ea"/>
-                <a:cs typeface="+mn-cs"/>
-              </a:rPr>
-              <a:t> không truyền vào </a:t>
-            </a:r>
-            <a:r>
-              <a:rPr lang="vi-VN" dirty="0"/>
-              <a:t>props</a:t>
-            </a:r>
-            <a:r>
-              <a:rPr lang="vi-VN" sz="1200" b="0" i="0" kern="1200" dirty="0">
-                <a:solidFill>
-                  <a:schemeClr val="tx1"/>
-                </a:solidFill>
-                <a:effectLst/>
-                <a:latin typeface="+mn-lt"/>
-                <a:ea typeface="+mn-ea"/>
-                <a:cs typeface="+mn-cs"/>
-              </a:rPr>
-              <a:t> nào thì nó vẫn sẽ được thiết lập.</a:t>
-            </a:r>
-            <a:endParaRPr lang="en-US" sz="1200" b="0" i="0" kern="1200" dirty="0">
-              <a:solidFill>
-                <a:schemeClr val="tx1"/>
-              </a:solidFill>
-              <a:effectLst/>
-              <a:latin typeface="+mn-lt"/>
-              <a:ea typeface="+mn-ea"/>
-              <a:cs typeface="+mn-cs"/>
-            </a:endParaRPr>
-          </a:p>
-          <a:p>
-            <a:pPr marL="171450" indent="-171450">
-              <a:buFont typeface="Wingdings" panose="05000000000000000000" pitchFamily="2" charset="2"/>
-              <a:buChar char="Ø"/>
-            </a:pPr>
-            <a:r>
-              <a:rPr lang="vi-VN" sz="1200" b="0" i="0" kern="1200" dirty="0">
-                <a:solidFill>
-                  <a:schemeClr val="tx1"/>
-                </a:solidFill>
-                <a:effectLst/>
-                <a:latin typeface="+mn-lt"/>
-                <a:ea typeface="+mn-ea"/>
-                <a:cs typeface="+mn-cs"/>
-              </a:rPr>
-              <a:t> Chúng ta có thể tạo thuộc tính </a:t>
-            </a:r>
-            <a:r>
-              <a:rPr lang="vi-VN" dirty="0"/>
-              <a:t>name</a:t>
-            </a:r>
-            <a:r>
-              <a:rPr lang="vi-VN" sz="1200" b="0" i="0" kern="1200" dirty="0">
-                <a:solidFill>
-                  <a:schemeClr val="tx1"/>
-                </a:solidFill>
-                <a:effectLst/>
-                <a:latin typeface="+mn-lt"/>
-                <a:ea typeface="+mn-ea"/>
-                <a:cs typeface="+mn-cs"/>
-              </a:rPr>
-              <a:t> mặc định bằng cách thêm </a:t>
-            </a:r>
-            <a:r>
-              <a:rPr lang="vi-VN" dirty="0"/>
-              <a:t>defaultProps</a:t>
-            </a:r>
-            <a:r>
-              <a:rPr lang="vi-VN" sz="1200" b="0" i="0" kern="1200" dirty="0">
-                <a:solidFill>
-                  <a:schemeClr val="tx1"/>
-                </a:solidFill>
-                <a:effectLst/>
-                <a:latin typeface="+mn-lt"/>
-                <a:ea typeface="+mn-ea"/>
-                <a:cs typeface="+mn-cs"/>
-              </a:rPr>
-              <a:t> vào lớp </a:t>
-            </a:r>
-            <a:r>
-              <a:rPr lang="vi-VN" dirty="0"/>
-              <a:t>Welcome</a:t>
-            </a:r>
             <a:endParaRPr lang="en-US" dirty="0"/>
           </a:p>
         </p:txBody>
@@ -2414,7 +2286,7 @@
     </p:spTree>
     <p:extLst>
       <p:ext uri="{BB962C8B-B14F-4D97-AF65-F5344CB8AC3E}">
-        <p14:creationId xmlns:p14="http://schemas.microsoft.com/office/powerpoint/2010/main" val="1253533451"/>
+        <p14:creationId xmlns:p14="http://schemas.microsoft.com/office/powerpoint/2010/main" val="396944835"/>
       </p:ext>
     </p:extLst>
   </p:cSld>
@@ -2788,7 +2660,7 @@
               <a:buChar char="Ø"/>
             </a:pPr>
             <a:r>
-              <a:rPr lang="en-US" sz="1200" b="0" i="0" kern="1200" dirty="0" err="1" smtClean="0">
+              <a:rPr lang="en-US" sz="1200" b="0" i="0" kern="1200" dirty="0" err="1">
                 <a:solidFill>
                   <a:schemeClr val="tx1"/>
                 </a:solidFill>
@@ -2800,19 +2672,19 @@
               <a:t>Tiếp</a:t>
             </a:r>
             <a:r>
-              <a:rPr lang="en-US" sz="1200" b="0" i="0" kern="1200" dirty="0" smtClean="0">
-                <a:solidFill>
-                  <a:schemeClr val="tx1"/>
-                </a:solidFill>
-                <a:effectLst/>
-                <a:latin typeface="+mn-lt"/>
-                <a:ea typeface="+mn-ea"/>
-                <a:cs typeface="+mn-cs"/>
-              </a:rPr>
-              <a:t> </a:t>
-            </a:r>
-            <a:r>
-              <a:rPr lang="en-US" sz="1200" b="0" i="0" kern="1200" dirty="0" err="1" smtClean="0">
+              <a:rPr lang="en-US" sz="1200" b="0" i="0" kern="1200" dirty="0">
+                <a:solidFill>
+                  <a:schemeClr val="tx1"/>
+                </a:solidFill>
+                <a:effectLst/>
+                <a:latin typeface="+mn-lt"/>
+                <a:ea typeface="+mn-ea"/>
+                <a:cs typeface="+mn-cs"/>
+              </a:rPr>
+              <a:t> </a:t>
+            </a:r>
+            <a:r>
+              <a:rPr lang="en-US" sz="1200" b="0" i="0" kern="1200" dirty="0" err="1">
                 <a:solidFill>
                   <a:schemeClr val="tx1"/>
                 </a:solidFill>
@@ -2824,19 +2696,19 @@
               <a:t>theo</a:t>
             </a:r>
             <a:r>
-              <a:rPr lang="en-US" sz="1200" b="0" i="0" kern="1200" dirty="0" smtClean="0">
-                <a:solidFill>
-                  <a:schemeClr val="tx1"/>
-                </a:solidFill>
-                <a:effectLst/>
-                <a:latin typeface="+mn-lt"/>
-                <a:ea typeface="+mn-ea"/>
-                <a:cs typeface="+mn-cs"/>
-              </a:rPr>
-              <a:t> </a:t>
-            </a:r>
-            <a:r>
-              <a:rPr lang="en-US" sz="1200" b="0" i="0" kern="1200" dirty="0" err="1" smtClean="0">
+              <a:rPr lang="en-US" sz="1200" b="0" i="0" kern="1200" dirty="0">
+                <a:solidFill>
+                  <a:schemeClr val="tx1"/>
+                </a:solidFill>
+                <a:effectLst/>
+                <a:latin typeface="+mn-lt"/>
+                <a:ea typeface="+mn-ea"/>
+                <a:cs typeface="+mn-cs"/>
+              </a:rPr>
+              <a:t> </a:t>
+            </a:r>
+            <a:r>
+              <a:rPr lang="en-US" sz="1200" b="0" i="0" kern="1200" dirty="0" err="1">
                 <a:solidFill>
                   <a:schemeClr val="tx1"/>
                 </a:solidFill>
@@ -2848,7 +2720,7 @@
               <a:t>chúng</a:t>
             </a:r>
             <a:r>
-              <a:rPr lang="en-US" sz="1200" b="0" i="0" kern="1200" baseline="0" dirty="0" smtClean="0">
+              <a:rPr lang="en-US" sz="1200" b="0" i="0" kern="1200" baseline="0" dirty="0">
                 <a:solidFill>
                   <a:schemeClr val="tx1"/>
                 </a:solidFill>
@@ -2860,7 +2732,7 @@
               <a:t> ta </a:t>
             </a:r>
             <a:r>
-              <a:rPr lang="en-US" sz="1200" b="0" i="0" kern="1200" baseline="0" dirty="0" err="1" smtClean="0">
+              <a:rPr lang="en-US" sz="1200" b="0" i="0" kern="1200" baseline="0" dirty="0" err="1">
                 <a:solidFill>
                   <a:schemeClr val="tx1"/>
                 </a:solidFill>
@@ -2872,19 +2744,19 @@
               <a:t>tìm</a:t>
             </a:r>
             <a:r>
-              <a:rPr lang="en-US" sz="1200" b="0" i="0" kern="1200" baseline="0" dirty="0" smtClean="0">
-                <a:solidFill>
-                  <a:schemeClr val="tx1"/>
-                </a:solidFill>
-                <a:effectLst/>
-                <a:latin typeface="+mn-lt"/>
-                <a:ea typeface="+mn-ea"/>
-                <a:cs typeface="+mn-cs"/>
-              </a:rPr>
-              <a:t> </a:t>
-            </a:r>
-            <a:r>
-              <a:rPr lang="en-US" sz="1200" b="0" i="0" kern="1200" baseline="0" dirty="0" err="1" smtClean="0">
+              <a:rPr lang="en-US" sz="1200" b="0" i="0" kern="1200" baseline="0" dirty="0">
+                <a:solidFill>
+                  <a:schemeClr val="tx1"/>
+                </a:solidFill>
+                <a:effectLst/>
+                <a:latin typeface="+mn-lt"/>
+                <a:ea typeface="+mn-ea"/>
+                <a:cs typeface="+mn-cs"/>
+              </a:rPr>
+              <a:t> </a:t>
+            </a:r>
+            <a:r>
+              <a:rPr lang="en-US" sz="1200" b="0" i="0" kern="1200" baseline="0" dirty="0" err="1">
                 <a:solidFill>
                   <a:schemeClr val="tx1"/>
                 </a:solidFill>
@@ -2896,19 +2768,19 @@
               <a:t>hiểu</a:t>
             </a:r>
             <a:r>
-              <a:rPr lang="en-US" sz="1200" b="0" i="0" kern="1200" baseline="0" dirty="0" smtClean="0">
-                <a:solidFill>
-                  <a:schemeClr val="tx1"/>
-                </a:solidFill>
-                <a:effectLst/>
-                <a:latin typeface="+mn-lt"/>
-                <a:ea typeface="+mn-ea"/>
-                <a:cs typeface="+mn-cs"/>
-              </a:rPr>
-              <a:t> </a:t>
-            </a:r>
-            <a:r>
-              <a:rPr lang="en-US" sz="1200" b="0" i="0" kern="1200" baseline="0" dirty="0" err="1" smtClean="0">
+              <a:rPr lang="en-US" sz="1200" b="0" i="0" kern="1200" baseline="0" dirty="0">
+                <a:solidFill>
+                  <a:schemeClr val="tx1"/>
+                </a:solidFill>
+                <a:effectLst/>
+                <a:latin typeface="+mn-lt"/>
+                <a:ea typeface="+mn-ea"/>
+                <a:cs typeface="+mn-cs"/>
+              </a:rPr>
+              <a:t> </a:t>
+            </a:r>
+            <a:r>
+              <a:rPr lang="en-US" sz="1200" b="0" i="0" kern="1200" baseline="0" dirty="0" err="1">
                 <a:solidFill>
                   <a:schemeClr val="tx1"/>
                 </a:solidFill>
@@ -2920,19 +2792,19 @@
               <a:t>vòng</a:t>
             </a:r>
             <a:r>
-              <a:rPr lang="en-US" sz="1200" b="0" i="0" kern="1200" baseline="0" dirty="0" smtClean="0">
-                <a:solidFill>
-                  <a:schemeClr val="tx1"/>
-                </a:solidFill>
-                <a:effectLst/>
-                <a:latin typeface="+mn-lt"/>
-                <a:ea typeface="+mn-ea"/>
-                <a:cs typeface="+mn-cs"/>
-              </a:rPr>
-              <a:t> </a:t>
-            </a:r>
-            <a:r>
-              <a:rPr lang="en-US" sz="1200" b="0" i="0" kern="1200" baseline="0" dirty="0" err="1" smtClean="0">
+              <a:rPr lang="en-US" sz="1200" b="0" i="0" kern="1200" baseline="0" dirty="0">
+                <a:solidFill>
+                  <a:schemeClr val="tx1"/>
+                </a:solidFill>
+                <a:effectLst/>
+                <a:latin typeface="+mn-lt"/>
+                <a:ea typeface="+mn-ea"/>
+                <a:cs typeface="+mn-cs"/>
+              </a:rPr>
+              <a:t> </a:t>
+            </a:r>
+            <a:r>
+              <a:rPr lang="en-US" sz="1200" b="0" i="0" kern="1200" baseline="0" dirty="0" err="1">
                 <a:solidFill>
                   <a:schemeClr val="tx1"/>
                 </a:solidFill>
@@ -2944,19 +2816,19 @@
               <a:t>đời</a:t>
             </a:r>
             <a:r>
-              <a:rPr lang="en-US" sz="1200" b="0" i="0" kern="1200" baseline="0" dirty="0" smtClean="0">
-                <a:solidFill>
-                  <a:schemeClr val="tx1"/>
-                </a:solidFill>
-                <a:effectLst/>
-                <a:latin typeface="+mn-lt"/>
-                <a:ea typeface="+mn-ea"/>
-                <a:cs typeface="+mn-cs"/>
-              </a:rPr>
-              <a:t> </a:t>
-            </a:r>
-            <a:r>
-              <a:rPr lang="en-US" sz="1200" b="0" i="0" kern="1200" baseline="0" dirty="0" err="1" smtClean="0">
+              <a:rPr lang="en-US" sz="1200" b="0" i="0" kern="1200" baseline="0" dirty="0">
+                <a:solidFill>
+                  <a:schemeClr val="tx1"/>
+                </a:solidFill>
+                <a:effectLst/>
+                <a:latin typeface="+mn-lt"/>
+                <a:ea typeface="+mn-ea"/>
+                <a:cs typeface="+mn-cs"/>
+              </a:rPr>
+              <a:t> </a:t>
+            </a:r>
+            <a:r>
+              <a:rPr lang="en-US" sz="1200" b="0" i="0" kern="1200" baseline="0" dirty="0" err="1">
                 <a:solidFill>
                   <a:schemeClr val="tx1"/>
                 </a:solidFill>
@@ -2968,19 +2840,19 @@
               <a:t>của</a:t>
             </a:r>
             <a:r>
-              <a:rPr lang="en-US" sz="1200" b="0" i="0" kern="1200" baseline="0" dirty="0" smtClean="0">
-                <a:solidFill>
-                  <a:schemeClr val="tx1"/>
-                </a:solidFill>
-                <a:effectLst/>
-                <a:latin typeface="+mn-lt"/>
-                <a:ea typeface="+mn-ea"/>
-                <a:cs typeface="+mn-cs"/>
-              </a:rPr>
-              <a:t> </a:t>
-            </a:r>
-            <a:r>
-              <a:rPr lang="vi-VN" sz="1200" b="0" i="0" kern="1200" dirty="0" smtClean="0">
+              <a:rPr lang="en-US" sz="1200" b="0" i="0" kern="1200" baseline="0" dirty="0">
+                <a:solidFill>
+                  <a:schemeClr val="tx1"/>
+                </a:solidFill>
+                <a:effectLst/>
+                <a:latin typeface="+mn-lt"/>
+                <a:ea typeface="+mn-ea"/>
+                <a:cs typeface="+mn-cs"/>
+              </a:rPr>
+              <a:t> </a:t>
+            </a:r>
+            <a:r>
+              <a:rPr lang="vi-VN" sz="1200" b="0" i="0" kern="1200" dirty="0">
                 <a:solidFill>
                   <a:schemeClr val="tx1"/>
                 </a:solidFill>
@@ -2991,7 +2863,7 @@
               </a:rPr>
               <a:t>một component và các methods để quản lý vòng đời này.</a:t>
             </a:r>
-            <a:endParaRPr lang="en-US" sz="1200" b="0" i="0" kern="1200" dirty="0" smtClean="0">
+            <a:endParaRPr lang="en-US" sz="1200" b="0" i="0" kern="1200" dirty="0">
               <a:solidFill>
                 <a:schemeClr val="tx1"/>
               </a:solidFill>
@@ -3003,7 +2875,7 @@
           </a:p>
           <a:p>
             <a:r>
-              <a:rPr lang="en-US" sz="1200" b="1" i="0" kern="1200" dirty="0" err="1" smtClean="0">
+              <a:rPr lang="en-US" sz="1200" b="1" i="0" kern="1200" dirty="0" err="1">
                 <a:solidFill>
                   <a:schemeClr val="tx1"/>
                 </a:solidFill>
@@ -3015,7 +2887,7 @@
               <a:t>Contructor</a:t>
             </a:r>
             <a:r>
-              <a:rPr lang="en-US" sz="1200" b="1" i="0" kern="1200" baseline="0" dirty="0" smtClean="0">
+              <a:rPr lang="en-US" sz="1200" b="1" i="0" kern="1200" baseline="0" dirty="0">
                 <a:solidFill>
                   <a:schemeClr val="tx1"/>
                 </a:solidFill>
@@ -3027,7 +2899,7 @@
               <a:t> : </a:t>
             </a:r>
             <a:r>
-              <a:rPr lang="vi-VN" sz="1200" b="0" i="0" kern="1200" dirty="0" smtClean="0">
+              <a:rPr lang="vi-VN" sz="1200" b="0" i="0" kern="1200" dirty="0">
                 <a:solidFill>
                   <a:schemeClr val="tx1"/>
                 </a:solidFill>
@@ -3038,7 +2910,7 @@
               </a:rPr>
               <a:t>Được gọi khi một thể hiện của component được tạo ra.</a:t>
             </a:r>
-            <a:endParaRPr lang="en-US" sz="1200" b="1" i="0" kern="1200" dirty="0" smtClean="0">
+            <a:endParaRPr lang="en-US" sz="1200" b="1" i="0" kern="1200" dirty="0">
               <a:solidFill>
                 <a:schemeClr val="tx1"/>
               </a:solidFill>
@@ -3050,7 +2922,7 @@
           </a:p>
           <a:p>
             <a:r>
-              <a:rPr lang="vi-VN" sz="1200" b="1" i="0" kern="1200" dirty="0" smtClean="0">
+              <a:rPr lang="vi-VN" sz="1200" b="1" i="0" kern="1200" dirty="0">
                 <a:solidFill>
                   <a:schemeClr val="tx1"/>
                 </a:solidFill>
@@ -3062,7 +2934,7 @@
               <a:t>Mounting</a:t>
             </a:r>
             <a:r>
-              <a:rPr lang="vi-VN" sz="1200" b="0" i="0" kern="1200" dirty="0" smtClean="0">
+              <a:rPr lang="vi-VN" sz="1200" b="0" i="0" kern="1200" dirty="0">
                 <a:solidFill>
                   <a:schemeClr val="tx1"/>
                 </a:solidFill>
@@ -3076,7 +2948,7 @@
           </a:p>
           <a:p>
             <a:r>
-              <a:rPr lang="vi-VN" sz="1200" b="1" i="0" kern="1200" dirty="0" smtClean="0">
+              <a:rPr lang="vi-VN" sz="1200" b="1" i="0" kern="1200" dirty="0">
                 <a:solidFill>
                   <a:schemeClr val="tx1"/>
                 </a:solidFill>
@@ -3088,7 +2960,7 @@
               <a:t>Updating</a:t>
             </a:r>
             <a:r>
-              <a:rPr lang="vi-VN" sz="1200" b="0" i="0" kern="1200" dirty="0" smtClean="0">
+              <a:rPr lang="vi-VN" sz="1200" b="0" i="0" kern="1200" dirty="0">
                 <a:solidFill>
                   <a:schemeClr val="tx1"/>
                 </a:solidFill>
@@ -3100,7 +2972,7 @@
               <a:t> — giai đoạn component được </a:t>
             </a:r>
             <a:r>
-              <a:rPr lang="vi-VN" sz="1200" b="0" i="1" kern="1200" dirty="0" smtClean="0">
+              <a:rPr lang="vi-VN" sz="1200" b="0" i="1" kern="1200" dirty="0">
                 <a:solidFill>
                   <a:schemeClr val="tx1"/>
                 </a:solidFill>
@@ -3111,7 +2983,7 @@
               </a:rPr>
               <a:t>phát triển</a:t>
             </a:r>
-            <a:endParaRPr lang="vi-VN" sz="1200" b="0" i="0" kern="1200" dirty="0" smtClean="0">
+            <a:endParaRPr lang="vi-VN" sz="1200" b="0" i="0" kern="1200" dirty="0">
               <a:solidFill>
                 <a:schemeClr val="tx1"/>
               </a:solidFill>
@@ -3123,7 +2995,7 @@
           </a:p>
           <a:p>
             <a:r>
-              <a:rPr lang="vi-VN" sz="1200" b="1" i="0" kern="1200" dirty="0" smtClean="0">
+              <a:rPr lang="vi-VN" sz="1200" b="1" i="0" kern="1200" dirty="0">
                 <a:solidFill>
                   <a:schemeClr val="tx1"/>
                 </a:solidFill>
@@ -3135,7 +3007,7 @@
               <a:t>Unmounting</a:t>
             </a:r>
             <a:r>
-              <a:rPr lang="vi-VN" sz="1200" b="0" i="0" kern="1200" dirty="0" smtClean="0">
+              <a:rPr lang="vi-VN" sz="1200" b="0" i="0" kern="1200" dirty="0">
                 <a:solidFill>
                   <a:schemeClr val="tx1"/>
                 </a:solidFill>
@@ -3146,6 +3018,617 @@
               </a:rPr>
               <a:t> — giai đoạn component được xóa khỏi browser DOM</a:t>
             </a:r>
+            <a:endParaRPr lang="en-US" sz="1200" b="0" i="0" kern="1200" dirty="0">
+              <a:solidFill>
+                <a:schemeClr val="tx1"/>
+              </a:solidFill>
+              <a:effectLst/>
+              <a:latin typeface="+mn-lt"/>
+              <a:ea typeface="+mn-ea"/>
+              <a:cs typeface="+mn-cs"/>
+            </a:endParaRPr>
+          </a:p>
+          <a:p>
+            <a:pPr marL="171450" indent="-171450">
+              <a:buFont typeface="Wingdings" panose="05000000000000000000" pitchFamily="2" charset="2"/>
+              <a:buChar char="Ø"/>
+            </a:pPr>
+            <a:r>
+              <a:rPr lang="en-US" sz="1200" b="0" i="0" kern="1200" dirty="0">
+                <a:solidFill>
+                  <a:schemeClr val="tx1"/>
+                </a:solidFill>
+                <a:effectLst/>
+                <a:latin typeface="+mn-lt"/>
+                <a:ea typeface="+mn-ea"/>
+                <a:cs typeface="+mn-cs"/>
+              </a:rPr>
+              <a:t>L</a:t>
+            </a:r>
+            <a:r>
+              <a:rPr lang="vi-VN" sz="1200" b="0" i="0" kern="1200" dirty="0">
+                <a:solidFill>
+                  <a:schemeClr val="tx1"/>
+                </a:solidFill>
+                <a:effectLst/>
+                <a:latin typeface="+mn-lt"/>
+                <a:ea typeface="+mn-ea"/>
+                <a:cs typeface="+mn-cs"/>
+              </a:rPr>
+              <a:t>ư</a:t>
+            </a:r>
+            <a:r>
+              <a:rPr lang="en-US" sz="1200" b="0" i="0" kern="1200" dirty="0">
+                <a:solidFill>
+                  <a:schemeClr val="tx1"/>
+                </a:solidFill>
+                <a:effectLst/>
+                <a:latin typeface="+mn-lt"/>
+                <a:ea typeface="+mn-ea"/>
+                <a:cs typeface="+mn-cs"/>
+              </a:rPr>
+              <a:t>u ý : React </a:t>
+            </a:r>
+            <a:r>
+              <a:rPr lang="en-US" sz="1200" b="0" i="0" kern="1200" dirty="0" err="1">
+                <a:solidFill>
+                  <a:schemeClr val="tx1"/>
+                </a:solidFill>
+                <a:effectLst/>
+                <a:latin typeface="+mn-lt"/>
+                <a:ea typeface="+mn-ea"/>
+                <a:cs typeface="+mn-cs"/>
+              </a:rPr>
+              <a:t>khuyến</a:t>
+            </a:r>
+            <a:r>
+              <a:rPr lang="en-US" sz="1200" b="0" i="0" kern="1200" dirty="0">
+                <a:solidFill>
+                  <a:schemeClr val="tx1"/>
+                </a:solidFill>
+                <a:effectLst/>
+                <a:latin typeface="+mn-lt"/>
+                <a:ea typeface="+mn-ea"/>
+                <a:cs typeface="+mn-cs"/>
+              </a:rPr>
+              <a:t> </a:t>
+            </a:r>
+            <a:r>
+              <a:rPr lang="en-US" sz="1200" b="0" i="0" kern="1200" dirty="0" err="1">
+                <a:solidFill>
+                  <a:schemeClr val="tx1"/>
+                </a:solidFill>
+                <a:effectLst/>
+                <a:latin typeface="+mn-lt"/>
+                <a:ea typeface="+mn-ea"/>
+                <a:cs typeface="+mn-cs"/>
+              </a:rPr>
+              <a:t>cáo</a:t>
+            </a:r>
+            <a:r>
+              <a:rPr lang="en-US" sz="1200" b="0" i="0" kern="1200" dirty="0">
+                <a:solidFill>
+                  <a:schemeClr val="tx1"/>
+                </a:solidFill>
+                <a:effectLst/>
+                <a:latin typeface="+mn-lt"/>
+                <a:ea typeface="+mn-ea"/>
+                <a:cs typeface="+mn-cs"/>
+              </a:rPr>
+              <a:t> ko </a:t>
+            </a:r>
+            <a:r>
+              <a:rPr lang="en-US" sz="1200" b="0" i="0" kern="1200" dirty="0" err="1">
+                <a:solidFill>
+                  <a:schemeClr val="tx1"/>
+                </a:solidFill>
+                <a:effectLst/>
+                <a:latin typeface="+mn-lt"/>
+                <a:ea typeface="+mn-ea"/>
+                <a:cs typeface="+mn-cs"/>
+              </a:rPr>
+              <a:t>nên</a:t>
+            </a:r>
+            <a:r>
+              <a:rPr lang="en-US" sz="1200" b="0" i="0" kern="1200" dirty="0">
+                <a:solidFill>
+                  <a:schemeClr val="tx1"/>
+                </a:solidFill>
+                <a:effectLst/>
+                <a:latin typeface="+mn-lt"/>
+                <a:ea typeface="+mn-ea"/>
+                <a:cs typeface="+mn-cs"/>
+              </a:rPr>
+              <a:t> </a:t>
+            </a:r>
+            <a:r>
+              <a:rPr lang="en-US" sz="1200" b="0" i="0" kern="1200" dirty="0" err="1">
+                <a:solidFill>
+                  <a:schemeClr val="tx1"/>
+                </a:solidFill>
+                <a:effectLst/>
+                <a:latin typeface="+mn-lt"/>
+                <a:ea typeface="+mn-ea"/>
+                <a:cs typeface="+mn-cs"/>
+              </a:rPr>
+              <a:t>sử</a:t>
+            </a:r>
+            <a:r>
+              <a:rPr lang="en-US" sz="1200" b="0" i="0" kern="1200" dirty="0">
+                <a:solidFill>
+                  <a:schemeClr val="tx1"/>
+                </a:solidFill>
+                <a:effectLst/>
+                <a:latin typeface="+mn-lt"/>
+                <a:ea typeface="+mn-ea"/>
+                <a:cs typeface="+mn-cs"/>
+              </a:rPr>
+              <a:t> </a:t>
+            </a:r>
+            <a:r>
+              <a:rPr lang="en-US" sz="1200" b="0" i="0" kern="1200" dirty="0" err="1">
+                <a:solidFill>
+                  <a:schemeClr val="tx1"/>
+                </a:solidFill>
+                <a:effectLst/>
+                <a:latin typeface="+mn-lt"/>
+                <a:ea typeface="+mn-ea"/>
+                <a:cs typeface="+mn-cs"/>
+              </a:rPr>
+              <a:t>dụng</a:t>
+            </a:r>
+            <a:r>
+              <a:rPr lang="en-US" sz="1200" b="0" i="0" kern="1200" dirty="0">
+                <a:solidFill>
+                  <a:schemeClr val="tx1"/>
+                </a:solidFill>
+                <a:effectLst/>
+                <a:latin typeface="+mn-lt"/>
+                <a:ea typeface="+mn-ea"/>
+                <a:cs typeface="+mn-cs"/>
+              </a:rPr>
+              <a:t> 3 </a:t>
+            </a:r>
+            <a:r>
+              <a:rPr lang="en-US" sz="1200" b="0" i="0" kern="1200" dirty="0" err="1">
+                <a:solidFill>
+                  <a:schemeClr val="tx1"/>
+                </a:solidFill>
+                <a:effectLst/>
+                <a:latin typeface="+mn-lt"/>
+                <a:ea typeface="+mn-ea"/>
+                <a:cs typeface="+mn-cs"/>
+              </a:rPr>
+              <a:t>ph</a:t>
+            </a:r>
+            <a:r>
+              <a:rPr lang="vi-VN" sz="1200" b="0" i="0" kern="1200" dirty="0">
+                <a:solidFill>
+                  <a:schemeClr val="tx1"/>
+                </a:solidFill>
+                <a:effectLst/>
+                <a:latin typeface="+mn-lt"/>
+                <a:ea typeface="+mn-ea"/>
+                <a:cs typeface="+mn-cs"/>
+              </a:rPr>
+              <a:t>ư</a:t>
+            </a:r>
+            <a:r>
+              <a:rPr lang="en-US" sz="1200" b="0" i="0" kern="1200" dirty="0" err="1">
+                <a:solidFill>
+                  <a:schemeClr val="tx1"/>
+                </a:solidFill>
+                <a:effectLst/>
+                <a:latin typeface="+mn-lt"/>
+                <a:ea typeface="+mn-ea"/>
+                <a:cs typeface="+mn-cs"/>
+              </a:rPr>
+              <a:t>ơng</a:t>
+            </a:r>
+            <a:r>
+              <a:rPr lang="en-US" sz="1200" b="0" i="0" kern="1200" dirty="0">
+                <a:solidFill>
+                  <a:schemeClr val="tx1"/>
+                </a:solidFill>
+                <a:effectLst/>
+                <a:latin typeface="+mn-lt"/>
+                <a:ea typeface="+mn-ea"/>
+                <a:cs typeface="+mn-cs"/>
+              </a:rPr>
+              <a:t> </a:t>
+            </a:r>
+            <a:r>
+              <a:rPr lang="en-US" sz="1200" b="0" i="0" kern="1200" dirty="0" err="1">
+                <a:solidFill>
+                  <a:schemeClr val="tx1"/>
+                </a:solidFill>
+                <a:effectLst/>
+                <a:latin typeface="+mn-lt"/>
+                <a:ea typeface="+mn-ea"/>
+                <a:cs typeface="+mn-cs"/>
+              </a:rPr>
+              <a:t>thức</a:t>
+            </a:r>
+            <a:r>
+              <a:rPr lang="en-US" sz="1200" b="0" i="0" kern="1200" dirty="0">
+                <a:solidFill>
+                  <a:schemeClr val="tx1"/>
+                </a:solidFill>
+                <a:effectLst/>
+                <a:latin typeface="+mn-lt"/>
+                <a:ea typeface="+mn-ea"/>
+                <a:cs typeface="+mn-cs"/>
+              </a:rPr>
+              <a:t> </a:t>
+            </a:r>
+            <a:r>
+              <a:rPr lang="en-US" sz="1200" b="0" i="0" kern="1200" dirty="0" err="1">
+                <a:solidFill>
+                  <a:schemeClr val="tx1"/>
+                </a:solidFill>
+                <a:effectLst/>
+                <a:latin typeface="+mn-lt"/>
+                <a:ea typeface="+mn-ea"/>
+                <a:cs typeface="+mn-cs"/>
+              </a:rPr>
+              <a:t>bên</a:t>
+            </a:r>
+            <a:r>
+              <a:rPr lang="en-US" sz="1200" b="0" i="0" kern="1200" dirty="0">
+                <a:solidFill>
+                  <a:schemeClr val="tx1"/>
+                </a:solidFill>
+                <a:effectLst/>
+                <a:latin typeface="+mn-lt"/>
+                <a:ea typeface="+mn-ea"/>
+                <a:cs typeface="+mn-cs"/>
+              </a:rPr>
+              <a:t> d</a:t>
+            </a:r>
+            <a:r>
+              <a:rPr lang="vi-VN" sz="1200" b="0" i="0" kern="1200" dirty="0">
+                <a:solidFill>
+                  <a:schemeClr val="tx1"/>
+                </a:solidFill>
+                <a:effectLst/>
+                <a:latin typeface="+mn-lt"/>
+                <a:ea typeface="+mn-ea"/>
+                <a:cs typeface="+mn-cs"/>
+              </a:rPr>
+              <a:t>ư</a:t>
+            </a:r>
+            <a:r>
+              <a:rPr lang="en-US" sz="1200" b="0" i="0" kern="1200" dirty="0" err="1">
+                <a:solidFill>
+                  <a:schemeClr val="tx1"/>
+                </a:solidFill>
+                <a:effectLst/>
+                <a:latin typeface="+mn-lt"/>
+                <a:ea typeface="+mn-ea"/>
+                <a:cs typeface="+mn-cs"/>
+              </a:rPr>
+              <a:t>ới</a:t>
+            </a:r>
+            <a:r>
+              <a:rPr lang="en-US" sz="1200" b="0" i="0" kern="1200" dirty="0">
+                <a:solidFill>
+                  <a:schemeClr val="tx1"/>
+                </a:solidFill>
+                <a:effectLst/>
+                <a:latin typeface="+mn-lt"/>
+                <a:ea typeface="+mn-ea"/>
+                <a:cs typeface="+mn-cs"/>
+              </a:rPr>
+              <a:t> , </a:t>
+            </a:r>
+            <a:r>
+              <a:rPr lang="en-US" sz="1200" b="0" i="0" kern="1200" dirty="0" err="1">
+                <a:solidFill>
+                  <a:schemeClr val="tx1"/>
+                </a:solidFill>
+                <a:effectLst/>
+                <a:latin typeface="+mn-lt"/>
+                <a:ea typeface="+mn-ea"/>
+                <a:cs typeface="+mn-cs"/>
+              </a:rPr>
+              <a:t>từ</a:t>
+            </a:r>
+            <a:r>
+              <a:rPr lang="en-US" sz="1200" b="0" i="0" kern="1200" dirty="0">
+                <a:solidFill>
+                  <a:schemeClr val="tx1"/>
+                </a:solidFill>
+                <a:effectLst/>
+                <a:latin typeface="+mn-lt"/>
+                <a:ea typeface="+mn-ea"/>
+                <a:cs typeface="+mn-cs"/>
+              </a:rPr>
+              <a:t> </a:t>
+            </a:r>
+            <a:r>
+              <a:rPr lang="en-US" sz="1200" b="1" i="0" kern="1200" dirty="0">
+                <a:solidFill>
+                  <a:schemeClr val="tx1"/>
+                </a:solidFill>
+                <a:effectLst/>
+                <a:latin typeface="+mn-lt"/>
+                <a:ea typeface="+mn-ea"/>
+                <a:cs typeface="+mn-cs"/>
+              </a:rPr>
+              <a:t>16.3</a:t>
+            </a:r>
+            <a:r>
+              <a:rPr lang="en-US" sz="1200" b="0" i="0" kern="1200" dirty="0">
+                <a:solidFill>
+                  <a:schemeClr val="tx1"/>
+                </a:solidFill>
+                <a:effectLst/>
+                <a:latin typeface="+mn-lt"/>
+                <a:ea typeface="+mn-ea"/>
+                <a:cs typeface="+mn-cs"/>
+              </a:rPr>
+              <a:t>:các </a:t>
+            </a:r>
+            <a:r>
+              <a:rPr lang="en-US" sz="1200" b="0" i="0" kern="1200" dirty="0" err="1">
+                <a:solidFill>
+                  <a:schemeClr val="tx1"/>
+                </a:solidFill>
+                <a:effectLst/>
+                <a:latin typeface="+mn-lt"/>
+                <a:ea typeface="+mn-ea"/>
+                <a:cs typeface="+mn-cs"/>
+              </a:rPr>
+              <a:t>ph</a:t>
+            </a:r>
+            <a:r>
+              <a:rPr lang="vi-VN" sz="1200" b="0" i="0" kern="1200" dirty="0">
+                <a:solidFill>
+                  <a:schemeClr val="tx1"/>
+                </a:solidFill>
+                <a:effectLst/>
+                <a:latin typeface="+mn-lt"/>
+                <a:ea typeface="+mn-ea"/>
+                <a:cs typeface="+mn-cs"/>
+              </a:rPr>
+              <a:t>ư</a:t>
+            </a:r>
+            <a:r>
+              <a:rPr lang="en-US" sz="1200" b="0" i="0" kern="1200" dirty="0" err="1">
+                <a:solidFill>
+                  <a:schemeClr val="tx1"/>
+                </a:solidFill>
+                <a:effectLst/>
+                <a:latin typeface="+mn-lt"/>
+                <a:ea typeface="+mn-ea"/>
+                <a:cs typeface="+mn-cs"/>
+              </a:rPr>
+              <a:t>ơng</a:t>
+            </a:r>
+            <a:r>
+              <a:rPr lang="en-US" sz="1200" b="0" i="0" kern="1200" dirty="0">
+                <a:solidFill>
+                  <a:schemeClr val="tx1"/>
+                </a:solidFill>
+                <a:effectLst/>
+                <a:latin typeface="+mn-lt"/>
+                <a:ea typeface="+mn-ea"/>
+                <a:cs typeface="+mn-cs"/>
+              </a:rPr>
+              <a:t> </a:t>
+            </a:r>
+            <a:r>
+              <a:rPr lang="en-US" sz="1200" b="0" i="0" kern="1200" dirty="0" err="1">
+                <a:solidFill>
+                  <a:schemeClr val="tx1"/>
+                </a:solidFill>
+                <a:effectLst/>
+                <a:latin typeface="+mn-lt"/>
+                <a:ea typeface="+mn-ea"/>
+                <a:cs typeface="+mn-cs"/>
+              </a:rPr>
+              <a:t>thức</a:t>
+            </a:r>
+            <a:r>
+              <a:rPr lang="en-US" sz="1200" b="0" i="0" kern="1200" dirty="0">
+                <a:solidFill>
+                  <a:schemeClr val="tx1"/>
+                </a:solidFill>
+                <a:effectLst/>
+                <a:latin typeface="+mn-lt"/>
+                <a:ea typeface="+mn-ea"/>
+                <a:cs typeface="+mn-cs"/>
+              </a:rPr>
+              <a:t> </a:t>
+            </a:r>
+            <a:r>
+              <a:rPr lang="en-US" sz="1200" b="0" i="0" kern="1200" dirty="0" err="1">
+                <a:solidFill>
+                  <a:schemeClr val="tx1"/>
+                </a:solidFill>
+                <a:effectLst/>
+                <a:latin typeface="+mn-lt"/>
+                <a:ea typeface="+mn-ea"/>
+                <a:cs typeface="+mn-cs"/>
+              </a:rPr>
+              <a:t>này</a:t>
+            </a:r>
+            <a:r>
+              <a:rPr lang="en-US" sz="1200" b="0" i="0" kern="1200" dirty="0">
+                <a:solidFill>
+                  <a:schemeClr val="tx1"/>
+                </a:solidFill>
+                <a:effectLst/>
+                <a:latin typeface="+mn-lt"/>
+                <a:ea typeface="+mn-ea"/>
+                <a:cs typeface="+mn-cs"/>
+              </a:rPr>
+              <a:t> đ</a:t>
+            </a:r>
+            <a:r>
+              <a:rPr lang="vi-VN" sz="1200" b="0" i="0" kern="1200" dirty="0">
+                <a:solidFill>
+                  <a:schemeClr val="tx1"/>
+                </a:solidFill>
+                <a:effectLst/>
+                <a:latin typeface="+mn-lt"/>
+                <a:ea typeface="+mn-ea"/>
+                <a:cs typeface="+mn-cs"/>
+              </a:rPr>
+              <a:t>ư</a:t>
+            </a:r>
+            <a:r>
+              <a:rPr lang="en-US" sz="1200" b="0" i="0" kern="1200" dirty="0" err="1">
+                <a:solidFill>
+                  <a:schemeClr val="tx1"/>
+                </a:solidFill>
+                <a:effectLst/>
+                <a:latin typeface="+mn-lt"/>
+                <a:ea typeface="+mn-ea"/>
+                <a:cs typeface="+mn-cs"/>
+              </a:rPr>
+              <a:t>ơcj</a:t>
+            </a:r>
+            <a:r>
+              <a:rPr lang="en-US" sz="1200" b="0" i="0" kern="1200" dirty="0">
+                <a:solidFill>
+                  <a:schemeClr val="tx1"/>
+                </a:solidFill>
+                <a:effectLst/>
+                <a:latin typeface="+mn-lt"/>
+                <a:ea typeface="+mn-ea"/>
+                <a:cs typeface="+mn-cs"/>
+              </a:rPr>
+              <a:t> them </a:t>
+            </a:r>
+            <a:r>
+              <a:rPr lang="en-US" sz="1200" b="0" i="0" kern="1200" dirty="0" err="1">
+                <a:solidFill>
+                  <a:schemeClr val="tx1"/>
+                </a:solidFill>
+                <a:effectLst/>
+                <a:latin typeface="+mn-lt"/>
+                <a:ea typeface="+mn-ea"/>
+                <a:cs typeface="+mn-cs"/>
+              </a:rPr>
+              <a:t>tiền</a:t>
+            </a:r>
+            <a:r>
+              <a:rPr lang="en-US" sz="1200" b="0" i="0" kern="1200" dirty="0">
+                <a:solidFill>
+                  <a:schemeClr val="tx1"/>
+                </a:solidFill>
+                <a:effectLst/>
+                <a:latin typeface="+mn-lt"/>
+                <a:ea typeface="+mn-ea"/>
+                <a:cs typeface="+mn-cs"/>
+              </a:rPr>
+              <a:t> </a:t>
+            </a:r>
+            <a:r>
+              <a:rPr lang="en-US" sz="1200" b="0" i="0" kern="1200" dirty="0" err="1">
+                <a:solidFill>
+                  <a:schemeClr val="tx1"/>
+                </a:solidFill>
+                <a:effectLst/>
+                <a:latin typeface="+mn-lt"/>
+                <a:ea typeface="+mn-ea"/>
+                <a:cs typeface="+mn-cs"/>
+              </a:rPr>
+              <a:t>tố</a:t>
+            </a:r>
+            <a:r>
+              <a:rPr lang="en-US" sz="1200" b="0" i="0" kern="1200" dirty="0">
+                <a:solidFill>
+                  <a:schemeClr val="tx1"/>
+                </a:solidFill>
+                <a:effectLst/>
+                <a:latin typeface="+mn-lt"/>
+                <a:ea typeface="+mn-ea"/>
+                <a:cs typeface="+mn-cs"/>
+              </a:rPr>
+              <a:t> UNSAFE_</a:t>
+            </a:r>
+          </a:p>
+          <a:p>
+            <a:r>
+              <a:rPr lang="en-US" sz="1200" b="0" i="0" kern="1200" dirty="0" err="1">
+                <a:solidFill>
+                  <a:schemeClr val="tx1"/>
+                </a:solidFill>
+                <a:effectLst/>
+                <a:latin typeface="+mn-lt"/>
+                <a:ea typeface="+mn-ea"/>
+                <a:cs typeface="+mn-cs"/>
+              </a:rPr>
+              <a:t>componentWillMount</a:t>
+            </a:r>
+            <a:endParaRPr lang="en-US" sz="1200" b="0" i="0" kern="1200" dirty="0">
+              <a:solidFill>
+                <a:schemeClr val="tx1"/>
+              </a:solidFill>
+              <a:effectLst/>
+              <a:latin typeface="+mn-lt"/>
+              <a:ea typeface="+mn-ea"/>
+              <a:cs typeface="+mn-cs"/>
+            </a:endParaRPr>
+          </a:p>
+          <a:p>
+            <a:r>
+              <a:rPr lang="en-US" sz="1200" b="0" i="0" kern="1200" dirty="0" err="1">
+                <a:solidFill>
+                  <a:schemeClr val="tx1"/>
+                </a:solidFill>
+                <a:effectLst/>
+                <a:latin typeface="+mn-lt"/>
+                <a:ea typeface="+mn-ea"/>
+                <a:cs typeface="+mn-cs"/>
+              </a:rPr>
+              <a:t>componentWillReceiveProps</a:t>
+            </a:r>
+            <a:endParaRPr lang="en-US" sz="1200" b="0" i="0" kern="1200" dirty="0">
+              <a:solidFill>
+                <a:schemeClr val="tx1"/>
+              </a:solidFill>
+              <a:effectLst/>
+              <a:latin typeface="+mn-lt"/>
+              <a:ea typeface="+mn-ea"/>
+              <a:cs typeface="+mn-cs"/>
+            </a:endParaRPr>
+          </a:p>
+          <a:p>
+            <a:r>
+              <a:rPr lang="en-US" sz="1200" b="0" i="0" kern="1200" dirty="0" err="1">
+                <a:solidFill>
+                  <a:schemeClr val="tx1"/>
+                </a:solidFill>
+                <a:effectLst/>
+                <a:latin typeface="+mn-lt"/>
+                <a:ea typeface="+mn-ea"/>
+                <a:cs typeface="+mn-cs"/>
+              </a:rPr>
+              <a:t>componentWillUpdate</a:t>
+            </a:r>
+            <a:endParaRPr lang="en-US" sz="1200" b="0" i="0" kern="1200" dirty="0">
+              <a:solidFill>
+                <a:schemeClr val="tx1"/>
+              </a:solidFill>
+              <a:effectLst/>
+              <a:latin typeface="+mn-lt"/>
+              <a:ea typeface="+mn-ea"/>
+              <a:cs typeface="+mn-cs"/>
+            </a:endParaRPr>
+          </a:p>
+          <a:p>
+            <a:endParaRPr lang="vi-VN" sz="1200" b="0" i="0" kern="1200" dirty="0">
+              <a:solidFill>
+                <a:schemeClr val="tx1"/>
+              </a:solidFill>
+              <a:effectLst/>
+              <a:latin typeface="+mn-lt"/>
+              <a:ea typeface="+mn-ea"/>
+              <a:cs typeface="+mn-cs"/>
+            </a:endParaRPr>
           </a:p>
           <a:p>
             <a:pPr marL="171450" indent="-171450">
@@ -3325,7 +3808,7 @@
           <a:lstStyle/>
           <a:p>
             <a:r>
-              <a:rPr lang="en-US" sz="1200" b="1" i="0" kern="1200" dirty="0" smtClean="0">
+              <a:rPr lang="en-US" sz="1200" b="1" i="0" kern="1200" dirty="0">
                 <a:solidFill>
                   <a:schemeClr val="tx1"/>
                 </a:solidFill>
@@ -3337,7 +3820,7 @@
               <a:t>1. </a:t>
             </a:r>
             <a:r>
-              <a:rPr lang="en-US" sz="1200" b="1" i="0" kern="1200" dirty="0" err="1" smtClean="0">
+              <a:rPr lang="en-US" sz="1200" b="1" i="0" kern="1200" dirty="0" err="1">
                 <a:solidFill>
                   <a:schemeClr val="tx1"/>
                 </a:solidFill>
@@ -3349,7 +3832,7 @@
               <a:t>ComponentWillMount</a:t>
             </a:r>
             <a:r>
-              <a:rPr lang="en-US" sz="1200" b="1" i="0" kern="1200" dirty="0" smtClean="0">
+              <a:rPr lang="en-US" sz="1200" b="1" i="0" kern="1200" dirty="0">
                 <a:solidFill>
                   <a:schemeClr val="tx1"/>
                 </a:solidFill>
@@ -3366,15 +3849,11 @@
               <a:buFont typeface="Arial" pitchFamily="34" charset="0"/>
               <a:buChar char="•"/>
             </a:pPr>
-            <a:r>
-              <a:rPr lang="en-US" dirty="0" smtClean="0"/>
-              <a:t/>
-            </a:r>
             <a:br>
-              <a:rPr lang="en-US" dirty="0" smtClean="0"/>
+              <a:rPr lang="en-US" dirty="0"/>
             </a:br>
             <a:r>
-              <a:rPr lang="vi-VN" sz="1200" b="0" i="0" kern="1200" dirty="0" smtClean="0">
+              <a:rPr lang="vi-VN" sz="1200" b="0" i="0" kern="1200" dirty="0">
                 <a:solidFill>
                   <a:schemeClr val="tx1"/>
                 </a:solidFill>
@@ -3386,11 +3865,11 @@
               <a:t>Method này sẽ được gọi ngay trước khi component được </a:t>
             </a:r>
             <a:r>
-              <a:rPr lang="vi-VN" dirty="0" smtClean="0"/>
+              <a:rPr lang="vi-VN" dirty="0"/>
               <a:t>mount on the DOM</a:t>
             </a:r>
             <a:r>
-              <a:rPr lang="vi-VN" sz="1200" b="0" i="0" kern="1200" dirty="0" smtClean="0">
+              <a:rPr lang="vi-VN" sz="1200" b="0" i="0" kern="1200" dirty="0">
                 <a:solidFill>
                   <a:schemeClr val="tx1"/>
                 </a:solidFill>
@@ -3402,11 +3881,11 @@
               <a:t> hoặc </a:t>
             </a:r>
             <a:r>
-              <a:rPr lang="vi-VN" dirty="0" smtClean="0"/>
+              <a:rPr lang="vi-VN" dirty="0"/>
               <a:t>render method</a:t>
             </a:r>
             <a:r>
-              <a:rPr lang="vi-VN" sz="1200" b="0" i="0" kern="1200" dirty="0" smtClean="0">
+              <a:rPr lang="vi-VN" sz="1200" b="0" i="0" kern="1200" dirty="0">
                 <a:solidFill>
                   <a:schemeClr val="tx1"/>
                 </a:solidFill>
@@ -3417,7 +3896,7 @@
               </a:rPr>
               <a:t> được gọi</a:t>
             </a:r>
-            <a:endParaRPr lang="en-US" sz="1200" b="0" i="0" kern="1200" dirty="0" smtClean="0">
+            <a:endParaRPr lang="en-US" sz="1200" b="0" i="0" kern="1200" dirty="0">
               <a:solidFill>
                 <a:schemeClr val="tx1"/>
               </a:solidFill>
@@ -3433,7 +3912,7 @@
               <a:buChar char="•"/>
             </a:pPr>
             <a:r>
-              <a:rPr lang="vi-VN" sz="1200" b="0" i="0" kern="1200" dirty="0" smtClean="0">
+              <a:rPr lang="vi-VN" sz="1200" b="0" i="0" kern="1200" dirty="0">
                 <a:solidFill>
                   <a:schemeClr val="tx1"/>
                 </a:solidFill>
@@ -3445,11 +3924,11 @@
               <a:t>không nên thực hiện một cuộc gọi API hoặc dùng </a:t>
             </a:r>
             <a:r>
-              <a:rPr lang="vi-VN" dirty="0" smtClean="0"/>
+              <a:rPr lang="vi-VN" dirty="0"/>
               <a:t>this.setState</a:t>
             </a:r>
             <a:r>
-              <a:rPr lang="vi-VN" sz="1200" b="0" i="0" kern="1200" dirty="0" smtClean="0">
+              <a:rPr lang="vi-VN" sz="1200" b="0" i="0" kern="1200" dirty="0">
                 <a:solidFill>
                   <a:schemeClr val="tx1"/>
                 </a:solidFill>
@@ -3460,7 +3939,7 @@
               </a:rPr>
               <a:t> để thay đổi bất kì dữ liệu nào trong method này. Bởi vì nó sẽ được gọi trước khi render component. Vì vậy, bạn không thể update state với sự trả về của API</a:t>
             </a:r>
-            <a:endParaRPr lang="en-US" sz="1200" b="0" i="0" kern="1200" dirty="0" smtClean="0">
+            <a:endParaRPr lang="en-US" sz="1200" b="0" i="0" kern="1200" dirty="0">
               <a:solidFill>
                 <a:schemeClr val="tx1"/>
               </a:solidFill>
@@ -3489,7 +3968,7 @@
               <a:defRPr/>
             </a:pPr>
             <a:r>
-              <a:rPr lang="en-US" sz="1200" b="1" i="0" kern="1200" dirty="0" smtClean="0">
+              <a:rPr lang="en-US" sz="1200" b="1" i="0" kern="1200" dirty="0">
                 <a:solidFill>
                   <a:schemeClr val="tx1"/>
                 </a:solidFill>
@@ -3501,7 +3980,7 @@
               <a:t>2. </a:t>
             </a:r>
             <a:r>
-              <a:rPr lang="en-US" sz="1200" b="1" i="0" kern="1200" dirty="0" err="1" smtClean="0">
+              <a:rPr lang="en-US" sz="1200" b="1" i="0" kern="1200" dirty="0" err="1">
                 <a:solidFill>
                   <a:schemeClr val="tx1"/>
                 </a:solidFill>
@@ -3513,7 +3992,7 @@
               <a:t>ComponentDidMount</a:t>
             </a:r>
             <a:r>
-              <a:rPr lang="en-US" sz="1200" b="1" i="0" kern="1200" dirty="0" smtClean="0">
+              <a:rPr lang="en-US" sz="1200" b="1" i="0" kern="1200" dirty="0">
                 <a:solidFill>
                   <a:schemeClr val="tx1"/>
                 </a:solidFill>
@@ -3531,7 +4010,7 @@
               <a:buChar char="•"/>
             </a:pPr>
             <a:r>
-              <a:rPr lang="vi-VN" sz="1200" b="0" i="0" kern="1200" dirty="0" smtClean="0">
+              <a:rPr lang="vi-VN" sz="1200" b="0" i="0" kern="1200" dirty="0">
                 <a:solidFill>
                   <a:schemeClr val="tx1"/>
                 </a:solidFill>
@@ -3543,11 +4022,11 @@
               <a:t>Method này sẽ được gọi sau khi component được </a:t>
             </a:r>
             <a:r>
-              <a:rPr lang="vi-VN" dirty="0" smtClean="0"/>
+              <a:rPr lang="vi-VN" dirty="0"/>
               <a:t>mount on the DOM</a:t>
             </a:r>
             <a:r>
-              <a:rPr lang="vi-VN" sz="1200" b="0" i="0" kern="1200" dirty="0" smtClean="0">
+              <a:rPr lang="vi-VN" sz="1200" b="0" i="0" kern="1200" dirty="0">
                 <a:solidFill>
                   <a:schemeClr val="tx1"/>
                 </a:solidFill>
@@ -3559,11 +4038,11 @@
               <a:t>. Giống như componentWillMount, nó sẽ được gọi một lần trong một lifecycle. Trước khi thực thi method này, thì </a:t>
             </a:r>
             <a:r>
-              <a:rPr lang="vi-VN" dirty="0" smtClean="0"/>
+              <a:rPr lang="vi-VN" dirty="0"/>
               <a:t>render method</a:t>
             </a:r>
             <a:r>
-              <a:rPr lang="vi-VN" sz="1200" b="0" i="0" kern="1200" dirty="0" smtClean="0">
+              <a:rPr lang="vi-VN" sz="1200" b="0" i="0" kern="1200" dirty="0">
                 <a:solidFill>
                   <a:schemeClr val="tx1"/>
                 </a:solidFill>
@@ -3574,7 +4053,7 @@
               </a:rPr>
               <a:t> sẽ được gọi</a:t>
             </a:r>
-            <a:endParaRPr lang="en-US" sz="1200" b="0" i="0" kern="1200" dirty="0" smtClean="0">
+            <a:endParaRPr lang="en-US" sz="1200" b="0" i="0" kern="1200" dirty="0">
               <a:solidFill>
                 <a:schemeClr val="tx1"/>
               </a:solidFill>
@@ -3590,7 +4069,7 @@
               <a:buChar char="•"/>
             </a:pPr>
             <a:r>
-              <a:rPr lang="en-US" sz="1200" b="0" i="0" kern="1200" dirty="0" err="1" smtClean="0">
+              <a:rPr lang="en-US" sz="1200" b="0" i="0" kern="1200" dirty="0" err="1">
                 <a:solidFill>
                   <a:schemeClr val="tx1"/>
                 </a:solidFill>
@@ -3602,7 +4081,7 @@
               <a:t>Chúng</a:t>
             </a:r>
             <a:r>
-              <a:rPr lang="en-US" sz="1200" b="0" i="0" kern="1200" dirty="0" smtClean="0">
+              <a:rPr lang="en-US" sz="1200" b="0" i="0" kern="1200" dirty="0">
                 <a:solidFill>
                   <a:schemeClr val="tx1"/>
                 </a:solidFill>
@@ -3614,7 +4093,7 @@
               <a:t> ta </a:t>
             </a:r>
             <a:r>
-              <a:rPr lang="en-US" sz="1200" b="0" i="0" kern="1200" dirty="0" err="1" smtClean="0">
+              <a:rPr lang="en-US" sz="1200" b="0" i="0" kern="1200" dirty="0" err="1">
                 <a:solidFill>
                   <a:schemeClr val="tx1"/>
                 </a:solidFill>
@@ -3626,19 +4105,19 @@
               <a:t>có</a:t>
             </a:r>
             <a:r>
-              <a:rPr lang="en-US" sz="1200" b="0" i="0" kern="1200" dirty="0" smtClean="0">
-                <a:solidFill>
-                  <a:schemeClr val="tx1"/>
-                </a:solidFill>
-                <a:effectLst/>
-                <a:latin typeface="+mn-lt"/>
-                <a:ea typeface="+mn-ea"/>
-                <a:cs typeface="+mn-cs"/>
-              </a:rPr>
-              <a:t> </a:t>
-            </a:r>
-            <a:r>
-              <a:rPr lang="en-US" sz="1200" b="0" i="0" kern="1200" dirty="0" err="1" smtClean="0">
+              <a:rPr lang="en-US" sz="1200" b="0" i="0" kern="1200" dirty="0">
+                <a:solidFill>
+                  <a:schemeClr val="tx1"/>
+                </a:solidFill>
+                <a:effectLst/>
+                <a:latin typeface="+mn-lt"/>
+                <a:ea typeface="+mn-ea"/>
+                <a:cs typeface="+mn-cs"/>
+              </a:rPr>
+              <a:t> </a:t>
+            </a:r>
+            <a:r>
+              <a:rPr lang="en-US" sz="1200" b="0" i="0" kern="1200" dirty="0" err="1">
                 <a:solidFill>
                   <a:schemeClr val="tx1"/>
                 </a:solidFill>
@@ -3650,19 +4129,19 @@
               <a:t>thể</a:t>
             </a:r>
             <a:r>
-              <a:rPr lang="en-US" sz="1200" b="0" i="0" kern="1200" dirty="0" smtClean="0">
-                <a:solidFill>
-                  <a:schemeClr val="tx1"/>
-                </a:solidFill>
-                <a:effectLst/>
-                <a:latin typeface="+mn-lt"/>
-                <a:ea typeface="+mn-ea"/>
-                <a:cs typeface="+mn-cs"/>
-              </a:rPr>
-              <a:t> </a:t>
-            </a:r>
-            <a:r>
-              <a:rPr lang="en-US" sz="1200" b="0" i="0" kern="1200" dirty="0" err="1" smtClean="0">
+              <a:rPr lang="en-US" sz="1200" b="0" i="0" kern="1200" dirty="0">
+                <a:solidFill>
+                  <a:schemeClr val="tx1"/>
+                </a:solidFill>
+                <a:effectLst/>
+                <a:latin typeface="+mn-lt"/>
+                <a:ea typeface="+mn-ea"/>
+                <a:cs typeface="+mn-cs"/>
+              </a:rPr>
+              <a:t> </a:t>
+            </a:r>
+            <a:r>
+              <a:rPr lang="en-US" sz="1200" b="0" i="0" kern="1200" dirty="0" err="1">
                 <a:solidFill>
                   <a:schemeClr val="tx1"/>
                 </a:solidFill>
@@ -3674,19 +4153,19 @@
               <a:t>thực</a:t>
             </a:r>
             <a:r>
-              <a:rPr lang="en-US" sz="1200" b="0" i="0" kern="1200" dirty="0" smtClean="0">
-                <a:solidFill>
-                  <a:schemeClr val="tx1"/>
-                </a:solidFill>
-                <a:effectLst/>
-                <a:latin typeface="+mn-lt"/>
-                <a:ea typeface="+mn-ea"/>
-                <a:cs typeface="+mn-cs"/>
-              </a:rPr>
-              <a:t> </a:t>
-            </a:r>
-            <a:r>
-              <a:rPr lang="en-US" sz="1200" b="0" i="0" kern="1200" dirty="0" err="1" smtClean="0">
+              <a:rPr lang="en-US" sz="1200" b="0" i="0" kern="1200" dirty="0">
+                <a:solidFill>
+                  <a:schemeClr val="tx1"/>
+                </a:solidFill>
+                <a:effectLst/>
+                <a:latin typeface="+mn-lt"/>
+                <a:ea typeface="+mn-ea"/>
+                <a:cs typeface="+mn-cs"/>
+              </a:rPr>
+              <a:t> </a:t>
+            </a:r>
+            <a:r>
+              <a:rPr lang="en-US" sz="1200" b="0" i="0" kern="1200" dirty="0" err="1">
                 <a:solidFill>
                   <a:schemeClr val="tx1"/>
                 </a:solidFill>
@@ -3698,19 +4177,19 @@
               <a:t>hiện</a:t>
             </a:r>
             <a:r>
-              <a:rPr lang="en-US" sz="1200" b="0" i="0" kern="1200" dirty="0" smtClean="0">
-                <a:solidFill>
-                  <a:schemeClr val="tx1"/>
-                </a:solidFill>
-                <a:effectLst/>
-                <a:latin typeface="+mn-lt"/>
-                <a:ea typeface="+mn-ea"/>
-                <a:cs typeface="+mn-cs"/>
-              </a:rPr>
-              <a:t> </a:t>
-            </a:r>
-            <a:r>
-              <a:rPr lang="en-US" sz="1200" b="0" i="0" kern="1200" dirty="0" err="1" smtClean="0">
+              <a:rPr lang="en-US" sz="1200" b="0" i="0" kern="1200" dirty="0">
+                <a:solidFill>
+                  <a:schemeClr val="tx1"/>
+                </a:solidFill>
+                <a:effectLst/>
+                <a:latin typeface="+mn-lt"/>
+                <a:ea typeface="+mn-ea"/>
+                <a:cs typeface="+mn-cs"/>
+              </a:rPr>
+              <a:t> </a:t>
+            </a:r>
+            <a:r>
+              <a:rPr lang="en-US" sz="1200" b="0" i="0" kern="1200" dirty="0" err="1">
                 <a:solidFill>
                   <a:schemeClr val="tx1"/>
                 </a:solidFill>
@@ -3722,19 +4201,19 @@
               <a:t>một</a:t>
             </a:r>
             <a:r>
-              <a:rPr lang="en-US" sz="1200" b="0" i="0" kern="1200" dirty="0" smtClean="0">
-                <a:solidFill>
-                  <a:schemeClr val="tx1"/>
-                </a:solidFill>
-                <a:effectLst/>
-                <a:latin typeface="+mn-lt"/>
-                <a:ea typeface="+mn-ea"/>
-                <a:cs typeface="+mn-cs"/>
-              </a:rPr>
-              <a:t> </a:t>
-            </a:r>
-            <a:r>
-              <a:rPr lang="en-US" sz="1200" b="0" i="0" kern="1200" dirty="0" err="1" smtClean="0">
+              <a:rPr lang="en-US" sz="1200" b="0" i="0" kern="1200" dirty="0">
+                <a:solidFill>
+                  <a:schemeClr val="tx1"/>
+                </a:solidFill>
+                <a:effectLst/>
+                <a:latin typeface="+mn-lt"/>
+                <a:ea typeface="+mn-ea"/>
+                <a:cs typeface="+mn-cs"/>
+              </a:rPr>
+              <a:t> </a:t>
+            </a:r>
+            <a:r>
+              <a:rPr lang="en-US" sz="1200" b="0" i="0" kern="1200" dirty="0" err="1">
                 <a:solidFill>
                   <a:schemeClr val="tx1"/>
                 </a:solidFill>
@@ -3746,19 +4225,19 @@
               <a:t>cuộc</a:t>
             </a:r>
             <a:r>
-              <a:rPr lang="en-US" sz="1200" b="0" i="0" kern="1200" dirty="0" smtClean="0">
-                <a:solidFill>
-                  <a:schemeClr val="tx1"/>
-                </a:solidFill>
-                <a:effectLst/>
-                <a:latin typeface="+mn-lt"/>
-                <a:ea typeface="+mn-ea"/>
-                <a:cs typeface="+mn-cs"/>
-              </a:rPr>
-              <a:t> </a:t>
-            </a:r>
-            <a:r>
-              <a:rPr lang="en-US" sz="1200" b="0" i="0" kern="1200" dirty="0" err="1" smtClean="0">
+              <a:rPr lang="en-US" sz="1200" b="0" i="0" kern="1200" dirty="0">
+                <a:solidFill>
+                  <a:schemeClr val="tx1"/>
+                </a:solidFill>
+                <a:effectLst/>
+                <a:latin typeface="+mn-lt"/>
+                <a:ea typeface="+mn-ea"/>
+                <a:cs typeface="+mn-cs"/>
+              </a:rPr>
+              <a:t> </a:t>
+            </a:r>
+            <a:r>
+              <a:rPr lang="en-US" sz="1200" b="0" i="0" kern="1200" dirty="0" err="1">
                 <a:solidFill>
                   <a:schemeClr val="tx1"/>
                 </a:solidFill>
@@ -3770,7 +4249,7 @@
               <a:t>gọi</a:t>
             </a:r>
             <a:r>
-              <a:rPr lang="en-US" sz="1200" b="0" i="0" kern="1200" dirty="0" smtClean="0">
+              <a:rPr lang="en-US" sz="1200" b="0" i="0" kern="1200" dirty="0">
                 <a:solidFill>
                   <a:schemeClr val="tx1"/>
                 </a:solidFill>
@@ -3782,7 +4261,7 @@
               <a:t> API </a:t>
             </a:r>
             <a:r>
-              <a:rPr lang="en-US" sz="1200" b="0" i="0" kern="1200" dirty="0" err="1" smtClean="0">
+              <a:rPr lang="en-US" sz="1200" b="0" i="0" kern="1200" dirty="0" err="1">
                 <a:solidFill>
                   <a:schemeClr val="tx1"/>
                 </a:solidFill>
@@ -3794,7 +4273,7 @@
               <a:t>hoặc</a:t>
             </a:r>
             <a:r>
-              <a:rPr lang="en-US" sz="1200" b="0" i="0" kern="1200" dirty="0" smtClean="0">
+              <a:rPr lang="en-US" sz="1200" b="0" i="0" kern="1200" dirty="0">
                 <a:solidFill>
                   <a:schemeClr val="tx1"/>
                 </a:solidFill>
@@ -3806,7 +4285,7 @@
               <a:t> update state </a:t>
             </a:r>
             <a:r>
-              <a:rPr lang="en-US" sz="1200" b="0" i="0" kern="1200" dirty="0" err="1" smtClean="0">
+              <a:rPr lang="en-US" sz="1200" b="0" i="0" kern="1200" dirty="0" err="1">
                 <a:solidFill>
                   <a:schemeClr val="tx1"/>
                 </a:solidFill>
@@ -3818,7 +4297,7 @@
               <a:t>với</a:t>
             </a:r>
             <a:r>
-              <a:rPr lang="en-US" sz="1200" b="0" i="0" kern="1200" dirty="0" smtClean="0">
+              <a:rPr lang="en-US" sz="1200" b="0" i="0" kern="1200" dirty="0">
                 <a:solidFill>
                   <a:schemeClr val="tx1"/>
                 </a:solidFill>
@@ -3830,7 +4309,7 @@
               <a:t> API response ở </a:t>
             </a:r>
             <a:r>
-              <a:rPr lang="en-US" sz="1200" b="0" i="0" kern="1200" dirty="0" err="1" smtClean="0">
+              <a:rPr lang="en-US" sz="1200" b="0" i="0" kern="1200" dirty="0" err="1">
                 <a:solidFill>
                   <a:schemeClr val="tx1"/>
                 </a:solidFill>
@@ -3842,7 +4321,7 @@
               <a:t>trong</a:t>
             </a:r>
             <a:r>
-              <a:rPr lang="en-US" sz="1200" b="0" i="0" kern="1200" dirty="0" smtClean="0">
+              <a:rPr lang="en-US" sz="1200" b="0" i="0" kern="1200" dirty="0">
                 <a:solidFill>
                   <a:schemeClr val="tx1"/>
                 </a:solidFill>
@@ -3854,7 +4333,7 @@
               <a:t> method </a:t>
             </a:r>
             <a:r>
-              <a:rPr lang="en-US" sz="1200" b="0" i="0" kern="1200" dirty="0" err="1" smtClean="0">
+              <a:rPr lang="en-US" sz="1200" b="0" i="0" kern="1200" dirty="0" err="1">
                 <a:solidFill>
                   <a:schemeClr val="tx1"/>
                 </a:solidFill>
@@ -3866,7 +4345,7 @@
               <a:t>này</a:t>
             </a:r>
             <a:r>
-              <a:rPr lang="en-US" sz="1200" b="0" i="0" kern="1200" dirty="0" smtClean="0">
+              <a:rPr lang="en-US" sz="1200" b="0" i="0" kern="1200" dirty="0">
                 <a:solidFill>
                   <a:schemeClr val="tx1"/>
                 </a:solidFill>
@@ -3962,7 +4441,7 @@
           <a:lstStyle/>
           <a:p>
             <a:r>
-              <a:rPr lang="en-US" dirty="0" smtClean="0"/>
+              <a:rPr lang="en-US" dirty="0"/>
               <a:t>Updating:</a:t>
             </a:r>
           </a:p>
@@ -3972,7 +4451,7 @@
               <a:buChar char="•"/>
             </a:pPr>
             <a:r>
-              <a:rPr lang="vi-VN" sz="1200" b="0" i="0" kern="1200" dirty="0" smtClean="0">
+              <a:rPr lang="vi-VN" sz="1200" b="0" i="0" kern="1200" dirty="0">
                 <a:solidFill>
                   <a:schemeClr val="tx1"/>
                 </a:solidFill>
@@ -3983,7 +4462,7 @@
               </a:rPr>
               <a:t>Đây là giai đoạn thứ ba trong mỗi lifecycle. Sau giai đoạn mounting (nơi mà các component được tạo ra), đây là giai đoạn updating bắt đầu thực hiện. Đây là nơi state của component thay đổi, và việc re-rendering được diễn ra.</a:t>
             </a:r>
-            <a:endParaRPr lang="en-US" sz="1200" b="0" i="0" kern="1200" dirty="0" smtClean="0">
+            <a:endParaRPr lang="en-US" sz="1200" b="0" i="0" kern="1200" dirty="0">
               <a:solidFill>
                 <a:schemeClr val="tx1"/>
               </a:solidFill>
@@ -3999,7 +4478,7 @@
               <a:buChar char="•"/>
             </a:pPr>
             <a:r>
-              <a:rPr lang="vi-VN" sz="1200" b="0" i="0" kern="1200" dirty="0" smtClean="0">
+              <a:rPr lang="vi-VN" sz="1200" b="0" i="0" kern="1200" dirty="0">
                 <a:solidFill>
                   <a:schemeClr val="tx1"/>
                 </a:solidFill>
@@ -4010,7 +4489,7 @@
               </a:rPr>
               <a:t>Trong giai đoạn này, dữ liệu của mỗi component(state &amp; props) sẽ được update khi user thực hiện các hành động như click, typing… Kết quả sẽ re-rendering lại component</a:t>
             </a:r>
-            <a:endParaRPr lang="en-US" sz="1200" b="0" i="0" kern="1200" dirty="0" smtClean="0">
+            <a:endParaRPr lang="en-US" sz="1200" b="0" i="0" kern="1200" dirty="0">
               <a:solidFill>
                 <a:schemeClr val="tx1"/>
               </a:solidFill>
@@ -4026,7 +4505,7 @@
               <a:buChar char="Ø"/>
             </a:pPr>
             <a:r>
-              <a:rPr lang="vi-VN" sz="1200" b="0" i="0" kern="1200" dirty="0" smtClean="0">
+              <a:rPr lang="vi-VN" sz="1200" b="0" i="0" kern="1200" dirty="0">
                 <a:solidFill>
                   <a:schemeClr val="tx1"/>
                 </a:solidFill>
@@ -4037,7 +4516,7 @@
               </a:rPr>
               <a:t>shouldComponentUpdate </a:t>
             </a:r>
-            <a:endParaRPr lang="en-US" sz="1200" b="0" i="0" kern="1200" dirty="0" smtClean="0">
+            <a:endParaRPr lang="en-US" sz="1200" b="0" i="0" kern="1200" dirty="0">
               <a:solidFill>
                 <a:schemeClr val="tx1"/>
               </a:solidFill>
@@ -4053,7 +4532,7 @@
               <a:buChar char="•"/>
             </a:pPr>
             <a:r>
-              <a:rPr lang="vi-VN" sz="1200" b="0" i="0" kern="1200" dirty="0" smtClean="0">
+              <a:rPr lang="vi-VN" sz="1200" b="0" i="0" kern="1200" dirty="0">
                 <a:solidFill>
                   <a:schemeClr val="tx1"/>
                 </a:solidFill>
@@ -4064,7 +4543,7 @@
               </a:rPr>
               <a:t>sẽ trả về true hoặc false. Nếu trả về true, việc update sẽ diễn ra bình thường. Nhưng nếu trả về false, tất cả method còn lại của updating cycle method sẽ không được gọi nữa, kể cả render và component sẽ không được update</a:t>
             </a:r>
-            <a:endParaRPr lang="en-US" sz="1200" b="0" i="0" kern="1200" dirty="0" smtClean="0">
+            <a:endParaRPr lang="en-US" sz="1200" b="0" i="0" kern="1200" dirty="0">
               <a:solidFill>
                 <a:schemeClr val="tx1"/>
               </a:solidFill>
@@ -4080,7 +4559,7 @@
               <a:buChar char="•"/>
             </a:pPr>
             <a:r>
-              <a:rPr lang="vi-VN" sz="1200" b="0" i="0" kern="1200" dirty="0" smtClean="0">
+              <a:rPr lang="vi-VN" sz="1200" b="0" i="0" kern="1200" dirty="0">
                 <a:solidFill>
                   <a:schemeClr val="tx1"/>
                 </a:solidFill>
@@ -4091,7 +4570,7 @@
               </a:rPr>
               <a:t>shouldComponentUpdate tự động nhận vào 2 argument là: nextProps và nextState</a:t>
             </a:r>
-            <a:endParaRPr lang="en-US" sz="1200" b="0" i="0" kern="1200" dirty="0" smtClean="0">
+            <a:endParaRPr lang="en-US" sz="1200" b="0" i="0" kern="1200" dirty="0">
               <a:solidFill>
                 <a:schemeClr val="tx1"/>
               </a:solidFill>
@@ -4107,7 +4586,7 @@
               <a:buChar char="Ø"/>
             </a:pPr>
             <a:r>
-              <a:rPr lang="en-US" sz="1200" b="0" i="0" kern="1200" dirty="0" err="1" smtClean="0">
+              <a:rPr lang="en-US" sz="1200" b="0" i="0" kern="1200" dirty="0" err="1">
                 <a:solidFill>
                   <a:schemeClr val="tx1"/>
                 </a:solidFill>
@@ -4119,7 +4598,7 @@
               <a:t>componentWillUpdate</a:t>
             </a:r>
             <a:r>
-              <a:rPr lang="en-US" sz="1200" b="0" i="0" kern="1200" dirty="0" smtClean="0">
+              <a:rPr lang="en-US" sz="1200" b="0" i="0" kern="1200" dirty="0">
                 <a:solidFill>
                   <a:schemeClr val="tx1"/>
                 </a:solidFill>
@@ -4137,7 +4616,7 @@
               <a:buChar char="•"/>
             </a:pPr>
             <a:r>
-              <a:rPr lang="vi-VN" sz="1200" b="0" i="0" kern="1200" dirty="0" smtClean="0">
+              <a:rPr lang="vi-VN" sz="1200" b="0" i="0" kern="1200" dirty="0">
                 <a:solidFill>
                   <a:schemeClr val="tx1"/>
                 </a:solidFill>
@@ -4148,7 +4627,7 @@
               </a:rPr>
               <a:t>Nó được gọi giữa shouldComponentUpdate và render</a:t>
             </a:r>
-            <a:endParaRPr lang="en-US" sz="1200" b="0" i="0" kern="1200" dirty="0" smtClean="0">
+            <a:endParaRPr lang="en-US" sz="1200" b="0" i="0" kern="1200" dirty="0">
               <a:solidFill>
                 <a:schemeClr val="tx1"/>
               </a:solidFill>
@@ -4164,7 +4643,7 @@
               <a:buChar char="•"/>
             </a:pPr>
             <a:r>
-              <a:rPr lang="en-US" sz="1200" b="0" i="0" kern="1200" dirty="0" err="1" smtClean="0">
+              <a:rPr lang="en-US" sz="1200" b="0" i="0" kern="1200" dirty="0" err="1">
                 <a:solidFill>
                   <a:schemeClr val="tx1"/>
                 </a:solidFill>
@@ -4176,19 +4655,19 @@
               <a:t>Nó</a:t>
             </a:r>
             <a:r>
-              <a:rPr lang="en-US" sz="1200" b="0" i="0" kern="1200" dirty="0" smtClean="0">
-                <a:solidFill>
-                  <a:schemeClr val="tx1"/>
-                </a:solidFill>
-                <a:effectLst/>
-                <a:latin typeface="+mn-lt"/>
-                <a:ea typeface="+mn-ea"/>
-                <a:cs typeface="+mn-cs"/>
-              </a:rPr>
-              <a:t> </a:t>
-            </a:r>
-            <a:r>
-              <a:rPr lang="en-US" sz="1200" b="0" i="0" kern="1200" dirty="0" err="1" smtClean="0">
+              <a:rPr lang="en-US" sz="1200" b="0" i="0" kern="1200" dirty="0">
+                <a:solidFill>
+                  <a:schemeClr val="tx1"/>
+                </a:solidFill>
+                <a:effectLst/>
+                <a:latin typeface="+mn-lt"/>
+                <a:ea typeface="+mn-ea"/>
+                <a:cs typeface="+mn-cs"/>
+              </a:rPr>
+              <a:t> </a:t>
+            </a:r>
+            <a:r>
+              <a:rPr lang="en-US" sz="1200" b="0" i="0" kern="1200" dirty="0" err="1">
                 <a:solidFill>
                   <a:schemeClr val="tx1"/>
                 </a:solidFill>
@@ -4200,19 +4679,19 @@
               <a:t>cũng</a:t>
             </a:r>
             <a:r>
-              <a:rPr lang="en-US" sz="1200" b="0" i="0" kern="1200" dirty="0" smtClean="0">
-                <a:solidFill>
-                  <a:schemeClr val="tx1"/>
-                </a:solidFill>
-                <a:effectLst/>
-                <a:latin typeface="+mn-lt"/>
-                <a:ea typeface="+mn-ea"/>
-                <a:cs typeface="+mn-cs"/>
-              </a:rPr>
-              <a:t> </a:t>
-            </a:r>
-            <a:r>
-              <a:rPr lang="en-US" sz="1200" b="0" i="0" kern="1200" dirty="0" err="1" smtClean="0">
+              <a:rPr lang="en-US" sz="1200" b="0" i="0" kern="1200" dirty="0">
+                <a:solidFill>
+                  <a:schemeClr val="tx1"/>
+                </a:solidFill>
+                <a:effectLst/>
+                <a:latin typeface="+mn-lt"/>
+                <a:ea typeface="+mn-ea"/>
+                <a:cs typeface="+mn-cs"/>
+              </a:rPr>
+              <a:t> </a:t>
+            </a:r>
+            <a:r>
+              <a:rPr lang="en-US" sz="1200" b="0" i="0" kern="1200" dirty="0" err="1">
                 <a:solidFill>
                   <a:schemeClr val="tx1"/>
                 </a:solidFill>
@@ -4224,19 +4703,19 @@
               <a:t>nhận</a:t>
             </a:r>
             <a:r>
-              <a:rPr lang="en-US" sz="1200" b="0" i="0" kern="1200" dirty="0" smtClean="0">
-                <a:solidFill>
-                  <a:schemeClr val="tx1"/>
-                </a:solidFill>
-                <a:effectLst/>
-                <a:latin typeface="+mn-lt"/>
-                <a:ea typeface="+mn-ea"/>
-                <a:cs typeface="+mn-cs"/>
-              </a:rPr>
-              <a:t> </a:t>
-            </a:r>
-            <a:r>
-              <a:rPr lang="en-US" sz="1200" b="0" i="0" kern="1200" dirty="0" err="1" smtClean="0">
+              <a:rPr lang="en-US" sz="1200" b="0" i="0" kern="1200" dirty="0">
+                <a:solidFill>
+                  <a:schemeClr val="tx1"/>
+                </a:solidFill>
+                <a:effectLst/>
+                <a:latin typeface="+mn-lt"/>
+                <a:ea typeface="+mn-ea"/>
+                <a:cs typeface="+mn-cs"/>
+              </a:rPr>
+              <a:t> </a:t>
+            </a:r>
+            <a:r>
+              <a:rPr lang="en-US" sz="1200" b="0" i="0" kern="1200" dirty="0" err="1">
                 <a:solidFill>
                   <a:schemeClr val="tx1"/>
                 </a:solidFill>
@@ -4248,7 +4727,7 @@
               <a:t>vào</a:t>
             </a:r>
             <a:r>
-              <a:rPr lang="en-US" sz="1200" b="0" i="0" kern="1200" dirty="0" smtClean="0">
+              <a:rPr lang="en-US" sz="1200" b="0" i="0" kern="1200" dirty="0">
                 <a:solidFill>
                   <a:schemeClr val="tx1"/>
                 </a:solidFill>
@@ -4260,7 +4739,7 @@
               <a:t> 2 argument </a:t>
             </a:r>
             <a:r>
-              <a:rPr lang="en-US" sz="1200" b="0" i="0" kern="1200" dirty="0" err="1" smtClean="0">
+              <a:rPr lang="en-US" sz="1200" b="0" i="0" kern="1200" dirty="0" err="1">
                 <a:solidFill>
                   <a:schemeClr val="tx1"/>
                 </a:solidFill>
@@ -4272,19 +4751,19 @@
               <a:t>và</a:t>
             </a:r>
             <a:r>
-              <a:rPr lang="en-US" sz="1200" b="0" i="0" kern="1200" dirty="0" smtClean="0">
-                <a:solidFill>
-                  <a:schemeClr val="tx1"/>
-                </a:solidFill>
-                <a:effectLst/>
-                <a:latin typeface="+mn-lt"/>
-                <a:ea typeface="+mn-ea"/>
-                <a:cs typeface="+mn-cs"/>
-              </a:rPr>
-              <a:t> </a:t>
-            </a:r>
-            <a:r>
-              <a:rPr lang="en-US" sz="1200" b="0" i="0" kern="1200" dirty="0" err="1" smtClean="0">
+              <a:rPr lang="en-US" sz="1200" b="0" i="0" kern="1200" dirty="0">
+                <a:solidFill>
+                  <a:schemeClr val="tx1"/>
+                </a:solidFill>
+                <a:effectLst/>
+                <a:latin typeface="+mn-lt"/>
+                <a:ea typeface="+mn-ea"/>
+                <a:cs typeface="+mn-cs"/>
+              </a:rPr>
+              <a:t> </a:t>
+            </a:r>
+            <a:r>
+              <a:rPr lang="en-US" sz="1200" b="0" i="0" kern="1200" dirty="0" err="1">
                 <a:solidFill>
                   <a:schemeClr val="tx1"/>
                 </a:solidFill>
@@ -4296,19 +4775,19 @@
               <a:t>nextProps</a:t>
             </a:r>
             <a:r>
-              <a:rPr lang="en-US" sz="1200" b="0" i="0" kern="1200" dirty="0" smtClean="0">
-                <a:solidFill>
-                  <a:schemeClr val="tx1"/>
-                </a:solidFill>
-                <a:effectLst/>
-                <a:latin typeface="+mn-lt"/>
-                <a:ea typeface="+mn-ea"/>
-                <a:cs typeface="+mn-cs"/>
-              </a:rPr>
-              <a:t> </a:t>
-            </a:r>
-            <a:r>
-              <a:rPr lang="en-US" sz="1200" b="0" i="0" kern="1200" dirty="0" err="1" smtClean="0">
+              <a:rPr lang="en-US" sz="1200" b="0" i="0" kern="1200" dirty="0">
+                <a:solidFill>
+                  <a:schemeClr val="tx1"/>
+                </a:solidFill>
+                <a:effectLst/>
+                <a:latin typeface="+mn-lt"/>
+                <a:ea typeface="+mn-ea"/>
+                <a:cs typeface="+mn-cs"/>
+              </a:rPr>
+              <a:t> </a:t>
+            </a:r>
+            <a:r>
+              <a:rPr lang="en-US" sz="1200" b="0" i="0" kern="1200" dirty="0" err="1">
                 <a:solidFill>
                   <a:schemeClr val="tx1"/>
                 </a:solidFill>
@@ -4320,19 +4799,19 @@
               <a:t>và</a:t>
             </a:r>
             <a:r>
-              <a:rPr lang="en-US" sz="1200" b="0" i="0" kern="1200" dirty="0" smtClean="0">
-                <a:solidFill>
-                  <a:schemeClr val="tx1"/>
-                </a:solidFill>
-                <a:effectLst/>
-                <a:latin typeface="+mn-lt"/>
-                <a:ea typeface="+mn-ea"/>
-                <a:cs typeface="+mn-cs"/>
-              </a:rPr>
-              <a:t> </a:t>
-            </a:r>
-            <a:r>
-              <a:rPr lang="en-US" sz="1200" b="0" i="0" kern="1200" dirty="0" err="1" smtClean="0">
+              <a:rPr lang="en-US" sz="1200" b="0" i="0" kern="1200" dirty="0">
+                <a:solidFill>
+                  <a:schemeClr val="tx1"/>
+                </a:solidFill>
+                <a:effectLst/>
+                <a:latin typeface="+mn-lt"/>
+                <a:ea typeface="+mn-ea"/>
+                <a:cs typeface="+mn-cs"/>
+              </a:rPr>
+              <a:t> </a:t>
+            </a:r>
+            <a:r>
+              <a:rPr lang="en-US" sz="1200" b="0" i="0" kern="1200" dirty="0" err="1">
                 <a:solidFill>
                   <a:schemeClr val="tx1"/>
                 </a:solidFill>
@@ -4344,7 +4823,7 @@
               <a:t>nextState</a:t>
             </a:r>
             <a:r>
-              <a:rPr lang="en-US" sz="1200" b="0" i="0" kern="1200" dirty="0" smtClean="0">
+              <a:rPr lang="en-US" sz="1200" b="0" i="0" kern="1200" dirty="0">
                 <a:solidFill>
                   <a:schemeClr val="tx1"/>
                 </a:solidFill>
@@ -4362,7 +4841,7 @@
               <a:buChar char="•"/>
             </a:pPr>
             <a:r>
-              <a:rPr lang="vi-VN" sz="1200" b="0" i="0" kern="1200" dirty="0" smtClean="0">
+              <a:rPr lang="vi-VN" sz="1200" b="0" i="0" kern="1200" dirty="0">
                 <a:solidFill>
                   <a:schemeClr val="tx1"/>
                 </a:solidFill>
@@ -4458,11 +4937,11 @@
           <a:lstStyle/>
           <a:p>
             <a:r>
-              <a:rPr lang="en-US" dirty="0" err="1" smtClean="0"/>
+              <a:rPr lang="en-US" dirty="0" err="1"/>
               <a:t>Unmount</a:t>
             </a:r>
             <a:r>
-              <a:rPr lang="en-US" dirty="0" smtClean="0"/>
+              <a:rPr lang="en-US" dirty="0"/>
               <a:t>:</a:t>
             </a:r>
           </a:p>
@@ -4472,7 +4951,7 @@
               <a:buChar char="•"/>
             </a:pPr>
             <a:r>
-              <a:rPr lang="en-US" sz="1200" b="0" i="0" kern="1200" dirty="0" smtClean="0">
+              <a:rPr lang="en-US" sz="1200" b="0" i="0" kern="1200" dirty="0">
                 <a:solidFill>
                   <a:schemeClr val="tx1"/>
                 </a:solidFill>
@@ -4484,7 +4963,7 @@
               <a:t>v</a:t>
             </a:r>
             <a:r>
-              <a:rPr lang="vi-VN" sz="1200" b="0" i="0" kern="1200" dirty="0" smtClean="0">
+              <a:rPr lang="vi-VN" sz="1200" b="0" i="0" kern="1200" dirty="0">
                 <a:solidFill>
                   <a:schemeClr val="tx1"/>
                 </a:solidFill>
@@ -4495,7 +4974,7 @@
               </a:rPr>
               <a:t>iệc này có thể xảy ra khi một DOM được render mà không có component hoặc nếu user chuyển hướng đến một trang web khác hoặc khi trình duyệt được đóng.</a:t>
             </a:r>
-            <a:endParaRPr lang="en-US" sz="1200" b="0" i="0" kern="1200" dirty="0" smtClean="0">
+            <a:endParaRPr lang="en-US" sz="1200" b="0" i="0" kern="1200" dirty="0">
               <a:solidFill>
                 <a:schemeClr val="tx1"/>
               </a:solidFill>
@@ -4511,7 +4990,7 @@
               <a:buChar char="•"/>
             </a:pPr>
             <a:r>
-              <a:rPr lang="en-US" sz="1200" b="0" i="0" kern="1200" dirty="0" smtClean="0">
+              <a:rPr lang="en-US" sz="1200" b="0" i="0" kern="1200" dirty="0">
                 <a:solidFill>
                   <a:schemeClr val="tx1"/>
                 </a:solidFill>
@@ -4523,7 +5002,7 @@
               <a:t>co</a:t>
             </a:r>
             <a:r>
-              <a:rPr lang="vi-VN" sz="1200" b="0" i="0" kern="1200" dirty="0" smtClean="0">
+              <a:rPr lang="vi-VN" sz="1200" b="0" i="0" kern="1200" dirty="0">
                 <a:solidFill>
                   <a:schemeClr val="tx1"/>
                 </a:solidFill>
@@ -4534,7 +5013,7 @@
               </a:rPr>
               <a:t>mponentWillUnmount sẽ được gọi trước khi một component bị remove khỏi một DOM</a:t>
             </a:r>
-            <a:endParaRPr lang="en-US" sz="1200" b="0" i="0" kern="1200" dirty="0" smtClean="0">
+            <a:endParaRPr lang="en-US" sz="1200" b="0" i="0" kern="1200" dirty="0">
               <a:solidFill>
                 <a:schemeClr val="tx1"/>
               </a:solidFill>
@@ -4550,7 +5029,7 @@
               <a:buChar char="•"/>
             </a:pPr>
             <a:r>
-              <a:rPr lang="vi-VN" sz="1200" b="0" i="0" kern="1200" dirty="0" smtClean="0">
+              <a:rPr lang="vi-VN" sz="1200" b="0" i="0" kern="1200" dirty="0">
                 <a:solidFill>
                   <a:schemeClr val="tx1"/>
                 </a:solidFill>
@@ -4561,7 +5040,7 @@
               </a:rPr>
               <a:t>Nếu một component khởi tạo bất kì một method nào mà method đó yêu cầu phải clean up thì componentWillUnmount sẽ là nơi bạn nên đặt clean up.</a:t>
             </a:r>
-            <a:endParaRPr lang="en-US" sz="1200" b="0" i="0" kern="1200" dirty="0" smtClean="0">
+            <a:endParaRPr lang="en-US" sz="1200" b="0" i="0" kern="1200" dirty="0">
               <a:solidFill>
                 <a:schemeClr val="tx1"/>
               </a:solidFill>
@@ -4577,7 +5056,7 @@
               <a:buChar char="•"/>
             </a:pPr>
             <a:r>
-              <a:rPr lang="vi-VN" sz="1200" b="0" i="0" kern="1200" dirty="0" smtClean="0">
+              <a:rPr lang="vi-VN" sz="1200" b="0" i="0" kern="1200" dirty="0">
                 <a:solidFill>
                   <a:schemeClr val="tx1"/>
                 </a:solidFill>
@@ -4589,11 +5068,11 @@
               <a:t> giả sử trong </a:t>
             </a:r>
             <a:r>
-              <a:rPr lang="vi-VN" dirty="0" smtClean="0"/>
+              <a:rPr lang="vi-VN" dirty="0"/>
               <a:t>componentDidMount()</a:t>
             </a:r>
             <a:r>
-              <a:rPr lang="vi-VN" sz="1200" b="0" i="0" kern="1200" dirty="0" smtClean="0">
+              <a:rPr lang="vi-VN" sz="1200" b="0" i="0" kern="1200" dirty="0">
                 <a:solidFill>
                   <a:schemeClr val="tx1"/>
                 </a:solidFill>
@@ -4605,11 +5084,11 @@
               <a:t> bạn gọi </a:t>
             </a:r>
             <a:r>
-              <a:rPr lang="vi-VN" dirty="0" smtClean="0"/>
+              <a:rPr lang="vi-VN" dirty="0"/>
               <a:t>setInteval()</a:t>
             </a:r>
             <a:r>
-              <a:rPr lang="vi-VN" sz="1200" b="0" i="0" kern="1200" dirty="0" smtClean="0">
+              <a:rPr lang="vi-VN" sz="1200" b="0" i="0" kern="1200" dirty="0">
                 <a:solidFill>
                   <a:schemeClr val="tx1"/>
                 </a:solidFill>
@@ -4621,11 +5100,11 @@
               <a:t> thì bạn phải gọi đến </a:t>
             </a:r>
             <a:r>
-              <a:rPr lang="vi-VN" dirty="0" smtClean="0"/>
+              <a:rPr lang="vi-VN" dirty="0"/>
               <a:t>clearInteval(id)</a:t>
             </a:r>
             <a:r>
-              <a:rPr lang="vi-VN" sz="1200" b="0" i="0" kern="1200" dirty="0" smtClean="0">
+              <a:rPr lang="vi-VN" sz="1200" b="0" i="0" kern="1200" dirty="0">
                 <a:solidFill>
                   <a:schemeClr val="tx1"/>
                 </a:solidFill>
@@ -4637,11 +5116,11 @@
               <a:t> bên trong lifecycle </a:t>
             </a:r>
             <a:r>
-              <a:rPr lang="vi-VN" dirty="0" smtClean="0"/>
+              <a:rPr lang="vi-VN" dirty="0"/>
               <a:t>componentWillUnmount()</a:t>
             </a:r>
             <a:r>
-              <a:rPr lang="vi-VN" sz="1200" b="0" i="0" kern="1200" dirty="0" smtClean="0">
+              <a:rPr lang="vi-VN" sz="1200" b="0" i="0" kern="1200" dirty="0">
                 <a:solidFill>
                   <a:schemeClr val="tx1"/>
                 </a:solidFill>
@@ -4651,6 +5130,366 @@
                 <a:cs typeface="+mn-cs"/>
               </a:rPr>
               <a:t> nếu không muốn ứng dụng bị rò rỉ bộ nhớ</a:t>
+            </a:r>
+            <a:r>
+              <a:rPr lang="en-US" sz="1200" b="0" i="0" kern="1200" dirty="0">
+                <a:solidFill>
+                  <a:schemeClr val="tx1"/>
+                </a:solidFill>
+                <a:effectLst/>
+                <a:latin typeface="+mn-lt"/>
+                <a:ea typeface="+mn-ea"/>
+                <a:cs typeface="+mn-cs"/>
+              </a:rPr>
+              <a:t>(</a:t>
+            </a:r>
+            <a:r>
+              <a:rPr lang="en-US" sz="1200" b="0" i="0" kern="1200" dirty="0" err="1">
+                <a:solidFill>
+                  <a:schemeClr val="tx1"/>
+                </a:solidFill>
+                <a:effectLst/>
+                <a:latin typeface="+mn-lt"/>
+                <a:ea typeface="+mn-ea"/>
+                <a:cs typeface="+mn-cs"/>
+              </a:rPr>
+              <a:t>memori</a:t>
+            </a:r>
+            <a:r>
+              <a:rPr lang="en-US" sz="1200" b="0" i="0" kern="1200" dirty="0">
+                <a:solidFill>
+                  <a:schemeClr val="tx1"/>
+                </a:solidFill>
+                <a:effectLst/>
+                <a:latin typeface="+mn-lt"/>
+                <a:ea typeface="+mn-ea"/>
+                <a:cs typeface="+mn-cs"/>
+              </a:rPr>
+              <a:t> </a:t>
+            </a:r>
+            <a:r>
+              <a:rPr lang="en-US" sz="1200" b="0" i="0" kern="1200" dirty="0" err="1">
+                <a:solidFill>
+                  <a:schemeClr val="tx1"/>
+                </a:solidFill>
+                <a:effectLst/>
+                <a:latin typeface="+mn-lt"/>
+                <a:ea typeface="+mn-ea"/>
+                <a:cs typeface="+mn-cs"/>
+              </a:rPr>
+              <a:t>leack</a:t>
+            </a:r>
+            <a:r>
+              <a:rPr lang="en-US" sz="1200" b="0" i="0" kern="1200" dirty="0">
+                <a:solidFill>
+                  <a:schemeClr val="tx1"/>
+                </a:solidFill>
+                <a:effectLst/>
+                <a:latin typeface="+mn-lt"/>
+                <a:ea typeface="+mn-ea"/>
+                <a:cs typeface="+mn-cs"/>
+              </a:rPr>
+              <a:t>) – </a:t>
+            </a:r>
+            <a:r>
+              <a:rPr lang="en-US" sz="1200" b="0" i="0" kern="1200" dirty="0" err="1">
+                <a:solidFill>
+                  <a:schemeClr val="tx1"/>
+                </a:solidFill>
+                <a:effectLst/>
+                <a:latin typeface="+mn-lt"/>
+                <a:ea typeface="+mn-ea"/>
+                <a:cs typeface="+mn-cs"/>
+              </a:rPr>
+              <a:t>có</a:t>
+            </a:r>
+            <a:r>
+              <a:rPr lang="en-US" sz="1200" b="0" i="0" kern="1200" dirty="0">
+                <a:solidFill>
+                  <a:schemeClr val="tx1"/>
+                </a:solidFill>
+                <a:effectLst/>
+                <a:latin typeface="+mn-lt"/>
+                <a:ea typeface="+mn-ea"/>
+                <a:cs typeface="+mn-cs"/>
+              </a:rPr>
+              <a:t> </a:t>
+            </a:r>
+            <a:r>
+              <a:rPr lang="en-US" sz="1200" b="0" i="0" kern="1200" dirty="0" err="1">
+                <a:solidFill>
+                  <a:schemeClr val="tx1"/>
+                </a:solidFill>
+                <a:effectLst/>
+                <a:latin typeface="+mn-lt"/>
+                <a:ea typeface="+mn-ea"/>
+                <a:cs typeface="+mn-cs"/>
+              </a:rPr>
+              <a:t>những</a:t>
+            </a:r>
+            <a:r>
+              <a:rPr lang="en-US" sz="1200" b="0" i="0" kern="1200" dirty="0">
+                <a:solidFill>
+                  <a:schemeClr val="tx1"/>
+                </a:solidFill>
+                <a:effectLst/>
+                <a:latin typeface="+mn-lt"/>
+                <a:ea typeface="+mn-ea"/>
+                <a:cs typeface="+mn-cs"/>
+              </a:rPr>
+              <a:t> </a:t>
+            </a:r>
+            <a:r>
+              <a:rPr lang="en-US" sz="1200" b="0" i="0" kern="1200" dirty="0" err="1">
+                <a:solidFill>
+                  <a:schemeClr val="tx1"/>
+                </a:solidFill>
+                <a:effectLst/>
+                <a:latin typeface="+mn-lt"/>
+                <a:ea typeface="+mn-ea"/>
+                <a:cs typeface="+mn-cs"/>
+              </a:rPr>
+              <a:t>biến</a:t>
+            </a:r>
+            <a:r>
+              <a:rPr lang="en-US" sz="1200" b="0" i="0" kern="1200" dirty="0">
+                <a:solidFill>
+                  <a:schemeClr val="tx1"/>
+                </a:solidFill>
+                <a:effectLst/>
+                <a:latin typeface="+mn-lt"/>
+                <a:ea typeface="+mn-ea"/>
+                <a:cs typeface="+mn-cs"/>
+              </a:rPr>
+              <a:t> </a:t>
+            </a:r>
+            <a:r>
+              <a:rPr lang="en-US" sz="1200" b="0" i="0" kern="1200" dirty="0" err="1">
+                <a:solidFill>
+                  <a:schemeClr val="tx1"/>
+                </a:solidFill>
+                <a:effectLst/>
+                <a:latin typeface="+mn-lt"/>
+                <a:ea typeface="+mn-ea"/>
+                <a:cs typeface="+mn-cs"/>
+              </a:rPr>
+              <a:t>tồn</a:t>
+            </a:r>
+            <a:r>
+              <a:rPr lang="en-US" sz="1200" b="0" i="0" kern="1200" dirty="0">
+                <a:solidFill>
+                  <a:schemeClr val="tx1"/>
+                </a:solidFill>
+                <a:effectLst/>
+                <a:latin typeface="+mn-lt"/>
+                <a:ea typeface="+mn-ea"/>
+                <a:cs typeface="+mn-cs"/>
+              </a:rPr>
+              <a:t> </a:t>
+            </a:r>
+            <a:r>
+              <a:rPr lang="en-US" sz="1200" b="0" i="0" kern="1200" dirty="0" err="1">
+                <a:solidFill>
+                  <a:schemeClr val="tx1"/>
+                </a:solidFill>
+                <a:effectLst/>
+                <a:latin typeface="+mn-lt"/>
+                <a:ea typeface="+mn-ea"/>
+                <a:cs typeface="+mn-cs"/>
+              </a:rPr>
+              <a:t>tại</a:t>
+            </a:r>
+            <a:r>
+              <a:rPr lang="en-US" sz="1200" b="0" i="0" kern="1200" dirty="0">
+                <a:solidFill>
+                  <a:schemeClr val="tx1"/>
+                </a:solidFill>
+                <a:effectLst/>
+                <a:latin typeface="+mn-lt"/>
+                <a:ea typeface="+mn-ea"/>
+                <a:cs typeface="+mn-cs"/>
+              </a:rPr>
+              <a:t> </a:t>
+            </a:r>
+            <a:r>
+              <a:rPr lang="en-US" sz="1200" b="0" i="0" kern="1200" dirty="0" err="1">
+                <a:solidFill>
+                  <a:schemeClr val="tx1"/>
+                </a:solidFill>
+                <a:effectLst/>
+                <a:latin typeface="+mn-lt"/>
+                <a:ea typeface="+mn-ea"/>
+                <a:cs typeface="+mn-cs"/>
+              </a:rPr>
+              <a:t>mãi</a:t>
+            </a:r>
+            <a:r>
+              <a:rPr lang="en-US" sz="1200" b="0" i="0" kern="1200" dirty="0">
+                <a:solidFill>
+                  <a:schemeClr val="tx1"/>
+                </a:solidFill>
+                <a:effectLst/>
+                <a:latin typeface="+mn-lt"/>
+                <a:ea typeface="+mn-ea"/>
+                <a:cs typeface="+mn-cs"/>
+              </a:rPr>
+              <a:t> </a:t>
+            </a:r>
+            <a:r>
+              <a:rPr lang="en-US" sz="1200" b="0" i="0" kern="1200" dirty="0" err="1">
+                <a:solidFill>
+                  <a:schemeClr val="tx1"/>
+                </a:solidFill>
+                <a:effectLst/>
+                <a:latin typeface="+mn-lt"/>
+                <a:ea typeface="+mn-ea"/>
+                <a:cs typeface="+mn-cs"/>
+              </a:rPr>
+              <a:t>trong</a:t>
+            </a:r>
+            <a:r>
+              <a:rPr lang="en-US" sz="1200" b="0" i="0" kern="1200" dirty="0">
+                <a:solidFill>
+                  <a:schemeClr val="tx1"/>
+                </a:solidFill>
+                <a:effectLst/>
+                <a:latin typeface="+mn-lt"/>
+                <a:ea typeface="+mn-ea"/>
+                <a:cs typeface="+mn-cs"/>
+              </a:rPr>
+              <a:t> </a:t>
+            </a:r>
+            <a:r>
+              <a:rPr lang="en-US" sz="1200" b="0" i="0" kern="1200" dirty="0" err="1">
+                <a:solidFill>
+                  <a:schemeClr val="tx1"/>
+                </a:solidFill>
+                <a:effectLst/>
+                <a:latin typeface="+mn-lt"/>
+                <a:ea typeface="+mn-ea"/>
+                <a:cs typeface="+mn-cs"/>
+              </a:rPr>
+              <a:t>memori</a:t>
+            </a:r>
+            <a:r>
+              <a:rPr lang="en-US" sz="1200" b="0" i="0" kern="1200" dirty="0">
+                <a:solidFill>
+                  <a:schemeClr val="tx1"/>
+                </a:solidFill>
+                <a:effectLst/>
+                <a:latin typeface="+mn-lt"/>
+                <a:ea typeface="+mn-ea"/>
+                <a:cs typeface="+mn-cs"/>
+              </a:rPr>
+              <a:t> </a:t>
+            </a:r>
+            <a:r>
+              <a:rPr lang="en-US" sz="1200" b="0" i="0" kern="1200" dirty="0" err="1">
+                <a:solidFill>
+                  <a:schemeClr val="tx1"/>
+                </a:solidFill>
+                <a:effectLst/>
+                <a:latin typeface="+mn-lt"/>
+                <a:ea typeface="+mn-ea"/>
+                <a:cs typeface="+mn-cs"/>
+              </a:rPr>
+              <a:t>mà</a:t>
+            </a:r>
+            <a:r>
+              <a:rPr lang="en-US" sz="1200" b="0" i="0" kern="1200" dirty="0">
+                <a:solidFill>
+                  <a:schemeClr val="tx1"/>
+                </a:solidFill>
+                <a:effectLst/>
+                <a:latin typeface="+mn-lt"/>
+                <a:ea typeface="+mn-ea"/>
+                <a:cs typeface="+mn-cs"/>
+              </a:rPr>
+              <a:t> </a:t>
+            </a:r>
+            <a:r>
+              <a:rPr lang="en-US" sz="1200" b="0" i="0" kern="1200" dirty="0" err="1">
+                <a:solidFill>
+                  <a:schemeClr val="tx1"/>
+                </a:solidFill>
+                <a:effectLst/>
+                <a:latin typeface="+mn-lt"/>
+                <a:ea typeface="+mn-ea"/>
+                <a:cs typeface="+mn-cs"/>
+              </a:rPr>
+              <a:t>không</a:t>
+            </a:r>
+            <a:r>
+              <a:rPr lang="en-US" sz="1200" b="0" i="0" kern="1200" dirty="0">
+                <a:solidFill>
+                  <a:schemeClr val="tx1"/>
+                </a:solidFill>
+                <a:effectLst/>
+                <a:latin typeface="+mn-lt"/>
+                <a:ea typeface="+mn-ea"/>
+                <a:cs typeface="+mn-cs"/>
+              </a:rPr>
+              <a:t> đ</a:t>
+            </a:r>
+            <a:r>
+              <a:rPr lang="vi-VN" sz="1200" b="0" i="0" kern="1200" dirty="0">
+                <a:solidFill>
+                  <a:schemeClr val="tx1"/>
+                </a:solidFill>
+                <a:effectLst/>
+                <a:latin typeface="+mn-lt"/>
+                <a:ea typeface="+mn-ea"/>
+                <a:cs typeface="+mn-cs"/>
+              </a:rPr>
+              <a:t>ư</a:t>
+            </a:r>
+            <a:r>
+              <a:rPr lang="en-US" sz="1200" b="0" i="0" kern="1200" dirty="0" err="1">
+                <a:solidFill>
+                  <a:schemeClr val="tx1"/>
+                </a:solidFill>
+                <a:effectLst/>
+                <a:latin typeface="+mn-lt"/>
+                <a:ea typeface="+mn-ea"/>
+                <a:cs typeface="+mn-cs"/>
+              </a:rPr>
+              <a:t>ợc</a:t>
+            </a:r>
+            <a:r>
+              <a:rPr lang="en-US" sz="1200" b="0" i="0" kern="1200" dirty="0">
+                <a:solidFill>
+                  <a:schemeClr val="tx1"/>
+                </a:solidFill>
+                <a:effectLst/>
+                <a:latin typeface="+mn-lt"/>
+                <a:ea typeface="+mn-ea"/>
+                <a:cs typeface="+mn-cs"/>
+              </a:rPr>
+              <a:t> </a:t>
+            </a:r>
+            <a:r>
+              <a:rPr lang="en-US" sz="1200" b="0" i="0" kern="1200" dirty="0" err="1">
+                <a:solidFill>
+                  <a:schemeClr val="tx1"/>
+                </a:solidFill>
+                <a:effectLst/>
+                <a:latin typeface="+mn-lt"/>
+                <a:ea typeface="+mn-ea"/>
+                <a:cs typeface="+mn-cs"/>
+              </a:rPr>
+              <a:t>gỡ</a:t>
+            </a:r>
+            <a:r>
+              <a:rPr lang="en-US" sz="1200" b="0" i="0" kern="1200">
+                <a:solidFill>
+                  <a:schemeClr val="tx1"/>
+                </a:solidFill>
+                <a:effectLst/>
+                <a:latin typeface="+mn-lt"/>
+                <a:ea typeface="+mn-ea"/>
+                <a:cs typeface="+mn-cs"/>
+              </a:rPr>
+              <a:t> ra</a:t>
             </a:r>
             <a:endParaRPr lang="en-US" dirty="0"/>
           </a:p>
@@ -7170,9 +8009,7 @@
         </p:style>
         <p:txBody>
           <a:bodyPr anchor="ctr"/>
-          <a:lstStyle>
-            <a:extLst/>
-          </a:lstStyle>
+          <a:lstStyle/>
           <a:p>
             <a:pPr algn="ctr" eaLnBrk="1" latinLnBrk="0" hangingPunct="1"/>
             <a:endParaRPr kumimoji="0" lang="en-US"/>
@@ -7225,10 +8062,9 @@
           </a:lstStyle>
           <a:p>
             <a:r>
-              <a:rPr kumimoji="0" lang="en-US" smtClean="0"/>
+              <a:rPr kumimoji="0" lang="en-US"/>
               <a:t>Click to edit Master title style</a:t>
             </a:r>
-            <a:endParaRPr kumimoji="0" lang="en-US"/>
           </a:p>
         </p:txBody>
       </p:sp>
@@ -7287,10 +8123,9 @@
           </a:lstStyle>
           <a:p>
             <a:r>
-              <a:rPr kumimoji="0" lang="en-US" smtClean="0"/>
+              <a:rPr kumimoji="0" lang="en-US"/>
               <a:t>Click to edit Master subtitle style</a:t>
             </a:r>
-            <a:endParaRPr kumimoji="0" lang="en-US"/>
           </a:p>
         </p:txBody>
       </p:sp>
@@ -7385,9 +8220,7 @@
           </p:spPr>
           <p:txBody>
             <a:bodyPr vert="horz" wrap="square" lIns="91440" tIns="45720" rIns="91440" bIns="45720" anchor="t" compatLnSpc="1"/>
-            <a:lstStyle>
-              <a:extLst/>
-            </a:lstStyle>
+            <a:lstStyle/>
             <a:p>
               <a:endParaRPr kumimoji="0" lang="en-US"/>
             </a:p>
@@ -7467,9 +8300,7 @@
           </p:spPr>
           <p:txBody>
             <a:bodyPr vert="horz" wrap="square" lIns="91440" tIns="45720" rIns="91440" bIns="45720" anchor="t" compatLnSpc="1"/>
-            <a:lstStyle>
-              <a:extLst/>
-            </a:lstStyle>
+            <a:lstStyle/>
             <a:p>
               <a:endParaRPr kumimoji="0" lang="en-US"/>
             </a:p>
@@ -7626,9 +8457,7 @@
           </p:style>
           <p:txBody>
             <a:bodyPr vert="horz" wrap="square" lIns="91440" tIns="45720" rIns="91440" bIns="45720" anchor="ctr" compatLnSpc="1"/>
-            <a:lstStyle>
-              <a:extLst/>
-            </a:lstStyle>
+            <a:lstStyle/>
             <a:p>
               <a:pPr algn="ctr" eaLnBrk="1" latinLnBrk="0" hangingPunct="1"/>
               <a:endParaRPr kumimoji="0" lang="en-US"/>
@@ -7822,15 +8651,12 @@
         <p:spPr/>
         <p:txBody>
           <a:bodyPr/>
-          <a:lstStyle>
-            <a:extLst/>
-          </a:lstStyle>
-          <a:p>
-            <a:r>
-              <a:rPr kumimoji="0" lang="en-US" smtClean="0"/>
+          <a:lstStyle/>
+          <a:p>
+            <a:r>
+              <a:rPr kumimoji="0" lang="en-US"/>
               <a:t>Click to edit Master title style</a:t>
             </a:r>
-            <a:endParaRPr kumimoji="0" lang="en-US"/>
           </a:p>
         </p:txBody>
       </p:sp>
@@ -7852,41 +8678,39 @@
         </p:spPr>
         <p:txBody>
           <a:bodyPr vert="eaVert"/>
-          <a:lstStyle>
-            <a:extLst/>
-          </a:lstStyle>
+          <a:lstStyle/>
           <a:p>
             <a:pPr lvl="0" eaLnBrk="1" latinLnBrk="0" hangingPunct="1"/>
             <a:r>
-              <a:rPr lang="en-US" smtClean="0"/>
+              <a:rPr lang="en-US"/>
               <a:t>Click to edit Master text styles</a:t>
             </a:r>
           </a:p>
           <a:p>
             <a:pPr lvl="1" eaLnBrk="1" latinLnBrk="0" hangingPunct="1"/>
             <a:r>
-              <a:rPr lang="en-US" smtClean="0"/>
+              <a:rPr lang="en-US"/>
               <a:t>Second level</a:t>
             </a:r>
           </a:p>
           <a:p>
             <a:pPr lvl="2" eaLnBrk="1" latinLnBrk="0" hangingPunct="1"/>
             <a:r>
-              <a:rPr lang="en-US" smtClean="0"/>
+              <a:rPr lang="en-US"/>
               <a:t>Third level</a:t>
             </a:r>
           </a:p>
           <a:p>
             <a:pPr lvl="3" eaLnBrk="1" latinLnBrk="0" hangingPunct="1"/>
             <a:r>
-              <a:rPr lang="en-US" smtClean="0"/>
+              <a:rPr lang="en-US"/>
               <a:t>Fourth level</a:t>
             </a:r>
           </a:p>
           <a:p>
             <a:pPr lvl="4" eaLnBrk="1" latinLnBrk="0" hangingPunct="1"/>
             <a:r>
-              <a:rPr lang="en-US" smtClean="0"/>
+              <a:rPr lang="en-US"/>
               <a:t>Fifth level</a:t>
             </a:r>
             <a:endParaRPr kumimoji="0" lang="en-US"/>
@@ -7906,9 +8730,7 @@
         <p:spPr/>
         <p:txBody>
           <a:bodyPr/>
-          <a:lstStyle>
-            <a:extLst/>
-          </a:lstStyle>
+          <a:lstStyle/>
           <a:p>
             <a:fld id="{0B8AF49F-7022-4825-8399-C9CCDDF43198}" type="datetime1">
               <a:rPr lang="en-US" smtClean="0"/>
@@ -7931,9 +8753,7 @@
         <p:spPr/>
         <p:txBody>
           <a:bodyPr/>
-          <a:lstStyle>
-            <a:extLst/>
-          </a:lstStyle>
+          <a:lstStyle/>
           <a:p>
             <a:endParaRPr lang="en-US" dirty="0"/>
           </a:p>
@@ -7952,9 +8772,7 @@
         <p:spPr/>
         <p:txBody>
           <a:bodyPr/>
-          <a:lstStyle>
-            <a:extLst/>
-          </a:lstStyle>
+          <a:lstStyle/>
           <a:p>
             <a:fld id="{D57F1E4F-1CFF-5643-939E-217C01CDF565}" type="slidenum">
               <a:rPr lang="en-US" smtClean="0"/>
@@ -8008,15 +8826,12 @@
         </p:spPr>
         <p:txBody>
           <a:bodyPr vert="eaVert"/>
-          <a:lstStyle>
-            <a:extLst/>
-          </a:lstStyle>
-          <a:p>
-            <a:r>
-              <a:rPr kumimoji="0" lang="en-US" smtClean="0"/>
+          <a:lstStyle/>
+          <a:p>
+            <a:r>
+              <a:rPr kumimoji="0" lang="en-US"/>
               <a:t>Click to edit Master title style</a:t>
             </a:r>
-            <a:endParaRPr kumimoji="0" lang="en-US"/>
           </a:p>
         </p:txBody>
       </p:sp>
@@ -8038,41 +8853,39 @@
         </p:spPr>
         <p:txBody>
           <a:bodyPr vert="eaVert"/>
-          <a:lstStyle>
-            <a:extLst/>
-          </a:lstStyle>
+          <a:lstStyle/>
           <a:p>
             <a:pPr lvl="0" eaLnBrk="1" latinLnBrk="0" hangingPunct="1"/>
             <a:r>
-              <a:rPr lang="en-US" smtClean="0"/>
+              <a:rPr lang="en-US"/>
               <a:t>Click to edit Master text styles</a:t>
             </a:r>
           </a:p>
           <a:p>
             <a:pPr lvl="1" eaLnBrk="1" latinLnBrk="0" hangingPunct="1"/>
             <a:r>
-              <a:rPr lang="en-US" smtClean="0"/>
+              <a:rPr lang="en-US"/>
               <a:t>Second level</a:t>
             </a:r>
           </a:p>
           <a:p>
             <a:pPr lvl="2" eaLnBrk="1" latinLnBrk="0" hangingPunct="1"/>
             <a:r>
-              <a:rPr lang="en-US" smtClean="0"/>
+              <a:rPr lang="en-US"/>
               <a:t>Third level</a:t>
             </a:r>
           </a:p>
           <a:p>
             <a:pPr lvl="3" eaLnBrk="1" latinLnBrk="0" hangingPunct="1"/>
             <a:r>
-              <a:rPr lang="en-US" smtClean="0"/>
+              <a:rPr lang="en-US"/>
               <a:t>Fourth level</a:t>
             </a:r>
           </a:p>
           <a:p>
             <a:pPr lvl="4" eaLnBrk="1" latinLnBrk="0" hangingPunct="1"/>
             <a:r>
-              <a:rPr lang="en-US" smtClean="0"/>
+              <a:rPr lang="en-US"/>
               <a:t>Fifth level</a:t>
             </a:r>
             <a:endParaRPr kumimoji="0" lang="en-US"/>
@@ -8092,9 +8905,7 @@
         <p:spPr/>
         <p:txBody>
           <a:bodyPr/>
-          <a:lstStyle>
-            <a:extLst/>
-          </a:lstStyle>
+          <a:lstStyle/>
           <a:p>
             <a:fld id="{92AD5D49-E9A3-411A-8F20-E2F846DBC2CC}" type="datetime1">
               <a:rPr lang="en-US" smtClean="0"/>
@@ -8117,9 +8928,7 @@
         <p:spPr/>
         <p:txBody>
           <a:bodyPr/>
-          <a:lstStyle>
-            <a:extLst/>
-          </a:lstStyle>
+          <a:lstStyle/>
           <a:p>
             <a:endParaRPr lang="en-US" dirty="0"/>
           </a:p>
@@ -8138,9 +8947,7 @@
         <p:spPr/>
         <p:txBody>
           <a:bodyPr/>
-          <a:lstStyle>
-            <a:extLst/>
-          </a:lstStyle>
+          <a:lstStyle/>
           <a:p>
             <a:fld id="{D57F1E4F-1CFF-5643-939E-217C01CDF565}" type="slidenum">
               <a:rPr lang="en-US" smtClean="0"/>
@@ -8189,41 +8996,39 @@
         <p:spPr/>
         <p:txBody>
           <a:bodyPr/>
-          <a:lstStyle>
-            <a:extLst/>
-          </a:lstStyle>
+          <a:lstStyle/>
           <a:p>
             <a:pPr lvl="0" eaLnBrk="1" latinLnBrk="0" hangingPunct="1"/>
             <a:r>
-              <a:rPr lang="en-US" smtClean="0"/>
+              <a:rPr lang="en-US"/>
               <a:t>Click to edit Master text styles</a:t>
             </a:r>
           </a:p>
           <a:p>
             <a:pPr lvl="1" eaLnBrk="1" latinLnBrk="0" hangingPunct="1"/>
             <a:r>
-              <a:rPr lang="en-US" smtClean="0"/>
+              <a:rPr lang="en-US"/>
               <a:t>Second level</a:t>
             </a:r>
           </a:p>
           <a:p>
             <a:pPr lvl="2" eaLnBrk="1" latinLnBrk="0" hangingPunct="1"/>
             <a:r>
-              <a:rPr lang="en-US" smtClean="0"/>
+              <a:rPr lang="en-US"/>
               <a:t>Third level</a:t>
             </a:r>
           </a:p>
           <a:p>
             <a:pPr lvl="3" eaLnBrk="1" latinLnBrk="0" hangingPunct="1"/>
             <a:r>
-              <a:rPr lang="en-US" smtClean="0"/>
+              <a:rPr lang="en-US"/>
               <a:t>Fourth level</a:t>
             </a:r>
           </a:p>
           <a:p>
             <a:pPr lvl="4" eaLnBrk="1" latinLnBrk="0" hangingPunct="1"/>
             <a:r>
-              <a:rPr lang="en-US" smtClean="0"/>
+              <a:rPr lang="en-US"/>
               <a:t>Fifth level</a:t>
             </a:r>
             <a:endParaRPr kumimoji="0" lang="en-US"/>
@@ -8243,9 +9048,7 @@
         <p:spPr/>
         <p:txBody>
           <a:bodyPr/>
-          <a:lstStyle>
-            <a:extLst/>
-          </a:lstStyle>
+          <a:lstStyle/>
           <a:p>
             <a:fld id="{2E0C29FF-5AD5-43C0-A66E-36E0B73269F8}" type="datetime1">
               <a:rPr lang="en-US" smtClean="0"/>
@@ -8268,9 +9071,7 @@
         <p:spPr/>
         <p:txBody>
           <a:bodyPr/>
-          <a:lstStyle>
-            <a:extLst/>
-          </a:lstStyle>
+          <a:lstStyle/>
           <a:p>
             <a:endParaRPr lang="en-US" dirty="0"/>
           </a:p>
@@ -8289,9 +9090,7 @@
         <p:spPr/>
         <p:txBody>
           <a:bodyPr/>
-          <a:lstStyle>
-            <a:extLst/>
-          </a:lstStyle>
+          <a:lstStyle/>
           <a:p>
             <a:fld id="{D57F1E4F-1CFF-5643-939E-217C01CDF565}" type="slidenum">
               <a:rPr lang="en-US" smtClean="0"/>
@@ -8315,15 +9114,12 @@
         <p:spPr/>
         <p:txBody>
           <a:bodyPr rtlCol="0"/>
-          <a:lstStyle>
-            <a:extLst/>
-          </a:lstStyle>
-          <a:p>
-            <a:r>
-              <a:rPr kumimoji="0" lang="en-US" smtClean="0"/>
+          <a:lstStyle/>
+          <a:p>
+            <a:r>
+              <a:rPr kumimoji="0" lang="en-US"/>
               <a:t>Click to edit Master title style</a:t>
             </a:r>
-            <a:endParaRPr kumimoji="0" lang="en-US"/>
           </a:p>
         </p:txBody>
       </p:sp>
@@ -8401,10 +9197,9 @@
           </a:lstStyle>
           <a:p>
             <a:r>
-              <a:rPr kumimoji="0" lang="en-US" smtClean="0"/>
+              <a:rPr kumimoji="0" lang="en-US"/>
               <a:t>Click to edit Master title style</a:t>
             </a:r>
-            <a:endParaRPr kumimoji="0" lang="en-US"/>
           </a:p>
         </p:txBody>
       </p:sp>
@@ -8480,7 +9275,7 @@
           <a:p>
             <a:pPr lvl="0" eaLnBrk="1" latinLnBrk="0" hangingPunct="1"/>
             <a:r>
-              <a:rPr kumimoji="0" lang="en-US" smtClean="0"/>
+              <a:rPr kumimoji="0" lang="en-US"/>
               <a:t>Click to edit Master text styles</a:t>
             </a:r>
           </a:p>
@@ -8499,9 +9294,7 @@
         <p:spPr/>
         <p:txBody>
           <a:bodyPr/>
-          <a:lstStyle>
-            <a:extLst/>
-          </a:lstStyle>
+          <a:lstStyle/>
           <a:p>
             <a:fld id="{CE72A463-9042-4B44-A447-65A997477182}" type="datetime1">
               <a:rPr lang="en-US" smtClean="0"/>
@@ -8524,9 +9317,7 @@
         <p:spPr/>
         <p:txBody>
           <a:bodyPr/>
-          <a:lstStyle>
-            <a:extLst/>
-          </a:lstStyle>
+          <a:lstStyle/>
           <a:p>
             <a:endParaRPr lang="en-US" dirty="0"/>
           </a:p>
@@ -8545,9 +9336,7 @@
         <p:spPr/>
         <p:txBody>
           <a:bodyPr/>
-          <a:lstStyle>
-            <a:extLst/>
-          </a:lstStyle>
+          <a:lstStyle/>
           <a:p>
             <a:fld id="{D57F1E4F-1CFF-5643-939E-217C01CDF565}" type="slidenum">
               <a:rPr lang="en-US" smtClean="0"/>
@@ -8629,9 +9418,7 @@
         </p:style>
         <p:txBody>
           <a:bodyPr anchor="ctr"/>
-          <a:lstStyle>
-            <a:extLst/>
-          </a:lstStyle>
+          <a:lstStyle/>
           <a:p>
             <a:pPr algn="l" eaLnBrk="1" latinLnBrk="0" hangingPunct="1"/>
             <a:endParaRPr kumimoji="0" lang="en-US"/>
@@ -8709,9 +9496,7 @@
         </p:style>
         <p:txBody>
           <a:bodyPr anchor="ctr"/>
-          <a:lstStyle>
-            <a:extLst/>
-          </a:lstStyle>
+          <a:lstStyle/>
           <a:p>
             <a:pPr algn="l" eaLnBrk="1" latinLnBrk="0" hangingPunct="1"/>
             <a:endParaRPr kumimoji="0" lang="en-US"/>
@@ -8787,35 +9572,35 @@
           <a:p>
             <a:pPr lvl="0" eaLnBrk="1" latinLnBrk="0" hangingPunct="1"/>
             <a:r>
-              <a:rPr lang="en-US" smtClean="0"/>
+              <a:rPr lang="en-US"/>
               <a:t>Click to edit Master text styles</a:t>
             </a:r>
           </a:p>
           <a:p>
             <a:pPr lvl="1" eaLnBrk="1" latinLnBrk="0" hangingPunct="1"/>
             <a:r>
-              <a:rPr lang="en-US" smtClean="0"/>
+              <a:rPr lang="en-US"/>
               <a:t>Second level</a:t>
             </a:r>
           </a:p>
           <a:p>
             <a:pPr lvl="2" eaLnBrk="1" latinLnBrk="0" hangingPunct="1"/>
             <a:r>
-              <a:rPr lang="en-US" smtClean="0"/>
+              <a:rPr lang="en-US"/>
               <a:t>Third level</a:t>
             </a:r>
           </a:p>
           <a:p>
             <a:pPr lvl="3" eaLnBrk="1" latinLnBrk="0" hangingPunct="1"/>
             <a:r>
-              <a:rPr lang="en-US" smtClean="0"/>
+              <a:rPr lang="en-US"/>
               <a:t>Fourth level</a:t>
             </a:r>
           </a:p>
           <a:p>
             <a:pPr lvl="4" eaLnBrk="1" latinLnBrk="0" hangingPunct="1"/>
             <a:r>
-              <a:rPr lang="en-US" smtClean="0"/>
+              <a:rPr lang="en-US"/>
               <a:t>Fifth level</a:t>
             </a:r>
             <a:endParaRPr kumimoji="0" lang="en-US"/>
@@ -8861,35 +9646,35 @@
           <a:p>
             <a:pPr lvl="0" eaLnBrk="1" latinLnBrk="0" hangingPunct="1"/>
             <a:r>
-              <a:rPr lang="en-US" smtClean="0"/>
+              <a:rPr lang="en-US"/>
               <a:t>Click to edit Master text styles</a:t>
             </a:r>
           </a:p>
           <a:p>
             <a:pPr lvl="1" eaLnBrk="1" latinLnBrk="0" hangingPunct="1"/>
             <a:r>
-              <a:rPr lang="en-US" smtClean="0"/>
+              <a:rPr lang="en-US"/>
               <a:t>Second level</a:t>
             </a:r>
           </a:p>
           <a:p>
             <a:pPr lvl="2" eaLnBrk="1" latinLnBrk="0" hangingPunct="1"/>
             <a:r>
-              <a:rPr lang="en-US" smtClean="0"/>
+              <a:rPr lang="en-US"/>
               <a:t>Third level</a:t>
             </a:r>
           </a:p>
           <a:p>
             <a:pPr lvl="3" eaLnBrk="1" latinLnBrk="0" hangingPunct="1"/>
             <a:r>
-              <a:rPr lang="en-US" smtClean="0"/>
+              <a:rPr lang="en-US"/>
               <a:t>Fourth level</a:t>
             </a:r>
           </a:p>
           <a:p>
             <a:pPr lvl="4" eaLnBrk="1" latinLnBrk="0" hangingPunct="1"/>
             <a:r>
-              <a:rPr lang="en-US" smtClean="0"/>
+              <a:rPr lang="en-US"/>
               <a:t>Fifth level</a:t>
             </a:r>
             <a:endParaRPr kumimoji="0" lang="en-US"/>
@@ -8909,9 +9694,7 @@
         <p:spPr/>
         <p:txBody>
           <a:bodyPr/>
-          <a:lstStyle>
-            <a:extLst/>
-          </a:lstStyle>
+          <a:lstStyle/>
           <a:p>
             <a:fld id="{8B5FC0F8-1856-4BA4-959F-183AECE90BC9}" type="datetime1">
               <a:rPr lang="en-US" smtClean="0"/>
@@ -8934,9 +9717,7 @@
         <p:spPr/>
         <p:txBody>
           <a:bodyPr/>
-          <a:lstStyle>
-            <a:extLst/>
-          </a:lstStyle>
+          <a:lstStyle/>
           <a:p>
             <a:endParaRPr lang="en-US" dirty="0"/>
           </a:p>
@@ -8955,9 +9736,7 @@
         <p:spPr/>
         <p:txBody>
           <a:bodyPr/>
-          <a:lstStyle>
-            <a:extLst/>
-          </a:lstStyle>
+          <a:lstStyle/>
           <a:p>
             <a:fld id="{D57F1E4F-1CFF-5643-939E-217C01CDF565}" type="slidenum">
               <a:rPr lang="en-US" smtClean="0"/>
@@ -8981,15 +9760,12 @@
         <p:spPr/>
         <p:txBody>
           <a:bodyPr rtlCol="0"/>
-          <a:lstStyle>
-            <a:extLst/>
-          </a:lstStyle>
-          <a:p>
-            <a:r>
-              <a:rPr kumimoji="0" lang="en-US" smtClean="0"/>
+          <a:lstStyle/>
+          <a:p>
+            <a:r>
+              <a:rPr kumimoji="0" lang="en-US"/>
               <a:t>Click to edit Master title style</a:t>
             </a:r>
-            <a:endParaRPr kumimoji="0" lang="en-US"/>
           </a:p>
         </p:txBody>
       </p:sp>
@@ -9049,10 +9825,9 @@
           </a:lstStyle>
           <a:p>
             <a:r>
-              <a:rPr kumimoji="0" lang="en-US" smtClean="0"/>
+              <a:rPr kumimoji="0" lang="en-US"/>
               <a:t>Click to edit Master title style</a:t>
             </a:r>
-            <a:endParaRPr kumimoji="0" lang="en-US"/>
           </a:p>
         </p:txBody>
       </p:sp>
@@ -9113,7 +9888,7 @@
           <a:p>
             <a:pPr lvl="0" eaLnBrk="1" latinLnBrk="0" hangingPunct="1"/>
             <a:r>
-              <a:rPr kumimoji="0" lang="en-US" smtClean="0"/>
+              <a:rPr kumimoji="0" lang="en-US"/>
               <a:t>Click to edit Master text styles</a:t>
             </a:r>
           </a:p>
@@ -9176,7 +9951,7 @@
           <a:p>
             <a:pPr lvl="0" eaLnBrk="1" latinLnBrk="0" hangingPunct="1"/>
             <a:r>
-              <a:rPr kumimoji="0" lang="en-US" smtClean="0"/>
+              <a:rPr kumimoji="0" lang="en-US"/>
               <a:t>Click to edit Master text styles</a:t>
             </a:r>
           </a:p>
@@ -9226,35 +10001,35 @@
           <a:p>
             <a:pPr lvl="0" eaLnBrk="1" latinLnBrk="0" hangingPunct="1"/>
             <a:r>
-              <a:rPr lang="en-US" smtClean="0"/>
+              <a:rPr lang="en-US"/>
               <a:t>Click to edit Master text styles</a:t>
             </a:r>
           </a:p>
           <a:p>
             <a:pPr lvl="1" eaLnBrk="1" latinLnBrk="0" hangingPunct="1"/>
             <a:r>
-              <a:rPr lang="en-US" smtClean="0"/>
+              <a:rPr lang="en-US"/>
               <a:t>Second level</a:t>
             </a:r>
           </a:p>
           <a:p>
             <a:pPr lvl="2" eaLnBrk="1" latinLnBrk="0" hangingPunct="1"/>
             <a:r>
-              <a:rPr lang="en-US" smtClean="0"/>
+              <a:rPr lang="en-US"/>
               <a:t>Third level</a:t>
             </a:r>
           </a:p>
           <a:p>
             <a:pPr lvl="3" eaLnBrk="1" latinLnBrk="0" hangingPunct="1"/>
             <a:r>
-              <a:rPr lang="en-US" smtClean="0"/>
+              <a:rPr lang="en-US"/>
               <a:t>Fourth level</a:t>
             </a:r>
           </a:p>
           <a:p>
             <a:pPr lvl="4" eaLnBrk="1" latinLnBrk="0" hangingPunct="1"/>
             <a:r>
-              <a:rPr lang="en-US" smtClean="0"/>
+              <a:rPr lang="en-US"/>
               <a:t>Fifth level</a:t>
             </a:r>
             <a:endParaRPr kumimoji="0" lang="en-US"/>
@@ -9308,35 +10083,35 @@
           <a:p>
             <a:pPr lvl="0" eaLnBrk="1" latinLnBrk="0" hangingPunct="1"/>
             <a:r>
-              <a:rPr lang="en-US" smtClean="0"/>
+              <a:rPr lang="en-US"/>
               <a:t>Click to edit Master text styles</a:t>
             </a:r>
           </a:p>
           <a:p>
             <a:pPr lvl="1" eaLnBrk="1" latinLnBrk="0" hangingPunct="1"/>
             <a:r>
-              <a:rPr lang="en-US" smtClean="0"/>
+              <a:rPr lang="en-US"/>
               <a:t>Second level</a:t>
             </a:r>
           </a:p>
           <a:p>
             <a:pPr lvl="2" eaLnBrk="1" latinLnBrk="0" hangingPunct="1"/>
             <a:r>
-              <a:rPr lang="en-US" smtClean="0"/>
+              <a:rPr lang="en-US"/>
               <a:t>Third level</a:t>
             </a:r>
           </a:p>
           <a:p>
             <a:pPr lvl="3" eaLnBrk="1" latinLnBrk="0" hangingPunct="1"/>
             <a:r>
-              <a:rPr lang="en-US" smtClean="0"/>
+              <a:rPr lang="en-US"/>
               <a:t>Fourth level</a:t>
             </a:r>
           </a:p>
           <a:p>
             <a:pPr lvl="4" eaLnBrk="1" latinLnBrk="0" hangingPunct="1"/>
             <a:r>
-              <a:rPr lang="en-US" smtClean="0"/>
+              <a:rPr lang="en-US"/>
               <a:t>Fifth level</a:t>
             </a:r>
             <a:endParaRPr kumimoji="0" lang="en-US"/>
@@ -9356,9 +10131,7 @@
         <p:spPr/>
         <p:txBody>
           <a:bodyPr/>
-          <a:lstStyle>
-            <a:extLst/>
-          </a:lstStyle>
+          <a:lstStyle/>
           <a:p>
             <a:fld id="{06A289B3-E73E-425E-A7F1-B86A4AE0A49E}" type="datetime1">
               <a:rPr lang="en-US" smtClean="0"/>
@@ -9381,9 +10154,7 @@
         <p:spPr/>
         <p:txBody>
           <a:bodyPr/>
-          <a:lstStyle>
-            <a:extLst/>
-          </a:lstStyle>
+          <a:lstStyle/>
           <a:p>
             <a:endParaRPr lang="en-US" dirty="0"/>
           </a:p>
@@ -9402,9 +10173,7 @@
         <p:spPr/>
         <p:txBody>
           <a:bodyPr/>
-          <a:lstStyle>
-            <a:extLst/>
-          </a:lstStyle>
+          <a:lstStyle/>
           <a:p>
             <a:fld id="{D57F1E4F-1CFF-5643-939E-217C01CDF565}" type="slidenum">
               <a:rPr lang="en-US" smtClean="0"/>
@@ -9458,9 +10227,7 @@
         <p:spPr/>
         <p:txBody>
           <a:bodyPr/>
-          <a:lstStyle>
-            <a:extLst/>
-          </a:lstStyle>
+          <a:lstStyle/>
           <a:p>
             <a:fld id="{20A9FAA2-FA55-4C1E-B39B-F83C9F945635}" type="datetime1">
               <a:rPr lang="en-US" smtClean="0"/>
@@ -9483,9 +10250,7 @@
         <p:spPr/>
         <p:txBody>
           <a:bodyPr/>
-          <a:lstStyle>
-            <a:extLst/>
-          </a:lstStyle>
+          <a:lstStyle/>
           <a:p>
             <a:endParaRPr lang="en-US" dirty="0"/>
           </a:p>
@@ -9504,9 +10269,7 @@
         <p:spPr/>
         <p:txBody>
           <a:bodyPr/>
-          <a:lstStyle>
-            <a:extLst/>
-          </a:lstStyle>
+          <a:lstStyle/>
           <a:p>
             <a:fld id="{D57F1E4F-1CFF-5643-939E-217C01CDF565}" type="slidenum">
               <a:rPr lang="en-US" smtClean="0"/>
@@ -9530,15 +10293,12 @@
         <p:spPr/>
         <p:txBody>
           <a:bodyPr rtlCol="0"/>
-          <a:lstStyle>
-            <a:extLst/>
-          </a:lstStyle>
-          <a:p>
-            <a:r>
-              <a:rPr kumimoji="0" lang="en-US" smtClean="0"/>
+          <a:lstStyle/>
+          <a:p>
+            <a:r>
+              <a:rPr kumimoji="0" lang="en-US"/>
               <a:t>Click to edit Master title style</a:t>
             </a:r>
-            <a:endParaRPr kumimoji="0" lang="en-US"/>
           </a:p>
         </p:txBody>
       </p:sp>
@@ -9580,9 +10340,7 @@
         <p:spPr/>
         <p:txBody>
           <a:bodyPr/>
-          <a:lstStyle>
-            <a:extLst/>
-          </a:lstStyle>
+          <a:lstStyle/>
           <a:p>
             <a:fld id="{757C5386-B528-4539-9D38-E2B7EDBAD591}" type="datetime1">
               <a:rPr lang="en-US" smtClean="0"/>
@@ -9605,9 +10363,7 @@
         <p:spPr/>
         <p:txBody>
           <a:bodyPr/>
-          <a:lstStyle>
-            <a:extLst/>
-          </a:lstStyle>
+          <a:lstStyle/>
           <a:p>
             <a:endParaRPr lang="en-US" dirty="0"/>
           </a:p>
@@ -9626,9 +10382,7 @@
         <p:spPr/>
         <p:txBody>
           <a:bodyPr/>
-          <a:lstStyle>
-            <a:extLst/>
-          </a:lstStyle>
+          <a:lstStyle/>
           <a:p>
             <a:fld id="{D57F1E4F-1CFF-5643-939E-217C01CDF565}" type="slidenum">
               <a:rPr lang="en-US" smtClean="0"/>
@@ -9706,10 +10460,9 @@
           </a:lstStyle>
           <a:p>
             <a:r>
-              <a:rPr kumimoji="0" lang="en-US" smtClean="0"/>
+              <a:rPr kumimoji="0" lang="en-US"/>
               <a:t>Click to edit Master title style</a:t>
             </a:r>
-            <a:endParaRPr kumimoji="0" lang="en-US"/>
           </a:p>
         </p:txBody>
       </p:sp>
@@ -9757,7 +10510,7 @@
           <a:p>
             <a:pPr lvl="0" eaLnBrk="1" latinLnBrk="0" hangingPunct="1"/>
             <a:r>
-              <a:rPr kumimoji="0" lang="en-US" smtClean="0"/>
+              <a:rPr kumimoji="0" lang="en-US"/>
               <a:t>Click to edit Master text styles</a:t>
             </a:r>
           </a:p>
@@ -9802,35 +10555,35 @@
           <a:p>
             <a:pPr lvl="0" eaLnBrk="1" latinLnBrk="0" hangingPunct="1"/>
             <a:r>
-              <a:rPr lang="en-US" smtClean="0"/>
+              <a:rPr lang="en-US"/>
               <a:t>Click to edit Master text styles</a:t>
             </a:r>
           </a:p>
           <a:p>
             <a:pPr lvl="1" eaLnBrk="1" latinLnBrk="0" hangingPunct="1"/>
             <a:r>
-              <a:rPr lang="en-US" smtClean="0"/>
+              <a:rPr lang="en-US"/>
               <a:t>Second level</a:t>
             </a:r>
           </a:p>
           <a:p>
             <a:pPr lvl="2" eaLnBrk="1" latinLnBrk="0" hangingPunct="1"/>
             <a:r>
-              <a:rPr lang="en-US" smtClean="0"/>
+              <a:rPr lang="en-US"/>
               <a:t>Third level</a:t>
             </a:r>
           </a:p>
           <a:p>
             <a:pPr lvl="3" eaLnBrk="1" latinLnBrk="0" hangingPunct="1"/>
             <a:r>
-              <a:rPr lang="en-US" smtClean="0"/>
+              <a:rPr lang="en-US"/>
               <a:t>Fourth level</a:t>
             </a:r>
           </a:p>
           <a:p>
             <a:pPr lvl="4" eaLnBrk="1" latinLnBrk="0" hangingPunct="1"/>
             <a:r>
-              <a:rPr lang="en-US" smtClean="0"/>
+              <a:rPr lang="en-US"/>
               <a:t>Fifth level</a:t>
             </a:r>
             <a:endParaRPr kumimoji="0" lang="en-US"/>
@@ -9855,9 +10608,7 @@
         </p:spPr>
         <p:txBody>
           <a:bodyPr/>
-          <a:lstStyle>
-            <a:extLst/>
-          </a:lstStyle>
+          <a:lstStyle/>
           <a:p>
             <a:fld id="{4CE01AD9-63FE-48CB-9716-B6A8535DF588}" type="datetime1">
               <a:rPr lang="en-US" smtClean="0"/>
@@ -9880,9 +10631,7 @@
         <p:spPr/>
         <p:txBody>
           <a:bodyPr/>
-          <a:lstStyle>
-            <a:extLst/>
-          </a:lstStyle>
+          <a:lstStyle/>
           <a:p>
             <a:endParaRPr lang="en-US" dirty="0"/>
           </a:p>
@@ -9901,9 +10650,7 @@
         <p:spPr/>
         <p:txBody>
           <a:bodyPr/>
-          <a:lstStyle>
-            <a:extLst/>
-          </a:lstStyle>
+          <a:lstStyle/>
           <a:p>
             <a:fld id="{D57F1E4F-1CFF-5643-939E-217C01CDF565}" type="slidenum">
               <a:rPr lang="en-US" smtClean="0"/>
@@ -9985,7 +10732,7 @@
           <a:p>
             <a:pPr lvl="0" eaLnBrk="1" latinLnBrk="0" hangingPunct="1"/>
             <a:r>
-              <a:rPr kumimoji="0" lang="en-US" smtClean="0"/>
+              <a:rPr kumimoji="0" lang="en-US"/>
               <a:t>Click to edit Master text styles</a:t>
             </a:r>
           </a:p>
@@ -10034,7 +10781,7 @@
           </a:lstStyle>
           <a:p>
             <a:r>
-              <a:rPr kumimoji="0" lang="en-US" smtClean="0"/>
+              <a:rPr kumimoji="0" lang="en-US"/>
               <a:t>Click icon to add picture</a:t>
             </a:r>
             <a:endParaRPr kumimoji="0" lang="en-US" dirty="0"/>
@@ -10180,10 +10927,9 @@
           </a:lstStyle>
           <a:p>
             <a:r>
-              <a:rPr kumimoji="0" lang="en-US" smtClean="0"/>
+              <a:rPr kumimoji="0" lang="en-US"/>
               <a:t>Click to edit Master title style</a:t>
             </a:r>
-            <a:endParaRPr kumimoji="0" lang="en-US"/>
           </a:p>
         </p:txBody>
       </p:sp>
@@ -10263,9 +11009,7 @@
         </p:spPr>
         <p:txBody>
           <a:bodyPr vert="horz" wrap="square" lIns="91440" tIns="45720" rIns="91440" bIns="45720" anchor="t" compatLnSpc="1"/>
-          <a:lstStyle>
-            <a:extLst/>
-          </a:lstStyle>
+          <a:lstStyle/>
           <a:p>
             <a:endParaRPr kumimoji="0" lang="en-US"/>
           </a:p>
@@ -10345,9 +11089,7 @@
         </p:spPr>
         <p:txBody>
           <a:bodyPr vert="horz" wrap="square" lIns="91440" tIns="45720" rIns="91440" bIns="45720" anchor="t" compatLnSpc="1"/>
-          <a:lstStyle>
-            <a:extLst/>
-          </a:lstStyle>
+          <a:lstStyle/>
           <a:p>
             <a:endParaRPr kumimoji="0" lang="en-US"/>
           </a:p>
@@ -10455,9 +11197,7 @@
         </p:style>
         <p:txBody>
           <a:bodyPr vert="horz" wrap="square" lIns="91440" tIns="45720" rIns="91440" bIns="45720" anchor="ctr" compatLnSpc="1"/>
-          <a:lstStyle>
-            <a:extLst/>
-          </a:lstStyle>
+          <a:lstStyle/>
           <a:p>
             <a:pPr algn="ctr" eaLnBrk="1" latinLnBrk="0" hangingPunct="1"/>
             <a:endParaRPr kumimoji="0" lang="en-US"/>
@@ -10588,9 +11328,7 @@
         </p:style>
         <p:txBody>
           <a:bodyPr anchor="ctr"/>
-          <a:lstStyle>
-            <a:extLst/>
-          </a:lstStyle>
+          <a:lstStyle/>
           <a:p>
             <a:pPr algn="l" eaLnBrk="1" latinLnBrk="0" hangingPunct="1"/>
             <a:endParaRPr kumimoji="0" lang="en-US"/>
@@ -10668,9 +11406,7 @@
         </p:style>
         <p:txBody>
           <a:bodyPr anchor="ctr"/>
-          <a:lstStyle>
-            <a:extLst/>
-          </a:lstStyle>
+          <a:lstStyle/>
           <a:p>
             <a:pPr algn="l" eaLnBrk="1" latinLnBrk="0" hangingPunct="1"/>
             <a:endParaRPr kumimoji="0" lang="en-US"/>
@@ -10783,9 +11519,7 @@
         </p:spPr>
         <p:txBody>
           <a:bodyPr vert="horz" wrap="square" lIns="91440" tIns="45720" rIns="91440" bIns="45720" anchor="t" compatLnSpc="1"/>
-          <a:lstStyle>
-            <a:extLst/>
-          </a:lstStyle>
+          <a:lstStyle/>
           <a:p>
             <a:endParaRPr kumimoji="0" lang="en-US"/>
           </a:p>
@@ -10865,9 +11599,7 @@
         </p:spPr>
         <p:txBody>
           <a:bodyPr vert="horz" wrap="square" lIns="91440" tIns="45720" rIns="91440" bIns="45720" anchor="t" compatLnSpc="1"/>
-          <a:lstStyle>
-            <a:extLst/>
-          </a:lstStyle>
+          <a:lstStyle/>
           <a:p>
             <a:endParaRPr kumimoji="0" lang="en-US"/>
           </a:p>
@@ -10975,9 +11707,7 @@
         </p:style>
         <p:txBody>
           <a:bodyPr vert="horz" wrap="square" lIns="91440" tIns="45720" rIns="91440" bIns="45720" anchor="ctr" compatLnSpc="1"/>
-          <a:lstStyle>
-            <a:extLst/>
-          </a:lstStyle>
+          <a:lstStyle/>
           <a:p>
             <a:pPr algn="ctr" eaLnBrk="1" latinLnBrk="0" hangingPunct="1"/>
             <a:endParaRPr kumimoji="0" lang="en-US"/>
@@ -11067,15 +11797,12 @@
               <a:bevelT w="25400" h="25400"/>
             </a:sp3d>
           </a:bodyPr>
-          <a:lstStyle>
-            <a:extLst/>
-          </a:lstStyle>
-          <a:p>
-            <a:r>
-              <a:rPr kumimoji="0" lang="en-US" smtClean="0"/>
+          <a:lstStyle/>
+          <a:p>
+            <a:r>
+              <a:rPr kumimoji="0" lang="en-US"/>
               <a:t>Click to edit Master title style</a:t>
             </a:r>
-            <a:endParaRPr kumimoji="0" lang="en-US"/>
           </a:p>
         </p:txBody>
       </p:sp>
@@ -11102,44 +11829,41 @@
           <a:bodyPr vert="horz">
             <a:normAutofit/>
           </a:bodyPr>
-          <a:lstStyle>
-            <a:extLst/>
-          </a:lstStyle>
+          <a:lstStyle/>
           <a:p>
             <a:pPr lvl="0" eaLnBrk="1" latinLnBrk="0" hangingPunct="1"/>
             <a:r>
-              <a:rPr kumimoji="0" lang="en-US" smtClean="0"/>
+              <a:rPr kumimoji="0" lang="en-US"/>
               <a:t>Click to edit Master text styles</a:t>
             </a:r>
           </a:p>
           <a:p>
             <a:pPr lvl="1" eaLnBrk="1" latinLnBrk="0" hangingPunct="1"/>
             <a:r>
-              <a:rPr kumimoji="0" lang="en-US" smtClean="0"/>
+              <a:rPr kumimoji="0" lang="en-US"/>
               <a:t>Second level</a:t>
             </a:r>
           </a:p>
           <a:p>
             <a:pPr lvl="2" eaLnBrk="1" latinLnBrk="0" hangingPunct="1"/>
             <a:r>
-              <a:rPr kumimoji="0" lang="en-US" smtClean="0"/>
+              <a:rPr kumimoji="0" lang="en-US"/>
               <a:t>Third level</a:t>
             </a:r>
           </a:p>
           <a:p>
             <a:pPr lvl="3" eaLnBrk="1" latinLnBrk="0" hangingPunct="1"/>
             <a:r>
-              <a:rPr kumimoji="0" lang="en-US" smtClean="0"/>
+              <a:rPr kumimoji="0" lang="en-US"/>
               <a:t>Fourth level</a:t>
             </a:r>
           </a:p>
           <a:p>
             <a:pPr lvl="4" eaLnBrk="1" latinLnBrk="0" hangingPunct="1"/>
             <a:r>
-              <a:rPr kumimoji="0" lang="en-US" smtClean="0"/>
+              <a:rPr kumimoji="0" lang="en-US"/>
               <a:t>Fifth level</a:t>
             </a:r>
-            <a:endParaRPr kumimoji="0" lang="en-US"/>
           </a:p>
         </p:txBody>
       </p:sp>
@@ -11591,7 +12315,7 @@
           <p:cNvPr id="4" name="TextBox 3">
             <a:extLst>
               <a:ext uri="{FF2B5EF4-FFF2-40B4-BE49-F238E27FC236}">
-                <a16:creationId xmlns:a16="http://schemas.microsoft.com/office/drawing/2014/main" xmlns="" id="{FD5ECDA1-C34F-4009-800F-7206A07C51FE}"/>
+                <a16:creationId xmlns:a16="http://schemas.microsoft.com/office/drawing/2014/main" id="{FD5ECDA1-C34F-4009-800F-7206A07C51FE}"/>
               </a:ext>
             </a:extLst>
           </p:cNvPr>
@@ -11632,7 +12356,7 @@
           <p:cNvPr id="5" name="TextBox 4">
             <a:extLst>
               <a:ext uri="{FF2B5EF4-FFF2-40B4-BE49-F238E27FC236}">
-                <a16:creationId xmlns:a16="http://schemas.microsoft.com/office/drawing/2014/main" xmlns="" id="{DDCE93EB-71E2-4479-86AA-3556AF60B042}"/>
+                <a16:creationId xmlns:a16="http://schemas.microsoft.com/office/drawing/2014/main" id="{DDCE93EB-71E2-4479-86AA-3556AF60B042}"/>
               </a:ext>
             </a:extLst>
           </p:cNvPr>
@@ -11795,13 +12519,6 @@
   <p:clrMapOvr>
     <a:masterClrMapping/>
   </p:clrMapOvr>
-  <p:timing>
-    <p:tnLst>
-      <p:par>
-        <p:cTn id="1" dur="indefinite" restart="never" nodeType="tmRoot"/>
-      </p:par>
-    </p:tnLst>
-  </p:timing>
 </p:sld>
 </file>
 
@@ -11827,7 +12544,7 @@
           <p:cNvPr id="3" name="TextBox 2">
             <a:extLst>
               <a:ext uri="{FF2B5EF4-FFF2-40B4-BE49-F238E27FC236}">
-                <a16:creationId xmlns:a16="http://schemas.microsoft.com/office/drawing/2014/main" xmlns="" id="{66A801D4-74F9-46A0-8843-E18659672DE9}"/>
+                <a16:creationId xmlns:a16="http://schemas.microsoft.com/office/drawing/2014/main" id="{66A801D4-74F9-46A0-8843-E18659672DE9}"/>
               </a:ext>
             </a:extLst>
           </p:cNvPr>
@@ -12011,7 +12728,7 @@
           <p:cNvPr id="4" name="TextBox 3">
             <a:extLst>
               <a:ext uri="{FF2B5EF4-FFF2-40B4-BE49-F238E27FC236}">
-                <a16:creationId xmlns:a16="http://schemas.microsoft.com/office/drawing/2014/main" xmlns="" id="{2ECD7FA6-9DBD-427F-9360-AB6E421C5E85}"/>
+                <a16:creationId xmlns:a16="http://schemas.microsoft.com/office/drawing/2014/main" id="{2ECD7FA6-9DBD-427F-9360-AB6E421C5E85}"/>
               </a:ext>
             </a:extLst>
           </p:cNvPr>
@@ -12073,7 +12790,7 @@
           <p:cNvPr id="8" name="TextBox 7">
             <a:extLst>
               <a:ext uri="{FF2B5EF4-FFF2-40B4-BE49-F238E27FC236}">
-                <a16:creationId xmlns:a16="http://schemas.microsoft.com/office/drawing/2014/main" xmlns="" id="{B3DDC1D2-FBA4-4B17-B2E3-1BE852EDE28B}"/>
+                <a16:creationId xmlns:a16="http://schemas.microsoft.com/office/drawing/2014/main" id="{B3DDC1D2-FBA4-4B17-B2E3-1BE852EDE28B}"/>
               </a:ext>
             </a:extLst>
           </p:cNvPr>
@@ -12342,7 +13059,7 @@
           <p:cNvPr id="2050" name="Picture 2" descr="React.js project component | Hướng dẫn học react | Học web chuẩn">
             <a:extLst>
               <a:ext uri="{FF2B5EF4-FFF2-40B4-BE49-F238E27FC236}">
-                <a16:creationId xmlns:a16="http://schemas.microsoft.com/office/drawing/2014/main" xmlns="" id="{23086DF2-2FCE-453C-8EF3-56C73767DBE3}"/>
+                <a16:creationId xmlns:a16="http://schemas.microsoft.com/office/drawing/2014/main" id="{23086DF2-2FCE-453C-8EF3-56C73767DBE3}"/>
               </a:ext>
             </a:extLst>
           </p:cNvPr>
@@ -12394,13 +13111,6 @@
   <p:clrMapOvr>
     <a:masterClrMapping/>
   </p:clrMapOvr>
-  <p:timing>
-    <p:tnLst>
-      <p:par>
-        <p:cTn id="1" dur="indefinite" restart="never" nodeType="tmRoot"/>
-      </p:par>
-    </p:tnLst>
-  </p:timing>
 </p:sld>
 </file>
 
@@ -12426,7 +13136,7 @@
           <p:cNvPr id="3" name="TextBox 2">
             <a:extLst>
               <a:ext uri="{FF2B5EF4-FFF2-40B4-BE49-F238E27FC236}">
-                <a16:creationId xmlns:a16="http://schemas.microsoft.com/office/drawing/2014/main" xmlns="" id="{66A801D4-74F9-46A0-8843-E18659672DE9}"/>
+                <a16:creationId xmlns:a16="http://schemas.microsoft.com/office/drawing/2014/main" id="{66A801D4-74F9-46A0-8843-E18659672DE9}"/>
               </a:ext>
             </a:extLst>
           </p:cNvPr>
@@ -12597,7 +13307,7 @@
           <p:cNvPr id="4" name="TextBox 3">
             <a:extLst>
               <a:ext uri="{FF2B5EF4-FFF2-40B4-BE49-F238E27FC236}">
-                <a16:creationId xmlns:a16="http://schemas.microsoft.com/office/drawing/2014/main" xmlns="" id="{2ECD7FA6-9DBD-427F-9360-AB6E421C5E85}"/>
+                <a16:creationId xmlns:a16="http://schemas.microsoft.com/office/drawing/2014/main" id="{2ECD7FA6-9DBD-427F-9360-AB6E421C5E85}"/>
               </a:ext>
             </a:extLst>
           </p:cNvPr>
@@ -12652,7 +13362,7 @@
           <p:cNvPr id="8" name="TextBox 7">
             <a:extLst>
               <a:ext uri="{FF2B5EF4-FFF2-40B4-BE49-F238E27FC236}">
-                <a16:creationId xmlns:a16="http://schemas.microsoft.com/office/drawing/2014/main" xmlns="" id="{B3DDC1D2-FBA4-4B17-B2E3-1BE852EDE28B}"/>
+                <a16:creationId xmlns:a16="http://schemas.microsoft.com/office/drawing/2014/main" id="{B3DDC1D2-FBA4-4B17-B2E3-1BE852EDE28B}"/>
               </a:ext>
             </a:extLst>
           </p:cNvPr>
@@ -13294,7 +14004,7 @@
           <p:cNvPr id="2050" name="Picture 2" descr="React.js project component | Hướng dẫn học react | Học web chuẩn">
             <a:extLst>
               <a:ext uri="{FF2B5EF4-FFF2-40B4-BE49-F238E27FC236}">
-                <a16:creationId xmlns:a16="http://schemas.microsoft.com/office/drawing/2014/main" xmlns="" id="{23086DF2-2FCE-453C-8EF3-56C73767DBE3}"/>
+                <a16:creationId xmlns:a16="http://schemas.microsoft.com/office/drawing/2014/main" id="{23086DF2-2FCE-453C-8EF3-56C73767DBE3}"/>
               </a:ext>
             </a:extLst>
           </p:cNvPr>
@@ -13346,13 +14056,6 @@
   <p:clrMapOvr>
     <a:masterClrMapping/>
   </p:clrMapOvr>
-  <p:timing>
-    <p:tnLst>
-      <p:par>
-        <p:cTn id="1" dur="indefinite" restart="never" nodeType="tmRoot"/>
-      </p:par>
-    </p:tnLst>
-  </p:timing>
 </p:sld>
 </file>
 
@@ -13378,7 +14081,7 @@
           <p:cNvPr id="3" name="TextBox 2">
             <a:extLst>
               <a:ext uri="{FF2B5EF4-FFF2-40B4-BE49-F238E27FC236}">
-                <a16:creationId xmlns:a16="http://schemas.microsoft.com/office/drawing/2014/main" xmlns="" id="{66A801D4-74F9-46A0-8843-E18659672DE9}"/>
+                <a16:creationId xmlns:a16="http://schemas.microsoft.com/office/drawing/2014/main" id="{66A801D4-74F9-46A0-8843-E18659672DE9}"/>
               </a:ext>
             </a:extLst>
           </p:cNvPr>
@@ -13549,7 +14252,7 @@
           <p:cNvPr id="4" name="TextBox 3">
             <a:extLst>
               <a:ext uri="{FF2B5EF4-FFF2-40B4-BE49-F238E27FC236}">
-                <a16:creationId xmlns:a16="http://schemas.microsoft.com/office/drawing/2014/main" xmlns="" id="{2ECD7FA6-9DBD-427F-9360-AB6E421C5E85}"/>
+                <a16:creationId xmlns:a16="http://schemas.microsoft.com/office/drawing/2014/main" id="{2ECD7FA6-9DBD-427F-9360-AB6E421C5E85}"/>
               </a:ext>
             </a:extLst>
           </p:cNvPr>
@@ -13619,7 +14322,7 @@
           <p:cNvPr id="8" name="TextBox 7">
             <a:extLst>
               <a:ext uri="{FF2B5EF4-FFF2-40B4-BE49-F238E27FC236}">
-                <a16:creationId xmlns:a16="http://schemas.microsoft.com/office/drawing/2014/main" xmlns="" id="{B3DDC1D2-FBA4-4B17-B2E3-1BE852EDE28B}"/>
+                <a16:creationId xmlns:a16="http://schemas.microsoft.com/office/drawing/2014/main" id="{B3DDC1D2-FBA4-4B17-B2E3-1BE852EDE28B}"/>
               </a:ext>
             </a:extLst>
           </p:cNvPr>
@@ -13957,13 +14660,6 @@
   <p:clrMapOvr>
     <a:masterClrMapping/>
   </p:clrMapOvr>
-  <p:timing>
-    <p:tnLst>
-      <p:par>
-        <p:cTn id="1" dur="indefinite" restart="never" nodeType="tmRoot"/>
-      </p:par>
-    </p:tnLst>
-  </p:timing>
 </p:sld>
 </file>
 
@@ -13989,7 +14685,7 @@
           <p:cNvPr id="3" name="TextBox 2">
             <a:extLst>
               <a:ext uri="{FF2B5EF4-FFF2-40B4-BE49-F238E27FC236}">
-                <a16:creationId xmlns:a16="http://schemas.microsoft.com/office/drawing/2014/main" xmlns="" id="{66A801D4-74F9-46A0-8843-E18659672DE9}"/>
+                <a16:creationId xmlns:a16="http://schemas.microsoft.com/office/drawing/2014/main" id="{66A801D4-74F9-46A0-8843-E18659672DE9}"/>
               </a:ext>
             </a:extLst>
           </p:cNvPr>
@@ -14160,7 +14856,7 @@
           <p:cNvPr id="4" name="TextBox 3">
             <a:extLst>
               <a:ext uri="{FF2B5EF4-FFF2-40B4-BE49-F238E27FC236}">
-                <a16:creationId xmlns:a16="http://schemas.microsoft.com/office/drawing/2014/main" xmlns="" id="{2ECD7FA6-9DBD-427F-9360-AB6E421C5E85}"/>
+                <a16:creationId xmlns:a16="http://schemas.microsoft.com/office/drawing/2014/main" id="{2ECD7FA6-9DBD-427F-9360-AB6E421C5E85}"/>
               </a:ext>
             </a:extLst>
           </p:cNvPr>
@@ -14188,30 +14884,29 @@
               <a:buChar char="Ø"/>
             </a:pPr>
             <a:r>
-              <a:rPr lang="en-US" dirty="0" err="1" smtClean="0"/>
+              <a:rPr lang="en-US" dirty="0" err="1"/>
               <a:t>Cách</a:t>
             </a:r>
             <a:r>
-              <a:rPr lang="en-US" dirty="0" smtClean="0"/>
-              <a:t> </a:t>
-            </a:r>
-            <a:r>
-              <a:rPr lang="en-US" dirty="0" err="1" smtClean="0"/>
+              <a:rPr lang="en-US" dirty="0"/>
+              <a:t> </a:t>
+            </a:r>
+            <a:r>
+              <a:rPr lang="en-US" dirty="0" err="1"/>
               <a:t>khai</a:t>
             </a:r>
             <a:r>
-              <a:rPr lang="en-US" dirty="0" smtClean="0"/>
-              <a:t> </a:t>
-            </a:r>
-            <a:r>
-              <a:rPr lang="en-US" dirty="0" err="1" smtClean="0"/>
+              <a:rPr lang="en-US" dirty="0"/>
+              <a:t> </a:t>
+            </a:r>
+            <a:r>
+              <a:rPr lang="en-US" dirty="0" err="1"/>
               <a:t>báo</a:t>
             </a:r>
             <a:r>
-              <a:rPr lang="en-US" dirty="0" smtClean="0"/>
+              <a:rPr lang="en-US" dirty="0"/>
               <a:t> component : </a:t>
             </a:r>
-            <a:endParaRPr lang="en-US" dirty="0"/>
           </a:p>
         </p:txBody>
       </p:sp>
@@ -14320,37 +15015,33 @@
           <a:lstStyle/>
           <a:p>
             <a:r>
-              <a:rPr lang="en-US" dirty="0" err="1" smtClean="0">
+              <a:rPr lang="en-US" dirty="0" err="1">
                 <a:latin typeface="Times New Roman" pitchFamily="18" charset="0"/>
                 <a:cs typeface="Times New Roman" pitchFamily="18" charset="0"/>
               </a:rPr>
               <a:t>Khai</a:t>
             </a:r>
             <a:r>
-              <a:rPr lang="en-US" dirty="0" smtClean="0">
-                <a:latin typeface="Times New Roman" pitchFamily="18" charset="0"/>
-                <a:cs typeface="Times New Roman" pitchFamily="18" charset="0"/>
-              </a:rPr>
-              <a:t> </a:t>
-            </a:r>
-            <a:r>
-              <a:rPr lang="en-US" dirty="0" err="1" smtClean="0">
+              <a:rPr lang="en-US" dirty="0">
+                <a:latin typeface="Times New Roman" pitchFamily="18" charset="0"/>
+                <a:cs typeface="Times New Roman" pitchFamily="18" charset="0"/>
+              </a:rPr>
+              <a:t> </a:t>
+            </a:r>
+            <a:r>
+              <a:rPr lang="en-US" dirty="0" err="1">
                 <a:latin typeface="Times New Roman" pitchFamily="18" charset="0"/>
                 <a:cs typeface="Times New Roman" pitchFamily="18" charset="0"/>
               </a:rPr>
               <a:t>báo</a:t>
             </a:r>
             <a:r>
-              <a:rPr lang="en-US" dirty="0" smtClean="0">
+              <a:rPr lang="en-US" dirty="0">
                 <a:latin typeface="Times New Roman" pitchFamily="18" charset="0"/>
                 <a:cs typeface="Times New Roman" pitchFamily="18" charset="0"/>
               </a:rPr>
               <a:t> class component </a:t>
             </a:r>
-            <a:endParaRPr lang="en-US" dirty="0">
-              <a:latin typeface="Times New Roman" pitchFamily="18" charset="0"/>
-              <a:cs typeface="Times New Roman" pitchFamily="18" charset="0"/>
-            </a:endParaRPr>
           </a:p>
         </p:txBody>
       </p:sp>
@@ -14377,37 +15068,33 @@
           <a:lstStyle/>
           <a:p>
             <a:r>
-              <a:rPr lang="en-US" dirty="0" err="1" smtClean="0">
+              <a:rPr lang="en-US" dirty="0" err="1">
                 <a:latin typeface="Times New Roman" pitchFamily="18" charset="0"/>
                 <a:cs typeface="Times New Roman" pitchFamily="18" charset="0"/>
               </a:rPr>
               <a:t>Khai</a:t>
             </a:r>
             <a:r>
-              <a:rPr lang="en-US" dirty="0" smtClean="0">
-                <a:latin typeface="Times New Roman" pitchFamily="18" charset="0"/>
-                <a:cs typeface="Times New Roman" pitchFamily="18" charset="0"/>
-              </a:rPr>
-              <a:t> </a:t>
-            </a:r>
-            <a:r>
-              <a:rPr lang="en-US" dirty="0" err="1" smtClean="0">
+              <a:rPr lang="en-US" dirty="0">
+                <a:latin typeface="Times New Roman" pitchFamily="18" charset="0"/>
+                <a:cs typeface="Times New Roman" pitchFamily="18" charset="0"/>
+              </a:rPr>
+              <a:t> </a:t>
+            </a:r>
+            <a:r>
+              <a:rPr lang="en-US" dirty="0" err="1">
                 <a:latin typeface="Times New Roman" pitchFamily="18" charset="0"/>
                 <a:cs typeface="Times New Roman" pitchFamily="18" charset="0"/>
               </a:rPr>
               <a:t>báo</a:t>
             </a:r>
             <a:r>
-              <a:rPr lang="en-US" dirty="0" smtClean="0">
+              <a:rPr lang="en-US" dirty="0">
                 <a:latin typeface="Times New Roman" pitchFamily="18" charset="0"/>
                 <a:cs typeface="Times New Roman" pitchFamily="18" charset="0"/>
               </a:rPr>
               <a:t> function component </a:t>
             </a:r>
-            <a:endParaRPr lang="en-US" dirty="0">
-              <a:latin typeface="Times New Roman" pitchFamily="18" charset="0"/>
-              <a:cs typeface="Times New Roman" pitchFamily="18" charset="0"/>
-            </a:endParaRPr>
           </a:p>
         </p:txBody>
       </p:sp>
@@ -14421,13 +15108,6 @@
   <p:clrMapOvr>
     <a:masterClrMapping/>
   </p:clrMapOvr>
-  <p:timing>
-    <p:tnLst>
-      <p:par>
-        <p:cTn id="1" dur="indefinite" restart="never" nodeType="tmRoot"/>
-      </p:par>
-    </p:tnLst>
-  </p:timing>
 </p:sld>
 </file>
 
@@ -14453,7 +15133,7 @@
           <p:cNvPr id="3" name="TextBox 2">
             <a:extLst>
               <a:ext uri="{FF2B5EF4-FFF2-40B4-BE49-F238E27FC236}">
-                <a16:creationId xmlns:a16="http://schemas.microsoft.com/office/drawing/2014/main" xmlns="" id="{66A801D4-74F9-46A0-8843-E18659672DE9}"/>
+                <a16:creationId xmlns:a16="http://schemas.microsoft.com/office/drawing/2014/main" id="{66A801D4-74F9-46A0-8843-E18659672DE9}"/>
               </a:ext>
             </a:extLst>
           </p:cNvPr>
@@ -14624,7 +15304,7 @@
           <p:cNvPr id="4" name="TextBox 3">
             <a:extLst>
               <a:ext uri="{FF2B5EF4-FFF2-40B4-BE49-F238E27FC236}">
-                <a16:creationId xmlns:a16="http://schemas.microsoft.com/office/drawing/2014/main" xmlns="" id="{2ECD7FA6-9DBD-427F-9360-AB6E421C5E85}"/>
+                <a16:creationId xmlns:a16="http://schemas.microsoft.com/office/drawing/2014/main" id="{2ECD7FA6-9DBD-427F-9360-AB6E421C5E85}"/>
               </a:ext>
             </a:extLst>
           </p:cNvPr>
@@ -14679,7 +15359,7 @@
           <p:cNvPr id="8" name="TextBox 7">
             <a:extLst>
               <a:ext uri="{FF2B5EF4-FFF2-40B4-BE49-F238E27FC236}">
-                <a16:creationId xmlns:a16="http://schemas.microsoft.com/office/drawing/2014/main" xmlns="" id="{B3DDC1D2-FBA4-4B17-B2E3-1BE852EDE28B}"/>
+                <a16:creationId xmlns:a16="http://schemas.microsoft.com/office/drawing/2014/main" id="{B3DDC1D2-FBA4-4B17-B2E3-1BE852EDE28B}"/>
               </a:ext>
             </a:extLst>
           </p:cNvPr>
@@ -15454,13 +16134,6 @@
   <p:clrMapOvr>
     <a:masterClrMapping/>
   </p:clrMapOvr>
-  <p:timing>
-    <p:tnLst>
-      <p:par>
-        <p:cTn id="1" dur="indefinite" restart="never" nodeType="tmRoot"/>
-      </p:par>
-    </p:tnLst>
-  </p:timing>
 </p:sld>
 </file>
 
@@ -15486,7 +16159,7 @@
           <p:cNvPr id="3" name="TextBox 2">
             <a:extLst>
               <a:ext uri="{FF2B5EF4-FFF2-40B4-BE49-F238E27FC236}">
-                <a16:creationId xmlns:a16="http://schemas.microsoft.com/office/drawing/2014/main" xmlns="" id="{66A801D4-74F9-46A0-8843-E18659672DE9}"/>
+                <a16:creationId xmlns:a16="http://schemas.microsoft.com/office/drawing/2014/main" id="{66A801D4-74F9-46A0-8843-E18659672DE9}"/>
               </a:ext>
             </a:extLst>
           </p:cNvPr>
@@ -15657,7 +16330,7 @@
           <p:cNvPr id="4" name="TextBox 3">
             <a:extLst>
               <a:ext uri="{FF2B5EF4-FFF2-40B4-BE49-F238E27FC236}">
-                <a16:creationId xmlns:a16="http://schemas.microsoft.com/office/drawing/2014/main" xmlns="" id="{2ECD7FA6-9DBD-427F-9360-AB6E421C5E85}"/>
+                <a16:creationId xmlns:a16="http://schemas.microsoft.com/office/drawing/2014/main" id="{2ECD7FA6-9DBD-427F-9360-AB6E421C5E85}"/>
               </a:ext>
             </a:extLst>
           </p:cNvPr>
@@ -15709,10 +16382,10 @@
       </p:sp>
       <p:pic>
         <p:nvPicPr>
-          <p:cNvPr id="6" name="Picture 5">
+          <p:cNvPr id="5" name="Picture 4">
             <a:extLst>
               <a:ext uri="{FF2B5EF4-FFF2-40B4-BE49-F238E27FC236}">
-                <a16:creationId xmlns:a16="http://schemas.microsoft.com/office/drawing/2014/main" xmlns="" id="{7C7B26A2-DA62-4AE6-8C08-A7F7677E512D}"/>
+                <a16:creationId xmlns:a16="http://schemas.microsoft.com/office/drawing/2014/main" id="{790BDE7D-7444-4B1F-91A3-AE176AD136E7}"/>
               </a:ext>
             </a:extLst>
           </p:cNvPr>
@@ -15729,79 +16402,54 @@
         </p:blipFill>
         <p:spPr>
           <a:xfrm>
-            <a:off x="3295914" y="2423973"/>
-            <a:ext cx="4814210" cy="2453620"/>
+            <a:off x="1291712" y="2093175"/>
+            <a:ext cx="4519814" cy="3021309"/>
           </a:xfrm>
           <a:prstGeom prst="rect">
             <a:avLst/>
           </a:prstGeom>
         </p:spPr>
       </p:pic>
-      <p:sp>
-        <p:nvSpPr>
-          <p:cNvPr id="7" name="TextBox 6">
+      <p:pic>
+        <p:nvPicPr>
+          <p:cNvPr id="6" name="Picture 5">
             <a:extLst>
               <a:ext uri="{FF2B5EF4-FFF2-40B4-BE49-F238E27FC236}">
-                <a16:creationId xmlns:a16="http://schemas.microsoft.com/office/drawing/2014/main" xmlns="" id="{842B14EC-12EE-4EA4-9527-B1357B89146F}"/>
+                <a16:creationId xmlns:a16="http://schemas.microsoft.com/office/drawing/2014/main" id="{D74F322A-32DE-4B56-9A25-7706FA94481B}"/>
               </a:ext>
             </a:extLst>
           </p:cNvPr>
-          <p:cNvSpPr txBox="1"/>
+          <p:cNvPicPr>
+            <a:picLocks noChangeAspect="1"/>
+          </p:cNvPicPr>
           <p:nvPr/>
-        </p:nvSpPr>
+        </p:nvPicPr>
+        <p:blipFill>
+          <a:blip r:embed="rId4"/>
+          <a:stretch>
+            <a:fillRect/>
+          </a:stretch>
+        </p:blipFill>
         <p:spPr>
           <a:xfrm>
-            <a:off x="4549644" y="5321158"/>
-            <a:ext cx="5486400" cy="369332"/>
+            <a:off x="6096000" y="2529120"/>
+            <a:ext cx="5689163" cy="2149417"/>
           </a:xfrm>
           <a:prstGeom prst="rect">
             <a:avLst/>
           </a:prstGeom>
-          <a:noFill/>
         </p:spPr>
-        <p:txBody>
-          <a:bodyPr wrap="square" rtlCol="0">
-            <a:spAutoFit/>
-          </a:bodyPr>
-          <a:lstStyle/>
-          <a:p>
-            <a:r>
-              <a:rPr lang="en-US" dirty="0"/>
-              <a:t>Props </a:t>
-            </a:r>
-            <a:r>
-              <a:rPr lang="en-US" dirty="0" err="1"/>
-              <a:t>mặc</a:t>
-            </a:r>
-            <a:r>
-              <a:rPr lang="en-US" dirty="0"/>
-              <a:t> </a:t>
-            </a:r>
-            <a:r>
-              <a:rPr lang="en-US" dirty="0" err="1"/>
-              <a:t>định</a:t>
-            </a:r>
-            <a:endParaRPr lang="en-US" dirty="0"/>
-          </a:p>
-        </p:txBody>
-      </p:sp>
+      </p:pic>
     </p:spTree>
     <p:extLst>
       <p:ext uri="{BB962C8B-B14F-4D97-AF65-F5344CB8AC3E}">
-        <p14:creationId xmlns:p14="http://schemas.microsoft.com/office/powerpoint/2010/main" val="3818115749"/>
+        <p14:creationId xmlns:p14="http://schemas.microsoft.com/office/powerpoint/2010/main" val="910422292"/>
       </p:ext>
     </p:extLst>
   </p:cSld>
   <p:clrMapOvr>
     <a:masterClrMapping/>
   </p:clrMapOvr>
-  <p:timing>
-    <p:tnLst>
-      <p:par>
-        <p:cTn id="1" dur="indefinite" restart="never" nodeType="tmRoot"/>
-      </p:par>
-    </p:tnLst>
-  </p:timing>
 </p:sld>
 </file>
 
@@ -15827,7 +16475,7 @@
           <p:cNvPr id="3" name="TextBox 2">
             <a:extLst>
               <a:ext uri="{FF2B5EF4-FFF2-40B4-BE49-F238E27FC236}">
-                <a16:creationId xmlns:a16="http://schemas.microsoft.com/office/drawing/2014/main" xmlns="" id="{66A801D4-74F9-46A0-8843-E18659672DE9}"/>
+                <a16:creationId xmlns:a16="http://schemas.microsoft.com/office/drawing/2014/main" id="{66A801D4-74F9-46A0-8843-E18659672DE9}"/>
               </a:ext>
             </a:extLst>
           </p:cNvPr>
@@ -15998,7 +16646,7 @@
           <p:cNvPr id="4" name="TextBox 3">
             <a:extLst>
               <a:ext uri="{FF2B5EF4-FFF2-40B4-BE49-F238E27FC236}">
-                <a16:creationId xmlns:a16="http://schemas.microsoft.com/office/drawing/2014/main" xmlns="" id="{2ECD7FA6-9DBD-427F-9360-AB6E421C5E85}"/>
+                <a16:creationId xmlns:a16="http://schemas.microsoft.com/office/drawing/2014/main" id="{2ECD7FA6-9DBD-427F-9360-AB6E421C5E85}"/>
               </a:ext>
             </a:extLst>
           </p:cNvPr>
@@ -16007,7 +16655,7 @@
         </p:nvSpPr>
         <p:spPr>
           <a:xfrm>
-            <a:off x="1639019" y="1611076"/>
+            <a:off x="1014394" y="1611076"/>
             <a:ext cx="8397025" cy="369332"/>
           </a:xfrm>
           <a:prstGeom prst="rect">
@@ -16053,7 +16701,7 @@
           <p:cNvPr id="8" name="TextBox 7">
             <a:extLst>
               <a:ext uri="{FF2B5EF4-FFF2-40B4-BE49-F238E27FC236}">
-                <a16:creationId xmlns:a16="http://schemas.microsoft.com/office/drawing/2014/main" xmlns="" id="{F047A607-C1BA-49B8-8D17-BEC2B153E198}"/>
+                <a16:creationId xmlns:a16="http://schemas.microsoft.com/office/drawing/2014/main" id="{F047A607-C1BA-49B8-8D17-BEC2B153E198}"/>
               </a:ext>
             </a:extLst>
           </p:cNvPr>
@@ -16062,8 +16710,8 @@
         </p:nvSpPr>
         <p:spPr>
           <a:xfrm>
-            <a:off x="1860429" y="2560875"/>
-            <a:ext cx="8560279" cy="1661993"/>
+            <a:off x="980536" y="2560874"/>
+            <a:ext cx="5264989" cy="2215991"/>
           </a:xfrm>
           <a:prstGeom prst="rect">
             <a:avLst/>
@@ -16472,6 +17120,36 @@
           </a:p>
         </p:txBody>
       </p:sp>
+      <p:pic>
+        <p:nvPicPr>
+          <p:cNvPr id="5" name="Picture 4">
+            <a:extLst>
+              <a:ext uri="{FF2B5EF4-FFF2-40B4-BE49-F238E27FC236}">
+                <a16:creationId xmlns:a16="http://schemas.microsoft.com/office/drawing/2014/main" id="{E787D057-5FBB-4B2F-AB9F-1A82394CBFB0}"/>
+              </a:ext>
+            </a:extLst>
+          </p:cNvPr>
+          <p:cNvPicPr>
+            <a:picLocks noChangeAspect="1"/>
+          </p:cNvPicPr>
+          <p:nvPr/>
+        </p:nvPicPr>
+        <p:blipFill>
+          <a:blip r:embed="rId3"/>
+          <a:stretch>
+            <a:fillRect/>
+          </a:stretch>
+        </p:blipFill>
+        <p:spPr>
+          <a:xfrm>
+            <a:off x="6648092" y="1798156"/>
+            <a:ext cx="5352836" cy="4067478"/>
+          </a:xfrm>
+          <a:prstGeom prst="rect">
+            <a:avLst/>
+          </a:prstGeom>
+        </p:spPr>
+      </p:pic>
     </p:spTree>
     <p:extLst>
       <p:ext uri="{BB962C8B-B14F-4D97-AF65-F5344CB8AC3E}">
@@ -16482,13 +17160,6 @@
   <p:clrMapOvr>
     <a:masterClrMapping/>
   </p:clrMapOvr>
-  <p:timing>
-    <p:tnLst>
-      <p:par>
-        <p:cTn id="1" dur="indefinite" restart="never" nodeType="tmRoot"/>
-      </p:par>
-    </p:tnLst>
-  </p:timing>
 </p:sld>
 </file>
 
@@ -16514,7 +17185,7 @@
           <p:cNvPr id="3" name="TextBox 2">
             <a:extLst>
               <a:ext uri="{FF2B5EF4-FFF2-40B4-BE49-F238E27FC236}">
-                <a16:creationId xmlns:a16="http://schemas.microsoft.com/office/drawing/2014/main" xmlns="" id="{66A801D4-74F9-46A0-8843-E18659672DE9}"/>
+                <a16:creationId xmlns:a16="http://schemas.microsoft.com/office/drawing/2014/main" id="{66A801D4-74F9-46A0-8843-E18659672DE9}"/>
               </a:ext>
             </a:extLst>
           </p:cNvPr>
@@ -16685,7 +17356,7 @@
           <p:cNvPr id="4" name="TextBox 3">
             <a:extLst>
               <a:ext uri="{FF2B5EF4-FFF2-40B4-BE49-F238E27FC236}">
-                <a16:creationId xmlns:a16="http://schemas.microsoft.com/office/drawing/2014/main" xmlns="" id="{2ECD7FA6-9DBD-427F-9360-AB6E421C5E85}"/>
+                <a16:creationId xmlns:a16="http://schemas.microsoft.com/office/drawing/2014/main" id="{2ECD7FA6-9DBD-427F-9360-AB6E421C5E85}"/>
               </a:ext>
             </a:extLst>
           </p:cNvPr>
@@ -16759,7 +17430,7 @@
           <p:cNvPr id="2" name="Table 4">
             <a:extLst>
               <a:ext uri="{FF2B5EF4-FFF2-40B4-BE49-F238E27FC236}">
-                <a16:creationId xmlns:a16="http://schemas.microsoft.com/office/drawing/2014/main" xmlns="" id="{78F365AA-42A4-45D2-BDA9-D1431ED62688}"/>
+                <a16:creationId xmlns:a16="http://schemas.microsoft.com/office/drawing/2014/main" id="{78F365AA-42A4-45D2-BDA9-D1431ED62688}"/>
               </a:ext>
             </a:extLst>
           </p:cNvPr>
@@ -16788,21 +17459,21 @@
                 <a:gridCol w="5142563">
                   <a:extLst>
                     <a:ext uri="{9D8B030D-6E8A-4147-A177-3AD203B41FA5}">
-                      <a16:colId xmlns:a16="http://schemas.microsoft.com/office/drawing/2014/main" xmlns="" val="2459405840"/>
+                      <a16:colId xmlns:a16="http://schemas.microsoft.com/office/drawing/2014/main" val="2459405840"/>
                     </a:ext>
                   </a:extLst>
                 </a:gridCol>
                 <a:gridCol w="2234665">
                   <a:extLst>
                     <a:ext uri="{9D8B030D-6E8A-4147-A177-3AD203B41FA5}">
-                      <a16:colId xmlns:a16="http://schemas.microsoft.com/office/drawing/2014/main" xmlns="" val="916299296"/>
+                      <a16:colId xmlns:a16="http://schemas.microsoft.com/office/drawing/2014/main" val="916299296"/>
                     </a:ext>
                   </a:extLst>
                 </a:gridCol>
                 <a:gridCol w="2232597">
                   <a:extLst>
                     <a:ext uri="{9D8B030D-6E8A-4147-A177-3AD203B41FA5}">
-                      <a16:colId xmlns:a16="http://schemas.microsoft.com/office/drawing/2014/main" xmlns="" val="296487645"/>
+                      <a16:colId xmlns:a16="http://schemas.microsoft.com/office/drawing/2014/main" val="296487645"/>
                     </a:ext>
                   </a:extLst>
                 </a:gridCol>
@@ -16846,7 +17517,7 @@
                 </a:tc>
                 <a:extLst>
                   <a:ext uri="{0D108BD9-81ED-4DB2-BD59-A6C34878D82A}">
-                    <a16:rowId xmlns:a16="http://schemas.microsoft.com/office/drawing/2014/main" xmlns="" val="1822772887"/>
+                    <a16:rowId xmlns:a16="http://schemas.microsoft.com/office/drawing/2014/main" val="1822772887"/>
                   </a:ext>
                 </a:extLst>
               </a:tr>
@@ -16963,7 +17634,7 @@
                 </a:tc>
                 <a:extLst>
                   <a:ext uri="{0D108BD9-81ED-4DB2-BD59-A6C34878D82A}">
-                    <a16:rowId xmlns:a16="http://schemas.microsoft.com/office/drawing/2014/main" xmlns="" val="3129904449"/>
+                    <a16:rowId xmlns:a16="http://schemas.microsoft.com/office/drawing/2014/main" val="3129904449"/>
                   </a:ext>
                 </a:extLst>
               </a:tr>
@@ -17071,7 +17742,7 @@
                 </a:tc>
                 <a:extLst>
                   <a:ext uri="{0D108BD9-81ED-4DB2-BD59-A6C34878D82A}">
-                    <a16:rowId xmlns:a16="http://schemas.microsoft.com/office/drawing/2014/main" xmlns="" val="3847293907"/>
+                    <a16:rowId xmlns:a16="http://schemas.microsoft.com/office/drawing/2014/main" val="3847293907"/>
                   </a:ext>
                 </a:extLst>
               </a:tr>
@@ -17147,7 +17818,7 @@
                 </a:tc>
                 <a:extLst>
                   <a:ext uri="{0D108BD9-81ED-4DB2-BD59-A6C34878D82A}">
-                    <a16:rowId xmlns:a16="http://schemas.microsoft.com/office/drawing/2014/main" xmlns="" val="2797576135"/>
+                    <a16:rowId xmlns:a16="http://schemas.microsoft.com/office/drawing/2014/main" val="2797576135"/>
                   </a:ext>
                 </a:extLst>
               </a:tr>
@@ -17256,7 +17927,7 @@
                 </a:tc>
                 <a:extLst>
                   <a:ext uri="{0D108BD9-81ED-4DB2-BD59-A6C34878D82A}">
-                    <a16:rowId xmlns:a16="http://schemas.microsoft.com/office/drawing/2014/main" xmlns="" val="700702182"/>
+                    <a16:rowId xmlns:a16="http://schemas.microsoft.com/office/drawing/2014/main" val="700702182"/>
                   </a:ext>
                 </a:extLst>
               </a:tr>
@@ -17365,7 +18036,7 @@
                 </a:tc>
                 <a:extLst>
                   <a:ext uri="{0D108BD9-81ED-4DB2-BD59-A6C34878D82A}">
-                    <a16:rowId xmlns:a16="http://schemas.microsoft.com/office/drawing/2014/main" xmlns="" val="2820911380"/>
+                    <a16:rowId xmlns:a16="http://schemas.microsoft.com/office/drawing/2014/main" val="2820911380"/>
                   </a:ext>
                 </a:extLst>
               </a:tr>
@@ -17383,13 +18054,6 @@
   <p:clrMapOvr>
     <a:masterClrMapping/>
   </p:clrMapOvr>
-  <p:timing>
-    <p:tnLst>
-      <p:par>
-        <p:cTn id="1" dur="indefinite" restart="never" nodeType="tmRoot"/>
-      </p:par>
-    </p:tnLst>
-  </p:timing>
 </p:sld>
 </file>
 
@@ -17415,7 +18079,7 @@
           <p:cNvPr id="3" name="TextBox 2">
             <a:extLst>
               <a:ext uri="{FF2B5EF4-FFF2-40B4-BE49-F238E27FC236}">
-                <a16:creationId xmlns:a16="http://schemas.microsoft.com/office/drawing/2014/main" xmlns="" id="{66A801D4-74F9-46A0-8843-E18659672DE9}"/>
+                <a16:creationId xmlns:a16="http://schemas.microsoft.com/office/drawing/2014/main" id="{66A801D4-74F9-46A0-8843-E18659672DE9}"/>
               </a:ext>
             </a:extLst>
           </p:cNvPr>
@@ -17457,7 +18121,7 @@
           <p:cNvPr id="6" name="Picture 5">
             <a:extLst>
               <a:ext uri="{FF2B5EF4-FFF2-40B4-BE49-F238E27FC236}">
-                <a16:creationId xmlns:a16="http://schemas.microsoft.com/office/drawing/2014/main" xmlns="" id="{983D07D3-67DB-4CC7-B984-56A167F52FC4}"/>
+                <a16:creationId xmlns:a16="http://schemas.microsoft.com/office/drawing/2014/main" id="{983D07D3-67DB-4CC7-B984-56A167F52FC4}"/>
               </a:ext>
             </a:extLst>
           </p:cNvPr>
@@ -17509,40 +18173,22 @@
                 <a:latin typeface="Times New Roman" pitchFamily="18" charset="0"/>
                 <a:cs typeface="Times New Roman" pitchFamily="18" charset="0"/>
               </a:rPr>
-              <a:t>Lifecycle </a:t>
-            </a:r>
-            <a:r>
-              <a:rPr lang="en-US" dirty="0" smtClean="0">
-                <a:latin typeface="Times New Roman" pitchFamily="18" charset="0"/>
-                <a:cs typeface="Times New Roman" pitchFamily="18" charset="0"/>
-              </a:rPr>
-              <a:t>methods </a:t>
-            </a:r>
-            <a:r>
-              <a:rPr lang="en-US" dirty="0" err="1" smtClean="0">
+              <a:t>Lifecycle methods </a:t>
+            </a:r>
+            <a:r>
+              <a:rPr lang="en-US" dirty="0" err="1">
                 <a:latin typeface="Times New Roman" pitchFamily="18" charset="0"/>
                 <a:cs typeface="Times New Roman" pitchFamily="18" charset="0"/>
               </a:rPr>
               <a:t>của</a:t>
             </a:r>
             <a:r>
-              <a:rPr lang="en-US" dirty="0" smtClean="0">
-                <a:latin typeface="Times New Roman" pitchFamily="18" charset="0"/>
-                <a:cs typeface="Times New Roman" pitchFamily="18" charset="0"/>
-              </a:rPr>
-              <a:t> component</a:t>
-            </a:r>
-            <a:r>
-              <a:rPr lang="en-US" dirty="0">
-                <a:latin typeface="Times New Roman" pitchFamily="18" charset="0"/>
-                <a:cs typeface="Times New Roman" pitchFamily="18" charset="0"/>
-              </a:rPr>
-              <a:t> </a:t>
-            </a:r>
-            <a:endParaRPr lang="en-US" dirty="0">
-              <a:latin typeface="Times New Roman" pitchFamily="18" charset="0"/>
-              <a:cs typeface="Times New Roman" pitchFamily="18" charset="0"/>
-            </a:endParaRPr>
+              <a:rPr lang="en-US" dirty="0">
+                <a:latin typeface="Times New Roman" pitchFamily="18" charset="0"/>
+                <a:cs typeface="Times New Roman" pitchFamily="18" charset="0"/>
+              </a:rPr>
+              <a:t> component </a:t>
+            </a:r>
           </a:p>
         </p:txBody>
       </p:sp>
@@ -17579,259 +18225,238 @@
               <a:buChar char="•"/>
             </a:pPr>
             <a:r>
-              <a:rPr lang="en-US" dirty="0" err="1" smtClean="0">
+              <a:rPr lang="en-US" dirty="0" err="1">
                 <a:latin typeface="Times New Roman" pitchFamily="18" charset="0"/>
                 <a:cs typeface="Times New Roman" pitchFamily="18" charset="0"/>
               </a:rPr>
               <a:t>Mỗi</a:t>
             </a:r>
             <a:r>
-              <a:rPr lang="en-US" dirty="0" smtClean="0">
+              <a:rPr lang="en-US" dirty="0">
                 <a:latin typeface="Times New Roman" pitchFamily="18" charset="0"/>
                 <a:cs typeface="Times New Roman" pitchFamily="18" charset="0"/>
               </a:rPr>
               <a:t> component </a:t>
             </a:r>
             <a:r>
-              <a:rPr lang="en-US" dirty="0" err="1" smtClean="0">
+              <a:rPr lang="en-US" dirty="0" err="1">
                 <a:latin typeface="Times New Roman" pitchFamily="18" charset="0"/>
                 <a:cs typeface="Times New Roman" pitchFamily="18" charset="0"/>
               </a:rPr>
               <a:t>trong</a:t>
             </a:r>
             <a:r>
-              <a:rPr lang="en-US" dirty="0" smtClean="0">
-                <a:latin typeface="Times New Roman" pitchFamily="18" charset="0"/>
-                <a:cs typeface="Times New Roman" pitchFamily="18" charset="0"/>
-              </a:rPr>
-              <a:t> </a:t>
-            </a:r>
-            <a:r>
-              <a:rPr lang="en-US" dirty="0" err="1" smtClean="0">
+              <a:rPr lang="en-US" dirty="0">
+                <a:latin typeface="Times New Roman" pitchFamily="18" charset="0"/>
+                <a:cs typeface="Times New Roman" pitchFamily="18" charset="0"/>
+              </a:rPr>
+              <a:t> </a:t>
+            </a:r>
+            <a:r>
+              <a:rPr lang="en-US" dirty="0" err="1">
                 <a:latin typeface="Times New Roman" pitchFamily="18" charset="0"/>
                 <a:cs typeface="Times New Roman" pitchFamily="18" charset="0"/>
               </a:rPr>
               <a:t>reactjs</a:t>
             </a:r>
             <a:r>
-              <a:rPr lang="en-US" dirty="0" smtClean="0">
-                <a:latin typeface="Times New Roman" pitchFamily="18" charset="0"/>
-                <a:cs typeface="Times New Roman" pitchFamily="18" charset="0"/>
-              </a:rPr>
-              <a:t> </a:t>
-            </a:r>
-            <a:r>
-              <a:rPr lang="en-US" dirty="0" err="1" smtClean="0">
+              <a:rPr lang="en-US" dirty="0">
+                <a:latin typeface="Times New Roman" pitchFamily="18" charset="0"/>
+                <a:cs typeface="Times New Roman" pitchFamily="18" charset="0"/>
+              </a:rPr>
+              <a:t> </a:t>
+            </a:r>
+            <a:r>
+              <a:rPr lang="en-US" dirty="0" err="1">
                 <a:latin typeface="Times New Roman" pitchFamily="18" charset="0"/>
                 <a:cs typeface="Times New Roman" pitchFamily="18" charset="0"/>
               </a:rPr>
               <a:t>có</a:t>
             </a:r>
             <a:r>
-              <a:rPr lang="en-US" dirty="0" smtClean="0">
-                <a:latin typeface="Times New Roman" pitchFamily="18" charset="0"/>
-                <a:cs typeface="Times New Roman" pitchFamily="18" charset="0"/>
-              </a:rPr>
-              <a:t> </a:t>
-            </a:r>
-            <a:r>
-              <a:rPr lang="en-US" dirty="0" err="1" smtClean="0">
+              <a:rPr lang="en-US" dirty="0">
+                <a:latin typeface="Times New Roman" pitchFamily="18" charset="0"/>
+                <a:cs typeface="Times New Roman" pitchFamily="18" charset="0"/>
+              </a:rPr>
+              <a:t> </a:t>
+            </a:r>
+            <a:r>
+              <a:rPr lang="en-US" dirty="0" err="1">
                 <a:latin typeface="Times New Roman" pitchFamily="18" charset="0"/>
                 <a:cs typeface="Times New Roman" pitchFamily="18" charset="0"/>
               </a:rPr>
               <a:t>các</a:t>
             </a:r>
             <a:r>
-              <a:rPr lang="en-US" dirty="0" smtClean="0">
-                <a:latin typeface="Times New Roman" pitchFamily="18" charset="0"/>
-                <a:cs typeface="Times New Roman" pitchFamily="18" charset="0"/>
-              </a:rPr>
-              <a:t> </a:t>
-            </a:r>
-            <a:r>
-              <a:rPr lang="en-US" dirty="0">
-                <a:latin typeface="Times New Roman" pitchFamily="18" charset="0"/>
-                <a:cs typeface="Times New Roman" pitchFamily="18" charset="0"/>
-              </a:rPr>
-              <a:t>l</a:t>
-            </a:r>
-            <a:r>
-              <a:rPr lang="en-US" dirty="0" smtClean="0">
-                <a:latin typeface="Times New Roman" pitchFamily="18" charset="0"/>
-                <a:cs typeface="Times New Roman" pitchFamily="18" charset="0"/>
-              </a:rPr>
-              <a:t>ifecycle </a:t>
-            </a:r>
-            <a:r>
-              <a:rPr lang="en-US" dirty="0">
-                <a:latin typeface="Times New Roman" pitchFamily="18" charset="0"/>
-                <a:cs typeface="Times New Roman" pitchFamily="18" charset="0"/>
-              </a:rPr>
-              <a:t>methods </a:t>
-            </a:r>
-            <a:r>
-              <a:rPr lang="en-US" dirty="0" err="1" smtClean="0">
+              <a:rPr lang="en-US" dirty="0">
+                <a:latin typeface="Times New Roman" pitchFamily="18" charset="0"/>
+                <a:cs typeface="Times New Roman" pitchFamily="18" charset="0"/>
+              </a:rPr>
+              <a:t> lifecycle methods </a:t>
+            </a:r>
+            <a:r>
+              <a:rPr lang="en-US" dirty="0" err="1">
                 <a:latin typeface="Times New Roman" pitchFamily="18" charset="0"/>
                 <a:cs typeface="Times New Roman" pitchFamily="18" charset="0"/>
               </a:rPr>
               <a:t>và</a:t>
             </a:r>
             <a:r>
-              <a:rPr lang="en-US" dirty="0" smtClean="0">
-                <a:latin typeface="Times New Roman" pitchFamily="18" charset="0"/>
-                <a:cs typeface="Times New Roman" pitchFamily="18" charset="0"/>
-              </a:rPr>
-              <a:t> </a:t>
-            </a:r>
-            <a:r>
-              <a:rPr lang="en-US" dirty="0" err="1" smtClean="0">
+              <a:rPr lang="en-US" dirty="0">
+                <a:latin typeface="Times New Roman" pitchFamily="18" charset="0"/>
+                <a:cs typeface="Times New Roman" pitchFamily="18" charset="0"/>
+              </a:rPr>
+              <a:t> </a:t>
+            </a:r>
+            <a:r>
+              <a:rPr lang="en-US" dirty="0" err="1">
                 <a:latin typeface="Times New Roman" pitchFamily="18" charset="0"/>
                 <a:cs typeface="Times New Roman" pitchFamily="18" charset="0"/>
               </a:rPr>
               <a:t>chúng</a:t>
             </a:r>
             <a:r>
-              <a:rPr lang="en-US" dirty="0" smtClean="0">
+              <a:rPr lang="en-US" dirty="0">
                 <a:latin typeface="Times New Roman" pitchFamily="18" charset="0"/>
                 <a:cs typeface="Times New Roman" pitchFamily="18" charset="0"/>
               </a:rPr>
               <a:t> ta </a:t>
             </a:r>
             <a:r>
-              <a:rPr lang="en-US" dirty="0" err="1" smtClean="0">
+              <a:rPr lang="en-US" dirty="0" err="1">
                 <a:latin typeface="Times New Roman" pitchFamily="18" charset="0"/>
                 <a:cs typeface="Times New Roman" pitchFamily="18" charset="0"/>
               </a:rPr>
               <a:t>có</a:t>
             </a:r>
             <a:r>
-              <a:rPr lang="en-US" dirty="0" smtClean="0">
-                <a:latin typeface="Times New Roman" pitchFamily="18" charset="0"/>
-                <a:cs typeface="Times New Roman" pitchFamily="18" charset="0"/>
-              </a:rPr>
-              <a:t> </a:t>
-            </a:r>
-            <a:r>
-              <a:rPr lang="en-US" dirty="0" err="1" smtClean="0">
+              <a:rPr lang="en-US" dirty="0">
+                <a:latin typeface="Times New Roman" pitchFamily="18" charset="0"/>
+                <a:cs typeface="Times New Roman" pitchFamily="18" charset="0"/>
+              </a:rPr>
+              <a:t> </a:t>
+            </a:r>
+            <a:r>
+              <a:rPr lang="en-US" dirty="0" err="1">
                 <a:latin typeface="Times New Roman" pitchFamily="18" charset="0"/>
                 <a:cs typeface="Times New Roman" pitchFamily="18" charset="0"/>
               </a:rPr>
               <a:t>thể</a:t>
             </a:r>
             <a:r>
-              <a:rPr lang="en-US" dirty="0" smtClean="0">
-                <a:latin typeface="Times New Roman" pitchFamily="18" charset="0"/>
-                <a:cs typeface="Times New Roman" pitchFamily="18" charset="0"/>
-              </a:rPr>
-              <a:t> </a:t>
-            </a:r>
-            <a:r>
-              <a:rPr lang="en-US" dirty="0" err="1" smtClean="0">
+              <a:rPr lang="en-US" dirty="0">
+                <a:latin typeface="Times New Roman" pitchFamily="18" charset="0"/>
+                <a:cs typeface="Times New Roman" pitchFamily="18" charset="0"/>
+              </a:rPr>
+              <a:t> </a:t>
+            </a:r>
+            <a:r>
+              <a:rPr lang="en-US" dirty="0" err="1">
                 <a:latin typeface="Times New Roman" pitchFamily="18" charset="0"/>
                 <a:cs typeface="Times New Roman" pitchFamily="18" charset="0"/>
               </a:rPr>
               <a:t>theo</a:t>
             </a:r>
             <a:r>
-              <a:rPr lang="en-US" dirty="0" smtClean="0">
-                <a:latin typeface="Times New Roman" pitchFamily="18" charset="0"/>
-                <a:cs typeface="Times New Roman" pitchFamily="18" charset="0"/>
-              </a:rPr>
-              <a:t> </a:t>
-            </a:r>
-            <a:r>
-              <a:rPr lang="en-US" dirty="0" err="1" smtClean="0">
+              <a:rPr lang="en-US" dirty="0">
+                <a:latin typeface="Times New Roman" pitchFamily="18" charset="0"/>
+                <a:cs typeface="Times New Roman" pitchFamily="18" charset="0"/>
+              </a:rPr>
+              <a:t> </a:t>
+            </a:r>
+            <a:r>
+              <a:rPr lang="en-US" dirty="0" err="1">
                 <a:latin typeface="Times New Roman" pitchFamily="18" charset="0"/>
                 <a:cs typeface="Times New Roman" pitchFamily="18" charset="0"/>
               </a:rPr>
               <a:t>dõi</a:t>
             </a:r>
             <a:r>
-              <a:rPr lang="en-US" dirty="0" smtClean="0">
-                <a:latin typeface="Times New Roman" pitchFamily="18" charset="0"/>
-                <a:cs typeface="Times New Roman" pitchFamily="18" charset="0"/>
-              </a:rPr>
-              <a:t> </a:t>
-            </a:r>
-            <a:r>
-              <a:rPr lang="en-US" dirty="0" err="1" smtClean="0">
+              <a:rPr lang="en-US" dirty="0">
+                <a:latin typeface="Times New Roman" pitchFamily="18" charset="0"/>
+                <a:cs typeface="Times New Roman" pitchFamily="18" charset="0"/>
+              </a:rPr>
+              <a:t> </a:t>
+            </a:r>
+            <a:r>
+              <a:rPr lang="en-US" dirty="0" err="1">
                 <a:latin typeface="Times New Roman" pitchFamily="18" charset="0"/>
                 <a:cs typeface="Times New Roman" pitchFamily="18" charset="0"/>
               </a:rPr>
               <a:t>và</a:t>
             </a:r>
             <a:r>
-              <a:rPr lang="en-US" dirty="0" smtClean="0">
-                <a:latin typeface="Times New Roman" pitchFamily="18" charset="0"/>
-                <a:cs typeface="Times New Roman" pitchFamily="18" charset="0"/>
-              </a:rPr>
-              <a:t> </a:t>
-            </a:r>
-            <a:r>
-              <a:rPr lang="en-US" dirty="0" err="1" smtClean="0">
+              <a:rPr lang="en-US" dirty="0">
+                <a:latin typeface="Times New Roman" pitchFamily="18" charset="0"/>
+                <a:cs typeface="Times New Roman" pitchFamily="18" charset="0"/>
+              </a:rPr>
+              <a:t> </a:t>
+            </a:r>
+            <a:r>
+              <a:rPr lang="en-US" dirty="0" err="1">
                 <a:latin typeface="Times New Roman" pitchFamily="18" charset="0"/>
                 <a:cs typeface="Times New Roman" pitchFamily="18" charset="0"/>
               </a:rPr>
               <a:t>thao</a:t>
             </a:r>
             <a:r>
-              <a:rPr lang="en-US" dirty="0" smtClean="0">
-                <a:latin typeface="Times New Roman" pitchFamily="18" charset="0"/>
-                <a:cs typeface="Times New Roman" pitchFamily="18" charset="0"/>
-              </a:rPr>
-              <a:t> </a:t>
-            </a:r>
-            <a:r>
-              <a:rPr lang="en-US" dirty="0" err="1" smtClean="0">
+              <a:rPr lang="en-US" dirty="0">
+                <a:latin typeface="Times New Roman" pitchFamily="18" charset="0"/>
+                <a:cs typeface="Times New Roman" pitchFamily="18" charset="0"/>
+              </a:rPr>
+              <a:t> </a:t>
+            </a:r>
+            <a:r>
+              <a:rPr lang="en-US" dirty="0" err="1">
                 <a:latin typeface="Times New Roman" pitchFamily="18" charset="0"/>
                 <a:cs typeface="Times New Roman" pitchFamily="18" charset="0"/>
               </a:rPr>
               <a:t>tác</a:t>
             </a:r>
             <a:r>
-              <a:rPr lang="en-US" dirty="0" smtClean="0">
-                <a:latin typeface="Times New Roman" pitchFamily="18" charset="0"/>
-                <a:cs typeface="Times New Roman" pitchFamily="18" charset="0"/>
-              </a:rPr>
-              <a:t> </a:t>
-            </a:r>
-            <a:r>
-              <a:rPr lang="en-US" dirty="0" err="1" smtClean="0">
+              <a:rPr lang="en-US" dirty="0">
+                <a:latin typeface="Times New Roman" pitchFamily="18" charset="0"/>
+                <a:cs typeface="Times New Roman" pitchFamily="18" charset="0"/>
+              </a:rPr>
+              <a:t> </a:t>
+            </a:r>
+            <a:r>
+              <a:rPr lang="en-US" dirty="0" err="1">
                 <a:latin typeface="Times New Roman" pitchFamily="18" charset="0"/>
                 <a:cs typeface="Times New Roman" pitchFamily="18" charset="0"/>
               </a:rPr>
               <a:t>trong</a:t>
             </a:r>
             <a:r>
-              <a:rPr lang="en-US" dirty="0" smtClean="0">
-                <a:latin typeface="Times New Roman" pitchFamily="18" charset="0"/>
-                <a:cs typeface="Times New Roman" pitchFamily="18" charset="0"/>
-              </a:rPr>
-              <a:t> </a:t>
-            </a:r>
-            <a:r>
-              <a:rPr lang="en-US" dirty="0" err="1" smtClean="0">
+              <a:rPr lang="en-US" dirty="0">
+                <a:latin typeface="Times New Roman" pitchFamily="18" charset="0"/>
+                <a:cs typeface="Times New Roman" pitchFamily="18" charset="0"/>
+              </a:rPr>
+              <a:t> </a:t>
+            </a:r>
+            <a:r>
+              <a:rPr lang="en-US" dirty="0" err="1">
                 <a:latin typeface="Times New Roman" pitchFamily="18" charset="0"/>
                 <a:cs typeface="Times New Roman" pitchFamily="18" charset="0"/>
               </a:rPr>
               <a:t>các</a:t>
             </a:r>
             <a:r>
-              <a:rPr lang="en-US" dirty="0" smtClean="0">
+              <a:rPr lang="en-US" dirty="0">
                 <a:latin typeface="Times New Roman" pitchFamily="18" charset="0"/>
                 <a:cs typeface="Times New Roman" pitchFamily="18" charset="0"/>
               </a:rPr>
               <a:t> methods </a:t>
             </a:r>
             <a:r>
-              <a:rPr lang="en-US" dirty="0" err="1" smtClean="0">
+              <a:rPr lang="en-US" dirty="0" err="1">
                 <a:latin typeface="Times New Roman" pitchFamily="18" charset="0"/>
                 <a:cs typeface="Times New Roman" pitchFamily="18" charset="0"/>
               </a:rPr>
               <a:t>đó</a:t>
             </a:r>
             <a:r>
-              <a:rPr lang="en-US" dirty="0" smtClean="0">
+              <a:rPr lang="en-US" dirty="0">
                 <a:latin typeface="Times New Roman" pitchFamily="18" charset="0"/>
                 <a:cs typeface="Times New Roman" pitchFamily="18" charset="0"/>
               </a:rPr>
@@ -17850,56 +18475,56 @@
               <a:buChar char="•"/>
             </a:pPr>
             <a:r>
-              <a:rPr lang="en-US" dirty="0" err="1" smtClean="0">
+              <a:rPr lang="en-US" dirty="0" err="1">
                 <a:latin typeface="Times New Roman" pitchFamily="18" charset="0"/>
                 <a:cs typeface="Times New Roman" pitchFamily="18" charset="0"/>
               </a:rPr>
               <a:t>Có</a:t>
             </a:r>
             <a:r>
-              <a:rPr lang="en-US" dirty="0" smtClean="0">
+              <a:rPr lang="en-US" dirty="0">
                 <a:latin typeface="Times New Roman" pitchFamily="18" charset="0"/>
                 <a:cs typeface="Times New Roman" pitchFamily="18" charset="0"/>
               </a:rPr>
               <a:t> 4 </a:t>
             </a:r>
             <a:r>
-              <a:rPr lang="en-US" dirty="0" err="1" smtClean="0">
+              <a:rPr lang="en-US" dirty="0" err="1">
                 <a:latin typeface="Times New Roman" pitchFamily="18" charset="0"/>
                 <a:cs typeface="Times New Roman" pitchFamily="18" charset="0"/>
               </a:rPr>
               <a:t>giai</a:t>
             </a:r>
             <a:r>
-              <a:rPr lang="en-US" dirty="0" smtClean="0">
-                <a:latin typeface="Times New Roman" pitchFamily="18" charset="0"/>
-                <a:cs typeface="Times New Roman" pitchFamily="18" charset="0"/>
-              </a:rPr>
-              <a:t> </a:t>
-            </a:r>
-            <a:r>
-              <a:rPr lang="en-US" dirty="0" err="1" smtClean="0">
+              <a:rPr lang="en-US" dirty="0">
+                <a:latin typeface="Times New Roman" pitchFamily="18" charset="0"/>
+                <a:cs typeface="Times New Roman" pitchFamily="18" charset="0"/>
+              </a:rPr>
+              <a:t> </a:t>
+            </a:r>
+            <a:r>
+              <a:rPr lang="en-US" dirty="0" err="1">
                 <a:latin typeface="Times New Roman" pitchFamily="18" charset="0"/>
                 <a:cs typeface="Times New Roman" pitchFamily="18" charset="0"/>
               </a:rPr>
               <a:t>đoạn</a:t>
             </a:r>
             <a:r>
-              <a:rPr lang="en-US" dirty="0" smtClean="0">
-                <a:latin typeface="Times New Roman" pitchFamily="18" charset="0"/>
-                <a:cs typeface="Times New Roman" pitchFamily="18" charset="0"/>
-              </a:rPr>
-              <a:t> </a:t>
-            </a:r>
-            <a:r>
-              <a:rPr lang="en-US" dirty="0" err="1" smtClean="0">
+              <a:rPr lang="en-US" dirty="0">
+                <a:latin typeface="Times New Roman" pitchFamily="18" charset="0"/>
+                <a:cs typeface="Times New Roman" pitchFamily="18" charset="0"/>
+              </a:rPr>
+              <a:t> </a:t>
+            </a:r>
+            <a:r>
+              <a:rPr lang="en-US" dirty="0" err="1">
                 <a:latin typeface="Times New Roman" pitchFamily="18" charset="0"/>
                 <a:cs typeface="Times New Roman" pitchFamily="18" charset="0"/>
               </a:rPr>
               <a:t>chính</a:t>
             </a:r>
             <a:r>
-              <a:rPr lang="en-US" dirty="0" smtClean="0">
+              <a:rPr lang="en-US" dirty="0">
                 <a:latin typeface="Times New Roman" pitchFamily="18" charset="0"/>
                 <a:cs typeface="Times New Roman" pitchFamily="18" charset="0"/>
               </a:rPr>
@@ -17922,14 +18547,7 @@
                 <a:latin typeface="Times New Roman" pitchFamily="18" charset="0"/>
                 <a:cs typeface="Times New Roman" pitchFamily="18" charset="0"/>
               </a:rPr>
-              <a:t>I</a:t>
-            </a:r>
-            <a:r>
-              <a:rPr lang="en-US" dirty="0" smtClean="0">
-                <a:latin typeface="Times New Roman" pitchFamily="18" charset="0"/>
-                <a:cs typeface="Times New Roman" pitchFamily="18" charset="0"/>
-              </a:rPr>
-              <a:t>nitialization</a:t>
+              <a:t>Initialization</a:t>
             </a:r>
           </a:p>
           <a:p>
@@ -17950,10 +18568,6 @@
               </a:rPr>
               <a:t>Mounting </a:t>
             </a:r>
-            <a:endParaRPr lang="en-US" dirty="0" smtClean="0">
-              <a:latin typeface="Times New Roman" pitchFamily="18" charset="0"/>
-              <a:cs typeface="Times New Roman" pitchFamily="18" charset="0"/>
-            </a:endParaRPr>
           </a:p>
           <a:p>
             <a:pPr marL="742950" lvl="1" indent="-285750">
@@ -17967,7 +18581,7 @@
               <a:buChar char="ü"/>
             </a:pPr>
             <a:r>
-              <a:rPr lang="en-US" dirty="0" smtClean="0">
+              <a:rPr lang="en-US" dirty="0">
                 <a:latin typeface="Times New Roman" pitchFamily="18" charset="0"/>
                 <a:cs typeface="Times New Roman" pitchFamily="18" charset="0"/>
               </a:rPr>
@@ -18009,13 +18623,6 @@
   <p:clrMapOvr>
     <a:masterClrMapping/>
   </p:clrMapOvr>
-  <p:timing>
-    <p:tnLst>
-      <p:par>
-        <p:cTn id="1" dur="indefinite" restart="never" nodeType="tmRoot"/>
-      </p:par>
-    </p:tnLst>
-  </p:timing>
 </p:sld>
 </file>
 
@@ -18041,7 +18648,7 @@
           <p:cNvPr id="3" name="TextBox 2">
             <a:extLst>
               <a:ext uri="{FF2B5EF4-FFF2-40B4-BE49-F238E27FC236}">
-                <a16:creationId xmlns:a16="http://schemas.microsoft.com/office/drawing/2014/main" xmlns="" id="{66A801D4-74F9-46A0-8843-E18659672DE9}"/>
+                <a16:creationId xmlns:a16="http://schemas.microsoft.com/office/drawing/2014/main" id="{66A801D4-74F9-46A0-8843-E18659672DE9}"/>
               </a:ext>
             </a:extLst>
           </p:cNvPr>
@@ -18194,140 +18801,140 @@
               <a:buChar char="•"/>
             </a:pPr>
             <a:r>
-              <a:rPr lang="en-US" dirty="0" err="1" smtClean="0">
+              <a:rPr lang="en-US" dirty="0" err="1">
                 <a:latin typeface="Times New Roman" pitchFamily="18" charset="0"/>
                 <a:cs typeface="Times New Roman" pitchFamily="18" charset="0"/>
               </a:rPr>
               <a:t>Đây</a:t>
             </a:r>
             <a:r>
-              <a:rPr lang="en-US" dirty="0" smtClean="0">
-                <a:latin typeface="Times New Roman" pitchFamily="18" charset="0"/>
-                <a:cs typeface="Times New Roman" pitchFamily="18" charset="0"/>
-              </a:rPr>
-              <a:t> </a:t>
-            </a:r>
-            <a:r>
-              <a:rPr lang="en-US" dirty="0" err="1" smtClean="0">
+              <a:rPr lang="en-US" dirty="0">
+                <a:latin typeface="Times New Roman" pitchFamily="18" charset="0"/>
+                <a:cs typeface="Times New Roman" pitchFamily="18" charset="0"/>
+              </a:rPr>
+              <a:t> </a:t>
+            </a:r>
+            <a:r>
+              <a:rPr lang="en-US" dirty="0" err="1">
                 <a:latin typeface="Times New Roman" pitchFamily="18" charset="0"/>
                 <a:cs typeface="Times New Roman" pitchFamily="18" charset="0"/>
               </a:rPr>
               <a:t>là</a:t>
             </a:r>
             <a:r>
-              <a:rPr lang="en-US" dirty="0" smtClean="0">
-                <a:latin typeface="Times New Roman" pitchFamily="18" charset="0"/>
-                <a:cs typeface="Times New Roman" pitchFamily="18" charset="0"/>
-              </a:rPr>
-              <a:t> </a:t>
-            </a:r>
-            <a:r>
-              <a:rPr lang="en-US" dirty="0" err="1" smtClean="0">
+              <a:rPr lang="en-US" dirty="0">
+                <a:latin typeface="Times New Roman" pitchFamily="18" charset="0"/>
+                <a:cs typeface="Times New Roman" pitchFamily="18" charset="0"/>
+              </a:rPr>
+              <a:t> </a:t>
+            </a:r>
+            <a:r>
+              <a:rPr lang="en-US" dirty="0" err="1">
                 <a:latin typeface="Times New Roman" pitchFamily="18" charset="0"/>
                 <a:cs typeface="Times New Roman" pitchFamily="18" charset="0"/>
               </a:rPr>
               <a:t>giai</a:t>
             </a:r>
             <a:r>
-              <a:rPr lang="en-US" dirty="0" smtClean="0">
-                <a:latin typeface="Times New Roman" pitchFamily="18" charset="0"/>
-                <a:cs typeface="Times New Roman" pitchFamily="18" charset="0"/>
-              </a:rPr>
-              <a:t> </a:t>
-            </a:r>
-            <a:r>
-              <a:rPr lang="en-US" dirty="0" err="1" smtClean="0">
+              <a:rPr lang="en-US" dirty="0">
+                <a:latin typeface="Times New Roman" pitchFamily="18" charset="0"/>
+                <a:cs typeface="Times New Roman" pitchFamily="18" charset="0"/>
+              </a:rPr>
+              <a:t> </a:t>
+            </a:r>
+            <a:r>
+              <a:rPr lang="en-US" dirty="0" err="1">
                 <a:latin typeface="Times New Roman" pitchFamily="18" charset="0"/>
                 <a:cs typeface="Times New Roman" pitchFamily="18" charset="0"/>
               </a:rPr>
               <a:t>đoạn</a:t>
             </a:r>
             <a:r>
-              <a:rPr lang="en-US" dirty="0" smtClean="0">
-                <a:latin typeface="Times New Roman" pitchFamily="18" charset="0"/>
-                <a:cs typeface="Times New Roman" pitchFamily="18" charset="0"/>
-              </a:rPr>
-              <a:t> </a:t>
-            </a:r>
-            <a:r>
-              <a:rPr lang="en-US" dirty="0" err="1" smtClean="0">
+              <a:rPr lang="en-US" dirty="0">
+                <a:latin typeface="Times New Roman" pitchFamily="18" charset="0"/>
+                <a:cs typeface="Times New Roman" pitchFamily="18" charset="0"/>
+              </a:rPr>
+              <a:t> </a:t>
+            </a:r>
+            <a:r>
+              <a:rPr lang="en-US" dirty="0" err="1">
                 <a:latin typeface="Times New Roman" pitchFamily="18" charset="0"/>
                 <a:cs typeface="Times New Roman" pitchFamily="18" charset="0"/>
               </a:rPr>
               <a:t>khởi</a:t>
             </a:r>
             <a:r>
-              <a:rPr lang="en-US" dirty="0" smtClean="0">
-                <a:latin typeface="Times New Roman" pitchFamily="18" charset="0"/>
-                <a:cs typeface="Times New Roman" pitchFamily="18" charset="0"/>
-              </a:rPr>
-              <a:t> </a:t>
-            </a:r>
-            <a:r>
-              <a:rPr lang="en-US" dirty="0" err="1" smtClean="0">
+              <a:rPr lang="en-US" dirty="0">
+                <a:latin typeface="Times New Roman" pitchFamily="18" charset="0"/>
+                <a:cs typeface="Times New Roman" pitchFamily="18" charset="0"/>
+              </a:rPr>
+              <a:t> </a:t>
+            </a:r>
+            <a:r>
+              <a:rPr lang="en-US" dirty="0" err="1">
                 <a:latin typeface="Times New Roman" pitchFamily="18" charset="0"/>
                 <a:cs typeface="Times New Roman" pitchFamily="18" charset="0"/>
               </a:rPr>
               <a:t>tạo</a:t>
             </a:r>
             <a:r>
-              <a:rPr lang="en-US" dirty="0" smtClean="0">
+              <a:rPr lang="en-US" dirty="0">
                 <a:latin typeface="Times New Roman" pitchFamily="18" charset="0"/>
                 <a:cs typeface="Times New Roman" pitchFamily="18" charset="0"/>
               </a:rPr>
               <a:t> component </a:t>
             </a:r>
             <a:r>
-              <a:rPr lang="en-US" dirty="0" err="1" smtClean="0">
+              <a:rPr lang="en-US" dirty="0" err="1">
                 <a:latin typeface="Times New Roman" pitchFamily="18" charset="0"/>
                 <a:cs typeface="Times New Roman" pitchFamily="18" charset="0"/>
               </a:rPr>
               <a:t>và</a:t>
             </a:r>
             <a:r>
-              <a:rPr lang="en-US" dirty="0" smtClean="0">
-                <a:latin typeface="Times New Roman" pitchFamily="18" charset="0"/>
-                <a:cs typeface="Times New Roman" pitchFamily="18" charset="0"/>
-              </a:rPr>
-              <a:t> </a:t>
-            </a:r>
-            <a:r>
-              <a:rPr lang="en-US" dirty="0" err="1" smtClean="0">
+              <a:rPr lang="en-US" dirty="0">
+                <a:latin typeface="Times New Roman" pitchFamily="18" charset="0"/>
+                <a:cs typeface="Times New Roman" pitchFamily="18" charset="0"/>
+              </a:rPr>
+              <a:t> </a:t>
+            </a:r>
+            <a:r>
+              <a:rPr lang="en-US" dirty="0" err="1">
                 <a:latin typeface="Times New Roman" pitchFamily="18" charset="0"/>
                 <a:cs typeface="Times New Roman" pitchFamily="18" charset="0"/>
               </a:rPr>
               <a:t>thiết</a:t>
             </a:r>
             <a:r>
-              <a:rPr lang="en-US" dirty="0" smtClean="0">
-                <a:latin typeface="Times New Roman" pitchFamily="18" charset="0"/>
-                <a:cs typeface="Times New Roman" pitchFamily="18" charset="0"/>
-              </a:rPr>
-              <a:t> </a:t>
-            </a:r>
-            <a:r>
-              <a:rPr lang="en-US" dirty="0" err="1" smtClean="0">
+              <a:rPr lang="en-US" dirty="0">
+                <a:latin typeface="Times New Roman" pitchFamily="18" charset="0"/>
+                <a:cs typeface="Times New Roman" pitchFamily="18" charset="0"/>
+              </a:rPr>
+              <a:t> </a:t>
+            </a:r>
+            <a:r>
+              <a:rPr lang="en-US" dirty="0" err="1">
                 <a:latin typeface="Times New Roman" pitchFamily="18" charset="0"/>
                 <a:cs typeface="Times New Roman" pitchFamily="18" charset="0"/>
               </a:rPr>
               <a:t>lập</a:t>
             </a:r>
             <a:r>
-              <a:rPr lang="en-US" dirty="0" smtClean="0">
+              <a:rPr lang="en-US" dirty="0">
                 <a:latin typeface="Times New Roman" pitchFamily="18" charset="0"/>
                 <a:cs typeface="Times New Roman" pitchFamily="18" charset="0"/>
               </a:rPr>
               <a:t> state </a:t>
             </a:r>
             <a:r>
-              <a:rPr lang="en-US" dirty="0" err="1" smtClean="0">
+              <a:rPr lang="en-US" dirty="0" err="1">
                 <a:latin typeface="Times New Roman" pitchFamily="18" charset="0"/>
                 <a:cs typeface="Times New Roman" pitchFamily="18" charset="0"/>
               </a:rPr>
               <a:t>và</a:t>
             </a:r>
             <a:r>
-              <a:rPr lang="en-US" dirty="0" smtClean="0">
+              <a:rPr lang="en-US" dirty="0">
                 <a:latin typeface="Times New Roman" pitchFamily="18" charset="0"/>
                 <a:cs typeface="Times New Roman" pitchFamily="18" charset="0"/>
               </a:rPr>
@@ -18346,58 +18953,47 @@
               <a:buChar char="•"/>
             </a:pPr>
             <a:r>
-              <a:rPr lang="en-US" dirty="0" err="1" smtClean="0">
+              <a:rPr lang="en-US" dirty="0" err="1">
                 <a:latin typeface="Times New Roman" pitchFamily="18" charset="0"/>
                 <a:cs typeface="Times New Roman" pitchFamily="18" charset="0"/>
               </a:rPr>
               <a:t>Thực</a:t>
             </a:r>
             <a:r>
-              <a:rPr lang="en-US" dirty="0" smtClean="0">
-                <a:latin typeface="Times New Roman" pitchFamily="18" charset="0"/>
-                <a:cs typeface="Times New Roman" pitchFamily="18" charset="0"/>
-              </a:rPr>
-              <a:t> </a:t>
-            </a:r>
-            <a:r>
-              <a:rPr lang="en-US" dirty="0" err="1" smtClean="0">
+              <a:rPr lang="en-US" dirty="0">
+                <a:latin typeface="Times New Roman" pitchFamily="18" charset="0"/>
+                <a:cs typeface="Times New Roman" pitchFamily="18" charset="0"/>
+              </a:rPr>
+              <a:t> </a:t>
+            </a:r>
+            <a:r>
+              <a:rPr lang="en-US" dirty="0" err="1">
                 <a:latin typeface="Times New Roman" pitchFamily="18" charset="0"/>
                 <a:cs typeface="Times New Roman" pitchFamily="18" charset="0"/>
               </a:rPr>
               <a:t>thi</a:t>
             </a:r>
             <a:r>
-              <a:rPr lang="en-US" dirty="0" smtClean="0">
-                <a:latin typeface="Times New Roman" pitchFamily="18" charset="0"/>
-                <a:cs typeface="Times New Roman" pitchFamily="18" charset="0"/>
-              </a:rPr>
-              <a:t> </a:t>
-            </a:r>
-            <a:r>
-              <a:rPr lang="en-US" dirty="0" err="1" smtClean="0">
+              <a:rPr lang="en-US" dirty="0">
+                <a:latin typeface="Times New Roman" pitchFamily="18" charset="0"/>
+                <a:cs typeface="Times New Roman" pitchFamily="18" charset="0"/>
+              </a:rPr>
+              <a:t> </a:t>
+            </a:r>
+            <a:r>
+              <a:rPr lang="en-US" dirty="0" err="1">
                 <a:latin typeface="Times New Roman" pitchFamily="18" charset="0"/>
                 <a:cs typeface="Times New Roman" pitchFamily="18" charset="0"/>
               </a:rPr>
               <a:t>bởi</a:t>
             </a:r>
             <a:r>
-              <a:rPr lang="en-US" dirty="0" smtClean="0">
-                <a:latin typeface="Times New Roman" pitchFamily="18" charset="0"/>
-                <a:cs typeface="Times New Roman" pitchFamily="18" charset="0"/>
-              </a:rPr>
-              <a:t> </a:t>
-            </a:r>
-            <a:r>
-              <a:rPr lang="en-US" dirty="0">
-                <a:latin typeface="Times New Roman" pitchFamily="18" charset="0"/>
-                <a:cs typeface="Times New Roman" pitchFamily="18" charset="0"/>
-              </a:rPr>
-              <a:t>constructor method</a:t>
-            </a:r>
-            <a:endParaRPr lang="en-US" dirty="0">
-              <a:latin typeface="Times New Roman" pitchFamily="18" charset="0"/>
-              <a:cs typeface="Times New Roman" pitchFamily="18" charset="0"/>
-            </a:endParaRPr>
+              <a:rPr lang="en-US" dirty="0">
+                <a:latin typeface="Times New Roman" pitchFamily="18" charset="0"/>
+                <a:cs typeface="Times New Roman" pitchFamily="18" charset="0"/>
+              </a:rPr>
+              <a:t> constructor method</a:t>
+            </a:r>
           </a:p>
         </p:txBody>
       </p:sp>
@@ -18411,13 +19007,6 @@
   <p:clrMapOvr>
     <a:masterClrMapping/>
   </p:clrMapOvr>
-  <p:timing>
-    <p:tnLst>
-      <p:par>
-        <p:cTn id="1" dur="indefinite" restart="never" nodeType="tmRoot"/>
-      </p:par>
-    </p:tnLst>
-  </p:timing>
 </p:sld>
 </file>
 
@@ -18443,7 +19032,7 @@
           <p:cNvPr id="3" name="TextBox 2">
             <a:extLst>
               <a:ext uri="{FF2B5EF4-FFF2-40B4-BE49-F238E27FC236}">
-                <a16:creationId xmlns:a16="http://schemas.microsoft.com/office/drawing/2014/main" xmlns="" id="{66A801D4-74F9-46A0-8843-E18659672DE9}"/>
+                <a16:creationId xmlns:a16="http://schemas.microsoft.com/office/drawing/2014/main" id="{66A801D4-74F9-46A0-8843-E18659672DE9}"/>
               </a:ext>
             </a:extLst>
           </p:cNvPr>
@@ -18498,7 +19087,7 @@
           <p:cNvPr id="4" name="TextBox 3">
             <a:extLst>
               <a:ext uri="{FF2B5EF4-FFF2-40B4-BE49-F238E27FC236}">
-                <a16:creationId xmlns:a16="http://schemas.microsoft.com/office/drawing/2014/main" xmlns="" id="{B1BCEBAC-4267-4720-B828-55C7D393F5A2}"/>
+                <a16:creationId xmlns:a16="http://schemas.microsoft.com/office/drawing/2014/main" id="{B1BCEBAC-4267-4720-B828-55C7D393F5A2}"/>
               </a:ext>
             </a:extLst>
           </p:cNvPr>
@@ -18733,13 +19322,6 @@
   <p:clrMapOvr>
     <a:masterClrMapping/>
   </p:clrMapOvr>
-  <p:timing>
-    <p:tnLst>
-      <p:par>
-        <p:cTn id="1" dur="indefinite" restart="never" nodeType="tmRoot"/>
-      </p:par>
-    </p:tnLst>
-  </p:timing>
 </p:sld>
 </file>
 
@@ -18765,7 +19347,7 @@
           <p:cNvPr id="3" name="TextBox 2">
             <a:extLst>
               <a:ext uri="{FF2B5EF4-FFF2-40B4-BE49-F238E27FC236}">
-                <a16:creationId xmlns:a16="http://schemas.microsoft.com/office/drawing/2014/main" xmlns="" id="{66A801D4-74F9-46A0-8843-E18659672DE9}"/>
+                <a16:creationId xmlns:a16="http://schemas.microsoft.com/office/drawing/2014/main" id="{66A801D4-74F9-46A0-8843-E18659672DE9}"/>
               </a:ext>
             </a:extLst>
           </p:cNvPr>
@@ -18835,16 +19417,12 @@
               <a:buChar char="Ø"/>
             </a:pPr>
             <a:r>
-              <a:rPr lang="en-US" dirty="0" smtClean="0">
+              <a:rPr lang="en-US" dirty="0">
                 <a:latin typeface="Times New Roman" pitchFamily="18" charset="0"/>
                 <a:cs typeface="Times New Roman" pitchFamily="18" charset="0"/>
               </a:rPr>
               <a:t>Mounting</a:t>
             </a:r>
-            <a:endParaRPr lang="en-US" dirty="0">
-              <a:latin typeface="Times New Roman" pitchFamily="18" charset="0"/>
-              <a:cs typeface="Times New Roman" pitchFamily="18" charset="0"/>
-            </a:endParaRPr>
           </a:p>
           <a:p>
             <a:pPr marL="742950" lvl="1" indent="-285750">
@@ -18858,126 +19436,126 @@
               <a:buChar char="•"/>
             </a:pPr>
             <a:r>
-              <a:rPr lang="en-US" dirty="0" err="1" smtClean="0">
+              <a:rPr lang="en-US" dirty="0" err="1">
                 <a:latin typeface="Times New Roman" pitchFamily="18" charset="0"/>
                 <a:cs typeface="Times New Roman" pitchFamily="18" charset="0"/>
               </a:rPr>
               <a:t>Đây</a:t>
             </a:r>
             <a:r>
-              <a:rPr lang="en-US" dirty="0" smtClean="0">
-                <a:latin typeface="Times New Roman" pitchFamily="18" charset="0"/>
-                <a:cs typeface="Times New Roman" pitchFamily="18" charset="0"/>
-              </a:rPr>
-              <a:t> </a:t>
-            </a:r>
-            <a:r>
-              <a:rPr lang="en-US" dirty="0" err="1" smtClean="0">
+              <a:rPr lang="en-US" dirty="0">
+                <a:latin typeface="Times New Roman" pitchFamily="18" charset="0"/>
+                <a:cs typeface="Times New Roman" pitchFamily="18" charset="0"/>
+              </a:rPr>
+              <a:t> </a:t>
+            </a:r>
+            <a:r>
+              <a:rPr lang="en-US" dirty="0" err="1">
                 <a:latin typeface="Times New Roman" pitchFamily="18" charset="0"/>
                 <a:cs typeface="Times New Roman" pitchFamily="18" charset="0"/>
               </a:rPr>
               <a:t>là</a:t>
             </a:r>
             <a:r>
-              <a:rPr lang="en-US" dirty="0" smtClean="0">
-                <a:latin typeface="Times New Roman" pitchFamily="18" charset="0"/>
-                <a:cs typeface="Times New Roman" pitchFamily="18" charset="0"/>
-              </a:rPr>
-              <a:t> </a:t>
-            </a:r>
-            <a:r>
-              <a:rPr lang="en-US" dirty="0" err="1" smtClean="0">
+              <a:rPr lang="en-US" dirty="0">
+                <a:latin typeface="Times New Roman" pitchFamily="18" charset="0"/>
+                <a:cs typeface="Times New Roman" pitchFamily="18" charset="0"/>
+              </a:rPr>
+              <a:t> </a:t>
+            </a:r>
+            <a:r>
+              <a:rPr lang="en-US" dirty="0" err="1">
                 <a:latin typeface="Times New Roman" pitchFamily="18" charset="0"/>
                 <a:cs typeface="Times New Roman" pitchFamily="18" charset="0"/>
               </a:rPr>
               <a:t>giai</a:t>
             </a:r>
             <a:r>
-              <a:rPr lang="en-US" dirty="0" smtClean="0">
-                <a:latin typeface="Times New Roman" pitchFamily="18" charset="0"/>
-                <a:cs typeface="Times New Roman" pitchFamily="18" charset="0"/>
-              </a:rPr>
-              <a:t> </a:t>
-            </a:r>
-            <a:r>
-              <a:rPr lang="en-US" dirty="0" err="1" smtClean="0">
+              <a:rPr lang="en-US" dirty="0">
+                <a:latin typeface="Times New Roman" pitchFamily="18" charset="0"/>
+                <a:cs typeface="Times New Roman" pitchFamily="18" charset="0"/>
+              </a:rPr>
+              <a:t> </a:t>
+            </a:r>
+            <a:r>
+              <a:rPr lang="en-US" dirty="0" err="1">
                 <a:latin typeface="Times New Roman" pitchFamily="18" charset="0"/>
                 <a:cs typeface="Times New Roman" pitchFamily="18" charset="0"/>
               </a:rPr>
               <a:t>đoạn</a:t>
             </a:r>
             <a:r>
-              <a:rPr lang="en-US" dirty="0" smtClean="0">
+              <a:rPr lang="en-US" dirty="0">
                 <a:latin typeface="Times New Roman" pitchFamily="18" charset="0"/>
                 <a:cs typeface="Times New Roman" pitchFamily="18" charset="0"/>
               </a:rPr>
               <a:t> component </a:t>
             </a:r>
             <a:r>
-              <a:rPr lang="en-US" dirty="0" err="1" smtClean="0">
+              <a:rPr lang="en-US" dirty="0" err="1">
                 <a:latin typeface="Times New Roman" pitchFamily="18" charset="0"/>
                 <a:cs typeface="Times New Roman" pitchFamily="18" charset="0"/>
               </a:rPr>
               <a:t>khởi</a:t>
             </a:r>
             <a:r>
-              <a:rPr lang="en-US" dirty="0" smtClean="0">
-                <a:latin typeface="Times New Roman" pitchFamily="18" charset="0"/>
-                <a:cs typeface="Times New Roman" pitchFamily="18" charset="0"/>
-              </a:rPr>
-              <a:t> </a:t>
-            </a:r>
-            <a:r>
-              <a:rPr lang="en-US" dirty="0" err="1" smtClean="0">
+              <a:rPr lang="en-US" dirty="0">
+                <a:latin typeface="Times New Roman" pitchFamily="18" charset="0"/>
+                <a:cs typeface="Times New Roman" pitchFamily="18" charset="0"/>
+              </a:rPr>
+              <a:t> </a:t>
+            </a:r>
+            <a:r>
+              <a:rPr lang="en-US" dirty="0" err="1">
                 <a:latin typeface="Times New Roman" pitchFamily="18" charset="0"/>
                 <a:cs typeface="Times New Roman" pitchFamily="18" charset="0"/>
               </a:rPr>
               <a:t>tạo</a:t>
             </a:r>
             <a:r>
-              <a:rPr lang="en-US" dirty="0" smtClean="0">
-                <a:latin typeface="Times New Roman" pitchFamily="18" charset="0"/>
-                <a:cs typeface="Times New Roman" pitchFamily="18" charset="0"/>
-              </a:rPr>
-              <a:t> </a:t>
-            </a:r>
-            <a:r>
-              <a:rPr lang="en-US" dirty="0" err="1" smtClean="0">
+              <a:rPr lang="en-US" dirty="0">
+                <a:latin typeface="Times New Roman" pitchFamily="18" charset="0"/>
+                <a:cs typeface="Times New Roman" pitchFamily="18" charset="0"/>
+              </a:rPr>
+              <a:t> </a:t>
+            </a:r>
+            <a:r>
+              <a:rPr lang="en-US" dirty="0" err="1">
                 <a:latin typeface="Times New Roman" pitchFamily="18" charset="0"/>
                 <a:cs typeface="Times New Roman" pitchFamily="18" charset="0"/>
               </a:rPr>
               <a:t>và</a:t>
             </a:r>
             <a:r>
-              <a:rPr lang="en-US" dirty="0" smtClean="0">
-                <a:latin typeface="Times New Roman" pitchFamily="18" charset="0"/>
-                <a:cs typeface="Times New Roman" pitchFamily="18" charset="0"/>
-              </a:rPr>
-              <a:t> </a:t>
-            </a:r>
-            <a:r>
-              <a:rPr lang="en-US" dirty="0" err="1" smtClean="0">
+              <a:rPr lang="en-US" dirty="0">
+                <a:latin typeface="Times New Roman" pitchFamily="18" charset="0"/>
+                <a:cs typeface="Times New Roman" pitchFamily="18" charset="0"/>
+              </a:rPr>
+              <a:t> </a:t>
+            </a:r>
+            <a:r>
+              <a:rPr lang="en-US" dirty="0" err="1">
                 <a:latin typeface="Times New Roman" pitchFamily="18" charset="0"/>
                 <a:cs typeface="Times New Roman" pitchFamily="18" charset="0"/>
               </a:rPr>
               <a:t>gắn</a:t>
             </a:r>
             <a:r>
-              <a:rPr lang="en-US" dirty="0" smtClean="0">
-                <a:latin typeface="Times New Roman" pitchFamily="18" charset="0"/>
-                <a:cs typeface="Times New Roman" pitchFamily="18" charset="0"/>
-              </a:rPr>
-              <a:t> </a:t>
-            </a:r>
-            <a:r>
-              <a:rPr lang="en-US" dirty="0" err="1" smtClean="0">
+              <a:rPr lang="en-US" dirty="0">
+                <a:latin typeface="Times New Roman" pitchFamily="18" charset="0"/>
+                <a:cs typeface="Times New Roman" pitchFamily="18" charset="0"/>
+              </a:rPr>
+              <a:t> </a:t>
+            </a:r>
+            <a:r>
+              <a:rPr lang="en-US" dirty="0" err="1">
                 <a:latin typeface="Times New Roman" pitchFamily="18" charset="0"/>
                 <a:cs typeface="Times New Roman" pitchFamily="18" charset="0"/>
               </a:rPr>
               <a:t>vào</a:t>
             </a:r>
             <a:r>
-              <a:rPr lang="en-US" dirty="0" smtClean="0">
+              <a:rPr lang="en-US" dirty="0">
                 <a:latin typeface="Times New Roman" pitchFamily="18" charset="0"/>
                 <a:cs typeface="Times New Roman" pitchFamily="18" charset="0"/>
               </a:rPr>
@@ -18996,70 +19574,70 @@
               <a:buChar char="•"/>
             </a:pPr>
             <a:r>
-              <a:rPr lang="en-US" dirty="0" err="1" smtClean="0">
+              <a:rPr lang="en-US" dirty="0" err="1">
                 <a:latin typeface="Times New Roman" pitchFamily="18" charset="0"/>
                 <a:cs typeface="Times New Roman" pitchFamily="18" charset="0"/>
               </a:rPr>
               <a:t>Có</a:t>
             </a:r>
             <a:r>
-              <a:rPr lang="en-US" dirty="0" smtClean="0">
+              <a:rPr lang="en-US" dirty="0">
                 <a:latin typeface="Times New Roman" pitchFamily="18" charset="0"/>
                 <a:cs typeface="Times New Roman" pitchFamily="18" charset="0"/>
               </a:rPr>
               <a:t> 3 methods </a:t>
             </a:r>
             <a:r>
-              <a:rPr lang="en-US" dirty="0" err="1" smtClean="0">
+              <a:rPr lang="en-US" dirty="0" err="1">
                 <a:latin typeface="Times New Roman" pitchFamily="18" charset="0"/>
                 <a:cs typeface="Times New Roman" pitchFamily="18" charset="0"/>
               </a:rPr>
               <a:t>trong</a:t>
             </a:r>
             <a:r>
-              <a:rPr lang="en-US" dirty="0" smtClean="0">
-                <a:latin typeface="Times New Roman" pitchFamily="18" charset="0"/>
-                <a:cs typeface="Times New Roman" pitchFamily="18" charset="0"/>
-              </a:rPr>
-              <a:t> </a:t>
-            </a:r>
-            <a:r>
-              <a:rPr lang="en-US" dirty="0" err="1" smtClean="0">
+              <a:rPr lang="en-US" dirty="0">
+                <a:latin typeface="Times New Roman" pitchFamily="18" charset="0"/>
+                <a:cs typeface="Times New Roman" pitchFamily="18" charset="0"/>
+              </a:rPr>
+              <a:t> </a:t>
+            </a:r>
+            <a:r>
+              <a:rPr lang="en-US" dirty="0" err="1">
                 <a:latin typeface="Times New Roman" pitchFamily="18" charset="0"/>
                 <a:cs typeface="Times New Roman" pitchFamily="18" charset="0"/>
               </a:rPr>
               <a:t>giai</a:t>
             </a:r>
             <a:r>
-              <a:rPr lang="en-US" dirty="0" smtClean="0">
-                <a:latin typeface="Times New Roman" pitchFamily="18" charset="0"/>
-                <a:cs typeface="Times New Roman" pitchFamily="18" charset="0"/>
-              </a:rPr>
-              <a:t> </a:t>
-            </a:r>
-            <a:r>
-              <a:rPr lang="en-US" dirty="0" err="1" smtClean="0">
+              <a:rPr lang="en-US" dirty="0">
+                <a:latin typeface="Times New Roman" pitchFamily="18" charset="0"/>
+                <a:cs typeface="Times New Roman" pitchFamily="18" charset="0"/>
+              </a:rPr>
+              <a:t> </a:t>
+            </a:r>
+            <a:r>
+              <a:rPr lang="en-US" dirty="0" err="1">
                 <a:latin typeface="Times New Roman" pitchFamily="18" charset="0"/>
                 <a:cs typeface="Times New Roman" pitchFamily="18" charset="0"/>
               </a:rPr>
               <a:t>đoạn</a:t>
             </a:r>
             <a:r>
-              <a:rPr lang="en-US" dirty="0" smtClean="0">
-                <a:latin typeface="Times New Roman" pitchFamily="18" charset="0"/>
-                <a:cs typeface="Times New Roman" pitchFamily="18" charset="0"/>
-              </a:rPr>
-              <a:t> </a:t>
-            </a:r>
-            <a:r>
-              <a:rPr lang="en-US" dirty="0" err="1" smtClean="0">
+              <a:rPr lang="en-US" dirty="0">
+                <a:latin typeface="Times New Roman" pitchFamily="18" charset="0"/>
+                <a:cs typeface="Times New Roman" pitchFamily="18" charset="0"/>
+              </a:rPr>
+              <a:t> </a:t>
+            </a:r>
+            <a:r>
+              <a:rPr lang="en-US" dirty="0" err="1">
                 <a:latin typeface="Times New Roman" pitchFamily="18" charset="0"/>
                 <a:cs typeface="Times New Roman" pitchFamily="18" charset="0"/>
               </a:rPr>
               <a:t>này</a:t>
             </a:r>
             <a:r>
-              <a:rPr lang="en-US" dirty="0" smtClean="0">
+              <a:rPr lang="en-US" dirty="0">
                 <a:latin typeface="Times New Roman" pitchFamily="18" charset="0"/>
                 <a:cs typeface="Times New Roman" pitchFamily="18" charset="0"/>
               </a:rPr>
@@ -19104,7 +19682,7 @@
               <a:buAutoNum type="arabicPeriod"/>
             </a:pPr>
             <a:r>
-              <a:rPr lang="en-US" dirty="0" smtClean="0">
+              <a:rPr lang="en-US" dirty="0">
                 <a:latin typeface="Times New Roman" pitchFamily="18" charset="0"/>
                 <a:cs typeface="Times New Roman" pitchFamily="18" charset="0"/>
               </a:rPr>
@@ -19123,23 +19701,19 @@
               <a:buAutoNum type="arabicPeriod"/>
             </a:pPr>
             <a:r>
-              <a:rPr lang="en-US" dirty="0" err="1" smtClean="0">
+              <a:rPr lang="en-US" dirty="0" err="1">
                 <a:latin typeface="Times New Roman" pitchFamily="18" charset="0"/>
                 <a:cs typeface="Times New Roman" pitchFamily="18" charset="0"/>
               </a:rPr>
               <a:t>ComponentDidMount</a:t>
             </a:r>
             <a:r>
-              <a:rPr lang="en-US" dirty="0" smtClean="0">
+              <a:rPr lang="en-US" dirty="0">
                 <a:latin typeface="Times New Roman" pitchFamily="18" charset="0"/>
                 <a:cs typeface="Times New Roman" pitchFamily="18" charset="0"/>
               </a:rPr>
               <a:t>()</a:t>
             </a:r>
-            <a:endParaRPr lang="en-US" dirty="0">
-              <a:latin typeface="Times New Roman" pitchFamily="18" charset="0"/>
-              <a:cs typeface="Times New Roman" pitchFamily="18" charset="0"/>
-            </a:endParaRPr>
           </a:p>
           <a:p>
             <a:pPr marL="800100" lvl="1" indent="-342900">
@@ -19152,7 +19726,7 @@
               <a:buFont typeface="+mj-lt"/>
               <a:buAutoNum type="arabicPeriod"/>
             </a:pPr>
-            <a:endParaRPr lang="en-US" dirty="0" smtClean="0">
+            <a:endParaRPr lang="en-US" dirty="0">
               <a:latin typeface="Times New Roman" pitchFamily="18" charset="0"/>
               <a:cs typeface="Times New Roman" pitchFamily="18" charset="0"/>
             </a:endParaRPr>
@@ -19168,7 +19742,7 @@
               <a:buFont typeface="Arial" pitchFamily="34" charset="0"/>
               <a:buChar char="•"/>
             </a:pPr>
-            <a:endParaRPr lang="en-US" dirty="0" smtClean="0">
+            <a:endParaRPr lang="en-US" dirty="0">
               <a:latin typeface="Times New Roman" pitchFamily="18" charset="0"/>
               <a:cs typeface="Times New Roman" pitchFamily="18" charset="0"/>
             </a:endParaRPr>
@@ -19249,13 +19823,6 @@
   <p:clrMapOvr>
     <a:masterClrMapping/>
   </p:clrMapOvr>
-  <p:timing>
-    <p:tnLst>
-      <p:par>
-        <p:cTn id="1" dur="indefinite" restart="never" nodeType="tmRoot"/>
-      </p:par>
-    </p:tnLst>
-  </p:timing>
 </p:sld>
 </file>
 
@@ -19281,7 +19848,7 @@
           <p:cNvPr id="3" name="TextBox 2">
             <a:extLst>
               <a:ext uri="{FF2B5EF4-FFF2-40B4-BE49-F238E27FC236}">
-                <a16:creationId xmlns:a16="http://schemas.microsoft.com/office/drawing/2014/main" xmlns="" id="{66A801D4-74F9-46A0-8843-E18659672DE9}"/>
+                <a16:creationId xmlns:a16="http://schemas.microsoft.com/office/drawing/2014/main" id="{66A801D4-74F9-46A0-8843-E18659672DE9}"/>
               </a:ext>
             </a:extLst>
           </p:cNvPr>
@@ -19351,16 +19918,12 @@
               <a:buChar char="Ø"/>
             </a:pPr>
             <a:r>
-              <a:rPr lang="en-US" dirty="0" smtClean="0">
+              <a:rPr lang="en-US" dirty="0">
                 <a:latin typeface="Times New Roman" pitchFamily="18" charset="0"/>
                 <a:cs typeface="Times New Roman" pitchFamily="18" charset="0"/>
               </a:rPr>
               <a:t>Updating</a:t>
             </a:r>
-            <a:endParaRPr lang="en-US" dirty="0">
-              <a:latin typeface="Times New Roman" pitchFamily="18" charset="0"/>
-              <a:cs typeface="Times New Roman" pitchFamily="18" charset="0"/>
-            </a:endParaRPr>
           </a:p>
           <a:p>
             <a:pPr marL="742950" lvl="1" indent="-285750">
@@ -19374,182 +19937,182 @@
               <a:buChar char="•"/>
             </a:pPr>
             <a:r>
-              <a:rPr lang="en-US" dirty="0" err="1" smtClean="0">
+              <a:rPr lang="en-US" dirty="0" err="1">
                 <a:latin typeface="Times New Roman" pitchFamily="18" charset="0"/>
                 <a:cs typeface="Times New Roman" pitchFamily="18" charset="0"/>
               </a:rPr>
               <a:t>Đây</a:t>
             </a:r>
             <a:r>
-              <a:rPr lang="en-US" dirty="0" smtClean="0">
-                <a:latin typeface="Times New Roman" pitchFamily="18" charset="0"/>
-                <a:cs typeface="Times New Roman" pitchFamily="18" charset="0"/>
-              </a:rPr>
-              <a:t> </a:t>
-            </a:r>
-            <a:r>
-              <a:rPr lang="en-US" dirty="0" err="1" smtClean="0">
+              <a:rPr lang="en-US" dirty="0">
+                <a:latin typeface="Times New Roman" pitchFamily="18" charset="0"/>
+                <a:cs typeface="Times New Roman" pitchFamily="18" charset="0"/>
+              </a:rPr>
+              <a:t> </a:t>
+            </a:r>
+            <a:r>
+              <a:rPr lang="en-US" dirty="0" err="1">
                 <a:latin typeface="Times New Roman" pitchFamily="18" charset="0"/>
                 <a:cs typeface="Times New Roman" pitchFamily="18" charset="0"/>
               </a:rPr>
               <a:t>là</a:t>
             </a:r>
             <a:r>
-              <a:rPr lang="en-US" dirty="0" smtClean="0">
-                <a:latin typeface="Times New Roman" pitchFamily="18" charset="0"/>
-                <a:cs typeface="Times New Roman" pitchFamily="18" charset="0"/>
-              </a:rPr>
-              <a:t> </a:t>
-            </a:r>
-            <a:r>
-              <a:rPr lang="en-US" dirty="0" err="1" smtClean="0">
+              <a:rPr lang="en-US" dirty="0">
+                <a:latin typeface="Times New Roman" pitchFamily="18" charset="0"/>
+                <a:cs typeface="Times New Roman" pitchFamily="18" charset="0"/>
+              </a:rPr>
+              <a:t> </a:t>
+            </a:r>
+            <a:r>
+              <a:rPr lang="en-US" dirty="0" err="1">
                 <a:latin typeface="Times New Roman" pitchFamily="18" charset="0"/>
                 <a:cs typeface="Times New Roman" pitchFamily="18" charset="0"/>
               </a:rPr>
               <a:t>giai</a:t>
             </a:r>
             <a:r>
-              <a:rPr lang="en-US" dirty="0" smtClean="0">
-                <a:latin typeface="Times New Roman" pitchFamily="18" charset="0"/>
-                <a:cs typeface="Times New Roman" pitchFamily="18" charset="0"/>
-              </a:rPr>
-              <a:t> </a:t>
-            </a:r>
-            <a:r>
-              <a:rPr lang="en-US" dirty="0" err="1" smtClean="0">
+              <a:rPr lang="en-US" dirty="0">
+                <a:latin typeface="Times New Roman" pitchFamily="18" charset="0"/>
+                <a:cs typeface="Times New Roman" pitchFamily="18" charset="0"/>
+              </a:rPr>
+              <a:t> </a:t>
+            </a:r>
+            <a:r>
+              <a:rPr lang="en-US" dirty="0" err="1">
                 <a:latin typeface="Times New Roman" pitchFamily="18" charset="0"/>
                 <a:cs typeface="Times New Roman" pitchFamily="18" charset="0"/>
               </a:rPr>
               <a:t>đoạn</a:t>
             </a:r>
             <a:r>
-              <a:rPr lang="en-US" dirty="0" smtClean="0">
+              <a:rPr lang="en-US" dirty="0">
                 <a:latin typeface="Times New Roman" pitchFamily="18" charset="0"/>
                 <a:cs typeface="Times New Roman" pitchFamily="18" charset="0"/>
               </a:rPr>
               <a:t> component </a:t>
             </a:r>
             <a:r>
-              <a:rPr lang="en-US" dirty="0" err="1" smtClean="0">
+              <a:rPr lang="en-US" dirty="0" err="1">
                 <a:latin typeface="Times New Roman" pitchFamily="18" charset="0"/>
                 <a:cs typeface="Times New Roman" pitchFamily="18" charset="0"/>
               </a:rPr>
               <a:t>được</a:t>
             </a:r>
             <a:r>
-              <a:rPr lang="en-US" dirty="0" smtClean="0">
+              <a:rPr lang="en-US" dirty="0">
                 <a:latin typeface="Times New Roman" pitchFamily="18" charset="0"/>
                 <a:cs typeface="Times New Roman" pitchFamily="18" charset="0"/>
               </a:rPr>
               <a:t> render </a:t>
             </a:r>
             <a:r>
-              <a:rPr lang="en-US" dirty="0" err="1" smtClean="0">
+              <a:rPr lang="en-US" dirty="0" err="1">
                 <a:latin typeface="Times New Roman" pitchFamily="18" charset="0"/>
                 <a:cs typeface="Times New Roman" pitchFamily="18" charset="0"/>
               </a:rPr>
               <a:t>lại</a:t>
             </a:r>
             <a:r>
-              <a:rPr lang="en-US" dirty="0" smtClean="0">
-                <a:latin typeface="Times New Roman" pitchFamily="18" charset="0"/>
-                <a:cs typeface="Times New Roman" pitchFamily="18" charset="0"/>
-              </a:rPr>
-              <a:t> </a:t>
-            </a:r>
-            <a:r>
-              <a:rPr lang="en-US" dirty="0" err="1" smtClean="0">
+              <a:rPr lang="en-US" dirty="0">
+                <a:latin typeface="Times New Roman" pitchFamily="18" charset="0"/>
+                <a:cs typeface="Times New Roman" pitchFamily="18" charset="0"/>
+              </a:rPr>
+              <a:t> </a:t>
+            </a:r>
+            <a:r>
+              <a:rPr lang="en-US" dirty="0" err="1">
                 <a:latin typeface="Times New Roman" pitchFamily="18" charset="0"/>
                 <a:cs typeface="Times New Roman" pitchFamily="18" charset="0"/>
               </a:rPr>
               <a:t>khi</a:t>
             </a:r>
             <a:r>
-              <a:rPr lang="en-US" dirty="0" smtClean="0">
-                <a:latin typeface="Times New Roman" pitchFamily="18" charset="0"/>
-                <a:cs typeface="Times New Roman" pitchFamily="18" charset="0"/>
-              </a:rPr>
-              <a:t> </a:t>
-            </a:r>
-            <a:r>
-              <a:rPr lang="en-US" dirty="0" err="1" smtClean="0">
+              <a:rPr lang="en-US" dirty="0">
+                <a:latin typeface="Times New Roman" pitchFamily="18" charset="0"/>
+                <a:cs typeface="Times New Roman" pitchFamily="18" charset="0"/>
+              </a:rPr>
+              <a:t> </a:t>
+            </a:r>
+            <a:r>
+              <a:rPr lang="en-US" dirty="0" err="1">
                 <a:latin typeface="Times New Roman" pitchFamily="18" charset="0"/>
                 <a:cs typeface="Times New Roman" pitchFamily="18" charset="0"/>
               </a:rPr>
               <a:t>có</a:t>
             </a:r>
             <a:r>
-              <a:rPr lang="en-US" dirty="0" smtClean="0">
-                <a:latin typeface="Times New Roman" pitchFamily="18" charset="0"/>
-                <a:cs typeface="Times New Roman" pitchFamily="18" charset="0"/>
-              </a:rPr>
-              <a:t> </a:t>
-            </a:r>
-            <a:r>
-              <a:rPr lang="en-US" dirty="0" err="1" smtClean="0">
+              <a:rPr lang="en-US" dirty="0">
+                <a:latin typeface="Times New Roman" pitchFamily="18" charset="0"/>
+                <a:cs typeface="Times New Roman" pitchFamily="18" charset="0"/>
+              </a:rPr>
+              <a:t> </a:t>
+            </a:r>
+            <a:r>
+              <a:rPr lang="en-US" dirty="0" err="1">
                 <a:latin typeface="Times New Roman" pitchFamily="18" charset="0"/>
                 <a:cs typeface="Times New Roman" pitchFamily="18" charset="0"/>
               </a:rPr>
               <a:t>sự</a:t>
             </a:r>
             <a:r>
-              <a:rPr lang="en-US" dirty="0" smtClean="0">
-                <a:latin typeface="Times New Roman" pitchFamily="18" charset="0"/>
-                <a:cs typeface="Times New Roman" pitchFamily="18" charset="0"/>
-              </a:rPr>
-              <a:t> </a:t>
-            </a:r>
-            <a:r>
-              <a:rPr lang="en-US" dirty="0" err="1" smtClean="0">
+              <a:rPr lang="en-US" dirty="0">
+                <a:latin typeface="Times New Roman" pitchFamily="18" charset="0"/>
+                <a:cs typeface="Times New Roman" pitchFamily="18" charset="0"/>
+              </a:rPr>
+              <a:t> </a:t>
+            </a:r>
+            <a:r>
+              <a:rPr lang="en-US" dirty="0" err="1">
                 <a:latin typeface="Times New Roman" pitchFamily="18" charset="0"/>
                 <a:cs typeface="Times New Roman" pitchFamily="18" charset="0"/>
               </a:rPr>
               <a:t>thay</a:t>
             </a:r>
             <a:r>
-              <a:rPr lang="en-US" dirty="0" smtClean="0">
-                <a:latin typeface="Times New Roman" pitchFamily="18" charset="0"/>
-                <a:cs typeface="Times New Roman" pitchFamily="18" charset="0"/>
-              </a:rPr>
-              <a:t> </a:t>
-            </a:r>
-            <a:r>
-              <a:rPr lang="en-US" dirty="0" err="1" smtClean="0">
+              <a:rPr lang="en-US" dirty="0">
+                <a:latin typeface="Times New Roman" pitchFamily="18" charset="0"/>
+                <a:cs typeface="Times New Roman" pitchFamily="18" charset="0"/>
+              </a:rPr>
+              <a:t> </a:t>
+            </a:r>
+            <a:r>
+              <a:rPr lang="en-US" dirty="0" err="1">
                 <a:latin typeface="Times New Roman" pitchFamily="18" charset="0"/>
                 <a:cs typeface="Times New Roman" pitchFamily="18" charset="0"/>
               </a:rPr>
               <a:t>đổi</a:t>
             </a:r>
             <a:r>
-              <a:rPr lang="en-US" dirty="0" smtClean="0">
-                <a:latin typeface="Times New Roman" pitchFamily="18" charset="0"/>
-                <a:cs typeface="Times New Roman" pitchFamily="18" charset="0"/>
-              </a:rPr>
-              <a:t> </a:t>
-            </a:r>
-            <a:r>
-              <a:rPr lang="en-US" dirty="0" err="1" smtClean="0">
+              <a:rPr lang="en-US" dirty="0">
+                <a:latin typeface="Times New Roman" pitchFamily="18" charset="0"/>
+                <a:cs typeface="Times New Roman" pitchFamily="18" charset="0"/>
+              </a:rPr>
+              <a:t> </a:t>
+            </a:r>
+            <a:r>
+              <a:rPr lang="en-US" dirty="0" err="1">
                 <a:latin typeface="Times New Roman" pitchFamily="18" charset="0"/>
                 <a:cs typeface="Times New Roman" pitchFamily="18" charset="0"/>
               </a:rPr>
               <a:t>của</a:t>
             </a:r>
             <a:r>
-              <a:rPr lang="en-US" dirty="0" smtClean="0">
+              <a:rPr lang="en-US" dirty="0">
                 <a:latin typeface="Times New Roman" pitchFamily="18" charset="0"/>
                 <a:cs typeface="Times New Roman" pitchFamily="18" charset="0"/>
               </a:rPr>
               <a:t> props </a:t>
             </a:r>
             <a:r>
-              <a:rPr lang="en-US" dirty="0" err="1" smtClean="0">
+              <a:rPr lang="en-US" dirty="0" err="1">
                 <a:latin typeface="Times New Roman" pitchFamily="18" charset="0"/>
                 <a:cs typeface="Times New Roman" pitchFamily="18" charset="0"/>
               </a:rPr>
               <a:t>hoặc</a:t>
             </a:r>
             <a:r>
-              <a:rPr lang="en-US" dirty="0" smtClean="0">
+              <a:rPr lang="en-US" dirty="0">
                 <a:latin typeface="Times New Roman" pitchFamily="18" charset="0"/>
                 <a:cs typeface="Times New Roman" pitchFamily="18" charset="0"/>
               </a:rPr>
@@ -19568,70 +20131,70 @@
               <a:buChar char="•"/>
             </a:pPr>
             <a:r>
-              <a:rPr lang="en-US" dirty="0" err="1" smtClean="0">
+              <a:rPr lang="en-US" dirty="0" err="1">
                 <a:latin typeface="Times New Roman" pitchFamily="18" charset="0"/>
                 <a:cs typeface="Times New Roman" pitchFamily="18" charset="0"/>
               </a:rPr>
               <a:t>các</a:t>
             </a:r>
             <a:r>
-              <a:rPr lang="en-US" dirty="0" smtClean="0">
+              <a:rPr lang="en-US" dirty="0">
                 <a:latin typeface="Times New Roman" pitchFamily="18" charset="0"/>
                 <a:cs typeface="Times New Roman" pitchFamily="18" charset="0"/>
               </a:rPr>
               <a:t> methods </a:t>
             </a:r>
             <a:r>
-              <a:rPr lang="en-US" dirty="0" err="1" smtClean="0">
+              <a:rPr lang="en-US" dirty="0" err="1">
                 <a:latin typeface="Times New Roman" pitchFamily="18" charset="0"/>
                 <a:cs typeface="Times New Roman" pitchFamily="18" charset="0"/>
               </a:rPr>
               <a:t>trong</a:t>
             </a:r>
             <a:r>
-              <a:rPr lang="en-US" dirty="0" smtClean="0">
-                <a:latin typeface="Times New Roman" pitchFamily="18" charset="0"/>
-                <a:cs typeface="Times New Roman" pitchFamily="18" charset="0"/>
-              </a:rPr>
-              <a:t> </a:t>
-            </a:r>
-            <a:r>
-              <a:rPr lang="en-US" dirty="0" err="1" smtClean="0">
+              <a:rPr lang="en-US" dirty="0">
+                <a:latin typeface="Times New Roman" pitchFamily="18" charset="0"/>
+                <a:cs typeface="Times New Roman" pitchFamily="18" charset="0"/>
+              </a:rPr>
+              <a:t> </a:t>
+            </a:r>
+            <a:r>
+              <a:rPr lang="en-US" dirty="0" err="1">
                 <a:latin typeface="Times New Roman" pitchFamily="18" charset="0"/>
                 <a:cs typeface="Times New Roman" pitchFamily="18" charset="0"/>
               </a:rPr>
               <a:t>giai</a:t>
             </a:r>
             <a:r>
-              <a:rPr lang="en-US" dirty="0" smtClean="0">
-                <a:latin typeface="Times New Roman" pitchFamily="18" charset="0"/>
-                <a:cs typeface="Times New Roman" pitchFamily="18" charset="0"/>
-              </a:rPr>
-              <a:t> </a:t>
-            </a:r>
-            <a:r>
-              <a:rPr lang="en-US" dirty="0" err="1" smtClean="0">
+              <a:rPr lang="en-US" dirty="0">
+                <a:latin typeface="Times New Roman" pitchFamily="18" charset="0"/>
+                <a:cs typeface="Times New Roman" pitchFamily="18" charset="0"/>
+              </a:rPr>
+              <a:t> </a:t>
+            </a:r>
+            <a:r>
+              <a:rPr lang="en-US" dirty="0" err="1">
                 <a:latin typeface="Times New Roman" pitchFamily="18" charset="0"/>
                 <a:cs typeface="Times New Roman" pitchFamily="18" charset="0"/>
               </a:rPr>
               <a:t>đoạn</a:t>
             </a:r>
             <a:r>
-              <a:rPr lang="en-US" dirty="0" smtClean="0">
-                <a:latin typeface="Times New Roman" pitchFamily="18" charset="0"/>
-                <a:cs typeface="Times New Roman" pitchFamily="18" charset="0"/>
-              </a:rPr>
-              <a:t> </a:t>
-            </a:r>
-            <a:r>
-              <a:rPr lang="en-US" dirty="0" err="1" smtClean="0">
+              <a:rPr lang="en-US" dirty="0">
+                <a:latin typeface="Times New Roman" pitchFamily="18" charset="0"/>
+                <a:cs typeface="Times New Roman" pitchFamily="18" charset="0"/>
+              </a:rPr>
+              <a:t> </a:t>
+            </a:r>
+            <a:r>
+              <a:rPr lang="en-US" dirty="0" err="1">
                 <a:latin typeface="Times New Roman" pitchFamily="18" charset="0"/>
                 <a:cs typeface="Times New Roman" pitchFamily="18" charset="0"/>
               </a:rPr>
               <a:t>này</a:t>
             </a:r>
             <a:r>
-              <a:rPr lang="en-US" dirty="0" smtClean="0">
+              <a:rPr lang="en-US" dirty="0">
                 <a:latin typeface="Times New Roman" pitchFamily="18" charset="0"/>
                 <a:cs typeface="Times New Roman" pitchFamily="18" charset="0"/>
               </a:rPr>
@@ -19657,16 +20220,12 @@
               <a:t>ShouldComponentUpdate</a:t>
             </a:r>
             <a:r>
-              <a:rPr lang="en-US" dirty="0" smtClean="0">
+              <a:rPr lang="en-US" dirty="0">
                 <a:latin typeface="Times New Roman" pitchFamily="18" charset="0"/>
                 <a:cs typeface="Times New Roman" pitchFamily="18" charset="0"/>
               </a:rPr>
               <a:t>()</a:t>
             </a:r>
-            <a:endParaRPr lang="en-US" dirty="0">
-              <a:latin typeface="Times New Roman" pitchFamily="18" charset="0"/>
-              <a:cs typeface="Times New Roman" pitchFamily="18" charset="0"/>
-            </a:endParaRPr>
           </a:p>
           <a:p>
             <a:pPr marL="1257300" lvl="2" indent="-342900">
@@ -19680,14 +20239,14 @@
               <a:buAutoNum type="arabicPeriod"/>
             </a:pPr>
             <a:r>
-              <a:rPr lang="en-US" dirty="0" err="1" smtClean="0">
+              <a:rPr lang="en-US" dirty="0" err="1">
                 <a:latin typeface="Times New Roman" pitchFamily="18" charset="0"/>
                 <a:cs typeface="Times New Roman" pitchFamily="18" charset="0"/>
               </a:rPr>
               <a:t>ComponentWillUpdate</a:t>
             </a:r>
             <a:r>
-              <a:rPr lang="en-US" dirty="0" smtClean="0">
+              <a:rPr lang="en-US" dirty="0">
                 <a:latin typeface="Times New Roman" pitchFamily="18" charset="0"/>
                 <a:cs typeface="Times New Roman" pitchFamily="18" charset="0"/>
               </a:rPr>
@@ -19706,7 +20265,7 @@
               <a:buAutoNum type="arabicPeriod"/>
             </a:pPr>
             <a:r>
-              <a:rPr lang="en-US" dirty="0" smtClean="0">
+              <a:rPr lang="en-US" dirty="0">
                 <a:latin typeface="Times New Roman" pitchFamily="18" charset="0"/>
                 <a:cs typeface="Times New Roman" pitchFamily="18" charset="0"/>
               </a:rPr>
@@ -19725,23 +20284,19 @@
               <a:buAutoNum type="arabicPeriod"/>
             </a:pPr>
             <a:r>
-              <a:rPr lang="en-US" dirty="0" err="1" smtClean="0">
+              <a:rPr lang="en-US" dirty="0" err="1">
                 <a:latin typeface="Times New Roman" pitchFamily="18" charset="0"/>
                 <a:cs typeface="Times New Roman" pitchFamily="18" charset="0"/>
               </a:rPr>
               <a:t>ComponentDidUpdate</a:t>
             </a:r>
             <a:r>
-              <a:rPr lang="en-US" dirty="0" smtClean="0">
+              <a:rPr lang="en-US" dirty="0">
                 <a:latin typeface="Times New Roman" pitchFamily="18" charset="0"/>
                 <a:cs typeface="Times New Roman" pitchFamily="18" charset="0"/>
               </a:rPr>
               <a:t>()</a:t>
             </a:r>
-            <a:endParaRPr lang="en-US" dirty="0">
-              <a:latin typeface="Times New Roman" pitchFamily="18" charset="0"/>
-              <a:cs typeface="Times New Roman" pitchFamily="18" charset="0"/>
-            </a:endParaRPr>
           </a:p>
           <a:p>
             <a:pPr marL="800100" lvl="1" indent="-342900">
@@ -19754,7 +20309,7 @@
               <a:buFont typeface="+mj-lt"/>
               <a:buAutoNum type="arabicPeriod"/>
             </a:pPr>
-            <a:endParaRPr lang="en-US" dirty="0" smtClean="0">
+            <a:endParaRPr lang="en-US" dirty="0">
               <a:latin typeface="Times New Roman" pitchFamily="18" charset="0"/>
               <a:cs typeface="Times New Roman" pitchFamily="18" charset="0"/>
             </a:endParaRPr>
@@ -19770,7 +20325,7 @@
               <a:buFont typeface="Arial" pitchFamily="34" charset="0"/>
               <a:buChar char="•"/>
             </a:pPr>
-            <a:endParaRPr lang="en-US" dirty="0" smtClean="0">
+            <a:endParaRPr lang="en-US" dirty="0">
               <a:latin typeface="Times New Roman" pitchFamily="18" charset="0"/>
               <a:cs typeface="Times New Roman" pitchFamily="18" charset="0"/>
             </a:endParaRPr>
@@ -19851,13 +20406,6 @@
   <p:clrMapOvr>
     <a:masterClrMapping/>
   </p:clrMapOvr>
-  <p:timing>
-    <p:tnLst>
-      <p:par>
-        <p:cTn id="1" dur="indefinite" restart="never" nodeType="tmRoot"/>
-      </p:par>
-    </p:tnLst>
-  </p:timing>
 </p:sld>
 </file>
 
@@ -19883,7 +20431,7 @@
           <p:cNvPr id="3" name="TextBox 2">
             <a:extLst>
               <a:ext uri="{FF2B5EF4-FFF2-40B4-BE49-F238E27FC236}">
-                <a16:creationId xmlns:a16="http://schemas.microsoft.com/office/drawing/2014/main" xmlns="" id="{66A801D4-74F9-46A0-8843-E18659672DE9}"/>
+                <a16:creationId xmlns:a16="http://schemas.microsoft.com/office/drawing/2014/main" id="{66A801D4-74F9-46A0-8843-E18659672DE9}"/>
               </a:ext>
             </a:extLst>
           </p:cNvPr>
@@ -19953,7 +20501,7 @@
               <a:buChar char="Ø"/>
             </a:pPr>
             <a:r>
-              <a:rPr lang="en-US" b="1" dirty="0" err="1" smtClean="0">
+              <a:rPr lang="en-US" b="1" dirty="0" err="1">
                 <a:latin typeface="Times New Roman" pitchFamily="18" charset="0"/>
                 <a:cs typeface="Times New Roman" pitchFamily="18" charset="0"/>
               </a:rPr>
@@ -19976,168 +20524,168 @@
               <a:buChar char="•"/>
             </a:pPr>
             <a:r>
-              <a:rPr lang="en-US" dirty="0" err="1" smtClean="0">
+              <a:rPr lang="en-US" dirty="0" err="1">
                 <a:latin typeface="Times New Roman" pitchFamily="18" charset="0"/>
                 <a:cs typeface="Times New Roman" pitchFamily="18" charset="0"/>
               </a:rPr>
               <a:t>Đây</a:t>
             </a:r>
             <a:r>
-              <a:rPr lang="en-US" dirty="0" smtClean="0">
-                <a:latin typeface="Times New Roman" pitchFamily="18" charset="0"/>
-                <a:cs typeface="Times New Roman" pitchFamily="18" charset="0"/>
-              </a:rPr>
-              <a:t> </a:t>
-            </a:r>
-            <a:r>
-              <a:rPr lang="en-US" dirty="0" err="1" smtClean="0">
+              <a:rPr lang="en-US" dirty="0">
+                <a:latin typeface="Times New Roman" pitchFamily="18" charset="0"/>
+                <a:cs typeface="Times New Roman" pitchFamily="18" charset="0"/>
+              </a:rPr>
+              <a:t> </a:t>
+            </a:r>
+            <a:r>
+              <a:rPr lang="en-US" dirty="0" err="1">
                 <a:latin typeface="Times New Roman" pitchFamily="18" charset="0"/>
                 <a:cs typeface="Times New Roman" pitchFamily="18" charset="0"/>
               </a:rPr>
               <a:t>là</a:t>
             </a:r>
             <a:r>
-              <a:rPr lang="en-US" dirty="0" smtClean="0">
-                <a:latin typeface="Times New Roman" pitchFamily="18" charset="0"/>
-                <a:cs typeface="Times New Roman" pitchFamily="18" charset="0"/>
-              </a:rPr>
-              <a:t> </a:t>
-            </a:r>
-            <a:r>
-              <a:rPr lang="en-US" dirty="0" err="1" smtClean="0">
+              <a:rPr lang="en-US" dirty="0">
+                <a:latin typeface="Times New Roman" pitchFamily="18" charset="0"/>
+                <a:cs typeface="Times New Roman" pitchFamily="18" charset="0"/>
+              </a:rPr>
+              <a:t> </a:t>
+            </a:r>
+            <a:r>
+              <a:rPr lang="en-US" dirty="0" err="1">
                 <a:latin typeface="Times New Roman" pitchFamily="18" charset="0"/>
                 <a:cs typeface="Times New Roman" pitchFamily="18" charset="0"/>
               </a:rPr>
               <a:t>giai</a:t>
             </a:r>
             <a:r>
-              <a:rPr lang="en-US" dirty="0" smtClean="0">
-                <a:latin typeface="Times New Roman" pitchFamily="18" charset="0"/>
-                <a:cs typeface="Times New Roman" pitchFamily="18" charset="0"/>
-              </a:rPr>
-              <a:t> </a:t>
-            </a:r>
-            <a:r>
-              <a:rPr lang="en-US" dirty="0" err="1" smtClean="0">
+              <a:rPr lang="en-US" dirty="0">
+                <a:latin typeface="Times New Roman" pitchFamily="18" charset="0"/>
+                <a:cs typeface="Times New Roman" pitchFamily="18" charset="0"/>
+              </a:rPr>
+              <a:t> </a:t>
+            </a:r>
+            <a:r>
+              <a:rPr lang="en-US" dirty="0" err="1">
                 <a:latin typeface="Times New Roman" pitchFamily="18" charset="0"/>
                 <a:cs typeface="Times New Roman" pitchFamily="18" charset="0"/>
               </a:rPr>
               <a:t>đoạn</a:t>
             </a:r>
             <a:r>
-              <a:rPr lang="en-US" dirty="0" smtClean="0">
-                <a:latin typeface="Times New Roman" pitchFamily="18" charset="0"/>
-                <a:cs typeface="Times New Roman" pitchFamily="18" charset="0"/>
-              </a:rPr>
-              <a:t> </a:t>
-            </a:r>
-            <a:r>
-              <a:rPr lang="en-US" dirty="0" err="1" smtClean="0">
+              <a:rPr lang="en-US" dirty="0">
+                <a:latin typeface="Times New Roman" pitchFamily="18" charset="0"/>
+                <a:cs typeface="Times New Roman" pitchFamily="18" charset="0"/>
+              </a:rPr>
+              <a:t> </a:t>
+            </a:r>
+            <a:r>
+              <a:rPr lang="en-US" dirty="0" err="1">
                 <a:latin typeface="Times New Roman" pitchFamily="18" charset="0"/>
                 <a:cs typeface="Times New Roman" pitchFamily="18" charset="0"/>
               </a:rPr>
               <a:t>cuối</a:t>
             </a:r>
             <a:r>
-              <a:rPr lang="en-US" dirty="0" smtClean="0">
-                <a:latin typeface="Times New Roman" pitchFamily="18" charset="0"/>
-                <a:cs typeface="Times New Roman" pitchFamily="18" charset="0"/>
-              </a:rPr>
-              <a:t> </a:t>
-            </a:r>
-            <a:r>
-              <a:rPr lang="en-US" dirty="0" err="1" smtClean="0">
+              <a:rPr lang="en-US" dirty="0">
+                <a:latin typeface="Times New Roman" pitchFamily="18" charset="0"/>
+                <a:cs typeface="Times New Roman" pitchFamily="18" charset="0"/>
+              </a:rPr>
+              <a:t> </a:t>
+            </a:r>
+            <a:r>
+              <a:rPr lang="en-US" dirty="0" err="1">
                 <a:latin typeface="Times New Roman" pitchFamily="18" charset="0"/>
                 <a:cs typeface="Times New Roman" pitchFamily="18" charset="0"/>
               </a:rPr>
               <a:t>của</a:t>
             </a:r>
             <a:r>
-              <a:rPr lang="en-US" dirty="0" smtClean="0">
+              <a:rPr lang="en-US" dirty="0">
                 <a:latin typeface="Times New Roman" pitchFamily="18" charset="0"/>
                 <a:cs typeface="Times New Roman" pitchFamily="18" charset="0"/>
               </a:rPr>
               <a:t> component </a:t>
             </a:r>
             <a:r>
-              <a:rPr lang="en-US" dirty="0" err="1" smtClean="0">
+              <a:rPr lang="en-US" dirty="0" err="1">
                 <a:latin typeface="Times New Roman" pitchFamily="18" charset="0"/>
                 <a:cs typeface="Times New Roman" pitchFamily="18" charset="0"/>
               </a:rPr>
               <a:t>trước</a:t>
             </a:r>
             <a:r>
-              <a:rPr lang="en-US" dirty="0" smtClean="0">
-                <a:latin typeface="Times New Roman" pitchFamily="18" charset="0"/>
-                <a:cs typeface="Times New Roman" pitchFamily="18" charset="0"/>
-              </a:rPr>
-              <a:t> </a:t>
-            </a:r>
-            <a:r>
-              <a:rPr lang="en-US" dirty="0" err="1" smtClean="0">
+              <a:rPr lang="en-US" dirty="0">
+                <a:latin typeface="Times New Roman" pitchFamily="18" charset="0"/>
+                <a:cs typeface="Times New Roman" pitchFamily="18" charset="0"/>
+              </a:rPr>
+              <a:t> </a:t>
+            </a:r>
+            <a:r>
+              <a:rPr lang="en-US" dirty="0" err="1">
                 <a:latin typeface="Times New Roman" pitchFamily="18" charset="0"/>
                 <a:cs typeface="Times New Roman" pitchFamily="18" charset="0"/>
               </a:rPr>
               <a:t>khi</a:t>
             </a:r>
             <a:r>
-              <a:rPr lang="en-US" dirty="0" smtClean="0">
-                <a:latin typeface="Times New Roman" pitchFamily="18" charset="0"/>
-                <a:cs typeface="Times New Roman" pitchFamily="18" charset="0"/>
-              </a:rPr>
-              <a:t> </a:t>
-            </a:r>
-            <a:r>
-              <a:rPr lang="en-US" dirty="0" err="1" smtClean="0">
+              <a:rPr lang="en-US" dirty="0">
+                <a:latin typeface="Times New Roman" pitchFamily="18" charset="0"/>
+                <a:cs typeface="Times New Roman" pitchFamily="18" charset="0"/>
+              </a:rPr>
+              <a:t> </a:t>
+            </a:r>
+            <a:r>
+              <a:rPr lang="en-US" dirty="0" err="1">
                 <a:latin typeface="Times New Roman" pitchFamily="18" charset="0"/>
                 <a:cs typeface="Times New Roman" pitchFamily="18" charset="0"/>
               </a:rPr>
               <a:t>bị</a:t>
             </a:r>
             <a:r>
-              <a:rPr lang="en-US" dirty="0" smtClean="0">
-                <a:latin typeface="Times New Roman" pitchFamily="18" charset="0"/>
-                <a:cs typeface="Times New Roman" pitchFamily="18" charset="0"/>
-              </a:rPr>
-              <a:t> </a:t>
-            </a:r>
-            <a:r>
-              <a:rPr lang="en-US" dirty="0" err="1" smtClean="0">
+              <a:rPr lang="en-US" dirty="0">
+                <a:latin typeface="Times New Roman" pitchFamily="18" charset="0"/>
+                <a:cs typeface="Times New Roman" pitchFamily="18" charset="0"/>
+              </a:rPr>
+              <a:t> </a:t>
+            </a:r>
+            <a:r>
+              <a:rPr lang="en-US" dirty="0" err="1">
                 <a:latin typeface="Times New Roman" pitchFamily="18" charset="0"/>
                 <a:cs typeface="Times New Roman" pitchFamily="18" charset="0"/>
               </a:rPr>
               <a:t>loại</a:t>
             </a:r>
             <a:r>
-              <a:rPr lang="en-US" dirty="0" smtClean="0">
-                <a:latin typeface="Times New Roman" pitchFamily="18" charset="0"/>
-                <a:cs typeface="Times New Roman" pitchFamily="18" charset="0"/>
-              </a:rPr>
-              <a:t> </a:t>
-            </a:r>
-            <a:r>
-              <a:rPr lang="en-US" dirty="0" err="1" smtClean="0">
+              <a:rPr lang="en-US" dirty="0">
+                <a:latin typeface="Times New Roman" pitchFamily="18" charset="0"/>
+                <a:cs typeface="Times New Roman" pitchFamily="18" charset="0"/>
+              </a:rPr>
+              <a:t> </a:t>
+            </a:r>
+            <a:r>
+              <a:rPr lang="en-US" dirty="0" err="1">
                 <a:latin typeface="Times New Roman" pitchFamily="18" charset="0"/>
                 <a:cs typeface="Times New Roman" pitchFamily="18" charset="0"/>
               </a:rPr>
               <a:t>bỏ</a:t>
             </a:r>
             <a:r>
-              <a:rPr lang="en-US" dirty="0" smtClean="0">
-                <a:latin typeface="Times New Roman" pitchFamily="18" charset="0"/>
-                <a:cs typeface="Times New Roman" pitchFamily="18" charset="0"/>
-              </a:rPr>
-              <a:t> </a:t>
-            </a:r>
-            <a:r>
-              <a:rPr lang="en-US" dirty="0" err="1" smtClean="0">
+              <a:rPr lang="en-US" dirty="0">
+                <a:latin typeface="Times New Roman" pitchFamily="18" charset="0"/>
+                <a:cs typeface="Times New Roman" pitchFamily="18" charset="0"/>
+              </a:rPr>
+              <a:t> </a:t>
+            </a:r>
+            <a:r>
+              <a:rPr lang="en-US" dirty="0" err="1">
                 <a:latin typeface="Times New Roman" pitchFamily="18" charset="0"/>
                 <a:cs typeface="Times New Roman" pitchFamily="18" charset="0"/>
               </a:rPr>
               <a:t>khỏi</a:t>
             </a:r>
             <a:r>
-              <a:rPr lang="en-US" dirty="0" smtClean="0">
+              <a:rPr lang="en-US" dirty="0">
                 <a:latin typeface="Times New Roman" pitchFamily="18" charset="0"/>
                 <a:cs typeface="Times New Roman" pitchFamily="18" charset="0"/>
               </a:rPr>
@@ -20156,91 +20704,91 @@
               <a:buChar char="•"/>
             </a:pPr>
             <a:r>
-              <a:rPr lang="en-US" dirty="0" err="1" smtClean="0">
+              <a:rPr lang="en-US" dirty="0" err="1">
                 <a:latin typeface="Times New Roman" pitchFamily="18" charset="0"/>
                 <a:cs typeface="Times New Roman" pitchFamily="18" charset="0"/>
               </a:rPr>
               <a:t>Được</a:t>
             </a:r>
             <a:r>
-              <a:rPr lang="en-US" dirty="0" smtClean="0">
-                <a:latin typeface="Times New Roman" pitchFamily="18" charset="0"/>
-                <a:cs typeface="Times New Roman" pitchFamily="18" charset="0"/>
-              </a:rPr>
-              <a:t> </a:t>
-            </a:r>
-            <a:r>
-              <a:rPr lang="en-US" dirty="0" err="1" smtClean="0">
+              <a:rPr lang="en-US" dirty="0">
+                <a:latin typeface="Times New Roman" pitchFamily="18" charset="0"/>
+                <a:cs typeface="Times New Roman" pitchFamily="18" charset="0"/>
+              </a:rPr>
+              <a:t> </a:t>
+            </a:r>
+            <a:r>
+              <a:rPr lang="en-US" dirty="0" err="1">
                 <a:latin typeface="Times New Roman" pitchFamily="18" charset="0"/>
                 <a:cs typeface="Times New Roman" pitchFamily="18" charset="0"/>
               </a:rPr>
               <a:t>thực</a:t>
             </a:r>
             <a:r>
-              <a:rPr lang="en-US" dirty="0" smtClean="0">
-                <a:latin typeface="Times New Roman" pitchFamily="18" charset="0"/>
-                <a:cs typeface="Times New Roman" pitchFamily="18" charset="0"/>
-              </a:rPr>
-              <a:t> </a:t>
-            </a:r>
-            <a:r>
-              <a:rPr lang="en-US" dirty="0" err="1" smtClean="0">
+              <a:rPr lang="en-US" dirty="0">
+                <a:latin typeface="Times New Roman" pitchFamily="18" charset="0"/>
+                <a:cs typeface="Times New Roman" pitchFamily="18" charset="0"/>
+              </a:rPr>
+              <a:t> </a:t>
+            </a:r>
+            <a:r>
+              <a:rPr lang="en-US" dirty="0" err="1">
                 <a:latin typeface="Times New Roman" pitchFamily="18" charset="0"/>
                 <a:cs typeface="Times New Roman" pitchFamily="18" charset="0"/>
               </a:rPr>
               <a:t>thi</a:t>
             </a:r>
             <a:r>
-              <a:rPr lang="en-US" dirty="0" smtClean="0">
-                <a:latin typeface="Times New Roman" pitchFamily="18" charset="0"/>
-                <a:cs typeface="Times New Roman" pitchFamily="18" charset="0"/>
-              </a:rPr>
-              <a:t> </a:t>
-            </a:r>
-            <a:r>
-              <a:rPr lang="en-US" dirty="0" err="1" smtClean="0">
+              <a:rPr lang="en-US" dirty="0">
+                <a:latin typeface="Times New Roman" pitchFamily="18" charset="0"/>
+                <a:cs typeface="Times New Roman" pitchFamily="18" charset="0"/>
+              </a:rPr>
+              <a:t> </a:t>
+            </a:r>
+            <a:r>
+              <a:rPr lang="en-US" dirty="0" err="1">
                 <a:latin typeface="Times New Roman" pitchFamily="18" charset="0"/>
                 <a:cs typeface="Times New Roman" pitchFamily="18" charset="0"/>
               </a:rPr>
               <a:t>bởi</a:t>
             </a:r>
             <a:r>
-              <a:rPr lang="en-US" dirty="0" smtClean="0">
-                <a:latin typeface="Times New Roman" pitchFamily="18" charset="0"/>
-                <a:cs typeface="Times New Roman" pitchFamily="18" charset="0"/>
-              </a:rPr>
-              <a:t> </a:t>
-            </a:r>
-            <a:r>
-              <a:rPr lang="en-US" dirty="0" err="1" smtClean="0">
+              <a:rPr lang="en-US" dirty="0">
+                <a:latin typeface="Times New Roman" pitchFamily="18" charset="0"/>
+                <a:cs typeface="Times New Roman" pitchFamily="18" charset="0"/>
+              </a:rPr>
+              <a:t> </a:t>
+            </a:r>
+            <a:r>
+              <a:rPr lang="en-US" dirty="0" err="1">
                 <a:latin typeface="Times New Roman" pitchFamily="18" charset="0"/>
                 <a:cs typeface="Times New Roman" pitchFamily="18" charset="0"/>
               </a:rPr>
               <a:t>phương</a:t>
             </a:r>
             <a:r>
-              <a:rPr lang="en-US" dirty="0" smtClean="0">
-                <a:latin typeface="Times New Roman" pitchFamily="18" charset="0"/>
-                <a:cs typeface="Times New Roman" pitchFamily="18" charset="0"/>
-              </a:rPr>
-              <a:t> </a:t>
-            </a:r>
-            <a:r>
-              <a:rPr lang="en-US" dirty="0" err="1" smtClean="0">
+              <a:rPr lang="en-US" dirty="0">
+                <a:latin typeface="Times New Roman" pitchFamily="18" charset="0"/>
+                <a:cs typeface="Times New Roman" pitchFamily="18" charset="0"/>
+              </a:rPr>
+              <a:t> </a:t>
+            </a:r>
+            <a:r>
+              <a:rPr lang="en-US" dirty="0" err="1">
                 <a:latin typeface="Times New Roman" pitchFamily="18" charset="0"/>
                 <a:cs typeface="Times New Roman" pitchFamily="18" charset="0"/>
               </a:rPr>
               <a:t>thức</a:t>
             </a:r>
             <a:r>
-              <a:rPr lang="en-US" dirty="0" smtClean="0">
-                <a:latin typeface="Times New Roman" pitchFamily="18" charset="0"/>
-                <a:cs typeface="Times New Roman" pitchFamily="18" charset="0"/>
-              </a:rPr>
-              <a:t> </a:t>
-            </a:r>
-            <a:r>
-              <a:rPr lang="en-US" dirty="0" err="1" smtClean="0">
+              <a:rPr lang="en-US" dirty="0">
+                <a:latin typeface="Times New Roman" pitchFamily="18" charset="0"/>
+                <a:cs typeface="Times New Roman" pitchFamily="18" charset="0"/>
+              </a:rPr>
+              <a:t> </a:t>
+            </a:r>
+            <a:r>
+              <a:rPr lang="en-US" dirty="0" err="1">
                 <a:latin typeface="Times New Roman" pitchFamily="18" charset="0"/>
                 <a:cs typeface="Times New Roman" pitchFamily="18" charset="0"/>
               </a:rPr>
@@ -20251,14 +20799,7 @@
                 <a:latin typeface="Times New Roman" pitchFamily="18" charset="0"/>
                 <a:cs typeface="Times New Roman" pitchFamily="18" charset="0"/>
               </a:rPr>
-              <a:t> </a:t>
-            </a:r>
-            <a:r>
-              <a:rPr lang="en-US" dirty="0" smtClean="0">
-                <a:latin typeface="Times New Roman" pitchFamily="18" charset="0"/>
-                <a:cs typeface="Times New Roman" pitchFamily="18" charset="0"/>
-              </a:rPr>
-              <a:t>()</a:t>
+              <a:t> ()</a:t>
             </a:r>
           </a:p>
           <a:p>
@@ -20272,7 +20813,7 @@
               <a:buFont typeface="+mj-lt"/>
               <a:buAutoNum type="arabicPeriod"/>
             </a:pPr>
-            <a:endParaRPr lang="en-US" dirty="0" smtClean="0">
+            <a:endParaRPr lang="en-US" dirty="0">
               <a:latin typeface="Times New Roman" pitchFamily="18" charset="0"/>
               <a:cs typeface="Times New Roman" pitchFamily="18" charset="0"/>
             </a:endParaRPr>
@@ -20288,7 +20829,7 @@
               <a:buFont typeface="Arial" pitchFamily="34" charset="0"/>
               <a:buChar char="•"/>
             </a:pPr>
-            <a:endParaRPr lang="en-US" dirty="0" smtClean="0">
+            <a:endParaRPr lang="en-US" dirty="0">
               <a:latin typeface="Times New Roman" pitchFamily="18" charset="0"/>
               <a:cs typeface="Times New Roman" pitchFamily="18" charset="0"/>
             </a:endParaRPr>
@@ -20369,13 +20910,6 @@
   <p:clrMapOvr>
     <a:masterClrMapping/>
   </p:clrMapOvr>
-  <p:timing>
-    <p:tnLst>
-      <p:par>
-        <p:cTn id="1" dur="indefinite" restart="never" nodeType="tmRoot"/>
-      </p:par>
-    </p:tnLst>
-  </p:timing>
 </p:sld>
 </file>
 
@@ -20401,7 +20935,7 @@
           <p:cNvPr id="3" name="TextBox 2">
             <a:extLst>
               <a:ext uri="{FF2B5EF4-FFF2-40B4-BE49-F238E27FC236}">
-                <a16:creationId xmlns:a16="http://schemas.microsoft.com/office/drawing/2014/main" xmlns="" id="{66A801D4-74F9-46A0-8843-E18659672DE9}"/>
+                <a16:creationId xmlns:a16="http://schemas.microsoft.com/office/drawing/2014/main" id="{66A801D4-74F9-46A0-8843-E18659672DE9}"/>
               </a:ext>
             </a:extLst>
           </p:cNvPr>
@@ -20504,7 +21038,7 @@
           <p:cNvPr id="10" name="Picture 9">
             <a:extLst>
               <a:ext uri="{FF2B5EF4-FFF2-40B4-BE49-F238E27FC236}">
-                <a16:creationId xmlns:a16="http://schemas.microsoft.com/office/drawing/2014/main" xmlns="" id="{D43C6EFA-B73C-4B22-917B-21240111A9D8}"/>
+                <a16:creationId xmlns:a16="http://schemas.microsoft.com/office/drawing/2014/main" id="{D43C6EFA-B73C-4B22-917B-21240111A9D8}"/>
               </a:ext>
             </a:extLst>
           </p:cNvPr>
@@ -20534,7 +21068,7 @@
           <p:cNvPr id="11" name="TextBox 10">
             <a:extLst>
               <a:ext uri="{FF2B5EF4-FFF2-40B4-BE49-F238E27FC236}">
-                <a16:creationId xmlns:a16="http://schemas.microsoft.com/office/drawing/2014/main" xmlns="" id="{B5EF675E-CA01-494B-98D4-4BBEFB15FBFA}"/>
+                <a16:creationId xmlns:a16="http://schemas.microsoft.com/office/drawing/2014/main" id="{B5EF675E-CA01-494B-98D4-4BBEFB15FBFA}"/>
               </a:ext>
             </a:extLst>
           </p:cNvPr>
@@ -20619,13 +21153,6 @@
   <p:clrMapOvr>
     <a:masterClrMapping/>
   </p:clrMapOvr>
-  <p:timing>
-    <p:tnLst>
-      <p:par>
-        <p:cTn id="1" dur="indefinite" restart="never" nodeType="tmRoot"/>
-      </p:par>
-    </p:tnLst>
-  </p:timing>
 </p:sld>
 </file>
 
@@ -20651,7 +21178,7 @@
           <p:cNvPr id="3" name="TextBox 2">
             <a:extLst>
               <a:ext uri="{FF2B5EF4-FFF2-40B4-BE49-F238E27FC236}">
-                <a16:creationId xmlns:a16="http://schemas.microsoft.com/office/drawing/2014/main" xmlns="" id="{66A801D4-74F9-46A0-8843-E18659672DE9}"/>
+                <a16:creationId xmlns:a16="http://schemas.microsoft.com/office/drawing/2014/main" id="{66A801D4-74F9-46A0-8843-E18659672DE9}"/>
               </a:ext>
             </a:extLst>
           </p:cNvPr>
@@ -20739,7 +21266,7 @@
           <p:cNvPr id="4" name="TextBox 3">
             <a:extLst>
               <a:ext uri="{FF2B5EF4-FFF2-40B4-BE49-F238E27FC236}">
-                <a16:creationId xmlns:a16="http://schemas.microsoft.com/office/drawing/2014/main" xmlns="" id="{2ECD7FA6-9DBD-427F-9360-AB6E421C5E85}"/>
+                <a16:creationId xmlns:a16="http://schemas.microsoft.com/office/drawing/2014/main" id="{2ECD7FA6-9DBD-427F-9360-AB6E421C5E85}"/>
               </a:ext>
             </a:extLst>
           </p:cNvPr>
@@ -20794,7 +21321,7 @@
           <p:cNvPr id="7" name="Picture 6">
             <a:extLst>
               <a:ext uri="{FF2B5EF4-FFF2-40B4-BE49-F238E27FC236}">
-                <a16:creationId xmlns:a16="http://schemas.microsoft.com/office/drawing/2014/main" xmlns="" id="{49ED2E60-C885-4D9D-A0F8-5964982B02A4}"/>
+                <a16:creationId xmlns:a16="http://schemas.microsoft.com/office/drawing/2014/main" id="{49ED2E60-C885-4D9D-A0F8-5964982B02A4}"/>
               </a:ext>
             </a:extLst>
           </p:cNvPr>
@@ -20824,7 +21351,7 @@
           <p:cNvPr id="8" name="TextBox 7">
             <a:extLst>
               <a:ext uri="{FF2B5EF4-FFF2-40B4-BE49-F238E27FC236}">
-                <a16:creationId xmlns:a16="http://schemas.microsoft.com/office/drawing/2014/main" xmlns="" id="{B3DDC1D2-FBA4-4B17-B2E3-1BE852EDE28B}"/>
+                <a16:creationId xmlns:a16="http://schemas.microsoft.com/office/drawing/2014/main" id="{B3DDC1D2-FBA4-4B17-B2E3-1BE852EDE28B}"/>
               </a:ext>
             </a:extLst>
           </p:cNvPr>
@@ -20934,13 +21461,6 @@
   <p:clrMapOvr>
     <a:masterClrMapping/>
   </p:clrMapOvr>
-  <p:timing>
-    <p:tnLst>
-      <p:par>
-        <p:cTn id="1" dur="indefinite" restart="never" nodeType="tmRoot"/>
-      </p:par>
-    </p:tnLst>
-  </p:timing>
 </p:sld>
 </file>
 
@@ -20966,7 +21486,7 @@
           <p:cNvPr id="3" name="TextBox 2">
             <a:extLst>
               <a:ext uri="{FF2B5EF4-FFF2-40B4-BE49-F238E27FC236}">
-                <a16:creationId xmlns:a16="http://schemas.microsoft.com/office/drawing/2014/main" xmlns="" id="{66A801D4-74F9-46A0-8843-E18659672DE9}"/>
+                <a16:creationId xmlns:a16="http://schemas.microsoft.com/office/drawing/2014/main" id="{66A801D4-74F9-46A0-8843-E18659672DE9}"/>
               </a:ext>
             </a:extLst>
           </p:cNvPr>
@@ -21054,7 +21574,7 @@
           <p:cNvPr id="4" name="TextBox 3">
             <a:extLst>
               <a:ext uri="{FF2B5EF4-FFF2-40B4-BE49-F238E27FC236}">
-                <a16:creationId xmlns:a16="http://schemas.microsoft.com/office/drawing/2014/main" xmlns="" id="{2ECD7FA6-9DBD-427F-9360-AB6E421C5E85}"/>
+                <a16:creationId xmlns:a16="http://schemas.microsoft.com/office/drawing/2014/main" id="{2ECD7FA6-9DBD-427F-9360-AB6E421C5E85}"/>
               </a:ext>
             </a:extLst>
           </p:cNvPr>
@@ -21110,7 +21630,7 @@
           <p:cNvPr id="8" name="TextBox 7">
             <a:extLst>
               <a:ext uri="{FF2B5EF4-FFF2-40B4-BE49-F238E27FC236}">
-                <a16:creationId xmlns:a16="http://schemas.microsoft.com/office/drawing/2014/main" xmlns="" id="{B3DDC1D2-FBA4-4B17-B2E3-1BE852EDE28B}"/>
+                <a16:creationId xmlns:a16="http://schemas.microsoft.com/office/drawing/2014/main" id="{B3DDC1D2-FBA4-4B17-B2E3-1BE852EDE28B}"/>
               </a:ext>
             </a:extLst>
           </p:cNvPr>
@@ -21664,7 +22184,7 @@
           <p:cNvPr id="5" name="Picture 4">
             <a:extLst>
               <a:ext uri="{FF2B5EF4-FFF2-40B4-BE49-F238E27FC236}">
-                <a16:creationId xmlns:a16="http://schemas.microsoft.com/office/drawing/2014/main" xmlns="" id="{30655335-BA9E-4439-9246-0A2D3006BCD4}"/>
+                <a16:creationId xmlns:a16="http://schemas.microsoft.com/office/drawing/2014/main" id="{30655335-BA9E-4439-9246-0A2D3006BCD4}"/>
               </a:ext>
             </a:extLst>
           </p:cNvPr>
@@ -21699,13 +22219,6 @@
   <p:clrMapOvr>
     <a:masterClrMapping/>
   </p:clrMapOvr>
-  <p:timing>
-    <p:tnLst>
-      <p:par>
-        <p:cTn id="1" dur="indefinite" restart="never" nodeType="tmRoot"/>
-      </p:par>
-    </p:tnLst>
-  </p:timing>
 </p:sld>
 </file>
 
@@ -21731,7 +22244,7 @@
           <p:cNvPr id="3" name="TextBox 2">
             <a:extLst>
               <a:ext uri="{FF2B5EF4-FFF2-40B4-BE49-F238E27FC236}">
-                <a16:creationId xmlns:a16="http://schemas.microsoft.com/office/drawing/2014/main" xmlns="" id="{66A801D4-74F9-46A0-8843-E18659672DE9}"/>
+                <a16:creationId xmlns:a16="http://schemas.microsoft.com/office/drawing/2014/main" id="{66A801D4-74F9-46A0-8843-E18659672DE9}"/>
               </a:ext>
             </a:extLst>
           </p:cNvPr>
@@ -21819,7 +22332,7 @@
           <p:cNvPr id="4" name="TextBox 3">
             <a:extLst>
               <a:ext uri="{FF2B5EF4-FFF2-40B4-BE49-F238E27FC236}">
-                <a16:creationId xmlns:a16="http://schemas.microsoft.com/office/drawing/2014/main" xmlns="" id="{2ECD7FA6-9DBD-427F-9360-AB6E421C5E85}"/>
+                <a16:creationId xmlns:a16="http://schemas.microsoft.com/office/drawing/2014/main" id="{2ECD7FA6-9DBD-427F-9360-AB6E421C5E85}"/>
               </a:ext>
             </a:extLst>
           </p:cNvPr>
@@ -21885,7 +22398,7 @@
           <p:cNvPr id="8" name="TextBox 7">
             <a:extLst>
               <a:ext uri="{FF2B5EF4-FFF2-40B4-BE49-F238E27FC236}">
-                <a16:creationId xmlns:a16="http://schemas.microsoft.com/office/drawing/2014/main" xmlns="" id="{B3DDC1D2-FBA4-4B17-B2E3-1BE852EDE28B}"/>
+                <a16:creationId xmlns:a16="http://schemas.microsoft.com/office/drawing/2014/main" id="{B3DDC1D2-FBA4-4B17-B2E3-1BE852EDE28B}"/>
               </a:ext>
             </a:extLst>
           </p:cNvPr>
@@ -22270,7 +22783,7 @@
           <p:cNvPr id="6" name="Picture 5">
             <a:extLst>
               <a:ext uri="{FF2B5EF4-FFF2-40B4-BE49-F238E27FC236}">
-                <a16:creationId xmlns:a16="http://schemas.microsoft.com/office/drawing/2014/main" xmlns="" id="{E5680A12-45DA-404E-9B75-3290F6627DD2}"/>
+                <a16:creationId xmlns:a16="http://schemas.microsoft.com/office/drawing/2014/main" id="{E5680A12-45DA-404E-9B75-3290F6627DD2}"/>
               </a:ext>
             </a:extLst>
           </p:cNvPr>
@@ -22305,13 +22818,6 @@
   <p:clrMapOvr>
     <a:masterClrMapping/>
   </p:clrMapOvr>
-  <p:timing>
-    <p:tnLst>
-      <p:par>
-        <p:cTn id="1" dur="indefinite" restart="never" nodeType="tmRoot"/>
-      </p:par>
-    </p:tnLst>
-  </p:timing>
 </p:sld>
 </file>
 
@@ -22337,7 +22843,7 @@
           <p:cNvPr id="3" name="TextBox 2">
             <a:extLst>
               <a:ext uri="{FF2B5EF4-FFF2-40B4-BE49-F238E27FC236}">
-                <a16:creationId xmlns:a16="http://schemas.microsoft.com/office/drawing/2014/main" xmlns="" id="{66A801D4-74F9-46A0-8843-E18659672DE9}"/>
+                <a16:creationId xmlns:a16="http://schemas.microsoft.com/office/drawing/2014/main" id="{66A801D4-74F9-46A0-8843-E18659672DE9}"/>
               </a:ext>
             </a:extLst>
           </p:cNvPr>
@@ -22425,7 +22931,7 @@
           <p:cNvPr id="4" name="TextBox 3">
             <a:extLst>
               <a:ext uri="{FF2B5EF4-FFF2-40B4-BE49-F238E27FC236}">
-                <a16:creationId xmlns:a16="http://schemas.microsoft.com/office/drawing/2014/main" xmlns="" id="{2ECD7FA6-9DBD-427F-9360-AB6E421C5E85}"/>
+                <a16:creationId xmlns:a16="http://schemas.microsoft.com/office/drawing/2014/main" id="{2ECD7FA6-9DBD-427F-9360-AB6E421C5E85}"/>
               </a:ext>
             </a:extLst>
           </p:cNvPr>
@@ -22495,7 +23001,7 @@
           <p:cNvPr id="8" name="TextBox 7">
             <a:extLst>
               <a:ext uri="{FF2B5EF4-FFF2-40B4-BE49-F238E27FC236}">
-                <a16:creationId xmlns:a16="http://schemas.microsoft.com/office/drawing/2014/main" xmlns="" id="{B3DDC1D2-FBA4-4B17-B2E3-1BE852EDE28B}"/>
+                <a16:creationId xmlns:a16="http://schemas.microsoft.com/office/drawing/2014/main" id="{B3DDC1D2-FBA4-4B17-B2E3-1BE852EDE28B}"/>
               </a:ext>
             </a:extLst>
           </p:cNvPr>
@@ -22839,7 +23345,7 @@
           <p:cNvPr id="5" name="Picture 4">
             <a:extLst>
               <a:ext uri="{FF2B5EF4-FFF2-40B4-BE49-F238E27FC236}">
-                <a16:creationId xmlns:a16="http://schemas.microsoft.com/office/drawing/2014/main" xmlns="" id="{8B638655-6296-4787-B2CB-107185099497}"/>
+                <a16:creationId xmlns:a16="http://schemas.microsoft.com/office/drawing/2014/main" id="{8B638655-6296-4787-B2CB-107185099497}"/>
               </a:ext>
             </a:extLst>
           </p:cNvPr>
@@ -22874,13 +23380,6 @@
   <p:clrMapOvr>
     <a:masterClrMapping/>
   </p:clrMapOvr>
-  <p:timing>
-    <p:tnLst>
-      <p:par>
-        <p:cTn id="1" dur="indefinite" restart="never" nodeType="tmRoot"/>
-      </p:par>
-    </p:tnLst>
-  </p:timing>
 </p:sld>
 </file>
 
@@ -22906,7 +23405,7 @@
           <p:cNvPr id="3" name="TextBox 2">
             <a:extLst>
               <a:ext uri="{FF2B5EF4-FFF2-40B4-BE49-F238E27FC236}">
-                <a16:creationId xmlns:a16="http://schemas.microsoft.com/office/drawing/2014/main" xmlns="" id="{66A801D4-74F9-46A0-8843-E18659672DE9}"/>
+                <a16:creationId xmlns:a16="http://schemas.microsoft.com/office/drawing/2014/main" id="{66A801D4-74F9-46A0-8843-E18659672DE9}"/>
               </a:ext>
             </a:extLst>
           </p:cNvPr>
@@ -22949,7 +23448,7 @@
           <p:cNvPr id="4" name="TextBox 3">
             <a:extLst>
               <a:ext uri="{FF2B5EF4-FFF2-40B4-BE49-F238E27FC236}">
-                <a16:creationId xmlns:a16="http://schemas.microsoft.com/office/drawing/2014/main" xmlns="" id="{2ECD7FA6-9DBD-427F-9360-AB6E421C5E85}"/>
+                <a16:creationId xmlns:a16="http://schemas.microsoft.com/office/drawing/2014/main" id="{2ECD7FA6-9DBD-427F-9360-AB6E421C5E85}"/>
               </a:ext>
             </a:extLst>
           </p:cNvPr>
@@ -23011,7 +23510,7 @@
           <p:cNvPr id="8" name="TextBox 7">
             <a:extLst>
               <a:ext uri="{FF2B5EF4-FFF2-40B4-BE49-F238E27FC236}">
-                <a16:creationId xmlns:a16="http://schemas.microsoft.com/office/drawing/2014/main" xmlns="" id="{B3DDC1D2-FBA4-4B17-B2E3-1BE852EDE28B}"/>
+                <a16:creationId xmlns:a16="http://schemas.microsoft.com/office/drawing/2014/main" id="{B3DDC1D2-FBA4-4B17-B2E3-1BE852EDE28B}"/>
               </a:ext>
             </a:extLst>
           </p:cNvPr>
@@ -23764,13 +24263,6 @@
   <p:clrMapOvr>
     <a:masterClrMapping/>
   </p:clrMapOvr>
-  <p:timing>
-    <p:tnLst>
-      <p:par>
-        <p:cTn id="1" dur="indefinite" restart="never" nodeType="tmRoot"/>
-      </p:par>
-    </p:tnLst>
-  </p:timing>
 </p:sld>
 </file>
 
@@ -23796,7 +24288,7 @@
           <p:cNvPr id="3" name="TextBox 2">
             <a:extLst>
               <a:ext uri="{FF2B5EF4-FFF2-40B4-BE49-F238E27FC236}">
-                <a16:creationId xmlns:a16="http://schemas.microsoft.com/office/drawing/2014/main" xmlns="" id="{66A801D4-74F9-46A0-8843-E18659672DE9}"/>
+                <a16:creationId xmlns:a16="http://schemas.microsoft.com/office/drawing/2014/main" id="{66A801D4-74F9-46A0-8843-E18659672DE9}"/>
               </a:ext>
             </a:extLst>
           </p:cNvPr>
@@ -23839,7 +24331,7 @@
           <p:cNvPr id="4" name="TextBox 3">
             <a:extLst>
               <a:ext uri="{FF2B5EF4-FFF2-40B4-BE49-F238E27FC236}">
-                <a16:creationId xmlns:a16="http://schemas.microsoft.com/office/drawing/2014/main" xmlns="" id="{2ECD7FA6-9DBD-427F-9360-AB6E421C5E85}"/>
+                <a16:creationId xmlns:a16="http://schemas.microsoft.com/office/drawing/2014/main" id="{2ECD7FA6-9DBD-427F-9360-AB6E421C5E85}"/>
               </a:ext>
             </a:extLst>
           </p:cNvPr>
@@ -23916,7 +24408,7 @@
           <p:cNvPr id="8" name="TextBox 7">
             <a:extLst>
               <a:ext uri="{FF2B5EF4-FFF2-40B4-BE49-F238E27FC236}">
-                <a16:creationId xmlns:a16="http://schemas.microsoft.com/office/drawing/2014/main" xmlns="" id="{B3DDC1D2-FBA4-4B17-B2E3-1BE852EDE28B}"/>
+                <a16:creationId xmlns:a16="http://schemas.microsoft.com/office/drawing/2014/main" id="{B3DDC1D2-FBA4-4B17-B2E3-1BE852EDE28B}"/>
               </a:ext>
             </a:extLst>
           </p:cNvPr>
@@ -24885,13 +25377,6 @@
   <p:clrMapOvr>
     <a:masterClrMapping/>
   </p:clrMapOvr>
-  <p:timing>
-    <p:tnLst>
-      <p:par>
-        <p:cTn id="1" dur="indefinite" restart="never" nodeType="tmRoot"/>
-      </p:par>
-    </p:tnLst>
-  </p:timing>
 </p:sld>
 </file>
 
@@ -25471,7 +25956,7 @@
   <a:extraClrSchemeLst/>
   <a:extLst>
     <a:ext uri="{05A4C25C-085E-4340-85A3-A5531E510DB2}">
-      <thm15:themeFamily xmlns:thm15="http://schemas.microsoft.com/office/thememl/2012/main" xmlns="" name="Office Theme" id="{62F939B6-93AF-4DB8-9C6B-D6C7DFDC589F}" vid="{4A3C46E8-61CC-4603-A589-7422A47A8E4A}"/>
+      <thm15:themeFamily xmlns:thm15="http://schemas.microsoft.com/office/thememl/2012/main" name="Office Theme" id="{62F939B6-93AF-4DB8-9C6B-D6C7DFDC589F}" vid="{4A3C46E8-61CC-4603-A589-7422A47A8E4A}"/>
     </a:ext>
   </a:extLst>
 </a:theme>
@@ -25766,7 +26251,7 @@
   <a:extraClrSchemeLst/>
   <a:extLst>
     <a:ext uri="{05A4C25C-085E-4340-85A3-A5531E510DB2}">
-      <thm15:themeFamily xmlns:thm15="http://schemas.microsoft.com/office/thememl/2012/main" xmlns="" name="Office Theme" id="{62F939B6-93AF-4DB8-9C6B-D6C7DFDC589F}" vid="{4A3C46E8-61CC-4603-A589-7422A47A8E4A}"/>
+      <thm15:themeFamily xmlns:thm15="http://schemas.microsoft.com/office/thememl/2012/main" name="Office Theme" id="{62F939B6-93AF-4DB8-9C6B-D6C7DFDC589F}" vid="{4A3C46E8-61CC-4603-A589-7422A47A8E4A}"/>
     </a:ext>
   </a:extLst>
 </a:theme>

--- a/reactjs.pptx
+++ b/reactjs.pptx
@@ -5,10 +5,10 @@
     <p:sldMasterId id="2147483777" r:id="rId1"/>
   </p:sldMasterIdLst>
   <p:notesMasterIdLst>
-    <p:notesMasterId r:id="rId24"/>
+    <p:notesMasterId r:id="rId34"/>
   </p:notesMasterIdLst>
   <p:handoutMasterIdLst>
-    <p:handoutMasterId r:id="rId25"/>
+    <p:handoutMasterId r:id="rId35"/>
   </p:handoutMasterIdLst>
   <p:sldIdLst>
     <p:sldId id="256" r:id="rId2"/>
@@ -33,6 +33,16 @@
     <p:sldId id="279" r:id="rId21"/>
     <p:sldId id="280" r:id="rId22"/>
     <p:sldId id="281" r:id="rId23"/>
+    <p:sldId id="283" r:id="rId24"/>
+    <p:sldId id="284" r:id="rId25"/>
+    <p:sldId id="285" r:id="rId26"/>
+    <p:sldId id="288" r:id="rId27"/>
+    <p:sldId id="289" r:id="rId28"/>
+    <p:sldId id="290" r:id="rId29"/>
+    <p:sldId id="291" r:id="rId30"/>
+    <p:sldId id="292" r:id="rId31"/>
+    <p:sldId id="286" r:id="rId32"/>
+    <p:sldId id="287" r:id="rId33"/>
   </p:sldIdLst>
   <p:sldSz cx="12192000" cy="6858000"/>
   <p:notesSz cx="6858000" cy="9144000"/>
@@ -244,7 +254,7 @@
           <a:p>
             <a:fld id="{F81F8506-17EE-46DF-97F5-24C2C8D49FDE}" type="datetimeFigureOut">
               <a:rPr lang="en-US" smtClean="0"/>
-              <a:t>6/8/2020</a:t>
+              <a:t>6/9/2020</a:t>
             </a:fld>
             <a:endParaRPr lang="en-US"/>
           </a:p>
@@ -422,7 +432,7 @@
           <a:p>
             <a:fld id="{62D0FC10-9572-4B79-9EAA-74294BD4A5F7}" type="datetimeFigureOut">
               <a:rPr lang="en-US" smtClean="0"/>
-              <a:t>6/8/2020</a:t>
+              <a:t>6/9/2020</a:t>
             </a:fld>
             <a:endParaRPr lang="en-US"/>
           </a:p>
@@ -6345,6 +6355,3677 @@
     <p:extLst>
       <p:ext uri="{BB962C8B-B14F-4D97-AF65-F5344CB8AC3E}">
         <p14:creationId xmlns:p14="http://schemas.microsoft.com/office/powerpoint/2010/main" val="1828631483"/>
+      </p:ext>
+    </p:extLst>
+  </p:cSld>
+  <p:clrMapOvr>
+    <a:masterClrMapping/>
+  </p:clrMapOvr>
+</p:notes>
+</file>
+
+<file path=ppt/notesSlides/notesSlide20.xml><?xml version="1.0" encoding="utf-8"?>
+<p:notes xmlns:a="http://schemas.openxmlformats.org/drawingml/2006/main" xmlns:r="http://schemas.openxmlformats.org/officeDocument/2006/relationships" xmlns:p="http://schemas.openxmlformats.org/presentationml/2006/main">
+  <p:cSld>
+    <p:spTree>
+      <p:nvGrpSpPr>
+        <p:cNvPr id="1" name=""/>
+        <p:cNvGrpSpPr/>
+        <p:nvPr/>
+      </p:nvGrpSpPr>
+      <p:grpSpPr>
+        <a:xfrm>
+          <a:off x="0" y="0"/>
+          <a:ext cx="0" cy="0"/>
+          <a:chOff x="0" y="0"/>
+          <a:chExt cx="0" cy="0"/>
+        </a:xfrm>
+      </p:grpSpPr>
+      <p:sp>
+        <p:nvSpPr>
+          <p:cNvPr id="2" name="Slide Image Placeholder 1"/>
+          <p:cNvSpPr>
+            <a:spLocks noGrp="1" noRot="1" noChangeAspect="1"/>
+          </p:cNvSpPr>
+          <p:nvPr>
+            <p:ph type="sldImg"/>
+          </p:nvPr>
+        </p:nvSpPr>
+        <p:spPr/>
+      </p:sp>
+      <p:sp>
+        <p:nvSpPr>
+          <p:cNvPr id="3" name="Notes Placeholder 2"/>
+          <p:cNvSpPr>
+            <a:spLocks noGrp="1"/>
+          </p:cNvSpPr>
+          <p:nvPr>
+            <p:ph type="body" idx="1"/>
+          </p:nvPr>
+        </p:nvSpPr>
+        <p:spPr/>
+        <p:txBody>
+          <a:bodyPr/>
+          <a:lstStyle/>
+          <a:p>
+            <a:pPr marL="285750" indent="-285750">
+              <a:buFont typeface="Wingdings" panose="05000000000000000000" pitchFamily="2" charset="2"/>
+              <a:buChar char="Ø"/>
+            </a:pPr>
+            <a:r>
+              <a:rPr lang="en-US" dirty="0">
+                <a:latin typeface="Times New Roman" panose="02020603050405020304" pitchFamily="18" charset="0"/>
+                <a:cs typeface="Times New Roman" panose="02020603050405020304" pitchFamily="18" charset="0"/>
+              </a:rPr>
+              <a:t>Hook </a:t>
+            </a:r>
+            <a:r>
+              <a:rPr lang="en-US" dirty="0" err="1">
+                <a:latin typeface="Times New Roman" panose="02020603050405020304" pitchFamily="18" charset="0"/>
+                <a:cs typeface="Times New Roman" panose="02020603050405020304" pitchFamily="18" charset="0"/>
+              </a:rPr>
+              <a:t>là</a:t>
+            </a:r>
+            <a:r>
+              <a:rPr lang="en-US" dirty="0">
+                <a:latin typeface="Times New Roman" panose="02020603050405020304" pitchFamily="18" charset="0"/>
+                <a:cs typeface="Times New Roman" panose="02020603050405020304" pitchFamily="18" charset="0"/>
+              </a:rPr>
+              <a:t> </a:t>
+            </a:r>
+            <a:r>
+              <a:rPr lang="en-US" dirty="0" err="1">
+                <a:latin typeface="Times New Roman" panose="02020603050405020304" pitchFamily="18" charset="0"/>
+                <a:cs typeface="Times New Roman" panose="02020603050405020304" pitchFamily="18" charset="0"/>
+              </a:rPr>
+              <a:t>gì</a:t>
+            </a:r>
+            <a:r>
+              <a:rPr lang="en-US" dirty="0">
+                <a:latin typeface="Times New Roman" panose="02020603050405020304" pitchFamily="18" charset="0"/>
+                <a:cs typeface="Times New Roman" panose="02020603050405020304" pitchFamily="18" charset="0"/>
+              </a:rPr>
+              <a:t>?</a:t>
+            </a:r>
+          </a:p>
+          <a:p>
+            <a:pPr marL="285750" indent="-285750">
+              <a:buFont typeface="Arial" panose="020B0604020202020204" pitchFamily="34" charset="0"/>
+              <a:buChar char="•"/>
+            </a:pPr>
+            <a:r>
+              <a:rPr lang="en-US" dirty="0">
+                <a:latin typeface="Times New Roman" panose="02020603050405020304" pitchFamily="18" charset="0"/>
+                <a:cs typeface="Times New Roman" panose="02020603050405020304" pitchFamily="18" charset="0"/>
+              </a:rPr>
+              <a:t>Hook </a:t>
+            </a:r>
+            <a:r>
+              <a:rPr lang="en-US" dirty="0" err="1">
+                <a:latin typeface="Times New Roman" panose="02020603050405020304" pitchFamily="18" charset="0"/>
+                <a:cs typeface="Times New Roman" panose="02020603050405020304" pitchFamily="18" charset="0"/>
+              </a:rPr>
+              <a:t>là</a:t>
+            </a:r>
+            <a:r>
+              <a:rPr lang="en-US" dirty="0">
+                <a:latin typeface="Times New Roman" panose="02020603050405020304" pitchFamily="18" charset="0"/>
+                <a:cs typeface="Times New Roman" panose="02020603050405020304" pitchFamily="18" charset="0"/>
+              </a:rPr>
+              <a:t> 1 </a:t>
+            </a:r>
+            <a:r>
+              <a:rPr lang="en-US" dirty="0" err="1">
+                <a:latin typeface="Times New Roman" panose="02020603050405020304" pitchFamily="18" charset="0"/>
+                <a:cs typeface="Times New Roman" panose="02020603050405020304" pitchFamily="18" charset="0"/>
+              </a:rPr>
+              <a:t>tính</a:t>
+            </a:r>
+            <a:r>
+              <a:rPr lang="en-US" dirty="0">
+                <a:latin typeface="Times New Roman" panose="02020603050405020304" pitchFamily="18" charset="0"/>
+                <a:cs typeface="Times New Roman" panose="02020603050405020304" pitchFamily="18" charset="0"/>
+              </a:rPr>
+              <a:t> </a:t>
+            </a:r>
+            <a:r>
+              <a:rPr lang="en-US" dirty="0" err="1">
+                <a:latin typeface="Times New Roman" panose="02020603050405020304" pitchFamily="18" charset="0"/>
+                <a:cs typeface="Times New Roman" panose="02020603050405020304" pitchFamily="18" charset="0"/>
+              </a:rPr>
+              <a:t>năng</a:t>
+            </a:r>
+            <a:r>
+              <a:rPr lang="en-US" dirty="0">
+                <a:latin typeface="Times New Roman" panose="02020603050405020304" pitchFamily="18" charset="0"/>
+                <a:cs typeface="Times New Roman" panose="02020603050405020304" pitchFamily="18" charset="0"/>
+              </a:rPr>
+              <a:t> đ</a:t>
+            </a:r>
+            <a:r>
+              <a:rPr lang="vi-VN" dirty="0">
+                <a:latin typeface="Times New Roman" panose="02020603050405020304" pitchFamily="18" charset="0"/>
+                <a:cs typeface="Times New Roman" panose="02020603050405020304" pitchFamily="18" charset="0"/>
+              </a:rPr>
+              <a:t>ư</a:t>
+            </a:r>
+            <a:r>
+              <a:rPr lang="en-US" dirty="0" err="1">
+                <a:latin typeface="Times New Roman" panose="02020603050405020304" pitchFamily="18" charset="0"/>
+                <a:cs typeface="Times New Roman" panose="02020603050405020304" pitchFamily="18" charset="0"/>
+              </a:rPr>
+              <a:t>ợc</a:t>
+            </a:r>
+            <a:r>
+              <a:rPr lang="en-US" dirty="0">
+                <a:latin typeface="Times New Roman" panose="02020603050405020304" pitchFamily="18" charset="0"/>
+                <a:cs typeface="Times New Roman" panose="02020603050405020304" pitchFamily="18" charset="0"/>
+              </a:rPr>
+              <a:t> them </a:t>
+            </a:r>
+            <a:r>
+              <a:rPr lang="en-US" dirty="0" err="1">
+                <a:latin typeface="Times New Roman" panose="02020603050405020304" pitchFamily="18" charset="0"/>
+                <a:cs typeface="Times New Roman" panose="02020603050405020304" pitchFamily="18" charset="0"/>
+              </a:rPr>
+              <a:t>vào</a:t>
+            </a:r>
+            <a:r>
+              <a:rPr lang="en-US" dirty="0">
+                <a:latin typeface="Times New Roman" panose="02020603050405020304" pitchFamily="18" charset="0"/>
+                <a:cs typeface="Times New Roman" panose="02020603050405020304" pitchFamily="18" charset="0"/>
+              </a:rPr>
+              <a:t> </a:t>
+            </a:r>
+            <a:r>
+              <a:rPr lang="en-US" dirty="0" err="1">
+                <a:latin typeface="Times New Roman" panose="02020603050405020304" pitchFamily="18" charset="0"/>
+                <a:cs typeface="Times New Roman" panose="02020603050405020304" pitchFamily="18" charset="0"/>
+              </a:rPr>
+              <a:t>từ</a:t>
+            </a:r>
+            <a:r>
+              <a:rPr lang="en-US" dirty="0">
+                <a:latin typeface="Times New Roman" panose="02020603050405020304" pitchFamily="18" charset="0"/>
+                <a:cs typeface="Times New Roman" panose="02020603050405020304" pitchFamily="18" charset="0"/>
+              </a:rPr>
+              <a:t> version 16.8 </a:t>
+            </a:r>
+            <a:r>
+              <a:rPr lang="en-US" dirty="0" err="1">
+                <a:latin typeface="Times New Roman" panose="02020603050405020304" pitchFamily="18" charset="0"/>
+                <a:cs typeface="Times New Roman" panose="02020603050405020304" pitchFamily="18" charset="0"/>
+              </a:rPr>
+              <a:t>của</a:t>
+            </a:r>
+            <a:r>
+              <a:rPr lang="en-US" dirty="0">
+                <a:latin typeface="Times New Roman" panose="02020603050405020304" pitchFamily="18" charset="0"/>
+                <a:cs typeface="Times New Roman" panose="02020603050405020304" pitchFamily="18" charset="0"/>
+              </a:rPr>
+              <a:t> react</a:t>
+            </a:r>
+          </a:p>
+          <a:p>
+            <a:pPr marL="285750" indent="-285750">
+              <a:buFont typeface="Arial" panose="020B0604020202020204" pitchFamily="34" charset="0"/>
+              <a:buChar char="•"/>
+            </a:pPr>
+            <a:r>
+              <a:rPr lang="en-US" dirty="0" err="1">
+                <a:latin typeface="Times New Roman" panose="02020603050405020304" pitchFamily="18" charset="0"/>
+                <a:cs typeface="Times New Roman" panose="02020603050405020304" pitchFamily="18" charset="0"/>
+              </a:rPr>
+              <a:t>cho</a:t>
+            </a:r>
+            <a:r>
+              <a:rPr lang="en-US" dirty="0">
+                <a:latin typeface="Times New Roman" panose="02020603050405020304" pitchFamily="18" charset="0"/>
+                <a:cs typeface="Times New Roman" panose="02020603050405020304" pitchFamily="18" charset="0"/>
+              </a:rPr>
+              <a:t> </a:t>
+            </a:r>
+            <a:r>
+              <a:rPr lang="en-US" dirty="0" err="1">
+                <a:latin typeface="Times New Roman" panose="02020603050405020304" pitchFamily="18" charset="0"/>
+                <a:cs typeface="Times New Roman" panose="02020603050405020304" pitchFamily="18" charset="0"/>
+              </a:rPr>
+              <a:t>phép</a:t>
+            </a:r>
+            <a:r>
+              <a:rPr lang="en-US" dirty="0">
+                <a:latin typeface="Times New Roman" panose="02020603050405020304" pitchFamily="18" charset="0"/>
+                <a:cs typeface="Times New Roman" panose="02020603050405020304" pitchFamily="18" charset="0"/>
+              </a:rPr>
+              <a:t> </a:t>
+            </a:r>
+            <a:r>
+              <a:rPr lang="en-US" dirty="0" err="1">
+                <a:latin typeface="Times New Roman" panose="02020603050405020304" pitchFamily="18" charset="0"/>
+                <a:cs typeface="Times New Roman" panose="02020603050405020304" pitchFamily="18" charset="0"/>
+              </a:rPr>
+              <a:t>sử</a:t>
+            </a:r>
+            <a:r>
+              <a:rPr lang="en-US" dirty="0">
+                <a:latin typeface="Times New Roman" panose="02020603050405020304" pitchFamily="18" charset="0"/>
+                <a:cs typeface="Times New Roman" panose="02020603050405020304" pitchFamily="18" charset="0"/>
+              </a:rPr>
+              <a:t> </a:t>
+            </a:r>
+            <a:r>
+              <a:rPr lang="en-US" dirty="0" err="1">
+                <a:latin typeface="Times New Roman" panose="02020603050405020304" pitchFamily="18" charset="0"/>
+                <a:cs typeface="Times New Roman" panose="02020603050405020304" pitchFamily="18" charset="0"/>
+              </a:rPr>
+              <a:t>dụng</a:t>
+            </a:r>
+            <a:r>
+              <a:rPr lang="en-US" dirty="0">
+                <a:latin typeface="Times New Roman" panose="02020603050405020304" pitchFamily="18" charset="0"/>
+                <a:cs typeface="Times New Roman" panose="02020603050405020304" pitchFamily="18" charset="0"/>
+              </a:rPr>
+              <a:t> state </a:t>
+            </a:r>
+            <a:r>
+              <a:rPr lang="en-US" dirty="0" err="1">
+                <a:latin typeface="Times New Roman" panose="02020603050405020304" pitchFamily="18" charset="0"/>
+                <a:cs typeface="Times New Roman" panose="02020603050405020304" pitchFamily="18" charset="0"/>
+              </a:rPr>
+              <a:t>và</a:t>
+            </a:r>
+            <a:r>
+              <a:rPr lang="en-US" dirty="0">
+                <a:latin typeface="Times New Roman" panose="02020603050405020304" pitchFamily="18" charset="0"/>
+                <a:cs typeface="Times New Roman" panose="02020603050405020304" pitchFamily="18" charset="0"/>
+              </a:rPr>
+              <a:t> </a:t>
+            </a:r>
+            <a:r>
+              <a:rPr lang="en-US" dirty="0" err="1">
+                <a:latin typeface="Times New Roman" panose="02020603050405020304" pitchFamily="18" charset="0"/>
+                <a:cs typeface="Times New Roman" panose="02020603050405020304" pitchFamily="18" charset="0"/>
+              </a:rPr>
+              <a:t>các</a:t>
+            </a:r>
+            <a:r>
+              <a:rPr lang="en-US" dirty="0">
+                <a:latin typeface="Times New Roman" panose="02020603050405020304" pitchFamily="18" charset="0"/>
+                <a:cs typeface="Times New Roman" panose="02020603050405020304" pitchFamily="18" charset="0"/>
+              </a:rPr>
+              <a:t> </a:t>
+            </a:r>
+            <a:r>
+              <a:rPr lang="en-US" dirty="0" err="1">
+                <a:latin typeface="Times New Roman" panose="02020603050405020304" pitchFamily="18" charset="0"/>
+                <a:cs typeface="Times New Roman" panose="02020603050405020304" pitchFamily="18" charset="0"/>
+              </a:rPr>
+              <a:t>tính</a:t>
+            </a:r>
+            <a:r>
+              <a:rPr lang="en-US" dirty="0">
+                <a:latin typeface="Times New Roman" panose="02020603050405020304" pitchFamily="18" charset="0"/>
+                <a:cs typeface="Times New Roman" panose="02020603050405020304" pitchFamily="18" charset="0"/>
+              </a:rPr>
+              <a:t> </a:t>
+            </a:r>
+            <a:r>
+              <a:rPr lang="en-US" dirty="0" err="1">
+                <a:latin typeface="Times New Roman" panose="02020603050405020304" pitchFamily="18" charset="0"/>
+                <a:cs typeface="Times New Roman" panose="02020603050405020304" pitchFamily="18" charset="0"/>
+              </a:rPr>
+              <a:t>năng</a:t>
+            </a:r>
+            <a:r>
+              <a:rPr lang="en-US" dirty="0">
+                <a:latin typeface="Times New Roman" panose="02020603050405020304" pitchFamily="18" charset="0"/>
+                <a:cs typeface="Times New Roman" panose="02020603050405020304" pitchFamily="18" charset="0"/>
+              </a:rPr>
+              <a:t> </a:t>
+            </a:r>
+            <a:r>
+              <a:rPr lang="en-US" dirty="0" err="1">
+                <a:latin typeface="Times New Roman" panose="02020603050405020304" pitchFamily="18" charset="0"/>
+                <a:cs typeface="Times New Roman" panose="02020603050405020304" pitchFamily="18" charset="0"/>
+              </a:rPr>
+              <a:t>của</a:t>
+            </a:r>
+            <a:r>
+              <a:rPr lang="en-US" dirty="0">
+                <a:latin typeface="Times New Roman" panose="02020603050405020304" pitchFamily="18" charset="0"/>
+                <a:cs typeface="Times New Roman" panose="02020603050405020304" pitchFamily="18" charset="0"/>
+              </a:rPr>
+              <a:t> react </a:t>
+            </a:r>
+            <a:r>
+              <a:rPr lang="en-US" dirty="0" err="1">
+                <a:latin typeface="Times New Roman" panose="02020603050405020304" pitchFamily="18" charset="0"/>
+                <a:cs typeface="Times New Roman" panose="02020603050405020304" pitchFamily="18" charset="0"/>
+              </a:rPr>
+              <a:t>mà</a:t>
+            </a:r>
+            <a:r>
+              <a:rPr lang="en-US" dirty="0">
+                <a:latin typeface="Times New Roman" panose="02020603050405020304" pitchFamily="18" charset="0"/>
+                <a:cs typeface="Times New Roman" panose="02020603050405020304" pitchFamily="18" charset="0"/>
+              </a:rPr>
+              <a:t> </a:t>
+            </a:r>
+            <a:r>
+              <a:rPr lang="en-US" dirty="0" err="1">
+                <a:latin typeface="Times New Roman" panose="02020603050405020304" pitchFamily="18" charset="0"/>
+                <a:cs typeface="Times New Roman" panose="02020603050405020304" pitchFamily="18" charset="0"/>
+              </a:rPr>
+              <a:t>không</a:t>
+            </a:r>
+            <a:r>
+              <a:rPr lang="en-US" dirty="0">
+                <a:latin typeface="Times New Roman" panose="02020603050405020304" pitchFamily="18" charset="0"/>
+                <a:cs typeface="Times New Roman" panose="02020603050405020304" pitchFamily="18" charset="0"/>
+              </a:rPr>
+              <a:t> </a:t>
+            </a:r>
+            <a:r>
+              <a:rPr lang="en-US" dirty="0" err="1">
+                <a:latin typeface="Times New Roman" panose="02020603050405020304" pitchFamily="18" charset="0"/>
+                <a:cs typeface="Times New Roman" panose="02020603050405020304" pitchFamily="18" charset="0"/>
+              </a:rPr>
+              <a:t>viết</a:t>
+            </a:r>
+            <a:r>
+              <a:rPr lang="en-US" dirty="0">
+                <a:latin typeface="Times New Roman" panose="02020603050405020304" pitchFamily="18" charset="0"/>
+                <a:cs typeface="Times New Roman" panose="02020603050405020304" pitchFamily="18" charset="0"/>
+              </a:rPr>
+              <a:t> </a:t>
+            </a:r>
+            <a:r>
+              <a:rPr lang="en-US" dirty="0" err="1">
+                <a:latin typeface="Times New Roman" panose="02020603050405020304" pitchFamily="18" charset="0"/>
+                <a:cs typeface="Times New Roman" panose="02020603050405020304" pitchFamily="18" charset="0"/>
+              </a:rPr>
+              <a:t>lớp</a:t>
+            </a:r>
+            <a:endParaRPr lang="en-US" dirty="0">
+              <a:latin typeface="Times New Roman" panose="02020603050405020304" pitchFamily="18" charset="0"/>
+              <a:cs typeface="Times New Roman" panose="02020603050405020304" pitchFamily="18" charset="0"/>
+            </a:endParaRPr>
+          </a:p>
+          <a:p>
+            <a:pPr marL="285750" indent="-285750">
+              <a:buFont typeface="Arial" panose="020B0604020202020204" pitchFamily="34" charset="0"/>
+              <a:buChar char="•"/>
+            </a:pPr>
+            <a:r>
+              <a:rPr lang="en-US" dirty="0" err="1">
+                <a:latin typeface="Times New Roman" panose="02020603050405020304" pitchFamily="18" charset="0"/>
+                <a:cs typeface="Times New Roman" panose="02020603050405020304" pitchFamily="18" charset="0"/>
+              </a:rPr>
+              <a:t>Hoook</a:t>
+            </a:r>
+            <a:r>
+              <a:rPr lang="en-US" dirty="0">
+                <a:latin typeface="Times New Roman" panose="02020603050405020304" pitchFamily="18" charset="0"/>
+                <a:cs typeface="Times New Roman" panose="02020603050405020304" pitchFamily="18" charset="0"/>
+              </a:rPr>
+              <a:t> (</a:t>
+            </a:r>
+            <a:r>
+              <a:rPr lang="en-US" dirty="0" err="1">
+                <a:latin typeface="Times New Roman" panose="02020603050405020304" pitchFamily="18" charset="0"/>
+                <a:cs typeface="Times New Roman" panose="02020603050405020304" pitchFamily="18" charset="0"/>
+              </a:rPr>
+              <a:t>móc</a:t>
+            </a:r>
+            <a:r>
+              <a:rPr lang="en-US" dirty="0">
+                <a:latin typeface="Times New Roman" panose="02020603050405020304" pitchFamily="18" charset="0"/>
+                <a:cs typeface="Times New Roman" panose="02020603050405020304" pitchFamily="18" charset="0"/>
+              </a:rPr>
+              <a:t> </a:t>
+            </a:r>
+            <a:r>
+              <a:rPr lang="en-US" dirty="0" err="1">
+                <a:latin typeface="Times New Roman" panose="02020603050405020304" pitchFamily="18" charset="0"/>
+                <a:cs typeface="Times New Roman" panose="02020603050405020304" pitchFamily="18" charset="0"/>
+              </a:rPr>
+              <a:t>câu</a:t>
+            </a:r>
+            <a:r>
+              <a:rPr lang="en-US" dirty="0">
+                <a:latin typeface="Times New Roman" panose="02020603050405020304" pitchFamily="18" charset="0"/>
+                <a:cs typeface="Times New Roman" panose="02020603050405020304" pitchFamily="18" charset="0"/>
+              </a:rPr>
+              <a:t>) </a:t>
+            </a:r>
+            <a:r>
+              <a:rPr lang="en-US" dirty="0" err="1">
+                <a:latin typeface="Times New Roman" panose="02020603050405020304" pitchFamily="18" charset="0"/>
+                <a:cs typeface="Times New Roman" panose="02020603050405020304" pitchFamily="18" charset="0"/>
+              </a:rPr>
+              <a:t>nh</a:t>
+            </a:r>
+            <a:r>
+              <a:rPr lang="vi-VN" dirty="0">
+                <a:latin typeface="Times New Roman" panose="02020603050405020304" pitchFamily="18" charset="0"/>
+                <a:cs typeface="Times New Roman" panose="02020603050405020304" pitchFamily="18" charset="0"/>
+              </a:rPr>
+              <a:t>ư</a:t>
+            </a:r>
+            <a:r>
+              <a:rPr lang="en-US" dirty="0">
+                <a:latin typeface="Times New Roman" panose="02020603050405020304" pitchFamily="18" charset="0"/>
+                <a:cs typeface="Times New Roman" panose="02020603050405020304" pitchFamily="18" charset="0"/>
+              </a:rPr>
+              <a:t> ‘hook-into’ </a:t>
+            </a:r>
+            <a:r>
+              <a:rPr lang="en-US" dirty="0" err="1">
+                <a:latin typeface="Times New Roman" panose="02020603050405020304" pitchFamily="18" charset="0"/>
+                <a:cs typeface="Times New Roman" panose="02020603050405020304" pitchFamily="18" charset="0"/>
+              </a:rPr>
+              <a:t>vào</a:t>
+            </a:r>
+            <a:r>
+              <a:rPr lang="en-US" dirty="0">
+                <a:latin typeface="Times New Roman" panose="02020603050405020304" pitchFamily="18" charset="0"/>
+                <a:cs typeface="Times New Roman" panose="02020603050405020304" pitchFamily="18" charset="0"/>
+              </a:rPr>
+              <a:t> </a:t>
+            </a:r>
+            <a:r>
+              <a:rPr lang="en-US" dirty="0" err="1">
+                <a:latin typeface="Times New Roman" panose="02020603050405020304" pitchFamily="18" charset="0"/>
+                <a:cs typeface="Times New Roman" panose="02020603050405020304" pitchFamily="18" charset="0"/>
+              </a:rPr>
+              <a:t>các</a:t>
+            </a:r>
+            <a:r>
+              <a:rPr lang="en-US" dirty="0">
+                <a:latin typeface="Times New Roman" panose="02020603050405020304" pitchFamily="18" charset="0"/>
+                <a:cs typeface="Times New Roman" panose="02020603050405020304" pitchFamily="18" charset="0"/>
+              </a:rPr>
+              <a:t> </a:t>
+            </a:r>
+            <a:r>
+              <a:rPr lang="en-US" dirty="0" err="1">
+                <a:latin typeface="Times New Roman" panose="02020603050405020304" pitchFamily="18" charset="0"/>
+                <a:cs typeface="Times New Roman" panose="02020603050405020304" pitchFamily="18" charset="0"/>
+              </a:rPr>
+              <a:t>tính</a:t>
+            </a:r>
+            <a:r>
+              <a:rPr lang="en-US" dirty="0">
+                <a:latin typeface="Times New Roman" panose="02020603050405020304" pitchFamily="18" charset="0"/>
+                <a:cs typeface="Times New Roman" panose="02020603050405020304" pitchFamily="18" charset="0"/>
+              </a:rPr>
+              <a:t> </a:t>
+            </a:r>
+            <a:r>
+              <a:rPr lang="en-US" dirty="0" err="1">
+                <a:latin typeface="Times New Roman" panose="02020603050405020304" pitchFamily="18" charset="0"/>
+                <a:cs typeface="Times New Roman" panose="02020603050405020304" pitchFamily="18" charset="0"/>
+              </a:rPr>
+              <a:t>năng</a:t>
+            </a:r>
+            <a:r>
+              <a:rPr lang="en-US" dirty="0">
+                <a:latin typeface="Times New Roman" panose="02020603050405020304" pitchFamily="18" charset="0"/>
+                <a:cs typeface="Times New Roman" panose="02020603050405020304" pitchFamily="18" charset="0"/>
+              </a:rPr>
+              <a:t> </a:t>
+            </a:r>
+            <a:r>
+              <a:rPr lang="en-US" dirty="0" err="1">
+                <a:latin typeface="Times New Roman" panose="02020603050405020304" pitchFamily="18" charset="0"/>
+                <a:cs typeface="Times New Roman" panose="02020603050405020304" pitchFamily="18" charset="0"/>
+              </a:rPr>
+              <a:t>của</a:t>
+            </a:r>
+            <a:r>
+              <a:rPr lang="en-US" dirty="0">
+                <a:latin typeface="Times New Roman" panose="02020603050405020304" pitchFamily="18" charset="0"/>
+                <a:cs typeface="Times New Roman" panose="02020603050405020304" pitchFamily="18" charset="0"/>
+              </a:rPr>
+              <a:t> react</a:t>
+            </a:r>
+          </a:p>
+          <a:p>
+            <a:pPr marL="285750" indent="-285750">
+              <a:buFont typeface="Wingdings" panose="05000000000000000000" pitchFamily="2" charset="2"/>
+              <a:buChar char="Ø"/>
+            </a:pPr>
+            <a:r>
+              <a:rPr lang="en-US" dirty="0" err="1">
+                <a:latin typeface="Times New Roman" panose="02020603050405020304" pitchFamily="18" charset="0"/>
+                <a:cs typeface="Times New Roman" panose="02020603050405020304" pitchFamily="18" charset="0"/>
+              </a:rPr>
+              <a:t>Dùng</a:t>
+            </a:r>
+            <a:r>
+              <a:rPr lang="en-US" dirty="0">
+                <a:latin typeface="Times New Roman" panose="02020603050405020304" pitchFamily="18" charset="0"/>
+                <a:cs typeface="Times New Roman" panose="02020603050405020304" pitchFamily="18" charset="0"/>
+              </a:rPr>
+              <a:t> </a:t>
+            </a:r>
+            <a:r>
+              <a:rPr lang="en-US" dirty="0" err="1">
+                <a:latin typeface="Times New Roman" panose="02020603050405020304" pitchFamily="18" charset="0"/>
+                <a:cs typeface="Times New Roman" panose="02020603050405020304" pitchFamily="18" charset="0"/>
+              </a:rPr>
+              <a:t>khi</a:t>
+            </a:r>
+            <a:r>
+              <a:rPr lang="en-US" dirty="0">
+                <a:latin typeface="Times New Roman" panose="02020603050405020304" pitchFamily="18" charset="0"/>
+                <a:cs typeface="Times New Roman" panose="02020603050405020304" pitchFamily="18" charset="0"/>
+              </a:rPr>
+              <a:t> </a:t>
+            </a:r>
+            <a:r>
+              <a:rPr lang="en-US" dirty="0" err="1">
+                <a:latin typeface="Times New Roman" panose="02020603050405020304" pitchFamily="18" charset="0"/>
+                <a:cs typeface="Times New Roman" panose="02020603050405020304" pitchFamily="18" charset="0"/>
+              </a:rPr>
+              <a:t>nào</a:t>
+            </a:r>
+            <a:r>
+              <a:rPr lang="en-US" dirty="0">
+                <a:latin typeface="Times New Roman" panose="02020603050405020304" pitchFamily="18" charset="0"/>
+                <a:cs typeface="Times New Roman" panose="02020603050405020304" pitchFamily="18" charset="0"/>
+              </a:rPr>
+              <a:t>?</a:t>
+            </a:r>
+          </a:p>
+          <a:p>
+            <a:pPr marL="171450" indent="-171450">
+              <a:buFont typeface="Arial" panose="020B0604020202020204" pitchFamily="34" charset="0"/>
+              <a:buChar char="•"/>
+            </a:pPr>
+            <a:r>
+              <a:rPr lang="en-US" dirty="0">
+                <a:latin typeface="Times New Roman" panose="02020603050405020304" pitchFamily="18" charset="0"/>
+                <a:cs typeface="Times New Roman" panose="02020603050405020304" pitchFamily="18" charset="0"/>
+              </a:rPr>
+              <a:t> </a:t>
+            </a:r>
+            <a:r>
+              <a:rPr lang="en-US" dirty="0" err="1">
+                <a:latin typeface="Times New Roman" panose="02020603050405020304" pitchFamily="18" charset="0"/>
+                <a:cs typeface="Times New Roman" panose="02020603050405020304" pitchFamily="18" charset="0"/>
+              </a:rPr>
+              <a:t>khi</a:t>
+            </a:r>
+            <a:r>
+              <a:rPr lang="en-US" dirty="0">
+                <a:latin typeface="Times New Roman" panose="02020603050405020304" pitchFamily="18" charset="0"/>
+                <a:cs typeface="Times New Roman" panose="02020603050405020304" pitchFamily="18" charset="0"/>
+              </a:rPr>
+              <a:t> </a:t>
+            </a:r>
+            <a:r>
+              <a:rPr lang="en-US" dirty="0" err="1">
+                <a:latin typeface="Times New Roman" panose="02020603050405020304" pitchFamily="18" charset="0"/>
+                <a:cs typeface="Times New Roman" panose="02020603050405020304" pitchFamily="18" charset="0"/>
+              </a:rPr>
+              <a:t>muốn</a:t>
+            </a:r>
+            <a:r>
+              <a:rPr lang="en-US" dirty="0">
+                <a:latin typeface="Times New Roman" panose="02020603050405020304" pitchFamily="18" charset="0"/>
+                <a:cs typeface="Times New Roman" panose="02020603050405020304" pitchFamily="18" charset="0"/>
+              </a:rPr>
+              <a:t> </a:t>
+            </a:r>
+            <a:r>
+              <a:rPr lang="en-US" dirty="0" err="1">
+                <a:latin typeface="Times New Roman" panose="02020603050405020304" pitchFamily="18" charset="0"/>
+                <a:cs typeface="Times New Roman" panose="02020603050405020304" pitchFamily="18" charset="0"/>
+              </a:rPr>
+              <a:t>làm</a:t>
+            </a:r>
+            <a:r>
+              <a:rPr lang="en-US" dirty="0">
+                <a:latin typeface="Times New Roman" panose="02020603050405020304" pitchFamily="18" charset="0"/>
+                <a:cs typeface="Times New Roman" panose="02020603050405020304" pitchFamily="18" charset="0"/>
+              </a:rPr>
+              <a:t> </a:t>
+            </a:r>
+            <a:r>
+              <a:rPr lang="en-US" dirty="0" err="1">
+                <a:latin typeface="Times New Roman" panose="02020603050405020304" pitchFamily="18" charset="0"/>
+                <a:cs typeface="Times New Roman" panose="02020603050405020304" pitchFamily="18" charset="0"/>
+              </a:rPr>
+              <a:t>việc</a:t>
+            </a:r>
+            <a:r>
+              <a:rPr lang="en-US" dirty="0">
+                <a:latin typeface="Times New Roman" panose="02020603050405020304" pitchFamily="18" charset="0"/>
+                <a:cs typeface="Times New Roman" panose="02020603050405020304" pitchFamily="18" charset="0"/>
+              </a:rPr>
+              <a:t> </a:t>
+            </a:r>
+            <a:r>
+              <a:rPr lang="en-US" dirty="0" err="1">
+                <a:latin typeface="Times New Roman" panose="02020603050405020304" pitchFamily="18" charset="0"/>
+                <a:cs typeface="Times New Roman" panose="02020603050405020304" pitchFamily="18" charset="0"/>
+              </a:rPr>
+              <a:t>với</a:t>
+            </a:r>
+            <a:r>
+              <a:rPr lang="en-US" dirty="0">
+                <a:latin typeface="Times New Roman" panose="02020603050405020304" pitchFamily="18" charset="0"/>
+                <a:cs typeface="Times New Roman" panose="02020603050405020304" pitchFamily="18" charset="0"/>
+              </a:rPr>
+              <a:t> state </a:t>
+            </a:r>
+            <a:r>
+              <a:rPr lang="en-US" dirty="0" err="1">
+                <a:latin typeface="Times New Roman" panose="02020603050405020304" pitchFamily="18" charset="0"/>
+                <a:cs typeface="Times New Roman" panose="02020603050405020304" pitchFamily="18" charset="0"/>
+              </a:rPr>
+              <a:t>và</a:t>
+            </a:r>
+            <a:r>
+              <a:rPr lang="en-US" dirty="0">
+                <a:latin typeface="Times New Roman" panose="02020603050405020304" pitchFamily="18" charset="0"/>
+                <a:cs typeface="Times New Roman" panose="02020603050405020304" pitchFamily="18" charset="0"/>
+              </a:rPr>
+              <a:t> </a:t>
+            </a:r>
+            <a:r>
+              <a:rPr lang="en-US" dirty="0" err="1">
+                <a:latin typeface="Times New Roman" panose="02020603050405020304" pitchFamily="18" charset="0"/>
+                <a:cs typeface="Times New Roman" panose="02020603050405020304" pitchFamily="18" charset="0"/>
+              </a:rPr>
+              <a:t>các</a:t>
+            </a:r>
+            <a:r>
+              <a:rPr lang="en-US" dirty="0">
+                <a:latin typeface="Times New Roman" panose="02020603050405020304" pitchFamily="18" charset="0"/>
+                <a:cs typeface="Times New Roman" panose="02020603050405020304" pitchFamily="18" charset="0"/>
+              </a:rPr>
+              <a:t> </a:t>
+            </a:r>
+            <a:r>
+              <a:rPr lang="en-US" dirty="0" err="1">
+                <a:latin typeface="Times New Roman" panose="02020603050405020304" pitchFamily="18" charset="0"/>
+                <a:cs typeface="Times New Roman" panose="02020603050405020304" pitchFamily="18" charset="0"/>
+              </a:rPr>
+              <a:t>tính</a:t>
+            </a:r>
+            <a:r>
+              <a:rPr lang="en-US" dirty="0">
+                <a:latin typeface="Times New Roman" panose="02020603050405020304" pitchFamily="18" charset="0"/>
+                <a:cs typeface="Times New Roman" panose="02020603050405020304" pitchFamily="18" charset="0"/>
+              </a:rPr>
+              <a:t> </a:t>
+            </a:r>
+            <a:r>
+              <a:rPr lang="en-US" dirty="0" err="1">
+                <a:latin typeface="Times New Roman" panose="02020603050405020304" pitchFamily="18" charset="0"/>
+                <a:cs typeface="Times New Roman" panose="02020603050405020304" pitchFamily="18" charset="0"/>
+              </a:rPr>
+              <a:t>năng</a:t>
+            </a:r>
+            <a:r>
+              <a:rPr lang="en-US" dirty="0">
+                <a:latin typeface="Times New Roman" panose="02020603050405020304" pitchFamily="18" charset="0"/>
+                <a:cs typeface="Times New Roman" panose="02020603050405020304" pitchFamily="18" charset="0"/>
+              </a:rPr>
+              <a:t> </a:t>
+            </a:r>
+            <a:r>
+              <a:rPr lang="en-US" dirty="0" err="1">
+                <a:latin typeface="Times New Roman" panose="02020603050405020304" pitchFamily="18" charset="0"/>
+                <a:cs typeface="Times New Roman" panose="02020603050405020304" pitchFamily="18" charset="0"/>
+              </a:rPr>
+              <a:t>khác</a:t>
+            </a:r>
+            <a:r>
+              <a:rPr lang="en-US" dirty="0">
+                <a:latin typeface="Times New Roman" panose="02020603050405020304" pitchFamily="18" charset="0"/>
+                <a:cs typeface="Times New Roman" panose="02020603050405020304" pitchFamily="18" charset="0"/>
+              </a:rPr>
+              <a:t> </a:t>
+            </a:r>
+            <a:r>
+              <a:rPr lang="en-US" dirty="0" err="1">
+                <a:latin typeface="Times New Roman" panose="02020603050405020304" pitchFamily="18" charset="0"/>
+                <a:cs typeface="Times New Roman" panose="02020603050405020304" pitchFamily="18" charset="0"/>
+              </a:rPr>
+              <a:t>mà</a:t>
+            </a:r>
+            <a:r>
+              <a:rPr lang="en-US" dirty="0">
+                <a:latin typeface="Times New Roman" panose="02020603050405020304" pitchFamily="18" charset="0"/>
+                <a:cs typeface="Times New Roman" panose="02020603050405020304" pitchFamily="18" charset="0"/>
+              </a:rPr>
+              <a:t> </a:t>
+            </a:r>
+            <a:r>
+              <a:rPr lang="en-US" dirty="0" err="1">
+                <a:latin typeface="Times New Roman" panose="02020603050405020304" pitchFamily="18" charset="0"/>
+                <a:cs typeface="Times New Roman" panose="02020603050405020304" pitchFamily="18" charset="0"/>
+              </a:rPr>
+              <a:t>không</a:t>
+            </a:r>
+            <a:r>
+              <a:rPr lang="en-US" dirty="0">
+                <a:latin typeface="Times New Roman" panose="02020603050405020304" pitchFamily="18" charset="0"/>
+                <a:cs typeface="Times New Roman" panose="02020603050405020304" pitchFamily="18" charset="0"/>
+              </a:rPr>
+              <a:t> </a:t>
+            </a:r>
+            <a:r>
+              <a:rPr lang="en-US" dirty="0" err="1">
+                <a:latin typeface="Times New Roman" panose="02020603050405020304" pitchFamily="18" charset="0"/>
+                <a:cs typeface="Times New Roman" panose="02020603050405020304" pitchFamily="18" charset="0"/>
+              </a:rPr>
+              <a:t>phải</a:t>
+            </a:r>
+            <a:r>
+              <a:rPr lang="en-US" dirty="0">
+                <a:latin typeface="Times New Roman" panose="02020603050405020304" pitchFamily="18" charset="0"/>
+                <a:cs typeface="Times New Roman" panose="02020603050405020304" pitchFamily="18" charset="0"/>
+              </a:rPr>
+              <a:t> </a:t>
+            </a:r>
+            <a:r>
+              <a:rPr lang="en-US" dirty="0" err="1">
+                <a:latin typeface="Times New Roman" panose="02020603050405020304" pitchFamily="18" charset="0"/>
+                <a:cs typeface="Times New Roman" panose="02020603050405020304" pitchFamily="18" charset="0"/>
+              </a:rPr>
+              <a:t>động</a:t>
+            </a:r>
+            <a:r>
+              <a:rPr lang="en-US" dirty="0">
+                <a:latin typeface="Times New Roman" panose="02020603050405020304" pitchFamily="18" charset="0"/>
+                <a:cs typeface="Times New Roman" panose="02020603050405020304" pitchFamily="18" charset="0"/>
+              </a:rPr>
+              <a:t> </a:t>
+            </a:r>
+            <a:r>
+              <a:rPr lang="en-US" dirty="0" err="1">
+                <a:latin typeface="Times New Roman" panose="02020603050405020304" pitchFamily="18" charset="0"/>
+                <a:cs typeface="Times New Roman" panose="02020603050405020304" pitchFamily="18" charset="0"/>
+              </a:rPr>
+              <a:t>tới</a:t>
+            </a:r>
+            <a:r>
+              <a:rPr lang="en-US" dirty="0">
+                <a:latin typeface="Times New Roman" panose="02020603050405020304" pitchFamily="18" charset="0"/>
+                <a:cs typeface="Times New Roman" panose="02020603050405020304" pitchFamily="18" charset="0"/>
+              </a:rPr>
+              <a:t> class (OOP)</a:t>
+            </a:r>
+          </a:p>
+          <a:p>
+            <a:pPr marL="171450" indent="-171450">
+              <a:buFont typeface="Arial" panose="020B0604020202020204" pitchFamily="34" charset="0"/>
+              <a:buChar char="•"/>
+            </a:pPr>
+            <a:r>
+              <a:rPr lang="en-US" dirty="0" err="1">
+                <a:latin typeface="Times New Roman" panose="02020603050405020304" pitchFamily="18" charset="0"/>
+                <a:cs typeface="Times New Roman" panose="02020603050405020304" pitchFamily="18" charset="0"/>
+              </a:rPr>
+              <a:t>Chỉ</a:t>
+            </a:r>
+            <a:r>
+              <a:rPr lang="en-US" dirty="0">
+                <a:latin typeface="Times New Roman" panose="02020603050405020304" pitchFamily="18" charset="0"/>
+                <a:cs typeface="Times New Roman" panose="02020603050405020304" pitchFamily="18" charset="0"/>
+              </a:rPr>
+              <a:t> đ</a:t>
+            </a:r>
+            <a:r>
+              <a:rPr lang="vi-VN" dirty="0">
+                <a:latin typeface="Times New Roman" panose="02020603050405020304" pitchFamily="18" charset="0"/>
+                <a:cs typeface="Times New Roman" panose="02020603050405020304" pitchFamily="18" charset="0"/>
+              </a:rPr>
+              <a:t>ư</a:t>
+            </a:r>
+            <a:r>
+              <a:rPr lang="en-US" dirty="0" err="1">
+                <a:latin typeface="Times New Roman" panose="02020603050405020304" pitchFamily="18" charset="0"/>
+                <a:cs typeface="Times New Roman" panose="02020603050405020304" pitchFamily="18" charset="0"/>
+              </a:rPr>
+              <a:t>ợc</a:t>
+            </a:r>
+            <a:r>
+              <a:rPr lang="en-US" dirty="0">
+                <a:latin typeface="Times New Roman" panose="02020603050405020304" pitchFamily="18" charset="0"/>
+                <a:cs typeface="Times New Roman" panose="02020603050405020304" pitchFamily="18" charset="0"/>
+              </a:rPr>
+              <a:t> </a:t>
+            </a:r>
+            <a:r>
+              <a:rPr lang="en-US" dirty="0" err="1">
+                <a:latin typeface="Times New Roman" panose="02020603050405020304" pitchFamily="18" charset="0"/>
+                <a:cs typeface="Times New Roman" panose="02020603050405020304" pitchFamily="18" charset="0"/>
+              </a:rPr>
+              <a:t>sử</a:t>
+            </a:r>
+            <a:r>
+              <a:rPr lang="en-US" dirty="0">
+                <a:latin typeface="Times New Roman" panose="02020603050405020304" pitchFamily="18" charset="0"/>
+                <a:cs typeface="Times New Roman" panose="02020603050405020304" pitchFamily="18" charset="0"/>
+              </a:rPr>
+              <a:t> </a:t>
+            </a:r>
+            <a:r>
+              <a:rPr lang="en-US" dirty="0" err="1">
+                <a:latin typeface="Times New Roman" panose="02020603050405020304" pitchFamily="18" charset="0"/>
+                <a:cs typeface="Times New Roman" panose="02020603050405020304" pitchFamily="18" charset="0"/>
+              </a:rPr>
+              <a:t>dụng</a:t>
+            </a:r>
+            <a:r>
+              <a:rPr lang="en-US" dirty="0">
+                <a:latin typeface="Times New Roman" panose="02020603050405020304" pitchFamily="18" charset="0"/>
+                <a:cs typeface="Times New Roman" panose="02020603050405020304" pitchFamily="18" charset="0"/>
+              </a:rPr>
+              <a:t> </a:t>
+            </a:r>
+            <a:r>
+              <a:rPr lang="en-US" dirty="0" err="1">
+                <a:latin typeface="Times New Roman" panose="02020603050405020304" pitchFamily="18" charset="0"/>
+                <a:cs typeface="Times New Roman" panose="02020603050405020304" pitchFamily="18" charset="0"/>
+              </a:rPr>
+              <a:t>trong</a:t>
+            </a:r>
+            <a:r>
+              <a:rPr lang="en-US" dirty="0">
+                <a:latin typeface="Times New Roman" panose="02020603050405020304" pitchFamily="18" charset="0"/>
+                <a:cs typeface="Times New Roman" panose="02020603050405020304" pitchFamily="18" charset="0"/>
+              </a:rPr>
+              <a:t> function component, ko dung </a:t>
+            </a:r>
+            <a:r>
+              <a:rPr lang="en-US" dirty="0" err="1">
+                <a:latin typeface="Times New Roman" panose="02020603050405020304" pitchFamily="18" charset="0"/>
+                <a:cs typeface="Times New Roman" panose="02020603050405020304" pitchFamily="18" charset="0"/>
+              </a:rPr>
+              <a:t>cho</a:t>
+            </a:r>
+            <a:r>
+              <a:rPr lang="en-US" dirty="0">
+                <a:latin typeface="Times New Roman" panose="02020603050405020304" pitchFamily="18" charset="0"/>
+                <a:cs typeface="Times New Roman" panose="02020603050405020304" pitchFamily="18" charset="0"/>
+              </a:rPr>
+              <a:t> class component</a:t>
+            </a:r>
+          </a:p>
+          <a:p>
+            <a:pPr marL="171450" indent="-171450">
+              <a:buFont typeface="Wingdings" panose="05000000000000000000" pitchFamily="2" charset="2"/>
+              <a:buChar char="Ø"/>
+            </a:pPr>
+            <a:r>
+              <a:rPr lang="en-US" dirty="0" err="1">
+                <a:latin typeface="Times New Roman" panose="02020603050405020304" pitchFamily="18" charset="0"/>
+                <a:cs typeface="Times New Roman" panose="02020603050405020304" pitchFamily="18" charset="0"/>
+              </a:rPr>
+              <a:t>Ưu</a:t>
+            </a:r>
+            <a:r>
+              <a:rPr lang="en-US" dirty="0">
+                <a:latin typeface="Times New Roman" panose="02020603050405020304" pitchFamily="18" charset="0"/>
+                <a:cs typeface="Times New Roman" panose="02020603050405020304" pitchFamily="18" charset="0"/>
+              </a:rPr>
+              <a:t> </a:t>
+            </a:r>
+            <a:r>
+              <a:rPr lang="en-US" dirty="0" err="1">
+                <a:latin typeface="Times New Roman" panose="02020603050405020304" pitchFamily="18" charset="0"/>
+                <a:cs typeface="Times New Roman" panose="02020603050405020304" pitchFamily="18" charset="0"/>
+              </a:rPr>
+              <a:t>điểm</a:t>
+            </a:r>
+            <a:r>
+              <a:rPr lang="en-US" dirty="0">
+                <a:latin typeface="Times New Roman" panose="02020603050405020304" pitchFamily="18" charset="0"/>
+                <a:cs typeface="Times New Roman" panose="02020603050405020304" pitchFamily="18" charset="0"/>
+              </a:rPr>
+              <a:t> :</a:t>
+            </a:r>
+          </a:p>
+          <a:p>
+            <a:pPr marL="171450" indent="-171450">
+              <a:buFont typeface="Arial" panose="020B0604020202020204" pitchFamily="34" charset="0"/>
+              <a:buChar char="•"/>
+            </a:pPr>
+            <a:r>
+              <a:rPr lang="en-US" dirty="0" err="1">
+                <a:latin typeface="Times New Roman" panose="02020603050405020304" pitchFamily="18" charset="0"/>
+                <a:cs typeface="Times New Roman" panose="02020603050405020304" pitchFamily="18" charset="0"/>
+              </a:rPr>
+              <a:t>Loại</a:t>
+            </a:r>
+            <a:r>
+              <a:rPr lang="en-US" dirty="0">
+                <a:latin typeface="Times New Roman" panose="02020603050405020304" pitchFamily="18" charset="0"/>
+                <a:cs typeface="Times New Roman" panose="02020603050405020304" pitchFamily="18" charset="0"/>
+              </a:rPr>
+              <a:t> </a:t>
+            </a:r>
+            <a:r>
+              <a:rPr lang="en-US" dirty="0" err="1">
+                <a:latin typeface="Times New Roman" panose="02020603050405020304" pitchFamily="18" charset="0"/>
+                <a:cs typeface="Times New Roman" panose="02020603050405020304" pitchFamily="18" charset="0"/>
+              </a:rPr>
+              <a:t>bỏ</a:t>
+            </a:r>
+            <a:r>
+              <a:rPr lang="en-US" dirty="0">
+                <a:latin typeface="Times New Roman" panose="02020603050405020304" pitchFamily="18" charset="0"/>
+                <a:cs typeface="Times New Roman" panose="02020603050405020304" pitchFamily="18" charset="0"/>
+              </a:rPr>
+              <a:t> OOP, this , super(props)</a:t>
+            </a:r>
+          </a:p>
+          <a:p>
+            <a:pPr marL="171450" indent="-171450">
+              <a:buFont typeface="Arial" panose="020B0604020202020204" pitchFamily="34" charset="0"/>
+              <a:buChar char="•"/>
+            </a:pPr>
+            <a:r>
+              <a:rPr lang="en-US" dirty="0" err="1">
+                <a:latin typeface="Times New Roman" panose="02020603050405020304" pitchFamily="18" charset="0"/>
+                <a:cs typeface="Times New Roman" panose="02020603050405020304" pitchFamily="18" charset="0"/>
+              </a:rPr>
+              <a:t>Bổ</a:t>
+            </a:r>
+            <a:r>
+              <a:rPr lang="en-US" dirty="0">
+                <a:latin typeface="Times New Roman" panose="02020603050405020304" pitchFamily="18" charset="0"/>
+                <a:cs typeface="Times New Roman" panose="02020603050405020304" pitchFamily="18" charset="0"/>
+              </a:rPr>
+              <a:t> </a:t>
+            </a:r>
+            <a:r>
+              <a:rPr lang="en-US" dirty="0" err="1">
+                <a:latin typeface="Times New Roman" panose="02020603050405020304" pitchFamily="18" charset="0"/>
+                <a:cs typeface="Times New Roman" panose="02020603050405020304" pitchFamily="18" charset="0"/>
+              </a:rPr>
+              <a:t>trợ</a:t>
+            </a:r>
+            <a:r>
+              <a:rPr lang="en-US" dirty="0">
+                <a:latin typeface="Times New Roman" panose="02020603050405020304" pitchFamily="18" charset="0"/>
+                <a:cs typeface="Times New Roman" panose="02020603050405020304" pitchFamily="18" charset="0"/>
+              </a:rPr>
+              <a:t> </a:t>
+            </a:r>
+            <a:r>
+              <a:rPr lang="en-US" dirty="0" err="1">
+                <a:latin typeface="Times New Roman" panose="02020603050405020304" pitchFamily="18" charset="0"/>
+                <a:cs typeface="Times New Roman" panose="02020603050405020304" pitchFamily="18" charset="0"/>
+              </a:rPr>
+              <a:t>cho</a:t>
+            </a:r>
+            <a:r>
+              <a:rPr lang="en-US" dirty="0">
+                <a:latin typeface="Times New Roman" panose="02020603050405020304" pitchFamily="18" charset="0"/>
+                <a:cs typeface="Times New Roman" panose="02020603050405020304" pitchFamily="18" charset="0"/>
+              </a:rPr>
+              <a:t> function component</a:t>
+            </a:r>
+          </a:p>
+          <a:p>
+            <a:pPr marL="285750" indent="-285750">
+              <a:buFont typeface="Arial" panose="020B0604020202020204" pitchFamily="34" charset="0"/>
+              <a:buChar char="•"/>
+            </a:pPr>
+            <a:endParaRPr lang="en-US" dirty="0">
+              <a:latin typeface="Times New Roman" panose="02020603050405020304" pitchFamily="18" charset="0"/>
+              <a:cs typeface="Times New Roman" panose="02020603050405020304" pitchFamily="18" charset="0"/>
+            </a:endParaRPr>
+          </a:p>
+          <a:p>
+            <a:pPr marL="285750" indent="-285750">
+              <a:buFont typeface="Arial" panose="020B0604020202020204" pitchFamily="34" charset="0"/>
+              <a:buChar char="•"/>
+            </a:pPr>
+            <a:endParaRPr lang="en-US" dirty="0">
+              <a:latin typeface="Times New Roman" panose="02020603050405020304" pitchFamily="18" charset="0"/>
+              <a:cs typeface="Times New Roman" panose="02020603050405020304" pitchFamily="18" charset="0"/>
+            </a:endParaRPr>
+          </a:p>
+          <a:p>
+            <a:pPr marL="171450" indent="-171450">
+              <a:buFont typeface="Arial" panose="020B0604020202020204" pitchFamily="34" charset="0"/>
+              <a:buChar char="•"/>
+            </a:pPr>
+            <a:endParaRPr lang="en-US" dirty="0"/>
+          </a:p>
+        </p:txBody>
+      </p:sp>
+      <p:sp>
+        <p:nvSpPr>
+          <p:cNvPr id="4" name="Slide Number Placeholder 3"/>
+          <p:cNvSpPr>
+            <a:spLocks noGrp="1"/>
+          </p:cNvSpPr>
+          <p:nvPr>
+            <p:ph type="sldNum" sz="quarter" idx="5"/>
+          </p:nvPr>
+        </p:nvSpPr>
+        <p:spPr/>
+        <p:txBody>
+          <a:bodyPr/>
+          <a:lstStyle/>
+          <a:p>
+            <a:fld id="{8D32EB80-73C6-458A-A3A2-9FD02E7DCC7B}" type="slidenum">
+              <a:rPr lang="en-US" smtClean="0"/>
+              <a:t>23</a:t>
+            </a:fld>
+            <a:endParaRPr lang="en-US"/>
+          </a:p>
+        </p:txBody>
+      </p:sp>
+    </p:spTree>
+    <p:extLst>
+      <p:ext uri="{BB962C8B-B14F-4D97-AF65-F5344CB8AC3E}">
+        <p14:creationId xmlns:p14="http://schemas.microsoft.com/office/powerpoint/2010/main" val="1002068703"/>
+      </p:ext>
+    </p:extLst>
+  </p:cSld>
+  <p:clrMapOvr>
+    <a:masterClrMapping/>
+  </p:clrMapOvr>
+</p:notes>
+</file>
+
+<file path=ppt/notesSlides/notesSlide21.xml><?xml version="1.0" encoding="utf-8"?>
+<p:notes xmlns:a="http://schemas.openxmlformats.org/drawingml/2006/main" xmlns:r="http://schemas.openxmlformats.org/officeDocument/2006/relationships" xmlns:p="http://schemas.openxmlformats.org/presentationml/2006/main">
+  <p:cSld>
+    <p:spTree>
+      <p:nvGrpSpPr>
+        <p:cNvPr id="1" name=""/>
+        <p:cNvGrpSpPr/>
+        <p:nvPr/>
+      </p:nvGrpSpPr>
+      <p:grpSpPr>
+        <a:xfrm>
+          <a:off x="0" y="0"/>
+          <a:ext cx="0" cy="0"/>
+          <a:chOff x="0" y="0"/>
+          <a:chExt cx="0" cy="0"/>
+        </a:xfrm>
+      </p:grpSpPr>
+      <p:sp>
+        <p:nvSpPr>
+          <p:cNvPr id="2" name="Slide Image Placeholder 1"/>
+          <p:cNvSpPr>
+            <a:spLocks noGrp="1" noRot="1" noChangeAspect="1"/>
+          </p:cNvSpPr>
+          <p:nvPr>
+            <p:ph type="sldImg"/>
+          </p:nvPr>
+        </p:nvSpPr>
+        <p:spPr/>
+      </p:sp>
+      <p:sp>
+        <p:nvSpPr>
+          <p:cNvPr id="3" name="Notes Placeholder 2"/>
+          <p:cNvSpPr>
+            <a:spLocks noGrp="1"/>
+          </p:cNvSpPr>
+          <p:nvPr>
+            <p:ph type="body" idx="1"/>
+          </p:nvPr>
+        </p:nvSpPr>
+        <p:spPr/>
+        <p:txBody>
+          <a:bodyPr/>
+          <a:lstStyle/>
+          <a:p>
+            <a:pPr marL="171450" indent="-171450">
+              <a:buFont typeface="Arial" panose="020B0604020202020204" pitchFamily="34" charset="0"/>
+              <a:buChar char="•"/>
+            </a:pPr>
+            <a:r>
+              <a:rPr lang="en-US" dirty="0" err="1"/>
+              <a:t>useState</a:t>
+            </a:r>
+            <a:r>
+              <a:rPr lang="en-US" dirty="0"/>
+              <a:t> </a:t>
+            </a:r>
+            <a:r>
+              <a:rPr lang="en-US" dirty="0" err="1"/>
+              <a:t>là</a:t>
+            </a:r>
+            <a:r>
+              <a:rPr lang="en-US" dirty="0"/>
+              <a:t> 1 </a:t>
+            </a:r>
+            <a:r>
+              <a:rPr lang="en-US" dirty="0" err="1"/>
+              <a:t>hàm</a:t>
+            </a:r>
+            <a:r>
+              <a:rPr lang="en-US" dirty="0"/>
+              <a:t> </a:t>
+            </a:r>
+            <a:r>
+              <a:rPr lang="en-US" dirty="0" err="1"/>
+              <a:t>trả</a:t>
+            </a:r>
+            <a:r>
+              <a:rPr lang="en-US" dirty="0"/>
+              <a:t> </a:t>
+            </a:r>
+            <a:r>
+              <a:rPr lang="en-US" dirty="0" err="1"/>
+              <a:t>lại</a:t>
+            </a:r>
+            <a:r>
+              <a:rPr lang="en-US" dirty="0"/>
+              <a:t> 1 array </a:t>
+            </a:r>
+            <a:r>
+              <a:rPr lang="en-US" dirty="0" err="1"/>
+              <a:t>gồm</a:t>
+            </a:r>
+            <a:r>
+              <a:rPr lang="en-US" dirty="0"/>
+              <a:t> 2 </a:t>
+            </a:r>
+            <a:r>
+              <a:rPr lang="en-US" dirty="0" err="1"/>
+              <a:t>phần</a:t>
+            </a:r>
+            <a:r>
+              <a:rPr lang="en-US" dirty="0"/>
+              <a:t> </a:t>
+            </a:r>
+            <a:r>
+              <a:rPr lang="en-US" dirty="0" err="1"/>
+              <a:t>tử</a:t>
+            </a:r>
+            <a:r>
+              <a:rPr lang="en-US" dirty="0"/>
+              <a:t>:</a:t>
+            </a:r>
+          </a:p>
+          <a:p>
+            <a:pPr marL="228600" indent="-228600">
+              <a:buFont typeface="+mj-lt"/>
+              <a:buAutoNum type="arabicPeriod"/>
+            </a:pPr>
+            <a:r>
+              <a:rPr lang="en-US" dirty="0" err="1"/>
+              <a:t>Phần</a:t>
+            </a:r>
+            <a:r>
+              <a:rPr lang="en-US" dirty="0"/>
+              <a:t> </a:t>
+            </a:r>
+            <a:r>
+              <a:rPr lang="en-US" dirty="0" err="1"/>
+              <a:t>tử</a:t>
+            </a:r>
+            <a:r>
+              <a:rPr lang="en-US" dirty="0"/>
+              <a:t> </a:t>
+            </a:r>
+            <a:r>
+              <a:rPr lang="en-US" dirty="0" err="1"/>
+              <a:t>thứ</a:t>
+            </a:r>
+            <a:r>
+              <a:rPr lang="en-US" dirty="0"/>
+              <a:t> 1 </a:t>
+            </a:r>
+            <a:r>
+              <a:rPr lang="en-US" dirty="0" err="1"/>
+              <a:t>là</a:t>
+            </a:r>
+            <a:r>
+              <a:rPr lang="en-US" dirty="0"/>
+              <a:t> 1 state</a:t>
+            </a:r>
+          </a:p>
+          <a:p>
+            <a:pPr marL="228600" indent="-228600">
+              <a:buFont typeface="+mj-lt"/>
+              <a:buAutoNum type="arabicPeriod"/>
+            </a:pPr>
+            <a:r>
+              <a:rPr lang="en-US" dirty="0" err="1"/>
+              <a:t>Phần</a:t>
+            </a:r>
+            <a:r>
+              <a:rPr lang="en-US" dirty="0"/>
+              <a:t> </a:t>
+            </a:r>
+            <a:r>
+              <a:rPr lang="en-US" dirty="0" err="1"/>
+              <a:t>tử</a:t>
+            </a:r>
+            <a:r>
+              <a:rPr lang="en-US" dirty="0"/>
+              <a:t> </a:t>
+            </a:r>
+            <a:r>
+              <a:rPr lang="en-US" dirty="0" err="1"/>
+              <a:t>thứ</a:t>
+            </a:r>
+            <a:r>
+              <a:rPr lang="en-US" dirty="0"/>
+              <a:t> 2 </a:t>
+            </a:r>
+            <a:r>
+              <a:rPr lang="en-US" dirty="0" err="1"/>
+              <a:t>là</a:t>
+            </a:r>
+            <a:r>
+              <a:rPr lang="en-US" dirty="0"/>
+              <a:t> 1 </a:t>
+            </a:r>
+            <a:r>
+              <a:rPr lang="en-US" dirty="0" err="1"/>
+              <a:t>hàm</a:t>
+            </a:r>
+            <a:r>
+              <a:rPr lang="en-US" dirty="0"/>
+              <a:t> dung </a:t>
+            </a:r>
+            <a:r>
+              <a:rPr lang="en-US" dirty="0" err="1"/>
+              <a:t>để</a:t>
+            </a:r>
+            <a:r>
+              <a:rPr lang="en-US" dirty="0"/>
+              <a:t> set state</a:t>
+            </a:r>
+          </a:p>
+        </p:txBody>
+      </p:sp>
+      <p:sp>
+        <p:nvSpPr>
+          <p:cNvPr id="4" name="Slide Number Placeholder 3"/>
+          <p:cNvSpPr>
+            <a:spLocks noGrp="1"/>
+          </p:cNvSpPr>
+          <p:nvPr>
+            <p:ph type="sldNum" sz="quarter" idx="5"/>
+          </p:nvPr>
+        </p:nvSpPr>
+        <p:spPr/>
+        <p:txBody>
+          <a:bodyPr/>
+          <a:lstStyle/>
+          <a:p>
+            <a:fld id="{8D32EB80-73C6-458A-A3A2-9FD02E7DCC7B}" type="slidenum">
+              <a:rPr lang="en-US" smtClean="0"/>
+              <a:t>24</a:t>
+            </a:fld>
+            <a:endParaRPr lang="en-US"/>
+          </a:p>
+        </p:txBody>
+      </p:sp>
+    </p:spTree>
+    <p:extLst>
+      <p:ext uri="{BB962C8B-B14F-4D97-AF65-F5344CB8AC3E}">
+        <p14:creationId xmlns:p14="http://schemas.microsoft.com/office/powerpoint/2010/main" val="709529779"/>
+      </p:ext>
+    </p:extLst>
+  </p:cSld>
+  <p:clrMapOvr>
+    <a:masterClrMapping/>
+  </p:clrMapOvr>
+</p:notes>
+</file>
+
+<file path=ppt/notesSlides/notesSlide22.xml><?xml version="1.0" encoding="utf-8"?>
+<p:notes xmlns:a="http://schemas.openxmlformats.org/drawingml/2006/main" xmlns:r="http://schemas.openxmlformats.org/officeDocument/2006/relationships" xmlns:p="http://schemas.openxmlformats.org/presentationml/2006/main">
+  <p:cSld>
+    <p:spTree>
+      <p:nvGrpSpPr>
+        <p:cNvPr id="1" name=""/>
+        <p:cNvGrpSpPr/>
+        <p:nvPr/>
+      </p:nvGrpSpPr>
+      <p:grpSpPr>
+        <a:xfrm>
+          <a:off x="0" y="0"/>
+          <a:ext cx="0" cy="0"/>
+          <a:chOff x="0" y="0"/>
+          <a:chExt cx="0" cy="0"/>
+        </a:xfrm>
+      </p:grpSpPr>
+      <p:sp>
+        <p:nvSpPr>
+          <p:cNvPr id="2" name="Slide Image Placeholder 1"/>
+          <p:cNvSpPr>
+            <a:spLocks noGrp="1" noRot="1" noChangeAspect="1"/>
+          </p:cNvSpPr>
+          <p:nvPr>
+            <p:ph type="sldImg"/>
+          </p:nvPr>
+        </p:nvSpPr>
+        <p:spPr/>
+      </p:sp>
+      <p:sp>
+        <p:nvSpPr>
+          <p:cNvPr id="3" name="Notes Placeholder 2"/>
+          <p:cNvSpPr>
+            <a:spLocks noGrp="1"/>
+          </p:cNvSpPr>
+          <p:nvPr>
+            <p:ph type="body" idx="1"/>
+          </p:nvPr>
+        </p:nvSpPr>
+        <p:spPr/>
+        <p:txBody>
+          <a:bodyPr/>
+          <a:lstStyle/>
+          <a:p>
+            <a:pPr marL="285750" indent="-285750">
+              <a:spcBef>
+                <a:spcPts val="600"/>
+              </a:spcBef>
+              <a:spcAft>
+                <a:spcPts val="600"/>
+              </a:spcAft>
+              <a:buFont typeface="Arial" panose="020B0604020202020204" pitchFamily="34" charset="0"/>
+              <a:buChar char="•"/>
+            </a:pPr>
+            <a:r>
+              <a:rPr lang="en-US" dirty="0" err="1">
+                <a:latin typeface="Times New Roman" panose="02020603050405020304" pitchFamily="18" charset="0"/>
+                <a:cs typeface="Times New Roman" panose="02020603050405020304" pitchFamily="18" charset="0"/>
+              </a:rPr>
+              <a:t>Silde</a:t>
+            </a:r>
+            <a:r>
+              <a:rPr lang="en-US" dirty="0">
+                <a:latin typeface="Times New Roman" panose="02020603050405020304" pitchFamily="18" charset="0"/>
+                <a:cs typeface="Times New Roman" panose="02020603050405020304" pitchFamily="18" charset="0"/>
+              </a:rPr>
+              <a:t> effect </a:t>
+            </a:r>
+            <a:r>
+              <a:rPr lang="en-US" dirty="0" err="1">
+                <a:latin typeface="Times New Roman" panose="02020603050405020304" pitchFamily="18" charset="0"/>
+                <a:cs typeface="Times New Roman" panose="02020603050405020304" pitchFamily="18" charset="0"/>
+              </a:rPr>
+              <a:t>là</a:t>
+            </a:r>
+            <a:r>
+              <a:rPr lang="en-US" dirty="0">
+                <a:latin typeface="Times New Roman" panose="02020603050405020304" pitchFamily="18" charset="0"/>
+                <a:cs typeface="Times New Roman" panose="02020603050405020304" pitchFamily="18" charset="0"/>
+              </a:rPr>
+              <a:t> </a:t>
+            </a:r>
+            <a:r>
+              <a:rPr lang="en-US" dirty="0" err="1">
+                <a:latin typeface="Times New Roman" panose="02020603050405020304" pitchFamily="18" charset="0"/>
+                <a:cs typeface="Times New Roman" panose="02020603050405020304" pitchFamily="18" charset="0"/>
+              </a:rPr>
+              <a:t>những</a:t>
+            </a:r>
+            <a:r>
+              <a:rPr lang="en-US" dirty="0">
+                <a:latin typeface="Times New Roman" panose="02020603050405020304" pitchFamily="18" charset="0"/>
+                <a:cs typeface="Times New Roman" panose="02020603050405020304" pitchFamily="18" charset="0"/>
+              </a:rPr>
+              <a:t> </a:t>
+            </a:r>
+            <a:r>
+              <a:rPr lang="en-US" dirty="0" err="1">
+                <a:latin typeface="Times New Roman" panose="02020603050405020304" pitchFamily="18" charset="0"/>
+                <a:cs typeface="Times New Roman" panose="02020603050405020304" pitchFamily="18" charset="0"/>
+              </a:rPr>
+              <a:t>tác</a:t>
+            </a:r>
+            <a:r>
+              <a:rPr lang="en-US" dirty="0">
+                <a:latin typeface="Times New Roman" panose="02020603050405020304" pitchFamily="18" charset="0"/>
+                <a:cs typeface="Times New Roman" panose="02020603050405020304" pitchFamily="18" charset="0"/>
+              </a:rPr>
+              <a:t> </a:t>
+            </a:r>
+            <a:r>
+              <a:rPr lang="en-US" dirty="0" err="1">
+                <a:latin typeface="Times New Roman" panose="02020603050405020304" pitchFamily="18" charset="0"/>
+                <a:cs typeface="Times New Roman" panose="02020603050405020304" pitchFamily="18" charset="0"/>
+              </a:rPr>
+              <a:t>động</a:t>
+            </a:r>
+            <a:r>
+              <a:rPr lang="en-US" dirty="0">
+                <a:latin typeface="Times New Roman" panose="02020603050405020304" pitchFamily="18" charset="0"/>
+                <a:cs typeface="Times New Roman" panose="02020603050405020304" pitchFamily="18" charset="0"/>
+              </a:rPr>
+              <a:t> </a:t>
+            </a:r>
+            <a:r>
+              <a:rPr lang="en-US" dirty="0" err="1">
+                <a:latin typeface="Times New Roman" panose="02020603050405020304" pitchFamily="18" charset="0"/>
+                <a:cs typeface="Times New Roman" panose="02020603050405020304" pitchFamily="18" charset="0"/>
+              </a:rPr>
+              <a:t>bên</a:t>
+            </a:r>
+            <a:r>
+              <a:rPr lang="en-US" dirty="0">
+                <a:latin typeface="Times New Roman" panose="02020603050405020304" pitchFamily="18" charset="0"/>
+                <a:cs typeface="Times New Roman" panose="02020603050405020304" pitchFamily="18" charset="0"/>
+              </a:rPr>
+              <a:t> </a:t>
+            </a:r>
+            <a:r>
+              <a:rPr lang="en-US" dirty="0" err="1">
+                <a:latin typeface="Times New Roman" panose="02020603050405020304" pitchFamily="18" charset="0"/>
+                <a:cs typeface="Times New Roman" panose="02020603050405020304" pitchFamily="18" charset="0"/>
+              </a:rPr>
+              <a:t>ngoài</a:t>
+            </a:r>
+            <a:r>
+              <a:rPr lang="en-US" dirty="0">
+                <a:latin typeface="Times New Roman" panose="02020603050405020304" pitchFamily="18" charset="0"/>
+                <a:cs typeface="Times New Roman" panose="02020603050405020304" pitchFamily="18" charset="0"/>
+              </a:rPr>
+              <a:t> component : </a:t>
+            </a:r>
+            <a:r>
+              <a:rPr lang="en-US" dirty="0" err="1">
+                <a:latin typeface="Times New Roman" panose="02020603050405020304" pitchFamily="18" charset="0"/>
+                <a:cs typeface="Times New Roman" panose="02020603050405020304" pitchFamily="18" charset="0"/>
+              </a:rPr>
+              <a:t>setInterval</a:t>
+            </a:r>
+            <a:r>
+              <a:rPr lang="en-US" dirty="0">
+                <a:latin typeface="Times New Roman" panose="02020603050405020304" pitchFamily="18" charset="0"/>
+                <a:cs typeface="Times New Roman" panose="02020603050405020304" pitchFamily="18" charset="0"/>
+              </a:rPr>
+              <a:t> , call API …</a:t>
+            </a:r>
+          </a:p>
+          <a:p>
+            <a:pPr marL="285750" indent="-285750">
+              <a:spcBef>
+                <a:spcPts val="600"/>
+              </a:spcBef>
+              <a:spcAft>
+                <a:spcPts val="600"/>
+              </a:spcAft>
+              <a:buFont typeface="Arial" panose="020B0604020202020204" pitchFamily="34" charset="0"/>
+              <a:buChar char="•"/>
+            </a:pPr>
+            <a:r>
+              <a:rPr lang="en-US" dirty="0">
+                <a:latin typeface="Times New Roman" panose="02020603050405020304" pitchFamily="18" charset="0"/>
+                <a:cs typeface="Times New Roman" panose="02020603050405020304" pitchFamily="18" charset="0"/>
+              </a:rPr>
+              <a:t>Chia </a:t>
+            </a:r>
+            <a:r>
+              <a:rPr lang="en-US" dirty="0" err="1">
+                <a:latin typeface="Times New Roman" panose="02020603050405020304" pitchFamily="18" charset="0"/>
+                <a:cs typeface="Times New Roman" panose="02020603050405020304" pitchFamily="18" charset="0"/>
+              </a:rPr>
+              <a:t>làm</a:t>
+            </a:r>
+            <a:r>
+              <a:rPr lang="en-US" dirty="0">
+                <a:latin typeface="Times New Roman" panose="02020603050405020304" pitchFamily="18" charset="0"/>
+                <a:cs typeface="Times New Roman" panose="02020603050405020304" pitchFamily="18" charset="0"/>
+              </a:rPr>
+              <a:t> 2 </a:t>
+            </a:r>
+            <a:r>
+              <a:rPr lang="en-US" dirty="0" err="1">
+                <a:latin typeface="Times New Roman" panose="02020603050405020304" pitchFamily="18" charset="0"/>
+                <a:cs typeface="Times New Roman" panose="02020603050405020304" pitchFamily="18" charset="0"/>
+              </a:rPr>
+              <a:t>loại</a:t>
+            </a:r>
+            <a:r>
+              <a:rPr lang="en-US" dirty="0">
+                <a:latin typeface="Times New Roman" panose="02020603050405020304" pitchFamily="18" charset="0"/>
+                <a:cs typeface="Times New Roman" panose="02020603050405020304" pitchFamily="18" charset="0"/>
+              </a:rPr>
+              <a:t> :</a:t>
+            </a:r>
+          </a:p>
+          <a:p>
+            <a:pPr marL="742950" lvl="1" indent="-285750">
+              <a:spcBef>
+                <a:spcPts val="600"/>
+              </a:spcBef>
+              <a:spcAft>
+                <a:spcPts val="600"/>
+              </a:spcAft>
+              <a:buFont typeface="+mj-lt"/>
+              <a:buAutoNum type="arabicPeriod"/>
+            </a:pPr>
+            <a:r>
+              <a:rPr lang="en-US" dirty="0" err="1">
+                <a:latin typeface="Times New Roman" panose="02020603050405020304" pitchFamily="18" charset="0"/>
+                <a:cs typeface="Times New Roman" panose="02020603050405020304" pitchFamily="18" charset="0"/>
+              </a:rPr>
+              <a:t>Cần</a:t>
+            </a:r>
+            <a:r>
+              <a:rPr lang="en-US" dirty="0">
+                <a:latin typeface="Times New Roman" panose="02020603050405020304" pitchFamily="18" charset="0"/>
+                <a:cs typeface="Times New Roman" panose="02020603050405020304" pitchFamily="18" charset="0"/>
+              </a:rPr>
+              <a:t> </a:t>
+            </a:r>
+            <a:r>
+              <a:rPr lang="en-US" dirty="0" err="1">
+                <a:latin typeface="Times New Roman" panose="02020603050405020304" pitchFamily="18" charset="0"/>
+                <a:cs typeface="Times New Roman" panose="02020603050405020304" pitchFamily="18" charset="0"/>
+              </a:rPr>
+              <a:t>phải</a:t>
+            </a:r>
+            <a:r>
+              <a:rPr lang="en-US" dirty="0">
+                <a:latin typeface="Times New Roman" panose="02020603050405020304" pitchFamily="18" charset="0"/>
+                <a:cs typeface="Times New Roman" panose="02020603050405020304" pitchFamily="18" charset="0"/>
+              </a:rPr>
+              <a:t> clean up</a:t>
+            </a:r>
+          </a:p>
+          <a:p>
+            <a:pPr marL="742950" lvl="1" indent="-285750">
+              <a:spcBef>
+                <a:spcPts val="600"/>
+              </a:spcBef>
+              <a:spcAft>
+                <a:spcPts val="600"/>
+              </a:spcAft>
+              <a:buFont typeface="+mj-lt"/>
+              <a:buAutoNum type="arabicPeriod"/>
+            </a:pPr>
+            <a:r>
+              <a:rPr lang="en-US" dirty="0">
+                <a:latin typeface="Times New Roman" panose="02020603050405020304" pitchFamily="18" charset="0"/>
+                <a:cs typeface="Times New Roman" panose="02020603050405020304" pitchFamily="18" charset="0"/>
+              </a:rPr>
+              <a:t>Ko </a:t>
+            </a:r>
+            <a:r>
+              <a:rPr lang="en-US" dirty="0" err="1">
+                <a:latin typeface="Times New Roman" panose="02020603050405020304" pitchFamily="18" charset="0"/>
+                <a:cs typeface="Times New Roman" panose="02020603050405020304" pitchFamily="18" charset="0"/>
+              </a:rPr>
+              <a:t>cần</a:t>
+            </a:r>
+            <a:r>
+              <a:rPr lang="en-US" dirty="0">
+                <a:latin typeface="Times New Roman" panose="02020603050405020304" pitchFamily="18" charset="0"/>
+                <a:cs typeface="Times New Roman" panose="02020603050405020304" pitchFamily="18" charset="0"/>
+              </a:rPr>
+              <a:t> </a:t>
+            </a:r>
+            <a:r>
+              <a:rPr lang="en-US" dirty="0" err="1">
+                <a:latin typeface="Times New Roman" panose="02020603050405020304" pitchFamily="18" charset="0"/>
+                <a:cs typeface="Times New Roman" panose="02020603050405020304" pitchFamily="18" charset="0"/>
+              </a:rPr>
+              <a:t>phải</a:t>
+            </a:r>
+            <a:r>
+              <a:rPr lang="en-US" dirty="0">
+                <a:latin typeface="Times New Roman" panose="02020603050405020304" pitchFamily="18" charset="0"/>
+                <a:cs typeface="Times New Roman" panose="02020603050405020304" pitchFamily="18" charset="0"/>
+              </a:rPr>
+              <a:t> clean up</a:t>
+            </a:r>
+          </a:p>
+          <a:p>
+            <a:pPr marL="285750" indent="-285750">
+              <a:spcBef>
+                <a:spcPts val="600"/>
+              </a:spcBef>
+              <a:spcAft>
+                <a:spcPts val="600"/>
+              </a:spcAft>
+              <a:buFont typeface="Arial" panose="020B0604020202020204" pitchFamily="34" charset="0"/>
+              <a:buChar char="•"/>
+            </a:pPr>
+            <a:r>
+              <a:rPr lang="en-US" dirty="0" err="1">
+                <a:latin typeface="Times New Roman" panose="02020603050405020304" pitchFamily="18" charset="0"/>
+                <a:cs typeface="Times New Roman" panose="02020603050405020304" pitchFamily="18" charset="0"/>
+              </a:rPr>
+              <a:t>Là</a:t>
+            </a:r>
+            <a:r>
+              <a:rPr lang="en-US" dirty="0">
+                <a:latin typeface="Times New Roman" panose="02020603050405020304" pitchFamily="18" charset="0"/>
+                <a:cs typeface="Times New Roman" panose="02020603050405020304" pitchFamily="18" charset="0"/>
+              </a:rPr>
+              <a:t> 1 hook c</a:t>
+            </a:r>
+            <a:r>
+              <a:rPr lang="vi-VN" dirty="0">
+                <a:latin typeface="Times New Roman" panose="02020603050405020304" pitchFamily="18" charset="0"/>
+                <a:cs typeface="Times New Roman" panose="02020603050405020304" pitchFamily="18" charset="0"/>
+              </a:rPr>
+              <a:t>ơ</a:t>
+            </a:r>
+            <a:r>
+              <a:rPr lang="en-US" dirty="0">
+                <a:latin typeface="Times New Roman" panose="02020603050405020304" pitchFamily="18" charset="0"/>
+                <a:cs typeface="Times New Roman" panose="02020603050405020304" pitchFamily="18" charset="0"/>
+              </a:rPr>
+              <a:t> </a:t>
+            </a:r>
+            <a:r>
+              <a:rPr lang="en-US" dirty="0" err="1">
+                <a:latin typeface="Times New Roman" panose="02020603050405020304" pitchFamily="18" charset="0"/>
+                <a:cs typeface="Times New Roman" panose="02020603050405020304" pitchFamily="18" charset="0"/>
+              </a:rPr>
+              <a:t>bản</a:t>
+            </a:r>
+            <a:r>
+              <a:rPr lang="en-US" dirty="0">
+                <a:latin typeface="Times New Roman" panose="02020603050405020304" pitchFamily="18" charset="0"/>
+                <a:cs typeface="Times New Roman" panose="02020603050405020304" pitchFamily="18" charset="0"/>
+              </a:rPr>
+              <a:t> </a:t>
+            </a:r>
+            <a:r>
+              <a:rPr lang="en-US" dirty="0" err="1">
+                <a:latin typeface="Times New Roman" panose="02020603050405020304" pitchFamily="18" charset="0"/>
+                <a:cs typeface="Times New Roman" panose="02020603050405020304" pitchFamily="18" charset="0"/>
+              </a:rPr>
+              <a:t>trong</a:t>
+            </a:r>
+            <a:r>
+              <a:rPr lang="en-US" dirty="0">
+                <a:latin typeface="Times New Roman" panose="02020603050405020304" pitchFamily="18" charset="0"/>
+                <a:cs typeface="Times New Roman" panose="02020603050405020304" pitchFamily="18" charset="0"/>
+              </a:rPr>
+              <a:t> react hook</a:t>
+            </a:r>
+          </a:p>
+          <a:p>
+            <a:pPr marL="285750" indent="-285750">
+              <a:spcBef>
+                <a:spcPts val="600"/>
+              </a:spcBef>
+              <a:spcAft>
+                <a:spcPts val="600"/>
+              </a:spcAft>
+              <a:buFont typeface="Arial" panose="020B0604020202020204" pitchFamily="34" charset="0"/>
+              <a:buChar char="•"/>
+            </a:pPr>
+            <a:r>
+              <a:rPr lang="en-US" dirty="0" err="1">
+                <a:latin typeface="Times New Roman" panose="02020603050405020304" pitchFamily="18" charset="0"/>
+                <a:cs typeface="Times New Roman" panose="02020603050405020304" pitchFamily="18" charset="0"/>
+              </a:rPr>
+              <a:t>Sử</a:t>
+            </a:r>
+            <a:r>
+              <a:rPr lang="en-US" dirty="0">
+                <a:latin typeface="Times New Roman" panose="02020603050405020304" pitchFamily="18" charset="0"/>
+                <a:cs typeface="Times New Roman" panose="02020603050405020304" pitchFamily="18" charset="0"/>
+              </a:rPr>
+              <a:t> </a:t>
+            </a:r>
+            <a:r>
+              <a:rPr lang="en-US" dirty="0" err="1">
+                <a:latin typeface="Times New Roman" panose="02020603050405020304" pitchFamily="18" charset="0"/>
+                <a:cs typeface="Times New Roman" panose="02020603050405020304" pitchFamily="18" charset="0"/>
+              </a:rPr>
+              <a:t>dụng</a:t>
+            </a:r>
+            <a:r>
+              <a:rPr lang="en-US" dirty="0">
+                <a:latin typeface="Times New Roman" panose="02020603050405020304" pitchFamily="18" charset="0"/>
+                <a:cs typeface="Times New Roman" panose="02020603050405020304" pitchFamily="18" charset="0"/>
+              </a:rPr>
+              <a:t> </a:t>
+            </a:r>
+            <a:r>
+              <a:rPr lang="en-US" dirty="0" err="1">
+                <a:latin typeface="Times New Roman" panose="02020603050405020304" pitchFamily="18" charset="0"/>
+                <a:cs typeface="Times New Roman" panose="02020603050405020304" pitchFamily="18" charset="0"/>
+              </a:rPr>
+              <a:t>cho</a:t>
+            </a:r>
+            <a:r>
+              <a:rPr lang="en-US" dirty="0">
+                <a:latin typeface="Times New Roman" panose="02020603050405020304" pitchFamily="18" charset="0"/>
+                <a:cs typeface="Times New Roman" panose="02020603050405020304" pitchFamily="18" charset="0"/>
+              </a:rPr>
+              <a:t> side effects</a:t>
+            </a:r>
+          </a:p>
+          <a:p>
+            <a:pPr marL="285750" indent="-285750">
+              <a:spcBef>
+                <a:spcPts val="600"/>
+              </a:spcBef>
+              <a:spcAft>
+                <a:spcPts val="600"/>
+              </a:spcAft>
+              <a:buFont typeface="Arial" panose="020B0604020202020204" pitchFamily="34" charset="0"/>
+              <a:buChar char="•"/>
+            </a:pPr>
+            <a:r>
+              <a:rPr lang="en-US" dirty="0">
+                <a:latin typeface="Times New Roman" panose="02020603050405020304" pitchFamily="18" charset="0"/>
+                <a:cs typeface="Times New Roman" panose="02020603050405020304" pitchFamily="18" charset="0"/>
+              </a:rPr>
+              <a:t>Bao </a:t>
+            </a:r>
+            <a:r>
+              <a:rPr lang="en-US" dirty="0" err="1">
+                <a:latin typeface="Times New Roman" panose="02020603050405020304" pitchFamily="18" charset="0"/>
+                <a:cs typeface="Times New Roman" panose="02020603050405020304" pitchFamily="18" charset="0"/>
+              </a:rPr>
+              <a:t>gồm</a:t>
+            </a:r>
+            <a:r>
+              <a:rPr lang="en-US" dirty="0">
+                <a:latin typeface="Times New Roman" panose="02020603050405020304" pitchFamily="18" charset="0"/>
+                <a:cs typeface="Times New Roman" panose="02020603050405020304" pitchFamily="18" charset="0"/>
+              </a:rPr>
+              <a:t> 2 </a:t>
+            </a:r>
+            <a:r>
+              <a:rPr lang="en-US" dirty="0" err="1">
+                <a:latin typeface="Times New Roman" panose="02020603050405020304" pitchFamily="18" charset="0"/>
+                <a:cs typeface="Times New Roman" panose="02020603050405020304" pitchFamily="18" charset="0"/>
+              </a:rPr>
+              <a:t>thành</a:t>
+            </a:r>
+            <a:r>
+              <a:rPr lang="en-US" dirty="0">
+                <a:latin typeface="Times New Roman" panose="02020603050405020304" pitchFamily="18" charset="0"/>
+                <a:cs typeface="Times New Roman" panose="02020603050405020304" pitchFamily="18" charset="0"/>
+              </a:rPr>
+              <a:t> </a:t>
+            </a:r>
+            <a:r>
+              <a:rPr lang="en-US" dirty="0" err="1">
+                <a:latin typeface="Times New Roman" panose="02020603050405020304" pitchFamily="18" charset="0"/>
+                <a:cs typeface="Times New Roman" panose="02020603050405020304" pitchFamily="18" charset="0"/>
+              </a:rPr>
+              <a:t>phần</a:t>
+            </a:r>
+            <a:r>
+              <a:rPr lang="en-US" dirty="0">
+                <a:latin typeface="Times New Roman" panose="02020603050405020304" pitchFamily="18" charset="0"/>
+                <a:cs typeface="Times New Roman" panose="02020603050405020304" pitchFamily="18" charset="0"/>
+              </a:rPr>
+              <a:t> : </a:t>
+            </a:r>
+            <a:r>
+              <a:rPr lang="en-US" dirty="0" err="1">
+                <a:latin typeface="Times New Roman" panose="02020603050405020304" pitchFamily="18" charset="0"/>
+                <a:cs typeface="Times New Roman" panose="02020603050405020304" pitchFamily="18" charset="0"/>
+              </a:rPr>
+              <a:t>silde</a:t>
+            </a:r>
+            <a:r>
+              <a:rPr lang="en-US" dirty="0">
+                <a:latin typeface="Times New Roman" panose="02020603050405020304" pitchFamily="18" charset="0"/>
+                <a:cs typeface="Times New Roman" panose="02020603050405020304" pitchFamily="18" charset="0"/>
+              </a:rPr>
+              <a:t> effect </a:t>
+            </a:r>
+            <a:r>
+              <a:rPr lang="en-US" dirty="0" err="1">
+                <a:latin typeface="Times New Roman" panose="02020603050405020304" pitchFamily="18" charset="0"/>
+                <a:cs typeface="Times New Roman" panose="02020603050405020304" pitchFamily="18" charset="0"/>
+              </a:rPr>
+              <a:t>và</a:t>
+            </a:r>
+            <a:r>
+              <a:rPr lang="en-US" dirty="0">
+                <a:latin typeface="Times New Roman" panose="02020603050405020304" pitchFamily="18" charset="0"/>
+                <a:cs typeface="Times New Roman" panose="02020603050405020304" pitchFamily="18" charset="0"/>
+              </a:rPr>
+              <a:t> clean up (optional)</a:t>
+            </a:r>
+          </a:p>
+          <a:p>
+            <a:pPr marL="285750" indent="-285750">
+              <a:spcBef>
+                <a:spcPts val="600"/>
+              </a:spcBef>
+              <a:spcAft>
+                <a:spcPts val="600"/>
+              </a:spcAft>
+              <a:buFont typeface="Arial" panose="020B0604020202020204" pitchFamily="34" charset="0"/>
+              <a:buChar char="•"/>
+            </a:pPr>
+            <a:r>
+              <a:rPr lang="en-US" dirty="0">
+                <a:latin typeface="Times New Roman" panose="02020603050405020304" pitchFamily="18" charset="0"/>
+                <a:cs typeface="Times New Roman" panose="02020603050405020304" pitchFamily="18" charset="0"/>
+              </a:rPr>
+              <a:t>Đ</a:t>
+            </a:r>
+            <a:r>
+              <a:rPr lang="vi-VN" dirty="0">
+                <a:latin typeface="Times New Roman" panose="02020603050405020304" pitchFamily="18" charset="0"/>
+                <a:cs typeface="Times New Roman" panose="02020603050405020304" pitchFamily="18" charset="0"/>
+              </a:rPr>
+              <a:t>ư</a:t>
+            </a:r>
+            <a:r>
+              <a:rPr lang="en-US" dirty="0" err="1">
+                <a:latin typeface="Times New Roman" panose="02020603050405020304" pitchFamily="18" charset="0"/>
+                <a:cs typeface="Times New Roman" panose="02020603050405020304" pitchFamily="18" charset="0"/>
+              </a:rPr>
+              <a:t>ợc</a:t>
+            </a:r>
+            <a:r>
+              <a:rPr lang="en-US" dirty="0">
+                <a:latin typeface="Times New Roman" panose="02020603050405020304" pitchFamily="18" charset="0"/>
+                <a:cs typeface="Times New Roman" panose="02020603050405020304" pitchFamily="18" charset="0"/>
+              </a:rPr>
+              <a:t> </a:t>
+            </a:r>
+            <a:r>
+              <a:rPr lang="en-US" dirty="0" err="1">
+                <a:latin typeface="Times New Roman" panose="02020603050405020304" pitchFamily="18" charset="0"/>
+                <a:cs typeface="Times New Roman" panose="02020603050405020304" pitchFamily="18" charset="0"/>
+              </a:rPr>
+              <a:t>thực</a:t>
+            </a:r>
+            <a:r>
+              <a:rPr lang="en-US" dirty="0">
+                <a:latin typeface="Times New Roman" panose="02020603050405020304" pitchFamily="18" charset="0"/>
+                <a:cs typeface="Times New Roman" panose="02020603050405020304" pitchFamily="18" charset="0"/>
+              </a:rPr>
+              <a:t> </a:t>
+            </a:r>
+            <a:r>
+              <a:rPr lang="en-US" dirty="0" err="1">
+                <a:latin typeface="Times New Roman" panose="02020603050405020304" pitchFamily="18" charset="0"/>
+                <a:cs typeface="Times New Roman" panose="02020603050405020304" pitchFamily="18" charset="0"/>
+              </a:rPr>
+              <a:t>hiện</a:t>
+            </a:r>
+            <a:r>
+              <a:rPr lang="en-US" dirty="0">
+                <a:latin typeface="Times New Roman" panose="02020603050405020304" pitchFamily="18" charset="0"/>
+                <a:cs typeface="Times New Roman" panose="02020603050405020304" pitchFamily="18" charset="0"/>
+              </a:rPr>
+              <a:t> </a:t>
+            </a:r>
+            <a:r>
+              <a:rPr lang="en-US" dirty="0" err="1">
+                <a:latin typeface="Times New Roman" panose="02020603050405020304" pitchFamily="18" charset="0"/>
+                <a:cs typeface="Times New Roman" panose="02020603050405020304" pitchFamily="18" charset="0"/>
+              </a:rPr>
+              <a:t>sau</a:t>
+            </a:r>
+            <a:r>
+              <a:rPr lang="en-US" dirty="0">
+                <a:latin typeface="Times New Roman" panose="02020603050405020304" pitchFamily="18" charset="0"/>
+                <a:cs typeface="Times New Roman" panose="02020603050405020304" pitchFamily="18" charset="0"/>
+              </a:rPr>
+              <a:t> </a:t>
+            </a:r>
+            <a:r>
+              <a:rPr lang="en-US" dirty="0" err="1">
+                <a:latin typeface="Times New Roman" panose="02020603050405020304" pitchFamily="18" charset="0"/>
+                <a:cs typeface="Times New Roman" panose="02020603050405020304" pitchFamily="18" charset="0"/>
+              </a:rPr>
+              <a:t>mỗi</a:t>
+            </a:r>
+            <a:r>
+              <a:rPr lang="en-US" dirty="0">
+                <a:latin typeface="Times New Roman" panose="02020603050405020304" pitchFamily="18" charset="0"/>
+                <a:cs typeface="Times New Roman" panose="02020603050405020304" pitchFamily="18" charset="0"/>
+              </a:rPr>
+              <a:t> </a:t>
+            </a:r>
+            <a:r>
+              <a:rPr lang="en-US" dirty="0" err="1">
+                <a:latin typeface="Times New Roman" panose="02020603050405020304" pitchFamily="18" charset="0"/>
+                <a:cs typeface="Times New Roman" panose="02020603050405020304" pitchFamily="18" charset="0"/>
+              </a:rPr>
+              <a:t>lần</a:t>
+            </a:r>
+            <a:r>
+              <a:rPr lang="en-US" dirty="0">
+                <a:latin typeface="Times New Roman" panose="02020603050405020304" pitchFamily="18" charset="0"/>
+                <a:cs typeface="Times New Roman" panose="02020603050405020304" pitchFamily="18" charset="0"/>
+              </a:rPr>
+              <a:t> render</a:t>
+            </a:r>
+          </a:p>
+          <a:p>
+            <a:pPr marL="0" indent="0">
+              <a:buFont typeface="Arial" panose="020B0604020202020204" pitchFamily="34" charset="0"/>
+              <a:buNone/>
+            </a:pPr>
+            <a:endParaRPr lang="en-US" dirty="0"/>
+          </a:p>
+        </p:txBody>
+      </p:sp>
+      <p:sp>
+        <p:nvSpPr>
+          <p:cNvPr id="4" name="Slide Number Placeholder 3"/>
+          <p:cNvSpPr>
+            <a:spLocks noGrp="1"/>
+          </p:cNvSpPr>
+          <p:nvPr>
+            <p:ph type="sldNum" sz="quarter" idx="5"/>
+          </p:nvPr>
+        </p:nvSpPr>
+        <p:spPr/>
+        <p:txBody>
+          <a:bodyPr/>
+          <a:lstStyle/>
+          <a:p>
+            <a:fld id="{8D32EB80-73C6-458A-A3A2-9FD02E7DCC7B}" type="slidenum">
+              <a:rPr lang="en-US" smtClean="0"/>
+              <a:t>25</a:t>
+            </a:fld>
+            <a:endParaRPr lang="en-US"/>
+          </a:p>
+        </p:txBody>
+      </p:sp>
+    </p:spTree>
+    <p:extLst>
+      <p:ext uri="{BB962C8B-B14F-4D97-AF65-F5344CB8AC3E}">
+        <p14:creationId xmlns:p14="http://schemas.microsoft.com/office/powerpoint/2010/main" val="464473005"/>
+      </p:ext>
+    </p:extLst>
+  </p:cSld>
+  <p:clrMapOvr>
+    <a:masterClrMapping/>
+  </p:clrMapOvr>
+</p:notes>
+</file>
+
+<file path=ppt/notesSlides/notesSlide23.xml><?xml version="1.0" encoding="utf-8"?>
+<p:notes xmlns:a="http://schemas.openxmlformats.org/drawingml/2006/main" xmlns:r="http://schemas.openxmlformats.org/officeDocument/2006/relationships" xmlns:p="http://schemas.openxmlformats.org/presentationml/2006/main">
+  <p:cSld>
+    <p:spTree>
+      <p:nvGrpSpPr>
+        <p:cNvPr id="1" name=""/>
+        <p:cNvGrpSpPr/>
+        <p:nvPr/>
+      </p:nvGrpSpPr>
+      <p:grpSpPr>
+        <a:xfrm>
+          <a:off x="0" y="0"/>
+          <a:ext cx="0" cy="0"/>
+          <a:chOff x="0" y="0"/>
+          <a:chExt cx="0" cy="0"/>
+        </a:xfrm>
+      </p:grpSpPr>
+      <p:sp>
+        <p:nvSpPr>
+          <p:cNvPr id="2" name="Slide Image Placeholder 1"/>
+          <p:cNvSpPr>
+            <a:spLocks noGrp="1" noRot="1" noChangeAspect="1"/>
+          </p:cNvSpPr>
+          <p:nvPr>
+            <p:ph type="sldImg"/>
+          </p:nvPr>
+        </p:nvSpPr>
+        <p:spPr/>
+      </p:sp>
+      <p:sp>
+        <p:nvSpPr>
+          <p:cNvPr id="3" name="Notes Placeholder 2"/>
+          <p:cNvSpPr>
+            <a:spLocks noGrp="1"/>
+          </p:cNvSpPr>
+          <p:nvPr>
+            <p:ph type="body" idx="1"/>
+          </p:nvPr>
+        </p:nvSpPr>
+        <p:spPr/>
+        <p:txBody>
+          <a:bodyPr/>
+          <a:lstStyle/>
+          <a:p>
+            <a:pPr marL="285750" indent="-285750">
+              <a:spcBef>
+                <a:spcPts val="600"/>
+              </a:spcBef>
+              <a:spcAft>
+                <a:spcPts val="600"/>
+              </a:spcAft>
+              <a:buFont typeface="Arial" panose="020B0604020202020204" pitchFamily="34" charset="0"/>
+              <a:buChar char="•"/>
+            </a:pPr>
+            <a:r>
+              <a:rPr lang="en-US" dirty="0" err="1">
+                <a:latin typeface="Times New Roman" panose="02020603050405020304" pitchFamily="18" charset="0"/>
+                <a:cs typeface="Times New Roman" panose="02020603050405020304" pitchFamily="18" charset="0"/>
+              </a:rPr>
+              <a:t>Silde</a:t>
+            </a:r>
+            <a:r>
+              <a:rPr lang="en-US" dirty="0">
+                <a:latin typeface="Times New Roman" panose="02020603050405020304" pitchFamily="18" charset="0"/>
+                <a:cs typeface="Times New Roman" panose="02020603050405020304" pitchFamily="18" charset="0"/>
+              </a:rPr>
+              <a:t> effect </a:t>
+            </a:r>
+            <a:r>
+              <a:rPr lang="en-US" dirty="0" err="1">
+                <a:latin typeface="Times New Roman" panose="02020603050405020304" pitchFamily="18" charset="0"/>
+                <a:cs typeface="Times New Roman" panose="02020603050405020304" pitchFamily="18" charset="0"/>
+              </a:rPr>
+              <a:t>là</a:t>
+            </a:r>
+            <a:r>
+              <a:rPr lang="en-US" dirty="0">
+                <a:latin typeface="Times New Roman" panose="02020603050405020304" pitchFamily="18" charset="0"/>
+                <a:cs typeface="Times New Roman" panose="02020603050405020304" pitchFamily="18" charset="0"/>
+              </a:rPr>
+              <a:t> </a:t>
+            </a:r>
+            <a:r>
+              <a:rPr lang="en-US" dirty="0" err="1">
+                <a:latin typeface="Times New Roman" panose="02020603050405020304" pitchFamily="18" charset="0"/>
+                <a:cs typeface="Times New Roman" panose="02020603050405020304" pitchFamily="18" charset="0"/>
+              </a:rPr>
+              <a:t>những</a:t>
+            </a:r>
+            <a:r>
+              <a:rPr lang="en-US" dirty="0">
+                <a:latin typeface="Times New Roman" panose="02020603050405020304" pitchFamily="18" charset="0"/>
+                <a:cs typeface="Times New Roman" panose="02020603050405020304" pitchFamily="18" charset="0"/>
+              </a:rPr>
+              <a:t> </a:t>
+            </a:r>
+            <a:r>
+              <a:rPr lang="en-US" dirty="0" err="1">
+                <a:latin typeface="Times New Roman" panose="02020603050405020304" pitchFamily="18" charset="0"/>
+                <a:cs typeface="Times New Roman" panose="02020603050405020304" pitchFamily="18" charset="0"/>
+              </a:rPr>
+              <a:t>tác</a:t>
+            </a:r>
+            <a:r>
+              <a:rPr lang="en-US" dirty="0">
+                <a:latin typeface="Times New Roman" panose="02020603050405020304" pitchFamily="18" charset="0"/>
+                <a:cs typeface="Times New Roman" panose="02020603050405020304" pitchFamily="18" charset="0"/>
+              </a:rPr>
+              <a:t> </a:t>
+            </a:r>
+            <a:r>
+              <a:rPr lang="en-US" dirty="0" err="1">
+                <a:latin typeface="Times New Roman" panose="02020603050405020304" pitchFamily="18" charset="0"/>
+                <a:cs typeface="Times New Roman" panose="02020603050405020304" pitchFamily="18" charset="0"/>
+              </a:rPr>
+              <a:t>động</a:t>
+            </a:r>
+            <a:r>
+              <a:rPr lang="en-US" dirty="0">
+                <a:latin typeface="Times New Roman" panose="02020603050405020304" pitchFamily="18" charset="0"/>
+                <a:cs typeface="Times New Roman" panose="02020603050405020304" pitchFamily="18" charset="0"/>
+              </a:rPr>
+              <a:t> </a:t>
+            </a:r>
+            <a:r>
+              <a:rPr lang="en-US" dirty="0" err="1">
+                <a:latin typeface="Times New Roman" panose="02020603050405020304" pitchFamily="18" charset="0"/>
+                <a:cs typeface="Times New Roman" panose="02020603050405020304" pitchFamily="18" charset="0"/>
+              </a:rPr>
+              <a:t>bên</a:t>
+            </a:r>
+            <a:r>
+              <a:rPr lang="en-US" dirty="0">
+                <a:latin typeface="Times New Roman" panose="02020603050405020304" pitchFamily="18" charset="0"/>
+                <a:cs typeface="Times New Roman" panose="02020603050405020304" pitchFamily="18" charset="0"/>
+              </a:rPr>
+              <a:t> </a:t>
+            </a:r>
+            <a:r>
+              <a:rPr lang="en-US" dirty="0" err="1">
+                <a:latin typeface="Times New Roman" panose="02020603050405020304" pitchFamily="18" charset="0"/>
+                <a:cs typeface="Times New Roman" panose="02020603050405020304" pitchFamily="18" charset="0"/>
+              </a:rPr>
+              <a:t>ngoài</a:t>
+            </a:r>
+            <a:r>
+              <a:rPr lang="en-US" dirty="0">
+                <a:latin typeface="Times New Roman" panose="02020603050405020304" pitchFamily="18" charset="0"/>
+                <a:cs typeface="Times New Roman" panose="02020603050405020304" pitchFamily="18" charset="0"/>
+              </a:rPr>
+              <a:t> component : </a:t>
+            </a:r>
+            <a:r>
+              <a:rPr lang="en-US" dirty="0" err="1">
+                <a:latin typeface="Times New Roman" panose="02020603050405020304" pitchFamily="18" charset="0"/>
+                <a:cs typeface="Times New Roman" panose="02020603050405020304" pitchFamily="18" charset="0"/>
+              </a:rPr>
+              <a:t>setInterval</a:t>
+            </a:r>
+            <a:r>
+              <a:rPr lang="en-US" dirty="0">
+                <a:latin typeface="Times New Roman" panose="02020603050405020304" pitchFamily="18" charset="0"/>
+                <a:cs typeface="Times New Roman" panose="02020603050405020304" pitchFamily="18" charset="0"/>
+              </a:rPr>
+              <a:t> , call API …</a:t>
+            </a:r>
+          </a:p>
+          <a:p>
+            <a:pPr marL="285750" indent="-285750">
+              <a:spcBef>
+                <a:spcPts val="600"/>
+              </a:spcBef>
+              <a:spcAft>
+                <a:spcPts val="600"/>
+              </a:spcAft>
+              <a:buFont typeface="Arial" panose="020B0604020202020204" pitchFamily="34" charset="0"/>
+              <a:buChar char="•"/>
+            </a:pPr>
+            <a:r>
+              <a:rPr lang="en-US" dirty="0">
+                <a:latin typeface="Times New Roman" panose="02020603050405020304" pitchFamily="18" charset="0"/>
+                <a:cs typeface="Times New Roman" panose="02020603050405020304" pitchFamily="18" charset="0"/>
+              </a:rPr>
+              <a:t>Chia </a:t>
+            </a:r>
+            <a:r>
+              <a:rPr lang="en-US" dirty="0" err="1">
+                <a:latin typeface="Times New Roman" panose="02020603050405020304" pitchFamily="18" charset="0"/>
+                <a:cs typeface="Times New Roman" panose="02020603050405020304" pitchFamily="18" charset="0"/>
+              </a:rPr>
+              <a:t>làm</a:t>
+            </a:r>
+            <a:r>
+              <a:rPr lang="en-US" dirty="0">
+                <a:latin typeface="Times New Roman" panose="02020603050405020304" pitchFamily="18" charset="0"/>
+                <a:cs typeface="Times New Roman" panose="02020603050405020304" pitchFamily="18" charset="0"/>
+              </a:rPr>
+              <a:t> 2 </a:t>
+            </a:r>
+            <a:r>
+              <a:rPr lang="en-US" dirty="0" err="1">
+                <a:latin typeface="Times New Roman" panose="02020603050405020304" pitchFamily="18" charset="0"/>
+                <a:cs typeface="Times New Roman" panose="02020603050405020304" pitchFamily="18" charset="0"/>
+              </a:rPr>
+              <a:t>loại</a:t>
+            </a:r>
+            <a:r>
+              <a:rPr lang="en-US" dirty="0">
+                <a:latin typeface="Times New Roman" panose="02020603050405020304" pitchFamily="18" charset="0"/>
+                <a:cs typeface="Times New Roman" panose="02020603050405020304" pitchFamily="18" charset="0"/>
+              </a:rPr>
+              <a:t> :</a:t>
+            </a:r>
+          </a:p>
+          <a:p>
+            <a:pPr marL="742950" lvl="1" indent="-285750">
+              <a:spcBef>
+                <a:spcPts val="600"/>
+              </a:spcBef>
+              <a:spcAft>
+                <a:spcPts val="600"/>
+              </a:spcAft>
+              <a:buFont typeface="+mj-lt"/>
+              <a:buAutoNum type="arabicPeriod"/>
+            </a:pPr>
+            <a:r>
+              <a:rPr lang="en-US" dirty="0" err="1">
+                <a:latin typeface="Times New Roman" panose="02020603050405020304" pitchFamily="18" charset="0"/>
+                <a:cs typeface="Times New Roman" panose="02020603050405020304" pitchFamily="18" charset="0"/>
+              </a:rPr>
+              <a:t>Cần</a:t>
+            </a:r>
+            <a:r>
+              <a:rPr lang="en-US" dirty="0">
+                <a:latin typeface="Times New Roman" panose="02020603050405020304" pitchFamily="18" charset="0"/>
+                <a:cs typeface="Times New Roman" panose="02020603050405020304" pitchFamily="18" charset="0"/>
+              </a:rPr>
+              <a:t> </a:t>
+            </a:r>
+            <a:r>
+              <a:rPr lang="en-US" dirty="0" err="1">
+                <a:latin typeface="Times New Roman" panose="02020603050405020304" pitchFamily="18" charset="0"/>
+                <a:cs typeface="Times New Roman" panose="02020603050405020304" pitchFamily="18" charset="0"/>
+              </a:rPr>
+              <a:t>phải</a:t>
+            </a:r>
+            <a:r>
+              <a:rPr lang="en-US" dirty="0">
+                <a:latin typeface="Times New Roman" panose="02020603050405020304" pitchFamily="18" charset="0"/>
+                <a:cs typeface="Times New Roman" panose="02020603050405020304" pitchFamily="18" charset="0"/>
+              </a:rPr>
+              <a:t> clean up</a:t>
+            </a:r>
+          </a:p>
+          <a:p>
+            <a:pPr marL="742950" lvl="1" indent="-285750">
+              <a:spcBef>
+                <a:spcPts val="600"/>
+              </a:spcBef>
+              <a:spcAft>
+                <a:spcPts val="600"/>
+              </a:spcAft>
+              <a:buFont typeface="+mj-lt"/>
+              <a:buAutoNum type="arabicPeriod"/>
+            </a:pPr>
+            <a:r>
+              <a:rPr lang="en-US" dirty="0">
+                <a:latin typeface="Times New Roman" panose="02020603050405020304" pitchFamily="18" charset="0"/>
+                <a:cs typeface="Times New Roman" panose="02020603050405020304" pitchFamily="18" charset="0"/>
+              </a:rPr>
+              <a:t>Ko </a:t>
+            </a:r>
+            <a:r>
+              <a:rPr lang="en-US" dirty="0" err="1">
+                <a:latin typeface="Times New Roman" panose="02020603050405020304" pitchFamily="18" charset="0"/>
+                <a:cs typeface="Times New Roman" panose="02020603050405020304" pitchFamily="18" charset="0"/>
+              </a:rPr>
+              <a:t>cần</a:t>
+            </a:r>
+            <a:r>
+              <a:rPr lang="en-US" dirty="0">
+                <a:latin typeface="Times New Roman" panose="02020603050405020304" pitchFamily="18" charset="0"/>
+                <a:cs typeface="Times New Roman" panose="02020603050405020304" pitchFamily="18" charset="0"/>
+              </a:rPr>
+              <a:t> </a:t>
+            </a:r>
+            <a:r>
+              <a:rPr lang="en-US" dirty="0" err="1">
+                <a:latin typeface="Times New Roman" panose="02020603050405020304" pitchFamily="18" charset="0"/>
+                <a:cs typeface="Times New Roman" panose="02020603050405020304" pitchFamily="18" charset="0"/>
+              </a:rPr>
+              <a:t>phải</a:t>
+            </a:r>
+            <a:r>
+              <a:rPr lang="en-US" dirty="0">
+                <a:latin typeface="Times New Roman" panose="02020603050405020304" pitchFamily="18" charset="0"/>
+                <a:cs typeface="Times New Roman" panose="02020603050405020304" pitchFamily="18" charset="0"/>
+              </a:rPr>
+              <a:t> clean up</a:t>
+            </a:r>
+          </a:p>
+          <a:p>
+            <a:pPr marL="285750" indent="-285750">
+              <a:spcBef>
+                <a:spcPts val="600"/>
+              </a:spcBef>
+              <a:spcAft>
+                <a:spcPts val="600"/>
+              </a:spcAft>
+              <a:buFont typeface="Arial" panose="020B0604020202020204" pitchFamily="34" charset="0"/>
+              <a:buChar char="•"/>
+            </a:pPr>
+            <a:r>
+              <a:rPr lang="en-US" dirty="0" err="1">
+                <a:latin typeface="Times New Roman" panose="02020603050405020304" pitchFamily="18" charset="0"/>
+                <a:cs typeface="Times New Roman" panose="02020603050405020304" pitchFamily="18" charset="0"/>
+              </a:rPr>
+              <a:t>Là</a:t>
+            </a:r>
+            <a:r>
+              <a:rPr lang="en-US" dirty="0">
+                <a:latin typeface="Times New Roman" panose="02020603050405020304" pitchFamily="18" charset="0"/>
+                <a:cs typeface="Times New Roman" panose="02020603050405020304" pitchFamily="18" charset="0"/>
+              </a:rPr>
+              <a:t> 1 hook c</a:t>
+            </a:r>
+            <a:r>
+              <a:rPr lang="vi-VN" dirty="0">
+                <a:latin typeface="Times New Roman" panose="02020603050405020304" pitchFamily="18" charset="0"/>
+                <a:cs typeface="Times New Roman" panose="02020603050405020304" pitchFamily="18" charset="0"/>
+              </a:rPr>
+              <a:t>ơ</a:t>
+            </a:r>
+            <a:r>
+              <a:rPr lang="en-US" dirty="0">
+                <a:latin typeface="Times New Roman" panose="02020603050405020304" pitchFamily="18" charset="0"/>
+                <a:cs typeface="Times New Roman" panose="02020603050405020304" pitchFamily="18" charset="0"/>
+              </a:rPr>
+              <a:t> </a:t>
+            </a:r>
+            <a:r>
+              <a:rPr lang="en-US" dirty="0" err="1">
+                <a:latin typeface="Times New Roman" panose="02020603050405020304" pitchFamily="18" charset="0"/>
+                <a:cs typeface="Times New Roman" panose="02020603050405020304" pitchFamily="18" charset="0"/>
+              </a:rPr>
+              <a:t>bản</a:t>
+            </a:r>
+            <a:r>
+              <a:rPr lang="en-US" dirty="0">
+                <a:latin typeface="Times New Roman" panose="02020603050405020304" pitchFamily="18" charset="0"/>
+                <a:cs typeface="Times New Roman" panose="02020603050405020304" pitchFamily="18" charset="0"/>
+              </a:rPr>
+              <a:t> </a:t>
+            </a:r>
+            <a:r>
+              <a:rPr lang="en-US" dirty="0" err="1">
+                <a:latin typeface="Times New Roman" panose="02020603050405020304" pitchFamily="18" charset="0"/>
+                <a:cs typeface="Times New Roman" panose="02020603050405020304" pitchFamily="18" charset="0"/>
+              </a:rPr>
+              <a:t>trong</a:t>
+            </a:r>
+            <a:r>
+              <a:rPr lang="en-US" dirty="0">
+                <a:latin typeface="Times New Roman" panose="02020603050405020304" pitchFamily="18" charset="0"/>
+                <a:cs typeface="Times New Roman" panose="02020603050405020304" pitchFamily="18" charset="0"/>
+              </a:rPr>
+              <a:t> react hook</a:t>
+            </a:r>
+          </a:p>
+          <a:p>
+            <a:pPr marL="285750" indent="-285750">
+              <a:spcBef>
+                <a:spcPts val="600"/>
+              </a:spcBef>
+              <a:spcAft>
+                <a:spcPts val="600"/>
+              </a:spcAft>
+              <a:buFont typeface="Arial" panose="020B0604020202020204" pitchFamily="34" charset="0"/>
+              <a:buChar char="•"/>
+            </a:pPr>
+            <a:r>
+              <a:rPr lang="en-US" dirty="0" err="1">
+                <a:latin typeface="Times New Roman" panose="02020603050405020304" pitchFamily="18" charset="0"/>
+                <a:cs typeface="Times New Roman" panose="02020603050405020304" pitchFamily="18" charset="0"/>
+              </a:rPr>
+              <a:t>Sử</a:t>
+            </a:r>
+            <a:r>
+              <a:rPr lang="en-US" dirty="0">
+                <a:latin typeface="Times New Roman" panose="02020603050405020304" pitchFamily="18" charset="0"/>
+                <a:cs typeface="Times New Roman" panose="02020603050405020304" pitchFamily="18" charset="0"/>
+              </a:rPr>
+              <a:t> </a:t>
+            </a:r>
+            <a:r>
+              <a:rPr lang="en-US" dirty="0" err="1">
+                <a:latin typeface="Times New Roman" panose="02020603050405020304" pitchFamily="18" charset="0"/>
+                <a:cs typeface="Times New Roman" panose="02020603050405020304" pitchFamily="18" charset="0"/>
+              </a:rPr>
+              <a:t>dụng</a:t>
+            </a:r>
+            <a:r>
+              <a:rPr lang="en-US" dirty="0">
+                <a:latin typeface="Times New Roman" panose="02020603050405020304" pitchFamily="18" charset="0"/>
+                <a:cs typeface="Times New Roman" panose="02020603050405020304" pitchFamily="18" charset="0"/>
+              </a:rPr>
+              <a:t> </a:t>
+            </a:r>
+            <a:r>
+              <a:rPr lang="en-US" dirty="0" err="1">
+                <a:latin typeface="Times New Roman" panose="02020603050405020304" pitchFamily="18" charset="0"/>
+                <a:cs typeface="Times New Roman" panose="02020603050405020304" pitchFamily="18" charset="0"/>
+              </a:rPr>
+              <a:t>cho</a:t>
+            </a:r>
+            <a:r>
+              <a:rPr lang="en-US" dirty="0">
+                <a:latin typeface="Times New Roman" panose="02020603050405020304" pitchFamily="18" charset="0"/>
+                <a:cs typeface="Times New Roman" panose="02020603050405020304" pitchFamily="18" charset="0"/>
+              </a:rPr>
+              <a:t> side effects</a:t>
+            </a:r>
+          </a:p>
+          <a:p>
+            <a:pPr marL="285750" indent="-285750">
+              <a:spcBef>
+                <a:spcPts val="600"/>
+              </a:spcBef>
+              <a:spcAft>
+                <a:spcPts val="600"/>
+              </a:spcAft>
+              <a:buFont typeface="Arial" panose="020B0604020202020204" pitchFamily="34" charset="0"/>
+              <a:buChar char="•"/>
+            </a:pPr>
+            <a:r>
+              <a:rPr lang="en-US" dirty="0">
+                <a:latin typeface="Times New Roman" panose="02020603050405020304" pitchFamily="18" charset="0"/>
+                <a:cs typeface="Times New Roman" panose="02020603050405020304" pitchFamily="18" charset="0"/>
+              </a:rPr>
+              <a:t>Bao </a:t>
+            </a:r>
+            <a:r>
+              <a:rPr lang="en-US" dirty="0" err="1">
+                <a:latin typeface="Times New Roman" panose="02020603050405020304" pitchFamily="18" charset="0"/>
+                <a:cs typeface="Times New Roman" panose="02020603050405020304" pitchFamily="18" charset="0"/>
+              </a:rPr>
+              <a:t>gồm</a:t>
+            </a:r>
+            <a:r>
+              <a:rPr lang="en-US" dirty="0">
+                <a:latin typeface="Times New Roman" panose="02020603050405020304" pitchFamily="18" charset="0"/>
+                <a:cs typeface="Times New Roman" panose="02020603050405020304" pitchFamily="18" charset="0"/>
+              </a:rPr>
+              <a:t> 2 </a:t>
+            </a:r>
+            <a:r>
+              <a:rPr lang="en-US" dirty="0" err="1">
+                <a:latin typeface="Times New Roman" panose="02020603050405020304" pitchFamily="18" charset="0"/>
+                <a:cs typeface="Times New Roman" panose="02020603050405020304" pitchFamily="18" charset="0"/>
+              </a:rPr>
+              <a:t>thành</a:t>
+            </a:r>
+            <a:r>
+              <a:rPr lang="en-US" dirty="0">
+                <a:latin typeface="Times New Roman" panose="02020603050405020304" pitchFamily="18" charset="0"/>
+                <a:cs typeface="Times New Roman" panose="02020603050405020304" pitchFamily="18" charset="0"/>
+              </a:rPr>
+              <a:t> </a:t>
+            </a:r>
+            <a:r>
+              <a:rPr lang="en-US" dirty="0" err="1">
+                <a:latin typeface="Times New Roman" panose="02020603050405020304" pitchFamily="18" charset="0"/>
+                <a:cs typeface="Times New Roman" panose="02020603050405020304" pitchFamily="18" charset="0"/>
+              </a:rPr>
+              <a:t>phần</a:t>
+            </a:r>
+            <a:r>
+              <a:rPr lang="en-US" dirty="0">
+                <a:latin typeface="Times New Roman" panose="02020603050405020304" pitchFamily="18" charset="0"/>
+                <a:cs typeface="Times New Roman" panose="02020603050405020304" pitchFamily="18" charset="0"/>
+              </a:rPr>
+              <a:t> : </a:t>
+            </a:r>
+            <a:r>
+              <a:rPr lang="en-US" dirty="0" err="1">
+                <a:latin typeface="Times New Roman" panose="02020603050405020304" pitchFamily="18" charset="0"/>
+                <a:cs typeface="Times New Roman" panose="02020603050405020304" pitchFamily="18" charset="0"/>
+              </a:rPr>
+              <a:t>silde</a:t>
+            </a:r>
+            <a:r>
+              <a:rPr lang="en-US" dirty="0">
+                <a:latin typeface="Times New Roman" panose="02020603050405020304" pitchFamily="18" charset="0"/>
+                <a:cs typeface="Times New Roman" panose="02020603050405020304" pitchFamily="18" charset="0"/>
+              </a:rPr>
+              <a:t> effect </a:t>
+            </a:r>
+            <a:r>
+              <a:rPr lang="en-US" dirty="0" err="1">
+                <a:latin typeface="Times New Roman" panose="02020603050405020304" pitchFamily="18" charset="0"/>
+                <a:cs typeface="Times New Roman" panose="02020603050405020304" pitchFamily="18" charset="0"/>
+              </a:rPr>
+              <a:t>và</a:t>
+            </a:r>
+            <a:r>
+              <a:rPr lang="en-US" dirty="0">
+                <a:latin typeface="Times New Roman" panose="02020603050405020304" pitchFamily="18" charset="0"/>
+                <a:cs typeface="Times New Roman" panose="02020603050405020304" pitchFamily="18" charset="0"/>
+              </a:rPr>
+              <a:t> clean up (optional)</a:t>
+            </a:r>
+          </a:p>
+          <a:p>
+            <a:pPr marL="285750" indent="-285750">
+              <a:spcBef>
+                <a:spcPts val="600"/>
+              </a:spcBef>
+              <a:spcAft>
+                <a:spcPts val="600"/>
+              </a:spcAft>
+              <a:buFont typeface="Arial" panose="020B0604020202020204" pitchFamily="34" charset="0"/>
+              <a:buChar char="•"/>
+            </a:pPr>
+            <a:r>
+              <a:rPr lang="en-US" dirty="0">
+                <a:latin typeface="Times New Roman" panose="02020603050405020304" pitchFamily="18" charset="0"/>
+                <a:cs typeface="Times New Roman" panose="02020603050405020304" pitchFamily="18" charset="0"/>
+              </a:rPr>
+              <a:t>Đ</a:t>
+            </a:r>
+            <a:r>
+              <a:rPr lang="vi-VN" dirty="0">
+                <a:latin typeface="Times New Roman" panose="02020603050405020304" pitchFamily="18" charset="0"/>
+                <a:cs typeface="Times New Roman" panose="02020603050405020304" pitchFamily="18" charset="0"/>
+              </a:rPr>
+              <a:t>ư</a:t>
+            </a:r>
+            <a:r>
+              <a:rPr lang="en-US" dirty="0" err="1">
+                <a:latin typeface="Times New Roman" panose="02020603050405020304" pitchFamily="18" charset="0"/>
+                <a:cs typeface="Times New Roman" panose="02020603050405020304" pitchFamily="18" charset="0"/>
+              </a:rPr>
+              <a:t>ợc</a:t>
+            </a:r>
+            <a:r>
+              <a:rPr lang="en-US" dirty="0">
+                <a:latin typeface="Times New Roman" panose="02020603050405020304" pitchFamily="18" charset="0"/>
+                <a:cs typeface="Times New Roman" panose="02020603050405020304" pitchFamily="18" charset="0"/>
+              </a:rPr>
+              <a:t> </a:t>
+            </a:r>
+            <a:r>
+              <a:rPr lang="en-US" dirty="0" err="1">
+                <a:latin typeface="Times New Roman" panose="02020603050405020304" pitchFamily="18" charset="0"/>
+                <a:cs typeface="Times New Roman" panose="02020603050405020304" pitchFamily="18" charset="0"/>
+              </a:rPr>
+              <a:t>thực</a:t>
+            </a:r>
+            <a:r>
+              <a:rPr lang="en-US" dirty="0">
+                <a:latin typeface="Times New Roman" panose="02020603050405020304" pitchFamily="18" charset="0"/>
+                <a:cs typeface="Times New Roman" panose="02020603050405020304" pitchFamily="18" charset="0"/>
+              </a:rPr>
+              <a:t> </a:t>
+            </a:r>
+            <a:r>
+              <a:rPr lang="en-US" dirty="0" err="1">
+                <a:latin typeface="Times New Roman" panose="02020603050405020304" pitchFamily="18" charset="0"/>
+                <a:cs typeface="Times New Roman" panose="02020603050405020304" pitchFamily="18" charset="0"/>
+              </a:rPr>
+              <a:t>hiện</a:t>
+            </a:r>
+            <a:r>
+              <a:rPr lang="en-US" dirty="0">
+                <a:latin typeface="Times New Roman" panose="02020603050405020304" pitchFamily="18" charset="0"/>
+                <a:cs typeface="Times New Roman" panose="02020603050405020304" pitchFamily="18" charset="0"/>
+              </a:rPr>
+              <a:t> </a:t>
+            </a:r>
+            <a:r>
+              <a:rPr lang="en-US" dirty="0" err="1">
+                <a:latin typeface="Times New Roman" panose="02020603050405020304" pitchFamily="18" charset="0"/>
+                <a:cs typeface="Times New Roman" panose="02020603050405020304" pitchFamily="18" charset="0"/>
+              </a:rPr>
+              <a:t>sau</a:t>
+            </a:r>
+            <a:r>
+              <a:rPr lang="en-US" dirty="0">
+                <a:latin typeface="Times New Roman" panose="02020603050405020304" pitchFamily="18" charset="0"/>
+                <a:cs typeface="Times New Roman" panose="02020603050405020304" pitchFamily="18" charset="0"/>
+              </a:rPr>
+              <a:t> </a:t>
+            </a:r>
+            <a:r>
+              <a:rPr lang="en-US" dirty="0" err="1">
+                <a:latin typeface="Times New Roman" panose="02020603050405020304" pitchFamily="18" charset="0"/>
+                <a:cs typeface="Times New Roman" panose="02020603050405020304" pitchFamily="18" charset="0"/>
+              </a:rPr>
+              <a:t>mỗi</a:t>
+            </a:r>
+            <a:r>
+              <a:rPr lang="en-US" dirty="0">
+                <a:latin typeface="Times New Roman" panose="02020603050405020304" pitchFamily="18" charset="0"/>
+                <a:cs typeface="Times New Roman" panose="02020603050405020304" pitchFamily="18" charset="0"/>
+              </a:rPr>
+              <a:t> </a:t>
+            </a:r>
+            <a:r>
+              <a:rPr lang="en-US" dirty="0" err="1">
+                <a:latin typeface="Times New Roman" panose="02020603050405020304" pitchFamily="18" charset="0"/>
+                <a:cs typeface="Times New Roman" panose="02020603050405020304" pitchFamily="18" charset="0"/>
+              </a:rPr>
+              <a:t>lần</a:t>
+            </a:r>
+            <a:r>
+              <a:rPr lang="en-US" dirty="0">
+                <a:latin typeface="Times New Roman" panose="02020603050405020304" pitchFamily="18" charset="0"/>
+                <a:cs typeface="Times New Roman" panose="02020603050405020304" pitchFamily="18" charset="0"/>
+              </a:rPr>
+              <a:t> render</a:t>
+            </a:r>
+          </a:p>
+          <a:p>
+            <a:pPr marL="0" indent="0">
+              <a:buFont typeface="Arial" panose="020B0604020202020204" pitchFamily="34" charset="0"/>
+              <a:buNone/>
+            </a:pPr>
+            <a:endParaRPr lang="en-US" dirty="0"/>
+          </a:p>
+        </p:txBody>
+      </p:sp>
+      <p:sp>
+        <p:nvSpPr>
+          <p:cNvPr id="4" name="Slide Number Placeholder 3"/>
+          <p:cNvSpPr>
+            <a:spLocks noGrp="1"/>
+          </p:cNvSpPr>
+          <p:nvPr>
+            <p:ph type="sldNum" sz="quarter" idx="5"/>
+          </p:nvPr>
+        </p:nvSpPr>
+        <p:spPr/>
+        <p:txBody>
+          <a:bodyPr/>
+          <a:lstStyle/>
+          <a:p>
+            <a:fld id="{8D32EB80-73C6-458A-A3A2-9FD02E7DCC7B}" type="slidenum">
+              <a:rPr lang="en-US" smtClean="0"/>
+              <a:t>26</a:t>
+            </a:fld>
+            <a:endParaRPr lang="en-US"/>
+          </a:p>
+        </p:txBody>
+      </p:sp>
+    </p:spTree>
+    <p:extLst>
+      <p:ext uri="{BB962C8B-B14F-4D97-AF65-F5344CB8AC3E}">
+        <p14:creationId xmlns:p14="http://schemas.microsoft.com/office/powerpoint/2010/main" val="3718206165"/>
+      </p:ext>
+    </p:extLst>
+  </p:cSld>
+  <p:clrMapOvr>
+    <a:masterClrMapping/>
+  </p:clrMapOvr>
+</p:notes>
+</file>
+
+<file path=ppt/notesSlides/notesSlide24.xml><?xml version="1.0" encoding="utf-8"?>
+<p:notes xmlns:a="http://schemas.openxmlformats.org/drawingml/2006/main" xmlns:r="http://schemas.openxmlformats.org/officeDocument/2006/relationships" xmlns:p="http://schemas.openxmlformats.org/presentationml/2006/main">
+  <p:cSld>
+    <p:spTree>
+      <p:nvGrpSpPr>
+        <p:cNvPr id="1" name=""/>
+        <p:cNvGrpSpPr/>
+        <p:nvPr/>
+      </p:nvGrpSpPr>
+      <p:grpSpPr>
+        <a:xfrm>
+          <a:off x="0" y="0"/>
+          <a:ext cx="0" cy="0"/>
+          <a:chOff x="0" y="0"/>
+          <a:chExt cx="0" cy="0"/>
+        </a:xfrm>
+      </p:grpSpPr>
+      <p:sp>
+        <p:nvSpPr>
+          <p:cNvPr id="2" name="Slide Image Placeholder 1"/>
+          <p:cNvSpPr>
+            <a:spLocks noGrp="1" noRot="1" noChangeAspect="1"/>
+          </p:cNvSpPr>
+          <p:nvPr>
+            <p:ph type="sldImg"/>
+          </p:nvPr>
+        </p:nvSpPr>
+        <p:spPr/>
+      </p:sp>
+      <p:sp>
+        <p:nvSpPr>
+          <p:cNvPr id="3" name="Notes Placeholder 2"/>
+          <p:cNvSpPr>
+            <a:spLocks noGrp="1"/>
+          </p:cNvSpPr>
+          <p:nvPr>
+            <p:ph type="body" idx="1"/>
+          </p:nvPr>
+        </p:nvSpPr>
+        <p:spPr/>
+        <p:txBody>
+          <a:bodyPr/>
+          <a:lstStyle/>
+          <a:p>
+            <a:pPr marL="285750" indent="-285750">
+              <a:spcBef>
+                <a:spcPts val="600"/>
+              </a:spcBef>
+              <a:spcAft>
+                <a:spcPts val="600"/>
+              </a:spcAft>
+              <a:buFont typeface="Arial" panose="020B0604020202020204" pitchFamily="34" charset="0"/>
+              <a:buChar char="•"/>
+            </a:pPr>
+            <a:r>
+              <a:rPr lang="en-US" dirty="0" err="1">
+                <a:latin typeface="Times New Roman" panose="02020603050405020304" pitchFamily="18" charset="0"/>
+                <a:cs typeface="Times New Roman" panose="02020603050405020304" pitchFamily="18" charset="0"/>
+              </a:rPr>
+              <a:t>Silde</a:t>
+            </a:r>
+            <a:r>
+              <a:rPr lang="en-US" dirty="0">
+                <a:latin typeface="Times New Roman" panose="02020603050405020304" pitchFamily="18" charset="0"/>
+                <a:cs typeface="Times New Roman" panose="02020603050405020304" pitchFamily="18" charset="0"/>
+              </a:rPr>
+              <a:t> effect </a:t>
+            </a:r>
+            <a:r>
+              <a:rPr lang="en-US" dirty="0" err="1">
+                <a:latin typeface="Times New Roman" panose="02020603050405020304" pitchFamily="18" charset="0"/>
+                <a:cs typeface="Times New Roman" panose="02020603050405020304" pitchFamily="18" charset="0"/>
+              </a:rPr>
+              <a:t>là</a:t>
+            </a:r>
+            <a:r>
+              <a:rPr lang="en-US" dirty="0">
+                <a:latin typeface="Times New Roman" panose="02020603050405020304" pitchFamily="18" charset="0"/>
+                <a:cs typeface="Times New Roman" panose="02020603050405020304" pitchFamily="18" charset="0"/>
+              </a:rPr>
+              <a:t> </a:t>
+            </a:r>
+            <a:r>
+              <a:rPr lang="en-US" dirty="0" err="1">
+                <a:latin typeface="Times New Roman" panose="02020603050405020304" pitchFamily="18" charset="0"/>
+                <a:cs typeface="Times New Roman" panose="02020603050405020304" pitchFamily="18" charset="0"/>
+              </a:rPr>
+              <a:t>những</a:t>
+            </a:r>
+            <a:r>
+              <a:rPr lang="en-US" dirty="0">
+                <a:latin typeface="Times New Roman" panose="02020603050405020304" pitchFamily="18" charset="0"/>
+                <a:cs typeface="Times New Roman" panose="02020603050405020304" pitchFamily="18" charset="0"/>
+              </a:rPr>
+              <a:t> </a:t>
+            </a:r>
+            <a:r>
+              <a:rPr lang="en-US" dirty="0" err="1">
+                <a:latin typeface="Times New Roman" panose="02020603050405020304" pitchFamily="18" charset="0"/>
+                <a:cs typeface="Times New Roman" panose="02020603050405020304" pitchFamily="18" charset="0"/>
+              </a:rPr>
+              <a:t>tác</a:t>
+            </a:r>
+            <a:r>
+              <a:rPr lang="en-US" dirty="0">
+                <a:latin typeface="Times New Roman" panose="02020603050405020304" pitchFamily="18" charset="0"/>
+                <a:cs typeface="Times New Roman" panose="02020603050405020304" pitchFamily="18" charset="0"/>
+              </a:rPr>
+              <a:t> </a:t>
+            </a:r>
+            <a:r>
+              <a:rPr lang="en-US" dirty="0" err="1">
+                <a:latin typeface="Times New Roman" panose="02020603050405020304" pitchFamily="18" charset="0"/>
+                <a:cs typeface="Times New Roman" panose="02020603050405020304" pitchFamily="18" charset="0"/>
+              </a:rPr>
+              <a:t>động</a:t>
+            </a:r>
+            <a:r>
+              <a:rPr lang="en-US" dirty="0">
+                <a:latin typeface="Times New Roman" panose="02020603050405020304" pitchFamily="18" charset="0"/>
+                <a:cs typeface="Times New Roman" panose="02020603050405020304" pitchFamily="18" charset="0"/>
+              </a:rPr>
+              <a:t> </a:t>
+            </a:r>
+            <a:r>
+              <a:rPr lang="en-US" dirty="0" err="1">
+                <a:latin typeface="Times New Roman" panose="02020603050405020304" pitchFamily="18" charset="0"/>
+                <a:cs typeface="Times New Roman" panose="02020603050405020304" pitchFamily="18" charset="0"/>
+              </a:rPr>
+              <a:t>bên</a:t>
+            </a:r>
+            <a:r>
+              <a:rPr lang="en-US" dirty="0">
+                <a:latin typeface="Times New Roman" panose="02020603050405020304" pitchFamily="18" charset="0"/>
+                <a:cs typeface="Times New Roman" panose="02020603050405020304" pitchFamily="18" charset="0"/>
+              </a:rPr>
+              <a:t> </a:t>
+            </a:r>
+            <a:r>
+              <a:rPr lang="en-US" dirty="0" err="1">
+                <a:latin typeface="Times New Roman" panose="02020603050405020304" pitchFamily="18" charset="0"/>
+                <a:cs typeface="Times New Roman" panose="02020603050405020304" pitchFamily="18" charset="0"/>
+              </a:rPr>
+              <a:t>ngoài</a:t>
+            </a:r>
+            <a:r>
+              <a:rPr lang="en-US" dirty="0">
+                <a:latin typeface="Times New Roman" panose="02020603050405020304" pitchFamily="18" charset="0"/>
+                <a:cs typeface="Times New Roman" panose="02020603050405020304" pitchFamily="18" charset="0"/>
+              </a:rPr>
+              <a:t> component : </a:t>
+            </a:r>
+            <a:r>
+              <a:rPr lang="en-US" dirty="0" err="1">
+                <a:latin typeface="Times New Roman" panose="02020603050405020304" pitchFamily="18" charset="0"/>
+                <a:cs typeface="Times New Roman" panose="02020603050405020304" pitchFamily="18" charset="0"/>
+              </a:rPr>
+              <a:t>setInterval</a:t>
+            </a:r>
+            <a:r>
+              <a:rPr lang="en-US" dirty="0">
+                <a:latin typeface="Times New Roman" panose="02020603050405020304" pitchFamily="18" charset="0"/>
+                <a:cs typeface="Times New Roman" panose="02020603050405020304" pitchFamily="18" charset="0"/>
+              </a:rPr>
+              <a:t> , call API …</a:t>
+            </a:r>
+          </a:p>
+          <a:p>
+            <a:pPr marL="285750" indent="-285750">
+              <a:spcBef>
+                <a:spcPts val="600"/>
+              </a:spcBef>
+              <a:spcAft>
+                <a:spcPts val="600"/>
+              </a:spcAft>
+              <a:buFont typeface="Arial" panose="020B0604020202020204" pitchFamily="34" charset="0"/>
+              <a:buChar char="•"/>
+            </a:pPr>
+            <a:r>
+              <a:rPr lang="en-US" dirty="0">
+                <a:latin typeface="Times New Roman" panose="02020603050405020304" pitchFamily="18" charset="0"/>
+                <a:cs typeface="Times New Roman" panose="02020603050405020304" pitchFamily="18" charset="0"/>
+              </a:rPr>
+              <a:t>Chia </a:t>
+            </a:r>
+            <a:r>
+              <a:rPr lang="en-US" dirty="0" err="1">
+                <a:latin typeface="Times New Roman" panose="02020603050405020304" pitchFamily="18" charset="0"/>
+                <a:cs typeface="Times New Roman" panose="02020603050405020304" pitchFamily="18" charset="0"/>
+              </a:rPr>
+              <a:t>làm</a:t>
+            </a:r>
+            <a:r>
+              <a:rPr lang="en-US" dirty="0">
+                <a:latin typeface="Times New Roman" panose="02020603050405020304" pitchFamily="18" charset="0"/>
+                <a:cs typeface="Times New Roman" panose="02020603050405020304" pitchFamily="18" charset="0"/>
+              </a:rPr>
+              <a:t> 2 </a:t>
+            </a:r>
+            <a:r>
+              <a:rPr lang="en-US" dirty="0" err="1">
+                <a:latin typeface="Times New Roman" panose="02020603050405020304" pitchFamily="18" charset="0"/>
+                <a:cs typeface="Times New Roman" panose="02020603050405020304" pitchFamily="18" charset="0"/>
+              </a:rPr>
+              <a:t>loại</a:t>
+            </a:r>
+            <a:r>
+              <a:rPr lang="en-US" dirty="0">
+                <a:latin typeface="Times New Roman" panose="02020603050405020304" pitchFamily="18" charset="0"/>
+                <a:cs typeface="Times New Roman" panose="02020603050405020304" pitchFamily="18" charset="0"/>
+              </a:rPr>
+              <a:t> :</a:t>
+            </a:r>
+          </a:p>
+          <a:p>
+            <a:pPr marL="742950" lvl="1" indent="-285750">
+              <a:spcBef>
+                <a:spcPts val="600"/>
+              </a:spcBef>
+              <a:spcAft>
+                <a:spcPts val="600"/>
+              </a:spcAft>
+              <a:buFont typeface="+mj-lt"/>
+              <a:buAutoNum type="arabicPeriod"/>
+            </a:pPr>
+            <a:r>
+              <a:rPr lang="en-US" dirty="0" err="1">
+                <a:latin typeface="Times New Roman" panose="02020603050405020304" pitchFamily="18" charset="0"/>
+                <a:cs typeface="Times New Roman" panose="02020603050405020304" pitchFamily="18" charset="0"/>
+              </a:rPr>
+              <a:t>Cần</a:t>
+            </a:r>
+            <a:r>
+              <a:rPr lang="en-US" dirty="0">
+                <a:latin typeface="Times New Roman" panose="02020603050405020304" pitchFamily="18" charset="0"/>
+                <a:cs typeface="Times New Roman" panose="02020603050405020304" pitchFamily="18" charset="0"/>
+              </a:rPr>
+              <a:t> </a:t>
+            </a:r>
+            <a:r>
+              <a:rPr lang="en-US" dirty="0" err="1">
+                <a:latin typeface="Times New Roman" panose="02020603050405020304" pitchFamily="18" charset="0"/>
+                <a:cs typeface="Times New Roman" panose="02020603050405020304" pitchFamily="18" charset="0"/>
+              </a:rPr>
+              <a:t>phải</a:t>
+            </a:r>
+            <a:r>
+              <a:rPr lang="en-US" dirty="0">
+                <a:latin typeface="Times New Roman" panose="02020603050405020304" pitchFamily="18" charset="0"/>
+                <a:cs typeface="Times New Roman" panose="02020603050405020304" pitchFamily="18" charset="0"/>
+              </a:rPr>
+              <a:t> clean up</a:t>
+            </a:r>
+          </a:p>
+          <a:p>
+            <a:pPr marL="742950" lvl="1" indent="-285750">
+              <a:spcBef>
+                <a:spcPts val="600"/>
+              </a:spcBef>
+              <a:spcAft>
+                <a:spcPts val="600"/>
+              </a:spcAft>
+              <a:buFont typeface="+mj-lt"/>
+              <a:buAutoNum type="arabicPeriod"/>
+            </a:pPr>
+            <a:r>
+              <a:rPr lang="en-US" dirty="0">
+                <a:latin typeface="Times New Roman" panose="02020603050405020304" pitchFamily="18" charset="0"/>
+                <a:cs typeface="Times New Roman" panose="02020603050405020304" pitchFamily="18" charset="0"/>
+              </a:rPr>
+              <a:t>Ko </a:t>
+            </a:r>
+            <a:r>
+              <a:rPr lang="en-US" dirty="0" err="1">
+                <a:latin typeface="Times New Roman" panose="02020603050405020304" pitchFamily="18" charset="0"/>
+                <a:cs typeface="Times New Roman" panose="02020603050405020304" pitchFamily="18" charset="0"/>
+              </a:rPr>
+              <a:t>cần</a:t>
+            </a:r>
+            <a:r>
+              <a:rPr lang="en-US" dirty="0">
+                <a:latin typeface="Times New Roman" panose="02020603050405020304" pitchFamily="18" charset="0"/>
+                <a:cs typeface="Times New Roman" panose="02020603050405020304" pitchFamily="18" charset="0"/>
+              </a:rPr>
+              <a:t> </a:t>
+            </a:r>
+            <a:r>
+              <a:rPr lang="en-US" dirty="0" err="1">
+                <a:latin typeface="Times New Roman" panose="02020603050405020304" pitchFamily="18" charset="0"/>
+                <a:cs typeface="Times New Roman" panose="02020603050405020304" pitchFamily="18" charset="0"/>
+              </a:rPr>
+              <a:t>phải</a:t>
+            </a:r>
+            <a:r>
+              <a:rPr lang="en-US" dirty="0">
+                <a:latin typeface="Times New Roman" panose="02020603050405020304" pitchFamily="18" charset="0"/>
+                <a:cs typeface="Times New Roman" panose="02020603050405020304" pitchFamily="18" charset="0"/>
+              </a:rPr>
+              <a:t> clean up</a:t>
+            </a:r>
+          </a:p>
+          <a:p>
+            <a:pPr marL="285750" indent="-285750">
+              <a:spcBef>
+                <a:spcPts val="600"/>
+              </a:spcBef>
+              <a:spcAft>
+                <a:spcPts val="600"/>
+              </a:spcAft>
+              <a:buFont typeface="Arial" panose="020B0604020202020204" pitchFamily="34" charset="0"/>
+              <a:buChar char="•"/>
+            </a:pPr>
+            <a:r>
+              <a:rPr lang="en-US" dirty="0" err="1">
+                <a:latin typeface="Times New Roman" panose="02020603050405020304" pitchFamily="18" charset="0"/>
+                <a:cs typeface="Times New Roman" panose="02020603050405020304" pitchFamily="18" charset="0"/>
+              </a:rPr>
+              <a:t>Là</a:t>
+            </a:r>
+            <a:r>
+              <a:rPr lang="en-US" dirty="0">
+                <a:latin typeface="Times New Roman" panose="02020603050405020304" pitchFamily="18" charset="0"/>
+                <a:cs typeface="Times New Roman" panose="02020603050405020304" pitchFamily="18" charset="0"/>
+              </a:rPr>
+              <a:t> 1 hook c</a:t>
+            </a:r>
+            <a:r>
+              <a:rPr lang="vi-VN" dirty="0">
+                <a:latin typeface="Times New Roman" panose="02020603050405020304" pitchFamily="18" charset="0"/>
+                <a:cs typeface="Times New Roman" panose="02020603050405020304" pitchFamily="18" charset="0"/>
+              </a:rPr>
+              <a:t>ơ</a:t>
+            </a:r>
+            <a:r>
+              <a:rPr lang="en-US" dirty="0">
+                <a:latin typeface="Times New Roman" panose="02020603050405020304" pitchFamily="18" charset="0"/>
+                <a:cs typeface="Times New Roman" panose="02020603050405020304" pitchFamily="18" charset="0"/>
+              </a:rPr>
+              <a:t> </a:t>
+            </a:r>
+            <a:r>
+              <a:rPr lang="en-US" dirty="0" err="1">
+                <a:latin typeface="Times New Roman" panose="02020603050405020304" pitchFamily="18" charset="0"/>
+                <a:cs typeface="Times New Roman" panose="02020603050405020304" pitchFamily="18" charset="0"/>
+              </a:rPr>
+              <a:t>bản</a:t>
+            </a:r>
+            <a:r>
+              <a:rPr lang="en-US" dirty="0">
+                <a:latin typeface="Times New Roman" panose="02020603050405020304" pitchFamily="18" charset="0"/>
+                <a:cs typeface="Times New Roman" panose="02020603050405020304" pitchFamily="18" charset="0"/>
+              </a:rPr>
+              <a:t> </a:t>
+            </a:r>
+            <a:r>
+              <a:rPr lang="en-US" dirty="0" err="1">
+                <a:latin typeface="Times New Roman" panose="02020603050405020304" pitchFamily="18" charset="0"/>
+                <a:cs typeface="Times New Roman" panose="02020603050405020304" pitchFamily="18" charset="0"/>
+              </a:rPr>
+              <a:t>trong</a:t>
+            </a:r>
+            <a:r>
+              <a:rPr lang="en-US" dirty="0">
+                <a:latin typeface="Times New Roman" panose="02020603050405020304" pitchFamily="18" charset="0"/>
+                <a:cs typeface="Times New Roman" panose="02020603050405020304" pitchFamily="18" charset="0"/>
+              </a:rPr>
+              <a:t> react hook</a:t>
+            </a:r>
+          </a:p>
+          <a:p>
+            <a:pPr marL="285750" indent="-285750">
+              <a:spcBef>
+                <a:spcPts val="600"/>
+              </a:spcBef>
+              <a:spcAft>
+                <a:spcPts val="600"/>
+              </a:spcAft>
+              <a:buFont typeface="Arial" panose="020B0604020202020204" pitchFamily="34" charset="0"/>
+              <a:buChar char="•"/>
+            </a:pPr>
+            <a:r>
+              <a:rPr lang="en-US" dirty="0" err="1">
+                <a:latin typeface="Times New Roman" panose="02020603050405020304" pitchFamily="18" charset="0"/>
+                <a:cs typeface="Times New Roman" panose="02020603050405020304" pitchFamily="18" charset="0"/>
+              </a:rPr>
+              <a:t>Sử</a:t>
+            </a:r>
+            <a:r>
+              <a:rPr lang="en-US" dirty="0">
+                <a:latin typeface="Times New Roman" panose="02020603050405020304" pitchFamily="18" charset="0"/>
+                <a:cs typeface="Times New Roman" panose="02020603050405020304" pitchFamily="18" charset="0"/>
+              </a:rPr>
+              <a:t> </a:t>
+            </a:r>
+            <a:r>
+              <a:rPr lang="en-US" dirty="0" err="1">
+                <a:latin typeface="Times New Roman" panose="02020603050405020304" pitchFamily="18" charset="0"/>
+                <a:cs typeface="Times New Roman" panose="02020603050405020304" pitchFamily="18" charset="0"/>
+              </a:rPr>
+              <a:t>dụng</a:t>
+            </a:r>
+            <a:r>
+              <a:rPr lang="en-US" dirty="0">
+                <a:latin typeface="Times New Roman" panose="02020603050405020304" pitchFamily="18" charset="0"/>
+                <a:cs typeface="Times New Roman" panose="02020603050405020304" pitchFamily="18" charset="0"/>
+              </a:rPr>
+              <a:t> </a:t>
+            </a:r>
+            <a:r>
+              <a:rPr lang="en-US" dirty="0" err="1">
+                <a:latin typeface="Times New Roman" panose="02020603050405020304" pitchFamily="18" charset="0"/>
+                <a:cs typeface="Times New Roman" panose="02020603050405020304" pitchFamily="18" charset="0"/>
+              </a:rPr>
+              <a:t>cho</a:t>
+            </a:r>
+            <a:r>
+              <a:rPr lang="en-US" dirty="0">
+                <a:latin typeface="Times New Roman" panose="02020603050405020304" pitchFamily="18" charset="0"/>
+                <a:cs typeface="Times New Roman" panose="02020603050405020304" pitchFamily="18" charset="0"/>
+              </a:rPr>
+              <a:t> side effects</a:t>
+            </a:r>
+          </a:p>
+          <a:p>
+            <a:pPr marL="285750" indent="-285750">
+              <a:spcBef>
+                <a:spcPts val="600"/>
+              </a:spcBef>
+              <a:spcAft>
+                <a:spcPts val="600"/>
+              </a:spcAft>
+              <a:buFont typeface="Arial" panose="020B0604020202020204" pitchFamily="34" charset="0"/>
+              <a:buChar char="•"/>
+            </a:pPr>
+            <a:r>
+              <a:rPr lang="en-US" dirty="0">
+                <a:latin typeface="Times New Roman" panose="02020603050405020304" pitchFamily="18" charset="0"/>
+                <a:cs typeface="Times New Roman" panose="02020603050405020304" pitchFamily="18" charset="0"/>
+              </a:rPr>
+              <a:t>Bao </a:t>
+            </a:r>
+            <a:r>
+              <a:rPr lang="en-US" dirty="0" err="1">
+                <a:latin typeface="Times New Roman" panose="02020603050405020304" pitchFamily="18" charset="0"/>
+                <a:cs typeface="Times New Roman" panose="02020603050405020304" pitchFamily="18" charset="0"/>
+              </a:rPr>
+              <a:t>gồm</a:t>
+            </a:r>
+            <a:r>
+              <a:rPr lang="en-US" dirty="0">
+                <a:latin typeface="Times New Roman" panose="02020603050405020304" pitchFamily="18" charset="0"/>
+                <a:cs typeface="Times New Roman" panose="02020603050405020304" pitchFamily="18" charset="0"/>
+              </a:rPr>
+              <a:t> 2 </a:t>
+            </a:r>
+            <a:r>
+              <a:rPr lang="en-US" dirty="0" err="1">
+                <a:latin typeface="Times New Roman" panose="02020603050405020304" pitchFamily="18" charset="0"/>
+                <a:cs typeface="Times New Roman" panose="02020603050405020304" pitchFamily="18" charset="0"/>
+              </a:rPr>
+              <a:t>thành</a:t>
+            </a:r>
+            <a:r>
+              <a:rPr lang="en-US" dirty="0">
+                <a:latin typeface="Times New Roman" panose="02020603050405020304" pitchFamily="18" charset="0"/>
+                <a:cs typeface="Times New Roman" panose="02020603050405020304" pitchFamily="18" charset="0"/>
+              </a:rPr>
+              <a:t> </a:t>
+            </a:r>
+            <a:r>
+              <a:rPr lang="en-US" dirty="0" err="1">
+                <a:latin typeface="Times New Roman" panose="02020603050405020304" pitchFamily="18" charset="0"/>
+                <a:cs typeface="Times New Roman" panose="02020603050405020304" pitchFamily="18" charset="0"/>
+              </a:rPr>
+              <a:t>phần</a:t>
+            </a:r>
+            <a:r>
+              <a:rPr lang="en-US" dirty="0">
+                <a:latin typeface="Times New Roman" panose="02020603050405020304" pitchFamily="18" charset="0"/>
+                <a:cs typeface="Times New Roman" panose="02020603050405020304" pitchFamily="18" charset="0"/>
+              </a:rPr>
+              <a:t> : </a:t>
+            </a:r>
+            <a:r>
+              <a:rPr lang="en-US" dirty="0" err="1">
+                <a:latin typeface="Times New Roman" panose="02020603050405020304" pitchFamily="18" charset="0"/>
+                <a:cs typeface="Times New Roman" panose="02020603050405020304" pitchFamily="18" charset="0"/>
+              </a:rPr>
+              <a:t>silde</a:t>
+            </a:r>
+            <a:r>
+              <a:rPr lang="en-US" dirty="0">
+                <a:latin typeface="Times New Roman" panose="02020603050405020304" pitchFamily="18" charset="0"/>
+                <a:cs typeface="Times New Roman" panose="02020603050405020304" pitchFamily="18" charset="0"/>
+              </a:rPr>
+              <a:t> effect </a:t>
+            </a:r>
+            <a:r>
+              <a:rPr lang="en-US" dirty="0" err="1">
+                <a:latin typeface="Times New Roman" panose="02020603050405020304" pitchFamily="18" charset="0"/>
+                <a:cs typeface="Times New Roman" panose="02020603050405020304" pitchFamily="18" charset="0"/>
+              </a:rPr>
+              <a:t>và</a:t>
+            </a:r>
+            <a:r>
+              <a:rPr lang="en-US" dirty="0">
+                <a:latin typeface="Times New Roman" panose="02020603050405020304" pitchFamily="18" charset="0"/>
+                <a:cs typeface="Times New Roman" panose="02020603050405020304" pitchFamily="18" charset="0"/>
+              </a:rPr>
+              <a:t> clean up (optional)</a:t>
+            </a:r>
+          </a:p>
+          <a:p>
+            <a:pPr marL="285750" indent="-285750">
+              <a:spcBef>
+                <a:spcPts val="600"/>
+              </a:spcBef>
+              <a:spcAft>
+                <a:spcPts val="600"/>
+              </a:spcAft>
+              <a:buFont typeface="Arial" panose="020B0604020202020204" pitchFamily="34" charset="0"/>
+              <a:buChar char="•"/>
+            </a:pPr>
+            <a:r>
+              <a:rPr lang="en-US" dirty="0">
+                <a:latin typeface="Times New Roman" panose="02020603050405020304" pitchFamily="18" charset="0"/>
+                <a:cs typeface="Times New Roman" panose="02020603050405020304" pitchFamily="18" charset="0"/>
+              </a:rPr>
+              <a:t>Đ</a:t>
+            </a:r>
+            <a:r>
+              <a:rPr lang="vi-VN" dirty="0">
+                <a:latin typeface="Times New Roman" panose="02020603050405020304" pitchFamily="18" charset="0"/>
+                <a:cs typeface="Times New Roman" panose="02020603050405020304" pitchFamily="18" charset="0"/>
+              </a:rPr>
+              <a:t>ư</a:t>
+            </a:r>
+            <a:r>
+              <a:rPr lang="en-US" dirty="0" err="1">
+                <a:latin typeface="Times New Roman" panose="02020603050405020304" pitchFamily="18" charset="0"/>
+                <a:cs typeface="Times New Roman" panose="02020603050405020304" pitchFamily="18" charset="0"/>
+              </a:rPr>
+              <a:t>ợc</a:t>
+            </a:r>
+            <a:r>
+              <a:rPr lang="en-US" dirty="0">
+                <a:latin typeface="Times New Roman" panose="02020603050405020304" pitchFamily="18" charset="0"/>
+                <a:cs typeface="Times New Roman" panose="02020603050405020304" pitchFamily="18" charset="0"/>
+              </a:rPr>
+              <a:t> </a:t>
+            </a:r>
+            <a:r>
+              <a:rPr lang="en-US" dirty="0" err="1">
+                <a:latin typeface="Times New Roman" panose="02020603050405020304" pitchFamily="18" charset="0"/>
+                <a:cs typeface="Times New Roman" panose="02020603050405020304" pitchFamily="18" charset="0"/>
+              </a:rPr>
+              <a:t>thực</a:t>
+            </a:r>
+            <a:r>
+              <a:rPr lang="en-US" dirty="0">
+                <a:latin typeface="Times New Roman" panose="02020603050405020304" pitchFamily="18" charset="0"/>
+                <a:cs typeface="Times New Roman" panose="02020603050405020304" pitchFamily="18" charset="0"/>
+              </a:rPr>
+              <a:t> </a:t>
+            </a:r>
+            <a:r>
+              <a:rPr lang="en-US" dirty="0" err="1">
+                <a:latin typeface="Times New Roman" panose="02020603050405020304" pitchFamily="18" charset="0"/>
+                <a:cs typeface="Times New Roman" panose="02020603050405020304" pitchFamily="18" charset="0"/>
+              </a:rPr>
+              <a:t>hiện</a:t>
+            </a:r>
+            <a:r>
+              <a:rPr lang="en-US" dirty="0">
+                <a:latin typeface="Times New Roman" panose="02020603050405020304" pitchFamily="18" charset="0"/>
+                <a:cs typeface="Times New Roman" panose="02020603050405020304" pitchFamily="18" charset="0"/>
+              </a:rPr>
+              <a:t> </a:t>
+            </a:r>
+            <a:r>
+              <a:rPr lang="en-US" dirty="0" err="1">
+                <a:latin typeface="Times New Roman" panose="02020603050405020304" pitchFamily="18" charset="0"/>
+                <a:cs typeface="Times New Roman" panose="02020603050405020304" pitchFamily="18" charset="0"/>
+              </a:rPr>
+              <a:t>sau</a:t>
+            </a:r>
+            <a:r>
+              <a:rPr lang="en-US" dirty="0">
+                <a:latin typeface="Times New Roman" panose="02020603050405020304" pitchFamily="18" charset="0"/>
+                <a:cs typeface="Times New Roman" panose="02020603050405020304" pitchFamily="18" charset="0"/>
+              </a:rPr>
+              <a:t> </a:t>
+            </a:r>
+            <a:r>
+              <a:rPr lang="en-US" dirty="0" err="1">
+                <a:latin typeface="Times New Roman" panose="02020603050405020304" pitchFamily="18" charset="0"/>
+                <a:cs typeface="Times New Roman" panose="02020603050405020304" pitchFamily="18" charset="0"/>
+              </a:rPr>
+              <a:t>mỗi</a:t>
+            </a:r>
+            <a:r>
+              <a:rPr lang="en-US" dirty="0">
+                <a:latin typeface="Times New Roman" panose="02020603050405020304" pitchFamily="18" charset="0"/>
+                <a:cs typeface="Times New Roman" panose="02020603050405020304" pitchFamily="18" charset="0"/>
+              </a:rPr>
+              <a:t> </a:t>
+            </a:r>
+            <a:r>
+              <a:rPr lang="en-US" dirty="0" err="1">
+                <a:latin typeface="Times New Roman" panose="02020603050405020304" pitchFamily="18" charset="0"/>
+                <a:cs typeface="Times New Roman" panose="02020603050405020304" pitchFamily="18" charset="0"/>
+              </a:rPr>
+              <a:t>lần</a:t>
+            </a:r>
+            <a:r>
+              <a:rPr lang="en-US" dirty="0">
+                <a:latin typeface="Times New Roman" panose="02020603050405020304" pitchFamily="18" charset="0"/>
+                <a:cs typeface="Times New Roman" panose="02020603050405020304" pitchFamily="18" charset="0"/>
+              </a:rPr>
+              <a:t> render</a:t>
+            </a:r>
+          </a:p>
+          <a:p>
+            <a:pPr marL="0" indent="0">
+              <a:buFont typeface="Arial" panose="020B0604020202020204" pitchFamily="34" charset="0"/>
+              <a:buNone/>
+            </a:pPr>
+            <a:endParaRPr lang="en-US" dirty="0"/>
+          </a:p>
+        </p:txBody>
+      </p:sp>
+      <p:sp>
+        <p:nvSpPr>
+          <p:cNvPr id="4" name="Slide Number Placeholder 3"/>
+          <p:cNvSpPr>
+            <a:spLocks noGrp="1"/>
+          </p:cNvSpPr>
+          <p:nvPr>
+            <p:ph type="sldNum" sz="quarter" idx="5"/>
+          </p:nvPr>
+        </p:nvSpPr>
+        <p:spPr/>
+        <p:txBody>
+          <a:bodyPr/>
+          <a:lstStyle/>
+          <a:p>
+            <a:fld id="{8D32EB80-73C6-458A-A3A2-9FD02E7DCC7B}" type="slidenum">
+              <a:rPr lang="en-US" smtClean="0"/>
+              <a:t>27</a:t>
+            </a:fld>
+            <a:endParaRPr lang="en-US"/>
+          </a:p>
+        </p:txBody>
+      </p:sp>
+    </p:spTree>
+    <p:extLst>
+      <p:ext uri="{BB962C8B-B14F-4D97-AF65-F5344CB8AC3E}">
+        <p14:creationId xmlns:p14="http://schemas.microsoft.com/office/powerpoint/2010/main" val="3763255482"/>
+      </p:ext>
+    </p:extLst>
+  </p:cSld>
+  <p:clrMapOvr>
+    <a:masterClrMapping/>
+  </p:clrMapOvr>
+</p:notes>
+</file>
+
+<file path=ppt/notesSlides/notesSlide25.xml><?xml version="1.0" encoding="utf-8"?>
+<p:notes xmlns:a="http://schemas.openxmlformats.org/drawingml/2006/main" xmlns:r="http://schemas.openxmlformats.org/officeDocument/2006/relationships" xmlns:p="http://schemas.openxmlformats.org/presentationml/2006/main">
+  <p:cSld>
+    <p:spTree>
+      <p:nvGrpSpPr>
+        <p:cNvPr id="1" name=""/>
+        <p:cNvGrpSpPr/>
+        <p:nvPr/>
+      </p:nvGrpSpPr>
+      <p:grpSpPr>
+        <a:xfrm>
+          <a:off x="0" y="0"/>
+          <a:ext cx="0" cy="0"/>
+          <a:chOff x="0" y="0"/>
+          <a:chExt cx="0" cy="0"/>
+        </a:xfrm>
+      </p:grpSpPr>
+      <p:sp>
+        <p:nvSpPr>
+          <p:cNvPr id="2" name="Slide Image Placeholder 1"/>
+          <p:cNvSpPr>
+            <a:spLocks noGrp="1" noRot="1" noChangeAspect="1"/>
+          </p:cNvSpPr>
+          <p:nvPr>
+            <p:ph type="sldImg"/>
+          </p:nvPr>
+        </p:nvSpPr>
+        <p:spPr/>
+      </p:sp>
+      <p:sp>
+        <p:nvSpPr>
+          <p:cNvPr id="3" name="Notes Placeholder 2"/>
+          <p:cNvSpPr>
+            <a:spLocks noGrp="1"/>
+          </p:cNvSpPr>
+          <p:nvPr>
+            <p:ph type="body" idx="1"/>
+          </p:nvPr>
+        </p:nvSpPr>
+        <p:spPr/>
+        <p:txBody>
+          <a:bodyPr/>
+          <a:lstStyle/>
+          <a:p>
+            <a:pPr marL="0" indent="0">
+              <a:buFont typeface="Arial" panose="020B0604020202020204" pitchFamily="34" charset="0"/>
+              <a:buNone/>
+            </a:pPr>
+            <a:endParaRPr lang="en-US" dirty="0"/>
+          </a:p>
+        </p:txBody>
+      </p:sp>
+      <p:sp>
+        <p:nvSpPr>
+          <p:cNvPr id="4" name="Slide Number Placeholder 3"/>
+          <p:cNvSpPr>
+            <a:spLocks noGrp="1"/>
+          </p:cNvSpPr>
+          <p:nvPr>
+            <p:ph type="sldNum" sz="quarter" idx="5"/>
+          </p:nvPr>
+        </p:nvSpPr>
+        <p:spPr/>
+        <p:txBody>
+          <a:bodyPr/>
+          <a:lstStyle/>
+          <a:p>
+            <a:fld id="{8D32EB80-73C6-458A-A3A2-9FD02E7DCC7B}" type="slidenum">
+              <a:rPr lang="en-US" smtClean="0"/>
+              <a:t>28</a:t>
+            </a:fld>
+            <a:endParaRPr lang="en-US"/>
+          </a:p>
+        </p:txBody>
+      </p:sp>
+    </p:spTree>
+    <p:extLst>
+      <p:ext uri="{BB962C8B-B14F-4D97-AF65-F5344CB8AC3E}">
+        <p14:creationId xmlns:p14="http://schemas.microsoft.com/office/powerpoint/2010/main" val="2229785356"/>
+      </p:ext>
+    </p:extLst>
+  </p:cSld>
+  <p:clrMapOvr>
+    <a:masterClrMapping/>
+  </p:clrMapOvr>
+</p:notes>
+</file>
+
+<file path=ppt/notesSlides/notesSlide26.xml><?xml version="1.0" encoding="utf-8"?>
+<p:notes xmlns:a="http://schemas.openxmlformats.org/drawingml/2006/main" xmlns:r="http://schemas.openxmlformats.org/officeDocument/2006/relationships" xmlns:p="http://schemas.openxmlformats.org/presentationml/2006/main">
+  <p:cSld>
+    <p:spTree>
+      <p:nvGrpSpPr>
+        <p:cNvPr id="1" name=""/>
+        <p:cNvGrpSpPr/>
+        <p:nvPr/>
+      </p:nvGrpSpPr>
+      <p:grpSpPr>
+        <a:xfrm>
+          <a:off x="0" y="0"/>
+          <a:ext cx="0" cy="0"/>
+          <a:chOff x="0" y="0"/>
+          <a:chExt cx="0" cy="0"/>
+        </a:xfrm>
+      </p:grpSpPr>
+      <p:sp>
+        <p:nvSpPr>
+          <p:cNvPr id="2" name="Slide Image Placeholder 1"/>
+          <p:cNvSpPr>
+            <a:spLocks noGrp="1" noRot="1" noChangeAspect="1"/>
+          </p:cNvSpPr>
+          <p:nvPr>
+            <p:ph type="sldImg"/>
+          </p:nvPr>
+        </p:nvSpPr>
+        <p:spPr/>
+      </p:sp>
+      <p:sp>
+        <p:nvSpPr>
+          <p:cNvPr id="3" name="Notes Placeholder 2"/>
+          <p:cNvSpPr>
+            <a:spLocks noGrp="1"/>
+          </p:cNvSpPr>
+          <p:nvPr>
+            <p:ph type="body" idx="1"/>
+          </p:nvPr>
+        </p:nvSpPr>
+        <p:spPr/>
+        <p:txBody>
+          <a:bodyPr/>
+          <a:lstStyle/>
+          <a:p>
+            <a:pPr marL="0" indent="0">
+              <a:buFont typeface="Arial" panose="020B0604020202020204" pitchFamily="34" charset="0"/>
+              <a:buNone/>
+            </a:pPr>
+            <a:endParaRPr lang="en-US" dirty="0"/>
+          </a:p>
+        </p:txBody>
+      </p:sp>
+      <p:sp>
+        <p:nvSpPr>
+          <p:cNvPr id="4" name="Slide Number Placeholder 3"/>
+          <p:cNvSpPr>
+            <a:spLocks noGrp="1"/>
+          </p:cNvSpPr>
+          <p:nvPr>
+            <p:ph type="sldNum" sz="quarter" idx="5"/>
+          </p:nvPr>
+        </p:nvSpPr>
+        <p:spPr/>
+        <p:txBody>
+          <a:bodyPr/>
+          <a:lstStyle/>
+          <a:p>
+            <a:fld id="{8D32EB80-73C6-458A-A3A2-9FD02E7DCC7B}" type="slidenum">
+              <a:rPr lang="en-US" smtClean="0"/>
+              <a:t>29</a:t>
+            </a:fld>
+            <a:endParaRPr lang="en-US"/>
+          </a:p>
+        </p:txBody>
+      </p:sp>
+    </p:spTree>
+    <p:extLst>
+      <p:ext uri="{BB962C8B-B14F-4D97-AF65-F5344CB8AC3E}">
+        <p14:creationId xmlns:p14="http://schemas.microsoft.com/office/powerpoint/2010/main" val="1135304576"/>
+      </p:ext>
+    </p:extLst>
+  </p:cSld>
+  <p:clrMapOvr>
+    <a:masterClrMapping/>
+  </p:clrMapOvr>
+</p:notes>
+</file>
+
+<file path=ppt/notesSlides/notesSlide27.xml><?xml version="1.0" encoding="utf-8"?>
+<p:notes xmlns:a="http://schemas.openxmlformats.org/drawingml/2006/main" xmlns:r="http://schemas.openxmlformats.org/officeDocument/2006/relationships" xmlns:p="http://schemas.openxmlformats.org/presentationml/2006/main">
+  <p:cSld>
+    <p:spTree>
+      <p:nvGrpSpPr>
+        <p:cNvPr id="1" name=""/>
+        <p:cNvGrpSpPr/>
+        <p:nvPr/>
+      </p:nvGrpSpPr>
+      <p:grpSpPr>
+        <a:xfrm>
+          <a:off x="0" y="0"/>
+          <a:ext cx="0" cy="0"/>
+          <a:chOff x="0" y="0"/>
+          <a:chExt cx="0" cy="0"/>
+        </a:xfrm>
+      </p:grpSpPr>
+      <p:sp>
+        <p:nvSpPr>
+          <p:cNvPr id="2" name="Slide Image Placeholder 1"/>
+          <p:cNvSpPr>
+            <a:spLocks noGrp="1" noRot="1" noChangeAspect="1"/>
+          </p:cNvSpPr>
+          <p:nvPr>
+            <p:ph type="sldImg"/>
+          </p:nvPr>
+        </p:nvSpPr>
+        <p:spPr/>
+      </p:sp>
+      <p:sp>
+        <p:nvSpPr>
+          <p:cNvPr id="3" name="Notes Placeholder 2"/>
+          <p:cNvSpPr>
+            <a:spLocks noGrp="1"/>
+          </p:cNvSpPr>
+          <p:nvPr>
+            <p:ph type="body" idx="1"/>
+          </p:nvPr>
+        </p:nvSpPr>
+        <p:spPr/>
+        <p:txBody>
+          <a:bodyPr/>
+          <a:lstStyle/>
+          <a:p>
+            <a:pPr marL="0" indent="0">
+              <a:buFont typeface="Arial" panose="020B0604020202020204" pitchFamily="34" charset="0"/>
+              <a:buNone/>
+            </a:pPr>
+            <a:endParaRPr lang="en-US" dirty="0"/>
+          </a:p>
+        </p:txBody>
+      </p:sp>
+      <p:sp>
+        <p:nvSpPr>
+          <p:cNvPr id="4" name="Slide Number Placeholder 3"/>
+          <p:cNvSpPr>
+            <a:spLocks noGrp="1"/>
+          </p:cNvSpPr>
+          <p:nvPr>
+            <p:ph type="sldNum" sz="quarter" idx="5"/>
+          </p:nvPr>
+        </p:nvSpPr>
+        <p:spPr/>
+        <p:txBody>
+          <a:bodyPr/>
+          <a:lstStyle/>
+          <a:p>
+            <a:fld id="{8D32EB80-73C6-458A-A3A2-9FD02E7DCC7B}" type="slidenum">
+              <a:rPr lang="en-US" smtClean="0"/>
+              <a:t>30</a:t>
+            </a:fld>
+            <a:endParaRPr lang="en-US"/>
+          </a:p>
+        </p:txBody>
+      </p:sp>
+    </p:spTree>
+    <p:extLst>
+      <p:ext uri="{BB962C8B-B14F-4D97-AF65-F5344CB8AC3E}">
+        <p14:creationId xmlns:p14="http://schemas.microsoft.com/office/powerpoint/2010/main" val="664505117"/>
+      </p:ext>
+    </p:extLst>
+  </p:cSld>
+  <p:clrMapOvr>
+    <a:masterClrMapping/>
+  </p:clrMapOvr>
+</p:notes>
+</file>
+
+<file path=ppt/notesSlides/notesSlide28.xml><?xml version="1.0" encoding="utf-8"?>
+<p:notes xmlns:a="http://schemas.openxmlformats.org/drawingml/2006/main" xmlns:r="http://schemas.openxmlformats.org/officeDocument/2006/relationships" xmlns:p="http://schemas.openxmlformats.org/presentationml/2006/main">
+  <p:cSld>
+    <p:spTree>
+      <p:nvGrpSpPr>
+        <p:cNvPr id="1" name=""/>
+        <p:cNvGrpSpPr/>
+        <p:nvPr/>
+      </p:nvGrpSpPr>
+      <p:grpSpPr>
+        <a:xfrm>
+          <a:off x="0" y="0"/>
+          <a:ext cx="0" cy="0"/>
+          <a:chOff x="0" y="0"/>
+          <a:chExt cx="0" cy="0"/>
+        </a:xfrm>
+      </p:grpSpPr>
+      <p:sp>
+        <p:nvSpPr>
+          <p:cNvPr id="2" name="Slide Image Placeholder 1"/>
+          <p:cNvSpPr>
+            <a:spLocks noGrp="1" noRot="1" noChangeAspect="1"/>
+          </p:cNvSpPr>
+          <p:nvPr>
+            <p:ph type="sldImg"/>
+          </p:nvPr>
+        </p:nvSpPr>
+        <p:spPr/>
+      </p:sp>
+      <p:sp>
+        <p:nvSpPr>
+          <p:cNvPr id="3" name="Notes Placeholder 2"/>
+          <p:cNvSpPr>
+            <a:spLocks noGrp="1"/>
+          </p:cNvSpPr>
+          <p:nvPr>
+            <p:ph type="body" idx="1"/>
+          </p:nvPr>
+        </p:nvSpPr>
+        <p:spPr/>
+        <p:txBody>
+          <a:bodyPr/>
+          <a:lstStyle/>
+          <a:p>
+            <a:pPr marL="0" indent="0">
+              <a:buFont typeface="Arial" panose="020B0604020202020204" pitchFamily="34" charset="0"/>
+              <a:buNone/>
+            </a:pPr>
+            <a:endParaRPr lang="en-US" dirty="0"/>
+          </a:p>
+        </p:txBody>
+      </p:sp>
+      <p:sp>
+        <p:nvSpPr>
+          <p:cNvPr id="4" name="Slide Number Placeholder 3"/>
+          <p:cNvSpPr>
+            <a:spLocks noGrp="1"/>
+          </p:cNvSpPr>
+          <p:nvPr>
+            <p:ph type="sldNum" sz="quarter" idx="5"/>
+          </p:nvPr>
+        </p:nvSpPr>
+        <p:spPr/>
+        <p:txBody>
+          <a:bodyPr/>
+          <a:lstStyle/>
+          <a:p>
+            <a:fld id="{8D32EB80-73C6-458A-A3A2-9FD02E7DCC7B}" type="slidenum">
+              <a:rPr lang="en-US" smtClean="0"/>
+              <a:t>31</a:t>
+            </a:fld>
+            <a:endParaRPr lang="en-US"/>
+          </a:p>
+        </p:txBody>
+      </p:sp>
+    </p:spTree>
+    <p:extLst>
+      <p:ext uri="{BB962C8B-B14F-4D97-AF65-F5344CB8AC3E}">
+        <p14:creationId xmlns:p14="http://schemas.microsoft.com/office/powerpoint/2010/main" val="1885213827"/>
       </p:ext>
     </p:extLst>
   </p:cSld>
@@ -8544,7 +12225,7 @@
           <a:p>
             <a:fld id="{6E61000E-9037-4DA8-8F4C-5194D4EE3E38}" type="datetime1">
               <a:rPr lang="en-US" smtClean="0"/>
-              <a:t>6/8/2020</a:t>
+              <a:t>6/9/2020</a:t>
             </a:fld>
             <a:endParaRPr lang="en-US" dirty="0"/>
           </a:p>
@@ -8734,7 +12415,7 @@
           <a:p>
             <a:fld id="{0B8AF49F-7022-4825-8399-C9CCDDF43198}" type="datetime1">
               <a:rPr lang="en-US" smtClean="0"/>
-              <a:t>6/8/2020</a:t>
+              <a:t>6/9/2020</a:t>
             </a:fld>
             <a:endParaRPr lang="en-US" dirty="0"/>
           </a:p>
@@ -8909,7 +12590,7 @@
           <a:p>
             <a:fld id="{92AD5D49-E9A3-411A-8F20-E2F846DBC2CC}" type="datetime1">
               <a:rPr lang="en-US" smtClean="0"/>
-              <a:t>6/8/2020</a:t>
+              <a:t>6/9/2020</a:t>
             </a:fld>
             <a:endParaRPr lang="en-US" dirty="0"/>
           </a:p>
@@ -9052,7 +12733,7 @@
           <a:p>
             <a:fld id="{2E0C29FF-5AD5-43C0-A66E-36E0B73269F8}" type="datetime1">
               <a:rPr lang="en-US" smtClean="0"/>
-              <a:t>6/8/2020</a:t>
+              <a:t>6/9/2020</a:t>
             </a:fld>
             <a:endParaRPr lang="en-US" dirty="0"/>
           </a:p>
@@ -9298,7 +12979,7 @@
           <a:p>
             <a:fld id="{CE72A463-9042-4B44-A447-65A997477182}" type="datetime1">
               <a:rPr lang="en-US" smtClean="0"/>
-              <a:t>6/8/2020</a:t>
+              <a:t>6/9/2020</a:t>
             </a:fld>
             <a:endParaRPr lang="en-US" dirty="0"/>
           </a:p>
@@ -9698,7 +13379,7 @@
           <a:p>
             <a:fld id="{8B5FC0F8-1856-4BA4-959F-183AECE90BC9}" type="datetime1">
               <a:rPr lang="en-US" smtClean="0"/>
-              <a:t>6/8/2020</a:t>
+              <a:t>6/9/2020</a:t>
             </a:fld>
             <a:endParaRPr lang="en-US" dirty="0"/>
           </a:p>
@@ -10135,7 +13816,7 @@
           <a:p>
             <a:fld id="{06A289B3-E73E-425E-A7F1-B86A4AE0A49E}" type="datetime1">
               <a:rPr lang="en-US" smtClean="0"/>
-              <a:t>6/8/2020</a:t>
+              <a:t>6/9/2020</a:t>
             </a:fld>
             <a:endParaRPr lang="en-US" dirty="0"/>
           </a:p>
@@ -10231,7 +13912,7 @@
           <a:p>
             <a:fld id="{20A9FAA2-FA55-4C1E-B39B-F83C9F945635}" type="datetime1">
               <a:rPr lang="en-US" smtClean="0"/>
-              <a:t>6/8/2020</a:t>
+              <a:t>6/9/2020</a:t>
             </a:fld>
             <a:endParaRPr lang="en-US" dirty="0"/>
           </a:p>
@@ -10344,7 +14025,7 @@
           <a:p>
             <a:fld id="{757C5386-B528-4539-9D38-E2B7EDBAD591}" type="datetime1">
               <a:rPr lang="en-US" smtClean="0"/>
-              <a:t>6/8/2020</a:t>
+              <a:t>6/9/2020</a:t>
             </a:fld>
             <a:endParaRPr lang="en-US" dirty="0"/>
           </a:p>
@@ -10612,7 +14293,7 @@
           <a:p>
             <a:fld id="{4CE01AD9-63FE-48CB-9716-B6A8535DF588}" type="datetime1">
               <a:rPr lang="en-US" smtClean="0"/>
-              <a:t>6/8/2020</a:t>
+              <a:t>6/9/2020</a:t>
             </a:fld>
             <a:endParaRPr lang="en-US" dirty="0"/>
           </a:p>
@@ -10814,7 +14495,7 @@
           <a:p>
             <a:fld id="{84F6716A-6876-467C-8FB5-3DE6FD780B4A}" type="datetime1">
               <a:rPr lang="en-US" smtClean="0"/>
-              <a:t>6/8/2020</a:t>
+              <a:t>6/9/2020</a:t>
             </a:fld>
             <a:endParaRPr lang="en-US" dirty="0"/>
           </a:p>
@@ -11901,7 +15582,7 @@
           <a:p>
             <a:fld id="{86BBDEF1-A4FF-4B5F-8CDD-CEBFB56C2610}" type="datetime1">
               <a:rPr lang="en-US" smtClean="0"/>
-              <a:t>6/8/2020</a:t>
+              <a:t>6/9/2020</a:t>
             </a:fld>
             <a:endParaRPr lang="en-US" dirty="0"/>
           </a:p>
@@ -20913,6 +24594,1127 @@
 </p:sld>
 </file>
 
+<file path=ppt/slides/slide23.xml><?xml version="1.0" encoding="utf-8"?>
+<p:sld xmlns:a="http://schemas.openxmlformats.org/drawingml/2006/main" xmlns:r="http://schemas.openxmlformats.org/officeDocument/2006/relationships" xmlns:p="http://schemas.openxmlformats.org/presentationml/2006/main">
+  <p:cSld>
+    <p:spTree>
+      <p:nvGrpSpPr>
+        <p:cNvPr id="1" name=""/>
+        <p:cNvGrpSpPr/>
+        <p:nvPr/>
+      </p:nvGrpSpPr>
+      <p:grpSpPr>
+        <a:xfrm>
+          <a:off x="0" y="0"/>
+          <a:ext cx="0" cy="0"/>
+          <a:chOff x="0" y="0"/>
+          <a:chExt cx="0" cy="0"/>
+        </a:xfrm>
+      </p:grpSpPr>
+      <p:sp>
+        <p:nvSpPr>
+          <p:cNvPr id="3" name="TextBox 2">
+            <a:extLst>
+              <a:ext uri="{FF2B5EF4-FFF2-40B4-BE49-F238E27FC236}">
+                <a16:creationId xmlns:a16="http://schemas.microsoft.com/office/drawing/2014/main" id="{66A801D4-74F9-46A0-8843-E18659672DE9}"/>
+              </a:ext>
+            </a:extLst>
+          </p:cNvPr>
+          <p:cNvSpPr txBox="1"/>
+          <p:nvPr/>
+        </p:nvSpPr>
+        <p:spPr>
+          <a:xfrm>
+            <a:off x="3226655" y="539555"/>
+            <a:ext cx="8397025" cy="646331"/>
+          </a:xfrm>
+          <a:prstGeom prst="rect">
+            <a:avLst/>
+          </a:prstGeom>
+          <a:noFill/>
+        </p:spPr>
+        <p:txBody>
+          <a:bodyPr wrap="square" rtlCol="0">
+            <a:spAutoFit/>
+          </a:bodyPr>
+          <a:lstStyle/>
+          <a:p>
+            <a:r>
+              <a:rPr lang="en-US" sz="3600" dirty="0">
+                <a:solidFill>
+                  <a:schemeClr val="accent1">
+                    <a:lumMod val="60000"/>
+                    <a:lumOff val="40000"/>
+                  </a:schemeClr>
+                </a:solidFill>
+              </a:rPr>
+              <a:t>          React Hook</a:t>
+            </a:r>
+          </a:p>
+        </p:txBody>
+      </p:sp>
+      <p:pic>
+        <p:nvPicPr>
+          <p:cNvPr id="4" name="Picture 3">
+            <a:extLst>
+              <a:ext uri="{FF2B5EF4-FFF2-40B4-BE49-F238E27FC236}">
+                <a16:creationId xmlns:a16="http://schemas.microsoft.com/office/drawing/2014/main" id="{8753463C-EE11-48BB-8C2B-98E8912CB217}"/>
+              </a:ext>
+            </a:extLst>
+          </p:cNvPr>
+          <p:cNvPicPr>
+            <a:picLocks noChangeAspect="1"/>
+          </p:cNvPicPr>
+          <p:nvPr/>
+        </p:nvPicPr>
+        <p:blipFill>
+          <a:blip r:embed="rId3"/>
+          <a:stretch>
+            <a:fillRect/>
+          </a:stretch>
+        </p:blipFill>
+        <p:spPr>
+          <a:xfrm>
+            <a:off x="2410546" y="2650736"/>
+            <a:ext cx="7370908" cy="2867744"/>
+          </a:xfrm>
+          <a:prstGeom prst="rect">
+            <a:avLst/>
+          </a:prstGeom>
+        </p:spPr>
+      </p:pic>
+      <p:sp>
+        <p:nvSpPr>
+          <p:cNvPr id="7" name="TextBox 6">
+            <a:extLst>
+              <a:ext uri="{FF2B5EF4-FFF2-40B4-BE49-F238E27FC236}">
+                <a16:creationId xmlns:a16="http://schemas.microsoft.com/office/drawing/2014/main" id="{A4B08C7F-C293-4CD1-B812-E19F2F95AC36}"/>
+              </a:ext>
+            </a:extLst>
+          </p:cNvPr>
+          <p:cNvSpPr txBox="1"/>
+          <p:nvPr/>
+        </p:nvSpPr>
+        <p:spPr>
+          <a:xfrm>
+            <a:off x="1190446" y="1861809"/>
+            <a:ext cx="4589253" cy="369332"/>
+          </a:xfrm>
+          <a:prstGeom prst="rect">
+            <a:avLst/>
+          </a:prstGeom>
+          <a:noFill/>
+        </p:spPr>
+        <p:txBody>
+          <a:bodyPr wrap="square" rtlCol="0">
+            <a:spAutoFit/>
+          </a:bodyPr>
+          <a:lstStyle/>
+          <a:p>
+            <a:pPr marL="285750" indent="-285750">
+              <a:buFont typeface="Wingdings" panose="05000000000000000000" pitchFamily="2" charset="2"/>
+              <a:buChar char="Ø"/>
+            </a:pPr>
+            <a:r>
+              <a:rPr lang="en-US" dirty="0"/>
+              <a:t>Hook </a:t>
+            </a:r>
+            <a:r>
+              <a:rPr lang="en-US" dirty="0" err="1"/>
+              <a:t>là</a:t>
+            </a:r>
+            <a:r>
+              <a:rPr lang="en-US" dirty="0"/>
+              <a:t> </a:t>
+            </a:r>
+            <a:r>
+              <a:rPr lang="en-US" dirty="0" err="1"/>
+              <a:t>gì</a:t>
+            </a:r>
+            <a:r>
+              <a:rPr lang="en-US" dirty="0"/>
+              <a:t>?</a:t>
+            </a:r>
+          </a:p>
+        </p:txBody>
+      </p:sp>
+    </p:spTree>
+    <p:extLst>
+      <p:ext uri="{BB962C8B-B14F-4D97-AF65-F5344CB8AC3E}">
+        <p14:creationId xmlns:p14="http://schemas.microsoft.com/office/powerpoint/2010/main" val="1294687079"/>
+      </p:ext>
+    </p:extLst>
+  </p:cSld>
+  <p:clrMapOvr>
+    <a:masterClrMapping/>
+  </p:clrMapOvr>
+</p:sld>
+</file>
+
+<file path=ppt/slides/slide24.xml><?xml version="1.0" encoding="utf-8"?>
+<p:sld xmlns:a="http://schemas.openxmlformats.org/drawingml/2006/main" xmlns:r="http://schemas.openxmlformats.org/officeDocument/2006/relationships" xmlns:p="http://schemas.openxmlformats.org/presentationml/2006/main">
+  <p:cSld>
+    <p:spTree>
+      <p:nvGrpSpPr>
+        <p:cNvPr id="1" name=""/>
+        <p:cNvGrpSpPr/>
+        <p:nvPr/>
+      </p:nvGrpSpPr>
+      <p:grpSpPr>
+        <a:xfrm>
+          <a:off x="0" y="0"/>
+          <a:ext cx="0" cy="0"/>
+          <a:chOff x="0" y="0"/>
+          <a:chExt cx="0" cy="0"/>
+        </a:xfrm>
+      </p:grpSpPr>
+      <p:sp>
+        <p:nvSpPr>
+          <p:cNvPr id="3" name="TextBox 2">
+            <a:extLst>
+              <a:ext uri="{FF2B5EF4-FFF2-40B4-BE49-F238E27FC236}">
+                <a16:creationId xmlns:a16="http://schemas.microsoft.com/office/drawing/2014/main" id="{66A801D4-74F9-46A0-8843-E18659672DE9}"/>
+              </a:ext>
+            </a:extLst>
+          </p:cNvPr>
+          <p:cNvSpPr txBox="1"/>
+          <p:nvPr/>
+        </p:nvSpPr>
+        <p:spPr>
+          <a:xfrm>
+            <a:off x="3226655" y="539555"/>
+            <a:ext cx="8397025" cy="646331"/>
+          </a:xfrm>
+          <a:prstGeom prst="rect">
+            <a:avLst/>
+          </a:prstGeom>
+          <a:noFill/>
+        </p:spPr>
+        <p:txBody>
+          <a:bodyPr wrap="square" rtlCol="0">
+            <a:spAutoFit/>
+          </a:bodyPr>
+          <a:lstStyle/>
+          <a:p>
+            <a:r>
+              <a:rPr lang="en-US" sz="3600" dirty="0">
+                <a:solidFill>
+                  <a:schemeClr val="accent1">
+                    <a:lumMod val="60000"/>
+                    <a:lumOff val="40000"/>
+                  </a:schemeClr>
+                </a:solidFill>
+              </a:rPr>
+              <a:t>          React Hook</a:t>
+            </a:r>
+          </a:p>
+        </p:txBody>
+      </p:sp>
+      <p:sp>
+        <p:nvSpPr>
+          <p:cNvPr id="7" name="TextBox 6">
+            <a:extLst>
+              <a:ext uri="{FF2B5EF4-FFF2-40B4-BE49-F238E27FC236}">
+                <a16:creationId xmlns:a16="http://schemas.microsoft.com/office/drawing/2014/main" id="{A4B08C7F-C293-4CD1-B812-E19F2F95AC36}"/>
+              </a:ext>
+            </a:extLst>
+          </p:cNvPr>
+          <p:cNvSpPr txBox="1"/>
+          <p:nvPr/>
+        </p:nvSpPr>
+        <p:spPr>
+          <a:xfrm>
+            <a:off x="1190446" y="1861809"/>
+            <a:ext cx="4589253" cy="369332"/>
+          </a:xfrm>
+          <a:prstGeom prst="rect">
+            <a:avLst/>
+          </a:prstGeom>
+          <a:noFill/>
+        </p:spPr>
+        <p:txBody>
+          <a:bodyPr wrap="square" rtlCol="0">
+            <a:spAutoFit/>
+          </a:bodyPr>
+          <a:lstStyle/>
+          <a:p>
+            <a:pPr marL="285750" indent="-285750">
+              <a:buFont typeface="Wingdings" panose="05000000000000000000" pitchFamily="2" charset="2"/>
+              <a:buChar char="Ø"/>
+            </a:pPr>
+            <a:r>
+              <a:rPr lang="en-US" dirty="0" err="1"/>
+              <a:t>useState</a:t>
+            </a:r>
+            <a:r>
+              <a:rPr lang="en-US" dirty="0"/>
+              <a:t> Hook </a:t>
+            </a:r>
+          </a:p>
+        </p:txBody>
+      </p:sp>
+      <p:pic>
+        <p:nvPicPr>
+          <p:cNvPr id="5" name="Picture 4">
+            <a:extLst>
+              <a:ext uri="{FF2B5EF4-FFF2-40B4-BE49-F238E27FC236}">
+                <a16:creationId xmlns:a16="http://schemas.microsoft.com/office/drawing/2014/main" id="{3AC6D018-3C51-4114-9C32-ADC09E962B39}"/>
+              </a:ext>
+            </a:extLst>
+          </p:cNvPr>
+          <p:cNvPicPr>
+            <a:picLocks noChangeAspect="1"/>
+          </p:cNvPicPr>
+          <p:nvPr/>
+        </p:nvPicPr>
+        <p:blipFill>
+          <a:blip r:embed="rId3"/>
+          <a:stretch>
+            <a:fillRect/>
+          </a:stretch>
+        </p:blipFill>
+        <p:spPr>
+          <a:xfrm>
+            <a:off x="3312920" y="2453278"/>
+            <a:ext cx="5934903" cy="3124636"/>
+          </a:xfrm>
+          <a:prstGeom prst="rect">
+            <a:avLst/>
+          </a:prstGeom>
+        </p:spPr>
+      </p:pic>
+    </p:spTree>
+    <p:extLst>
+      <p:ext uri="{BB962C8B-B14F-4D97-AF65-F5344CB8AC3E}">
+        <p14:creationId xmlns:p14="http://schemas.microsoft.com/office/powerpoint/2010/main" val="2568029178"/>
+      </p:ext>
+    </p:extLst>
+  </p:cSld>
+  <p:clrMapOvr>
+    <a:masterClrMapping/>
+  </p:clrMapOvr>
+</p:sld>
+</file>
+
+<file path=ppt/slides/slide25.xml><?xml version="1.0" encoding="utf-8"?>
+<p:sld xmlns:a="http://schemas.openxmlformats.org/drawingml/2006/main" xmlns:r="http://schemas.openxmlformats.org/officeDocument/2006/relationships" xmlns:p="http://schemas.openxmlformats.org/presentationml/2006/main">
+  <p:cSld>
+    <p:spTree>
+      <p:nvGrpSpPr>
+        <p:cNvPr id="1" name=""/>
+        <p:cNvGrpSpPr/>
+        <p:nvPr/>
+      </p:nvGrpSpPr>
+      <p:grpSpPr>
+        <a:xfrm>
+          <a:off x="0" y="0"/>
+          <a:ext cx="0" cy="0"/>
+          <a:chOff x="0" y="0"/>
+          <a:chExt cx="0" cy="0"/>
+        </a:xfrm>
+      </p:grpSpPr>
+      <p:sp>
+        <p:nvSpPr>
+          <p:cNvPr id="3" name="TextBox 2">
+            <a:extLst>
+              <a:ext uri="{FF2B5EF4-FFF2-40B4-BE49-F238E27FC236}">
+                <a16:creationId xmlns:a16="http://schemas.microsoft.com/office/drawing/2014/main" id="{66A801D4-74F9-46A0-8843-E18659672DE9}"/>
+              </a:ext>
+            </a:extLst>
+          </p:cNvPr>
+          <p:cNvSpPr txBox="1"/>
+          <p:nvPr/>
+        </p:nvSpPr>
+        <p:spPr>
+          <a:xfrm>
+            <a:off x="3226655" y="539555"/>
+            <a:ext cx="8397025" cy="646331"/>
+          </a:xfrm>
+          <a:prstGeom prst="rect">
+            <a:avLst/>
+          </a:prstGeom>
+          <a:noFill/>
+        </p:spPr>
+        <p:txBody>
+          <a:bodyPr wrap="square" rtlCol="0">
+            <a:spAutoFit/>
+          </a:bodyPr>
+          <a:lstStyle/>
+          <a:p>
+            <a:r>
+              <a:rPr lang="en-US" sz="3600" dirty="0">
+                <a:solidFill>
+                  <a:schemeClr val="accent1">
+                    <a:lumMod val="60000"/>
+                    <a:lumOff val="40000"/>
+                  </a:schemeClr>
+                </a:solidFill>
+              </a:rPr>
+              <a:t>          React Hook</a:t>
+            </a:r>
+          </a:p>
+        </p:txBody>
+      </p:sp>
+      <p:sp>
+        <p:nvSpPr>
+          <p:cNvPr id="7" name="TextBox 6">
+            <a:extLst>
+              <a:ext uri="{FF2B5EF4-FFF2-40B4-BE49-F238E27FC236}">
+                <a16:creationId xmlns:a16="http://schemas.microsoft.com/office/drawing/2014/main" id="{A4B08C7F-C293-4CD1-B812-E19F2F95AC36}"/>
+              </a:ext>
+            </a:extLst>
+          </p:cNvPr>
+          <p:cNvSpPr txBox="1"/>
+          <p:nvPr/>
+        </p:nvSpPr>
+        <p:spPr>
+          <a:xfrm>
+            <a:off x="1190446" y="1434518"/>
+            <a:ext cx="4589253" cy="369332"/>
+          </a:xfrm>
+          <a:prstGeom prst="rect">
+            <a:avLst/>
+          </a:prstGeom>
+          <a:noFill/>
+        </p:spPr>
+        <p:txBody>
+          <a:bodyPr wrap="square" rtlCol="0">
+            <a:spAutoFit/>
+          </a:bodyPr>
+          <a:lstStyle/>
+          <a:p>
+            <a:pPr marL="285750" indent="-285750">
+              <a:buFont typeface="Wingdings" panose="05000000000000000000" pitchFamily="2" charset="2"/>
+              <a:buChar char="Ø"/>
+            </a:pPr>
+            <a:r>
+              <a:rPr lang="en-US" dirty="0" err="1"/>
+              <a:t>useEffect</a:t>
+            </a:r>
+            <a:r>
+              <a:rPr lang="en-US" dirty="0"/>
+              <a:t> Hook:</a:t>
+            </a:r>
+          </a:p>
+        </p:txBody>
+      </p:sp>
+      <p:pic>
+        <p:nvPicPr>
+          <p:cNvPr id="6" name="Picture 5">
+            <a:extLst>
+              <a:ext uri="{FF2B5EF4-FFF2-40B4-BE49-F238E27FC236}">
+                <a16:creationId xmlns:a16="http://schemas.microsoft.com/office/drawing/2014/main" id="{2AFF27B3-59B6-4531-BDC4-D94E3BC977EA}"/>
+              </a:ext>
+            </a:extLst>
+          </p:cNvPr>
+          <p:cNvPicPr>
+            <a:picLocks noChangeAspect="1"/>
+          </p:cNvPicPr>
+          <p:nvPr/>
+        </p:nvPicPr>
+        <p:blipFill>
+          <a:blip r:embed="rId3"/>
+          <a:stretch>
+            <a:fillRect/>
+          </a:stretch>
+        </p:blipFill>
+        <p:spPr>
+          <a:xfrm>
+            <a:off x="2059982" y="2176493"/>
+            <a:ext cx="7439434" cy="1007185"/>
+          </a:xfrm>
+          <a:prstGeom prst="rect">
+            <a:avLst/>
+          </a:prstGeom>
+        </p:spPr>
+      </p:pic>
+      <p:pic>
+        <p:nvPicPr>
+          <p:cNvPr id="10" name="Picture 9">
+            <a:extLst>
+              <a:ext uri="{FF2B5EF4-FFF2-40B4-BE49-F238E27FC236}">
+                <a16:creationId xmlns:a16="http://schemas.microsoft.com/office/drawing/2014/main" id="{1A50CE17-E841-405D-A12C-8D2112C44F2F}"/>
+              </a:ext>
+            </a:extLst>
+          </p:cNvPr>
+          <p:cNvPicPr>
+            <a:picLocks noChangeAspect="1"/>
+          </p:cNvPicPr>
+          <p:nvPr/>
+        </p:nvPicPr>
+        <p:blipFill>
+          <a:blip r:embed="rId4"/>
+          <a:stretch>
+            <a:fillRect/>
+          </a:stretch>
+        </p:blipFill>
+        <p:spPr>
+          <a:xfrm>
+            <a:off x="3885891" y="3429000"/>
+            <a:ext cx="4420217" cy="1867161"/>
+          </a:xfrm>
+          <a:prstGeom prst="rect">
+            <a:avLst/>
+          </a:prstGeom>
+        </p:spPr>
+      </p:pic>
+    </p:spTree>
+    <p:extLst>
+      <p:ext uri="{BB962C8B-B14F-4D97-AF65-F5344CB8AC3E}">
+        <p14:creationId xmlns:p14="http://schemas.microsoft.com/office/powerpoint/2010/main" val="2502103240"/>
+      </p:ext>
+    </p:extLst>
+  </p:cSld>
+  <p:clrMapOvr>
+    <a:masterClrMapping/>
+  </p:clrMapOvr>
+</p:sld>
+</file>
+
+<file path=ppt/slides/slide26.xml><?xml version="1.0" encoding="utf-8"?>
+<p:sld xmlns:a="http://schemas.openxmlformats.org/drawingml/2006/main" xmlns:r="http://schemas.openxmlformats.org/officeDocument/2006/relationships" xmlns:p="http://schemas.openxmlformats.org/presentationml/2006/main">
+  <p:cSld>
+    <p:spTree>
+      <p:nvGrpSpPr>
+        <p:cNvPr id="1" name=""/>
+        <p:cNvGrpSpPr/>
+        <p:nvPr/>
+      </p:nvGrpSpPr>
+      <p:grpSpPr>
+        <a:xfrm>
+          <a:off x="0" y="0"/>
+          <a:ext cx="0" cy="0"/>
+          <a:chOff x="0" y="0"/>
+          <a:chExt cx="0" cy="0"/>
+        </a:xfrm>
+      </p:grpSpPr>
+      <p:sp>
+        <p:nvSpPr>
+          <p:cNvPr id="3" name="TextBox 2">
+            <a:extLst>
+              <a:ext uri="{FF2B5EF4-FFF2-40B4-BE49-F238E27FC236}">
+                <a16:creationId xmlns:a16="http://schemas.microsoft.com/office/drawing/2014/main" id="{66A801D4-74F9-46A0-8843-E18659672DE9}"/>
+              </a:ext>
+            </a:extLst>
+          </p:cNvPr>
+          <p:cNvSpPr txBox="1"/>
+          <p:nvPr/>
+        </p:nvSpPr>
+        <p:spPr>
+          <a:xfrm>
+            <a:off x="3226655" y="539555"/>
+            <a:ext cx="8397025" cy="646331"/>
+          </a:xfrm>
+          <a:prstGeom prst="rect">
+            <a:avLst/>
+          </a:prstGeom>
+          <a:noFill/>
+        </p:spPr>
+        <p:txBody>
+          <a:bodyPr wrap="square" rtlCol="0">
+            <a:spAutoFit/>
+          </a:bodyPr>
+          <a:lstStyle/>
+          <a:p>
+            <a:r>
+              <a:rPr lang="en-US" sz="3600" dirty="0">
+                <a:solidFill>
+                  <a:schemeClr val="accent1">
+                    <a:lumMod val="60000"/>
+                    <a:lumOff val="40000"/>
+                  </a:schemeClr>
+                </a:solidFill>
+              </a:rPr>
+              <a:t>          React Hook</a:t>
+            </a:r>
+          </a:p>
+        </p:txBody>
+      </p:sp>
+      <p:sp>
+        <p:nvSpPr>
+          <p:cNvPr id="7" name="TextBox 6">
+            <a:extLst>
+              <a:ext uri="{FF2B5EF4-FFF2-40B4-BE49-F238E27FC236}">
+                <a16:creationId xmlns:a16="http://schemas.microsoft.com/office/drawing/2014/main" id="{A4B08C7F-C293-4CD1-B812-E19F2F95AC36}"/>
+              </a:ext>
+            </a:extLst>
+          </p:cNvPr>
+          <p:cNvSpPr txBox="1"/>
+          <p:nvPr/>
+        </p:nvSpPr>
+        <p:spPr>
+          <a:xfrm>
+            <a:off x="1190446" y="1434518"/>
+            <a:ext cx="4589253" cy="369332"/>
+          </a:xfrm>
+          <a:prstGeom prst="rect">
+            <a:avLst/>
+          </a:prstGeom>
+          <a:noFill/>
+        </p:spPr>
+        <p:txBody>
+          <a:bodyPr wrap="square" rtlCol="0">
+            <a:spAutoFit/>
+          </a:bodyPr>
+          <a:lstStyle/>
+          <a:p>
+            <a:pPr marL="285750" indent="-285750">
+              <a:buFont typeface="Wingdings" panose="05000000000000000000" pitchFamily="2" charset="2"/>
+              <a:buChar char="Ø"/>
+            </a:pPr>
+            <a:r>
+              <a:rPr lang="en-US" dirty="0" err="1"/>
+              <a:t>useEffect</a:t>
+            </a:r>
+            <a:r>
+              <a:rPr lang="en-US" dirty="0"/>
+              <a:t> </a:t>
+            </a:r>
+            <a:r>
+              <a:rPr lang="en-US" dirty="0" err="1"/>
+              <a:t>không</a:t>
+            </a:r>
+            <a:r>
+              <a:rPr lang="en-US" dirty="0"/>
+              <a:t> </a:t>
+            </a:r>
+            <a:r>
+              <a:rPr lang="en-US" dirty="0" err="1"/>
+              <a:t>có</a:t>
+            </a:r>
+            <a:r>
+              <a:rPr lang="en-US" dirty="0"/>
+              <a:t> dependencies :</a:t>
+            </a:r>
+          </a:p>
+        </p:txBody>
+      </p:sp>
+      <p:pic>
+        <p:nvPicPr>
+          <p:cNvPr id="4" name="Picture 3">
+            <a:extLst>
+              <a:ext uri="{FF2B5EF4-FFF2-40B4-BE49-F238E27FC236}">
+                <a16:creationId xmlns:a16="http://schemas.microsoft.com/office/drawing/2014/main" id="{06FBB9D9-66FA-4613-9D24-573D3B529965}"/>
+              </a:ext>
+            </a:extLst>
+          </p:cNvPr>
+          <p:cNvPicPr>
+            <a:picLocks noChangeAspect="1"/>
+          </p:cNvPicPr>
+          <p:nvPr/>
+        </p:nvPicPr>
+        <p:blipFill>
+          <a:blip r:embed="rId3"/>
+          <a:stretch>
+            <a:fillRect/>
+          </a:stretch>
+        </p:blipFill>
+        <p:spPr>
+          <a:xfrm>
+            <a:off x="2551876" y="2265841"/>
+            <a:ext cx="7088247" cy="3157641"/>
+          </a:xfrm>
+          <a:prstGeom prst="rect">
+            <a:avLst/>
+          </a:prstGeom>
+        </p:spPr>
+      </p:pic>
+    </p:spTree>
+    <p:extLst>
+      <p:ext uri="{BB962C8B-B14F-4D97-AF65-F5344CB8AC3E}">
+        <p14:creationId xmlns:p14="http://schemas.microsoft.com/office/powerpoint/2010/main" val="4128381496"/>
+      </p:ext>
+    </p:extLst>
+  </p:cSld>
+  <p:clrMapOvr>
+    <a:masterClrMapping/>
+  </p:clrMapOvr>
+</p:sld>
+</file>
+
+<file path=ppt/slides/slide27.xml><?xml version="1.0" encoding="utf-8"?>
+<p:sld xmlns:a="http://schemas.openxmlformats.org/drawingml/2006/main" xmlns:r="http://schemas.openxmlformats.org/officeDocument/2006/relationships" xmlns:p="http://schemas.openxmlformats.org/presentationml/2006/main">
+  <p:cSld>
+    <p:spTree>
+      <p:nvGrpSpPr>
+        <p:cNvPr id="1" name=""/>
+        <p:cNvGrpSpPr/>
+        <p:nvPr/>
+      </p:nvGrpSpPr>
+      <p:grpSpPr>
+        <a:xfrm>
+          <a:off x="0" y="0"/>
+          <a:ext cx="0" cy="0"/>
+          <a:chOff x="0" y="0"/>
+          <a:chExt cx="0" cy="0"/>
+        </a:xfrm>
+      </p:grpSpPr>
+      <p:sp>
+        <p:nvSpPr>
+          <p:cNvPr id="3" name="TextBox 2">
+            <a:extLst>
+              <a:ext uri="{FF2B5EF4-FFF2-40B4-BE49-F238E27FC236}">
+                <a16:creationId xmlns:a16="http://schemas.microsoft.com/office/drawing/2014/main" id="{66A801D4-74F9-46A0-8843-E18659672DE9}"/>
+              </a:ext>
+            </a:extLst>
+          </p:cNvPr>
+          <p:cNvSpPr txBox="1"/>
+          <p:nvPr/>
+        </p:nvSpPr>
+        <p:spPr>
+          <a:xfrm>
+            <a:off x="3226655" y="539555"/>
+            <a:ext cx="8397025" cy="646331"/>
+          </a:xfrm>
+          <a:prstGeom prst="rect">
+            <a:avLst/>
+          </a:prstGeom>
+          <a:noFill/>
+        </p:spPr>
+        <p:txBody>
+          <a:bodyPr wrap="square" rtlCol="0">
+            <a:spAutoFit/>
+          </a:bodyPr>
+          <a:lstStyle/>
+          <a:p>
+            <a:r>
+              <a:rPr lang="en-US" sz="3600" dirty="0">
+                <a:solidFill>
+                  <a:schemeClr val="accent1">
+                    <a:lumMod val="60000"/>
+                    <a:lumOff val="40000"/>
+                  </a:schemeClr>
+                </a:solidFill>
+              </a:rPr>
+              <a:t>          React Hook</a:t>
+            </a:r>
+          </a:p>
+        </p:txBody>
+      </p:sp>
+      <p:sp>
+        <p:nvSpPr>
+          <p:cNvPr id="7" name="TextBox 6">
+            <a:extLst>
+              <a:ext uri="{FF2B5EF4-FFF2-40B4-BE49-F238E27FC236}">
+                <a16:creationId xmlns:a16="http://schemas.microsoft.com/office/drawing/2014/main" id="{A4B08C7F-C293-4CD1-B812-E19F2F95AC36}"/>
+              </a:ext>
+            </a:extLst>
+          </p:cNvPr>
+          <p:cNvSpPr txBox="1"/>
+          <p:nvPr/>
+        </p:nvSpPr>
+        <p:spPr>
+          <a:xfrm>
+            <a:off x="1190446" y="1434518"/>
+            <a:ext cx="4589253" cy="369332"/>
+          </a:xfrm>
+          <a:prstGeom prst="rect">
+            <a:avLst/>
+          </a:prstGeom>
+          <a:noFill/>
+        </p:spPr>
+        <p:txBody>
+          <a:bodyPr wrap="square" rtlCol="0">
+            <a:spAutoFit/>
+          </a:bodyPr>
+          <a:lstStyle/>
+          <a:p>
+            <a:pPr marL="285750" indent="-285750">
+              <a:buFont typeface="Wingdings" panose="05000000000000000000" pitchFamily="2" charset="2"/>
+              <a:buChar char="Ø"/>
+            </a:pPr>
+            <a:r>
+              <a:rPr lang="en-US" dirty="0" err="1"/>
+              <a:t>useEffect</a:t>
+            </a:r>
+            <a:r>
+              <a:rPr lang="en-US" dirty="0"/>
+              <a:t> </a:t>
+            </a:r>
+            <a:r>
+              <a:rPr lang="en-US" dirty="0" err="1"/>
+              <a:t>không</a:t>
+            </a:r>
+            <a:r>
+              <a:rPr lang="en-US" dirty="0"/>
+              <a:t> </a:t>
+            </a:r>
+            <a:r>
+              <a:rPr lang="en-US" dirty="0" err="1"/>
+              <a:t>có</a:t>
+            </a:r>
+            <a:r>
+              <a:rPr lang="en-US" dirty="0"/>
+              <a:t> dependencies :</a:t>
+            </a:r>
+          </a:p>
+        </p:txBody>
+      </p:sp>
+      <p:pic>
+        <p:nvPicPr>
+          <p:cNvPr id="4" name="Picture 3">
+            <a:extLst>
+              <a:ext uri="{FF2B5EF4-FFF2-40B4-BE49-F238E27FC236}">
+                <a16:creationId xmlns:a16="http://schemas.microsoft.com/office/drawing/2014/main" id="{06FBB9D9-66FA-4613-9D24-573D3B529965}"/>
+              </a:ext>
+            </a:extLst>
+          </p:cNvPr>
+          <p:cNvPicPr>
+            <a:picLocks noChangeAspect="1"/>
+          </p:cNvPicPr>
+          <p:nvPr/>
+        </p:nvPicPr>
+        <p:blipFill>
+          <a:blip r:embed="rId3"/>
+          <a:stretch>
+            <a:fillRect/>
+          </a:stretch>
+        </p:blipFill>
+        <p:spPr>
+          <a:xfrm>
+            <a:off x="2551876" y="2265841"/>
+            <a:ext cx="7088247" cy="3157641"/>
+          </a:xfrm>
+          <a:prstGeom prst="rect">
+            <a:avLst/>
+          </a:prstGeom>
+        </p:spPr>
+      </p:pic>
+    </p:spTree>
+    <p:extLst>
+      <p:ext uri="{BB962C8B-B14F-4D97-AF65-F5344CB8AC3E}">
+        <p14:creationId xmlns:p14="http://schemas.microsoft.com/office/powerpoint/2010/main" val="305909321"/>
+      </p:ext>
+    </p:extLst>
+  </p:cSld>
+  <p:clrMapOvr>
+    <a:masterClrMapping/>
+  </p:clrMapOvr>
+</p:sld>
+</file>
+
+<file path=ppt/slides/slide28.xml><?xml version="1.0" encoding="utf-8"?>
+<p:sld xmlns:a="http://schemas.openxmlformats.org/drawingml/2006/main" xmlns:r="http://schemas.openxmlformats.org/officeDocument/2006/relationships" xmlns:p="http://schemas.openxmlformats.org/presentationml/2006/main">
+  <p:cSld>
+    <p:spTree>
+      <p:nvGrpSpPr>
+        <p:cNvPr id="1" name=""/>
+        <p:cNvGrpSpPr/>
+        <p:nvPr/>
+      </p:nvGrpSpPr>
+      <p:grpSpPr>
+        <a:xfrm>
+          <a:off x="0" y="0"/>
+          <a:ext cx="0" cy="0"/>
+          <a:chOff x="0" y="0"/>
+          <a:chExt cx="0" cy="0"/>
+        </a:xfrm>
+      </p:grpSpPr>
+      <p:sp>
+        <p:nvSpPr>
+          <p:cNvPr id="3" name="TextBox 2">
+            <a:extLst>
+              <a:ext uri="{FF2B5EF4-FFF2-40B4-BE49-F238E27FC236}">
+                <a16:creationId xmlns:a16="http://schemas.microsoft.com/office/drawing/2014/main" id="{66A801D4-74F9-46A0-8843-E18659672DE9}"/>
+              </a:ext>
+            </a:extLst>
+          </p:cNvPr>
+          <p:cNvSpPr txBox="1"/>
+          <p:nvPr/>
+        </p:nvSpPr>
+        <p:spPr>
+          <a:xfrm>
+            <a:off x="3226655" y="539555"/>
+            <a:ext cx="8397025" cy="646331"/>
+          </a:xfrm>
+          <a:prstGeom prst="rect">
+            <a:avLst/>
+          </a:prstGeom>
+          <a:noFill/>
+        </p:spPr>
+        <p:txBody>
+          <a:bodyPr wrap="square" rtlCol="0">
+            <a:spAutoFit/>
+          </a:bodyPr>
+          <a:lstStyle/>
+          <a:p>
+            <a:r>
+              <a:rPr lang="en-US" sz="3600" dirty="0">
+                <a:solidFill>
+                  <a:schemeClr val="accent1">
+                    <a:lumMod val="60000"/>
+                    <a:lumOff val="40000"/>
+                  </a:schemeClr>
+                </a:solidFill>
+              </a:rPr>
+              <a:t>          React Hook</a:t>
+            </a:r>
+          </a:p>
+        </p:txBody>
+      </p:sp>
+      <p:sp>
+        <p:nvSpPr>
+          <p:cNvPr id="7" name="TextBox 6">
+            <a:extLst>
+              <a:ext uri="{FF2B5EF4-FFF2-40B4-BE49-F238E27FC236}">
+                <a16:creationId xmlns:a16="http://schemas.microsoft.com/office/drawing/2014/main" id="{A4B08C7F-C293-4CD1-B812-E19F2F95AC36}"/>
+              </a:ext>
+            </a:extLst>
+          </p:cNvPr>
+          <p:cNvSpPr txBox="1"/>
+          <p:nvPr/>
+        </p:nvSpPr>
+        <p:spPr>
+          <a:xfrm>
+            <a:off x="1190446" y="1434518"/>
+            <a:ext cx="4589253" cy="369332"/>
+          </a:xfrm>
+          <a:prstGeom prst="rect">
+            <a:avLst/>
+          </a:prstGeom>
+          <a:noFill/>
+        </p:spPr>
+        <p:txBody>
+          <a:bodyPr wrap="square" rtlCol="0">
+            <a:spAutoFit/>
+          </a:bodyPr>
+          <a:lstStyle/>
+          <a:p>
+            <a:pPr marL="285750" indent="-285750">
+              <a:buFont typeface="Wingdings" panose="05000000000000000000" pitchFamily="2" charset="2"/>
+              <a:buChar char="Ø"/>
+            </a:pPr>
+            <a:r>
+              <a:rPr lang="en-US" dirty="0" err="1"/>
+              <a:t>useEffect</a:t>
+            </a:r>
+            <a:r>
+              <a:rPr lang="en-US" dirty="0"/>
+              <a:t> </a:t>
+            </a:r>
+            <a:r>
+              <a:rPr lang="en-US" dirty="0" err="1"/>
+              <a:t>có</a:t>
+            </a:r>
+            <a:r>
+              <a:rPr lang="en-US" dirty="0"/>
+              <a:t> dependencies </a:t>
+            </a:r>
+            <a:r>
+              <a:rPr lang="en-US" dirty="0" err="1"/>
+              <a:t>là</a:t>
+            </a:r>
+            <a:r>
+              <a:rPr lang="en-US" dirty="0"/>
+              <a:t> empty :</a:t>
+            </a:r>
+          </a:p>
+        </p:txBody>
+      </p:sp>
+      <p:pic>
+        <p:nvPicPr>
+          <p:cNvPr id="5" name="Picture 4">
+            <a:extLst>
+              <a:ext uri="{FF2B5EF4-FFF2-40B4-BE49-F238E27FC236}">
+                <a16:creationId xmlns:a16="http://schemas.microsoft.com/office/drawing/2014/main" id="{012710A7-11A8-40B3-BAE3-BE906A990671}"/>
+              </a:ext>
+            </a:extLst>
+          </p:cNvPr>
+          <p:cNvPicPr>
+            <a:picLocks noChangeAspect="1"/>
+          </p:cNvPicPr>
+          <p:nvPr/>
+        </p:nvPicPr>
+        <p:blipFill>
+          <a:blip r:embed="rId3"/>
+          <a:stretch>
+            <a:fillRect/>
+          </a:stretch>
+        </p:blipFill>
+        <p:spPr>
+          <a:xfrm>
+            <a:off x="2396221" y="2303946"/>
+            <a:ext cx="7764931" cy="3119536"/>
+          </a:xfrm>
+          <a:prstGeom prst="rect">
+            <a:avLst/>
+          </a:prstGeom>
+        </p:spPr>
+      </p:pic>
+    </p:spTree>
+    <p:extLst>
+      <p:ext uri="{BB962C8B-B14F-4D97-AF65-F5344CB8AC3E}">
+        <p14:creationId xmlns:p14="http://schemas.microsoft.com/office/powerpoint/2010/main" val="3575091073"/>
+      </p:ext>
+    </p:extLst>
+  </p:cSld>
+  <p:clrMapOvr>
+    <a:masterClrMapping/>
+  </p:clrMapOvr>
+</p:sld>
+</file>
+
+<file path=ppt/slides/slide29.xml><?xml version="1.0" encoding="utf-8"?>
+<p:sld xmlns:a="http://schemas.openxmlformats.org/drawingml/2006/main" xmlns:r="http://schemas.openxmlformats.org/officeDocument/2006/relationships" xmlns:p="http://schemas.openxmlformats.org/presentationml/2006/main">
+  <p:cSld>
+    <p:spTree>
+      <p:nvGrpSpPr>
+        <p:cNvPr id="1" name=""/>
+        <p:cNvGrpSpPr/>
+        <p:nvPr/>
+      </p:nvGrpSpPr>
+      <p:grpSpPr>
+        <a:xfrm>
+          <a:off x="0" y="0"/>
+          <a:ext cx="0" cy="0"/>
+          <a:chOff x="0" y="0"/>
+          <a:chExt cx="0" cy="0"/>
+        </a:xfrm>
+      </p:grpSpPr>
+      <p:sp>
+        <p:nvSpPr>
+          <p:cNvPr id="3" name="TextBox 2">
+            <a:extLst>
+              <a:ext uri="{FF2B5EF4-FFF2-40B4-BE49-F238E27FC236}">
+                <a16:creationId xmlns:a16="http://schemas.microsoft.com/office/drawing/2014/main" id="{66A801D4-74F9-46A0-8843-E18659672DE9}"/>
+              </a:ext>
+            </a:extLst>
+          </p:cNvPr>
+          <p:cNvSpPr txBox="1"/>
+          <p:nvPr/>
+        </p:nvSpPr>
+        <p:spPr>
+          <a:xfrm>
+            <a:off x="3226655" y="539555"/>
+            <a:ext cx="8397025" cy="646331"/>
+          </a:xfrm>
+          <a:prstGeom prst="rect">
+            <a:avLst/>
+          </a:prstGeom>
+          <a:noFill/>
+        </p:spPr>
+        <p:txBody>
+          <a:bodyPr wrap="square" rtlCol="0">
+            <a:spAutoFit/>
+          </a:bodyPr>
+          <a:lstStyle/>
+          <a:p>
+            <a:r>
+              <a:rPr lang="en-US" sz="3600" dirty="0">
+                <a:solidFill>
+                  <a:schemeClr val="accent1">
+                    <a:lumMod val="60000"/>
+                    <a:lumOff val="40000"/>
+                  </a:schemeClr>
+                </a:solidFill>
+              </a:rPr>
+              <a:t>          React Hook</a:t>
+            </a:r>
+          </a:p>
+        </p:txBody>
+      </p:sp>
+      <p:sp>
+        <p:nvSpPr>
+          <p:cNvPr id="7" name="TextBox 6">
+            <a:extLst>
+              <a:ext uri="{FF2B5EF4-FFF2-40B4-BE49-F238E27FC236}">
+                <a16:creationId xmlns:a16="http://schemas.microsoft.com/office/drawing/2014/main" id="{A4B08C7F-C293-4CD1-B812-E19F2F95AC36}"/>
+              </a:ext>
+            </a:extLst>
+          </p:cNvPr>
+          <p:cNvSpPr txBox="1"/>
+          <p:nvPr/>
+        </p:nvSpPr>
+        <p:spPr>
+          <a:xfrm>
+            <a:off x="1190446" y="1434518"/>
+            <a:ext cx="4589253" cy="369332"/>
+          </a:xfrm>
+          <a:prstGeom prst="rect">
+            <a:avLst/>
+          </a:prstGeom>
+          <a:noFill/>
+        </p:spPr>
+        <p:txBody>
+          <a:bodyPr wrap="square" rtlCol="0">
+            <a:spAutoFit/>
+          </a:bodyPr>
+          <a:lstStyle/>
+          <a:p>
+            <a:pPr marL="285750" indent="-285750">
+              <a:buFont typeface="Wingdings" panose="05000000000000000000" pitchFamily="2" charset="2"/>
+              <a:buChar char="Ø"/>
+            </a:pPr>
+            <a:r>
+              <a:rPr lang="en-US" dirty="0" err="1"/>
+              <a:t>useEffect</a:t>
+            </a:r>
+            <a:r>
+              <a:rPr lang="en-US" dirty="0"/>
+              <a:t> </a:t>
+            </a:r>
+            <a:r>
+              <a:rPr lang="en-US" dirty="0" err="1"/>
+              <a:t>có</a:t>
+            </a:r>
+            <a:r>
+              <a:rPr lang="en-US" dirty="0"/>
+              <a:t> dependencies </a:t>
+            </a:r>
+            <a:r>
+              <a:rPr lang="en-US" dirty="0" err="1"/>
+              <a:t>là</a:t>
+            </a:r>
+            <a:r>
+              <a:rPr lang="en-US" dirty="0"/>
+              <a:t> empty :</a:t>
+            </a:r>
+          </a:p>
+        </p:txBody>
+      </p:sp>
+      <p:pic>
+        <p:nvPicPr>
+          <p:cNvPr id="5" name="Picture 4">
+            <a:extLst>
+              <a:ext uri="{FF2B5EF4-FFF2-40B4-BE49-F238E27FC236}">
+                <a16:creationId xmlns:a16="http://schemas.microsoft.com/office/drawing/2014/main" id="{012710A7-11A8-40B3-BAE3-BE906A990671}"/>
+              </a:ext>
+            </a:extLst>
+          </p:cNvPr>
+          <p:cNvPicPr>
+            <a:picLocks noChangeAspect="1"/>
+          </p:cNvPicPr>
+          <p:nvPr/>
+        </p:nvPicPr>
+        <p:blipFill>
+          <a:blip r:embed="rId3"/>
+          <a:stretch>
+            <a:fillRect/>
+          </a:stretch>
+        </p:blipFill>
+        <p:spPr>
+          <a:xfrm>
+            <a:off x="2396221" y="2303946"/>
+            <a:ext cx="7764931" cy="3119536"/>
+          </a:xfrm>
+          <a:prstGeom prst="rect">
+            <a:avLst/>
+          </a:prstGeom>
+        </p:spPr>
+      </p:pic>
+    </p:spTree>
+    <p:extLst>
+      <p:ext uri="{BB962C8B-B14F-4D97-AF65-F5344CB8AC3E}">
+        <p14:creationId xmlns:p14="http://schemas.microsoft.com/office/powerpoint/2010/main" val="3161059006"/>
+      </p:ext>
+    </p:extLst>
+  </p:cSld>
+  <p:clrMapOvr>
+    <a:masterClrMapping/>
+  </p:clrMapOvr>
+</p:sld>
+</file>
+
 <file path=ppt/slides/slide3.xml><?xml version="1.0" encoding="utf-8"?>
 <p:sld xmlns:a="http://schemas.openxmlformats.org/drawingml/2006/main" xmlns:r="http://schemas.openxmlformats.org/officeDocument/2006/relationships" xmlns:p="http://schemas.openxmlformats.org/presentationml/2006/main">
   <p:cSld>
@@ -21147,6 +25949,546 @@
     <p:extLst>
       <p:ext uri="{BB962C8B-B14F-4D97-AF65-F5344CB8AC3E}">
         <p14:creationId xmlns:p14="http://schemas.microsoft.com/office/powerpoint/2010/main" val="1252215491"/>
+      </p:ext>
+    </p:extLst>
+  </p:cSld>
+  <p:clrMapOvr>
+    <a:masterClrMapping/>
+  </p:clrMapOvr>
+</p:sld>
+</file>
+
+<file path=ppt/slides/slide30.xml><?xml version="1.0" encoding="utf-8"?>
+<p:sld xmlns:a="http://schemas.openxmlformats.org/drawingml/2006/main" xmlns:r="http://schemas.openxmlformats.org/officeDocument/2006/relationships" xmlns:p="http://schemas.openxmlformats.org/presentationml/2006/main">
+  <p:cSld>
+    <p:spTree>
+      <p:nvGrpSpPr>
+        <p:cNvPr id="1" name=""/>
+        <p:cNvGrpSpPr/>
+        <p:nvPr/>
+      </p:nvGrpSpPr>
+      <p:grpSpPr>
+        <a:xfrm>
+          <a:off x="0" y="0"/>
+          <a:ext cx="0" cy="0"/>
+          <a:chOff x="0" y="0"/>
+          <a:chExt cx="0" cy="0"/>
+        </a:xfrm>
+      </p:grpSpPr>
+      <p:sp>
+        <p:nvSpPr>
+          <p:cNvPr id="3" name="TextBox 2">
+            <a:extLst>
+              <a:ext uri="{FF2B5EF4-FFF2-40B4-BE49-F238E27FC236}">
+                <a16:creationId xmlns:a16="http://schemas.microsoft.com/office/drawing/2014/main" id="{66A801D4-74F9-46A0-8843-E18659672DE9}"/>
+              </a:ext>
+            </a:extLst>
+          </p:cNvPr>
+          <p:cNvSpPr txBox="1"/>
+          <p:nvPr/>
+        </p:nvSpPr>
+        <p:spPr>
+          <a:xfrm>
+            <a:off x="3226655" y="539555"/>
+            <a:ext cx="8397025" cy="646331"/>
+          </a:xfrm>
+          <a:prstGeom prst="rect">
+            <a:avLst/>
+          </a:prstGeom>
+          <a:noFill/>
+        </p:spPr>
+        <p:txBody>
+          <a:bodyPr wrap="square" rtlCol="0">
+            <a:spAutoFit/>
+          </a:bodyPr>
+          <a:lstStyle/>
+          <a:p>
+            <a:r>
+              <a:rPr lang="en-US" sz="3600" dirty="0">
+                <a:solidFill>
+                  <a:schemeClr val="accent1">
+                    <a:lumMod val="60000"/>
+                    <a:lumOff val="40000"/>
+                  </a:schemeClr>
+                </a:solidFill>
+              </a:rPr>
+              <a:t>          React Hook</a:t>
+            </a:r>
+          </a:p>
+        </p:txBody>
+      </p:sp>
+      <p:sp>
+        <p:nvSpPr>
+          <p:cNvPr id="7" name="TextBox 6">
+            <a:extLst>
+              <a:ext uri="{FF2B5EF4-FFF2-40B4-BE49-F238E27FC236}">
+                <a16:creationId xmlns:a16="http://schemas.microsoft.com/office/drawing/2014/main" id="{A4B08C7F-C293-4CD1-B812-E19F2F95AC36}"/>
+              </a:ext>
+            </a:extLst>
+          </p:cNvPr>
+          <p:cNvSpPr txBox="1"/>
+          <p:nvPr/>
+        </p:nvSpPr>
+        <p:spPr>
+          <a:xfrm>
+            <a:off x="1190446" y="1434518"/>
+            <a:ext cx="4589253" cy="369332"/>
+          </a:xfrm>
+          <a:prstGeom prst="rect">
+            <a:avLst/>
+          </a:prstGeom>
+          <a:noFill/>
+        </p:spPr>
+        <p:txBody>
+          <a:bodyPr wrap="square" rtlCol="0">
+            <a:spAutoFit/>
+          </a:bodyPr>
+          <a:lstStyle/>
+          <a:p>
+            <a:pPr marL="285750" indent="-285750">
+              <a:buFont typeface="Wingdings" panose="05000000000000000000" pitchFamily="2" charset="2"/>
+              <a:buChar char="Ø"/>
+            </a:pPr>
+            <a:r>
+              <a:rPr lang="en-US" dirty="0" err="1"/>
+              <a:t>useEffect</a:t>
+            </a:r>
+            <a:r>
+              <a:rPr lang="en-US" dirty="0"/>
+              <a:t> </a:t>
+            </a:r>
+            <a:r>
+              <a:rPr lang="en-US" dirty="0" err="1"/>
+              <a:t>có</a:t>
+            </a:r>
+            <a:r>
+              <a:rPr lang="en-US" dirty="0"/>
+              <a:t> dependencies :</a:t>
+            </a:r>
+          </a:p>
+        </p:txBody>
+      </p:sp>
+      <p:pic>
+        <p:nvPicPr>
+          <p:cNvPr id="4" name="Picture 3">
+            <a:extLst>
+              <a:ext uri="{FF2B5EF4-FFF2-40B4-BE49-F238E27FC236}">
+                <a16:creationId xmlns:a16="http://schemas.microsoft.com/office/drawing/2014/main" id="{BBFF39BA-8DDB-436E-8938-D947A167973E}"/>
+              </a:ext>
+            </a:extLst>
+          </p:cNvPr>
+          <p:cNvPicPr>
+            <a:picLocks noChangeAspect="1"/>
+          </p:cNvPicPr>
+          <p:nvPr/>
+        </p:nvPicPr>
+        <p:blipFill>
+          <a:blip r:embed="rId3"/>
+          <a:stretch>
+            <a:fillRect/>
+          </a:stretch>
+        </p:blipFill>
+        <p:spPr>
+          <a:xfrm>
+            <a:off x="2323810" y="2443025"/>
+            <a:ext cx="8221454" cy="2980457"/>
+          </a:xfrm>
+          <a:prstGeom prst="rect">
+            <a:avLst/>
+          </a:prstGeom>
+        </p:spPr>
+      </p:pic>
+    </p:spTree>
+    <p:extLst>
+      <p:ext uri="{BB962C8B-B14F-4D97-AF65-F5344CB8AC3E}">
+        <p14:creationId xmlns:p14="http://schemas.microsoft.com/office/powerpoint/2010/main" val="2748447447"/>
+      </p:ext>
+    </p:extLst>
+  </p:cSld>
+  <p:clrMapOvr>
+    <a:masterClrMapping/>
+  </p:clrMapOvr>
+</p:sld>
+</file>
+
+<file path=ppt/slides/slide31.xml><?xml version="1.0" encoding="utf-8"?>
+<p:sld xmlns:a="http://schemas.openxmlformats.org/drawingml/2006/main" xmlns:r="http://schemas.openxmlformats.org/officeDocument/2006/relationships" xmlns:p="http://schemas.openxmlformats.org/presentationml/2006/main">
+  <p:cSld>
+    <p:spTree>
+      <p:nvGrpSpPr>
+        <p:cNvPr id="1" name=""/>
+        <p:cNvGrpSpPr/>
+        <p:nvPr/>
+      </p:nvGrpSpPr>
+      <p:grpSpPr>
+        <a:xfrm>
+          <a:off x="0" y="0"/>
+          <a:ext cx="0" cy="0"/>
+          <a:chOff x="0" y="0"/>
+          <a:chExt cx="0" cy="0"/>
+        </a:xfrm>
+      </p:grpSpPr>
+      <p:sp>
+        <p:nvSpPr>
+          <p:cNvPr id="3" name="TextBox 2">
+            <a:extLst>
+              <a:ext uri="{FF2B5EF4-FFF2-40B4-BE49-F238E27FC236}">
+                <a16:creationId xmlns:a16="http://schemas.microsoft.com/office/drawing/2014/main" id="{66A801D4-74F9-46A0-8843-E18659672DE9}"/>
+              </a:ext>
+            </a:extLst>
+          </p:cNvPr>
+          <p:cNvSpPr txBox="1"/>
+          <p:nvPr/>
+        </p:nvSpPr>
+        <p:spPr>
+          <a:xfrm>
+            <a:off x="3226655" y="539555"/>
+            <a:ext cx="8397025" cy="646331"/>
+          </a:xfrm>
+          <a:prstGeom prst="rect">
+            <a:avLst/>
+          </a:prstGeom>
+          <a:noFill/>
+        </p:spPr>
+        <p:txBody>
+          <a:bodyPr wrap="square" rtlCol="0">
+            <a:spAutoFit/>
+          </a:bodyPr>
+          <a:lstStyle/>
+          <a:p>
+            <a:r>
+              <a:rPr lang="en-US" sz="3600" dirty="0">
+                <a:solidFill>
+                  <a:schemeClr val="accent1">
+                    <a:lumMod val="60000"/>
+                    <a:lumOff val="40000"/>
+                  </a:schemeClr>
+                </a:solidFill>
+              </a:rPr>
+              <a:t>          React Hook</a:t>
+            </a:r>
+          </a:p>
+        </p:txBody>
+      </p:sp>
+      <p:sp>
+        <p:nvSpPr>
+          <p:cNvPr id="7" name="TextBox 6">
+            <a:extLst>
+              <a:ext uri="{FF2B5EF4-FFF2-40B4-BE49-F238E27FC236}">
+                <a16:creationId xmlns:a16="http://schemas.microsoft.com/office/drawing/2014/main" id="{A4B08C7F-C293-4CD1-B812-E19F2F95AC36}"/>
+              </a:ext>
+            </a:extLst>
+          </p:cNvPr>
+          <p:cNvSpPr txBox="1"/>
+          <p:nvPr/>
+        </p:nvSpPr>
+        <p:spPr>
+          <a:xfrm>
+            <a:off x="1190446" y="1434518"/>
+            <a:ext cx="4589253" cy="369332"/>
+          </a:xfrm>
+          <a:prstGeom prst="rect">
+            <a:avLst/>
+          </a:prstGeom>
+          <a:noFill/>
+        </p:spPr>
+        <p:txBody>
+          <a:bodyPr wrap="square" rtlCol="0">
+            <a:spAutoFit/>
+          </a:bodyPr>
+          <a:lstStyle/>
+          <a:p>
+            <a:pPr marL="285750" indent="-285750">
+              <a:buFont typeface="Wingdings" panose="05000000000000000000" pitchFamily="2" charset="2"/>
+              <a:buChar char="Ø"/>
+            </a:pPr>
+            <a:r>
+              <a:rPr lang="en-US" dirty="0"/>
+              <a:t>Lifecycle </a:t>
+            </a:r>
+            <a:r>
+              <a:rPr lang="en-US" dirty="0" err="1"/>
+              <a:t>của</a:t>
+            </a:r>
+            <a:r>
+              <a:rPr lang="en-US" dirty="0"/>
+              <a:t> Hook :</a:t>
+            </a:r>
+          </a:p>
+        </p:txBody>
+      </p:sp>
+      <p:pic>
+        <p:nvPicPr>
+          <p:cNvPr id="4" name="Picture 3">
+            <a:extLst>
+              <a:ext uri="{FF2B5EF4-FFF2-40B4-BE49-F238E27FC236}">
+                <a16:creationId xmlns:a16="http://schemas.microsoft.com/office/drawing/2014/main" id="{4EE1EF80-48B5-4FCF-BCF9-D390BBACC526}"/>
+              </a:ext>
+            </a:extLst>
+          </p:cNvPr>
+          <p:cNvPicPr>
+            <a:picLocks noChangeAspect="1"/>
+          </p:cNvPicPr>
+          <p:nvPr/>
+        </p:nvPicPr>
+        <p:blipFill>
+          <a:blip r:embed="rId3"/>
+          <a:stretch>
+            <a:fillRect/>
+          </a:stretch>
+        </p:blipFill>
+        <p:spPr>
+          <a:xfrm>
+            <a:off x="2589289" y="2191676"/>
+            <a:ext cx="7013422" cy="3231806"/>
+          </a:xfrm>
+          <a:prstGeom prst="rect">
+            <a:avLst/>
+          </a:prstGeom>
+        </p:spPr>
+      </p:pic>
+    </p:spTree>
+    <p:extLst>
+      <p:ext uri="{BB962C8B-B14F-4D97-AF65-F5344CB8AC3E}">
+        <p14:creationId xmlns:p14="http://schemas.microsoft.com/office/powerpoint/2010/main" val="923362139"/>
+      </p:ext>
+    </p:extLst>
+  </p:cSld>
+  <p:clrMapOvr>
+    <a:masterClrMapping/>
+  </p:clrMapOvr>
+</p:sld>
+</file>
+
+<file path=ppt/slides/slide32.xml><?xml version="1.0" encoding="utf-8"?>
+<p:sld xmlns:a="http://schemas.openxmlformats.org/drawingml/2006/main" xmlns:r="http://schemas.openxmlformats.org/officeDocument/2006/relationships" xmlns:p="http://schemas.openxmlformats.org/presentationml/2006/main">
+  <p:cSld>
+    <p:spTree>
+      <p:nvGrpSpPr>
+        <p:cNvPr id="1" name=""/>
+        <p:cNvGrpSpPr/>
+        <p:nvPr/>
+      </p:nvGrpSpPr>
+      <p:grpSpPr>
+        <a:xfrm>
+          <a:off x="0" y="0"/>
+          <a:ext cx="0" cy="0"/>
+          <a:chOff x="0" y="0"/>
+          <a:chExt cx="0" cy="0"/>
+        </a:xfrm>
+      </p:grpSpPr>
+      <p:sp>
+        <p:nvSpPr>
+          <p:cNvPr id="4" name="TextBox 3">
+            <a:extLst>
+              <a:ext uri="{FF2B5EF4-FFF2-40B4-BE49-F238E27FC236}">
+                <a16:creationId xmlns:a16="http://schemas.microsoft.com/office/drawing/2014/main" id="{1B509A02-A2A7-4458-B2C2-46E59A23E3AD}"/>
+              </a:ext>
+            </a:extLst>
+          </p:cNvPr>
+          <p:cNvSpPr txBox="1"/>
+          <p:nvPr/>
+        </p:nvSpPr>
+        <p:spPr>
+          <a:xfrm>
+            <a:off x="2904307" y="2931280"/>
+            <a:ext cx="7188599" cy="677108"/>
+          </a:xfrm>
+          <a:prstGeom prst="rect">
+            <a:avLst/>
+          </a:prstGeom>
+          <a:noFill/>
+        </p:spPr>
+        <p:txBody>
+          <a:bodyPr wrap="square" rtlCol="0">
+            <a:spAutoFit/>
+          </a:bodyPr>
+          <a:lstStyle/>
+          <a:p>
+            <a:r>
+              <a:rPr lang="en-US" sz="3800" dirty="0" err="1">
+                <a:solidFill>
+                  <a:schemeClr val="accent3">
+                    <a:lumMod val="75000"/>
+                  </a:schemeClr>
+                </a:solidFill>
+                <a:latin typeface="Times New Roman" panose="02020603050405020304" pitchFamily="18" charset="0"/>
+                <a:cs typeface="Times New Roman" panose="02020603050405020304" pitchFamily="18" charset="0"/>
+              </a:rPr>
+              <a:t>Cảm</a:t>
+            </a:r>
+            <a:r>
+              <a:rPr lang="en-US" sz="3800" dirty="0">
+                <a:solidFill>
+                  <a:schemeClr val="accent3">
+                    <a:lumMod val="75000"/>
+                  </a:schemeClr>
+                </a:solidFill>
+                <a:latin typeface="Times New Roman" panose="02020603050405020304" pitchFamily="18" charset="0"/>
+                <a:cs typeface="Times New Roman" panose="02020603050405020304" pitchFamily="18" charset="0"/>
+              </a:rPr>
+              <a:t> </a:t>
+            </a:r>
+            <a:r>
+              <a:rPr lang="vi-VN" sz="3800" dirty="0">
+                <a:solidFill>
+                  <a:schemeClr val="accent3">
+                    <a:lumMod val="75000"/>
+                  </a:schemeClr>
+                </a:solidFill>
+                <a:latin typeface="Times New Roman" panose="02020603050405020304" pitchFamily="18" charset="0"/>
+                <a:cs typeface="Times New Roman" panose="02020603050405020304" pitchFamily="18" charset="0"/>
+              </a:rPr>
+              <a:t>ơ</a:t>
+            </a:r>
+            <a:r>
+              <a:rPr lang="en-US" sz="3800" dirty="0">
+                <a:solidFill>
+                  <a:schemeClr val="accent3">
+                    <a:lumMod val="75000"/>
+                  </a:schemeClr>
+                </a:solidFill>
+                <a:latin typeface="Times New Roman" panose="02020603050405020304" pitchFamily="18" charset="0"/>
+                <a:cs typeface="Times New Roman" panose="02020603050405020304" pitchFamily="18" charset="0"/>
+              </a:rPr>
+              <a:t>n </a:t>
+            </a:r>
+            <a:r>
+              <a:rPr lang="en-US" sz="3800" dirty="0" err="1">
+                <a:solidFill>
+                  <a:schemeClr val="accent3">
+                    <a:lumMod val="75000"/>
+                  </a:schemeClr>
+                </a:solidFill>
+                <a:latin typeface="Times New Roman" panose="02020603050405020304" pitchFamily="18" charset="0"/>
+                <a:cs typeface="Times New Roman" panose="02020603050405020304" pitchFamily="18" charset="0"/>
+              </a:rPr>
+              <a:t>mọi</a:t>
+            </a:r>
+            <a:r>
+              <a:rPr lang="en-US" sz="3800" dirty="0">
+                <a:solidFill>
+                  <a:schemeClr val="accent3">
+                    <a:lumMod val="75000"/>
+                  </a:schemeClr>
+                </a:solidFill>
+                <a:latin typeface="Times New Roman" panose="02020603050405020304" pitchFamily="18" charset="0"/>
+                <a:cs typeface="Times New Roman" panose="02020603050405020304" pitchFamily="18" charset="0"/>
+              </a:rPr>
+              <a:t> ng</a:t>
+            </a:r>
+            <a:r>
+              <a:rPr lang="vi-VN" sz="3800" dirty="0">
+                <a:solidFill>
+                  <a:schemeClr val="accent3">
+                    <a:lumMod val="75000"/>
+                  </a:schemeClr>
+                </a:solidFill>
+                <a:latin typeface="Times New Roman" panose="02020603050405020304" pitchFamily="18" charset="0"/>
+                <a:cs typeface="Times New Roman" panose="02020603050405020304" pitchFamily="18" charset="0"/>
+              </a:rPr>
+              <a:t>ư</a:t>
+            </a:r>
+            <a:r>
+              <a:rPr lang="en-US" sz="3800" dirty="0" err="1">
+                <a:solidFill>
+                  <a:schemeClr val="accent3">
+                    <a:lumMod val="75000"/>
+                  </a:schemeClr>
+                </a:solidFill>
+                <a:latin typeface="Times New Roman" panose="02020603050405020304" pitchFamily="18" charset="0"/>
+                <a:cs typeface="Times New Roman" panose="02020603050405020304" pitchFamily="18" charset="0"/>
+              </a:rPr>
+              <a:t>ời</a:t>
+            </a:r>
+            <a:r>
+              <a:rPr lang="en-US" sz="3800" dirty="0">
+                <a:solidFill>
+                  <a:schemeClr val="accent3">
+                    <a:lumMod val="75000"/>
+                  </a:schemeClr>
+                </a:solidFill>
+                <a:latin typeface="Times New Roman" panose="02020603050405020304" pitchFamily="18" charset="0"/>
+                <a:cs typeface="Times New Roman" panose="02020603050405020304" pitchFamily="18" charset="0"/>
+              </a:rPr>
+              <a:t> </a:t>
+            </a:r>
+            <a:r>
+              <a:rPr lang="en-US" sz="3800" dirty="0" err="1">
+                <a:solidFill>
+                  <a:schemeClr val="accent3">
+                    <a:lumMod val="75000"/>
+                  </a:schemeClr>
+                </a:solidFill>
+                <a:latin typeface="Times New Roman" panose="02020603050405020304" pitchFamily="18" charset="0"/>
+                <a:cs typeface="Times New Roman" panose="02020603050405020304" pitchFamily="18" charset="0"/>
+              </a:rPr>
+              <a:t>đã</a:t>
+            </a:r>
+            <a:r>
+              <a:rPr lang="en-US" sz="3800" dirty="0">
+                <a:solidFill>
+                  <a:schemeClr val="accent3">
+                    <a:lumMod val="75000"/>
+                  </a:schemeClr>
+                </a:solidFill>
+                <a:latin typeface="Times New Roman" panose="02020603050405020304" pitchFamily="18" charset="0"/>
+                <a:cs typeface="Times New Roman" panose="02020603050405020304" pitchFamily="18" charset="0"/>
+              </a:rPr>
+              <a:t> </a:t>
+            </a:r>
+            <a:r>
+              <a:rPr lang="en-US" sz="3800" dirty="0" err="1">
+                <a:solidFill>
+                  <a:schemeClr val="accent3">
+                    <a:lumMod val="75000"/>
+                  </a:schemeClr>
+                </a:solidFill>
+                <a:latin typeface="Times New Roman" panose="02020603050405020304" pitchFamily="18" charset="0"/>
+                <a:cs typeface="Times New Roman" panose="02020603050405020304" pitchFamily="18" charset="0"/>
+              </a:rPr>
+              <a:t>lắng</a:t>
+            </a:r>
+            <a:r>
+              <a:rPr lang="en-US" sz="3800" dirty="0">
+                <a:solidFill>
+                  <a:schemeClr val="accent3">
+                    <a:lumMod val="75000"/>
+                  </a:schemeClr>
+                </a:solidFill>
+                <a:latin typeface="Times New Roman" panose="02020603050405020304" pitchFamily="18" charset="0"/>
+                <a:cs typeface="Times New Roman" panose="02020603050405020304" pitchFamily="18" charset="0"/>
+              </a:rPr>
+              <a:t> </a:t>
+            </a:r>
+            <a:r>
+              <a:rPr lang="en-US" sz="3800" dirty="0" err="1">
+                <a:solidFill>
+                  <a:schemeClr val="accent3">
+                    <a:lumMod val="75000"/>
+                  </a:schemeClr>
+                </a:solidFill>
+                <a:latin typeface="Times New Roman" panose="02020603050405020304" pitchFamily="18" charset="0"/>
+                <a:cs typeface="Times New Roman" panose="02020603050405020304" pitchFamily="18" charset="0"/>
+              </a:rPr>
+              <a:t>nghe</a:t>
+            </a:r>
+            <a:endParaRPr lang="en-US" sz="3800" dirty="0">
+              <a:solidFill>
+                <a:schemeClr val="accent3">
+                  <a:lumMod val="75000"/>
+                </a:schemeClr>
+              </a:solidFill>
+              <a:latin typeface="Times New Roman" panose="02020603050405020304" pitchFamily="18" charset="0"/>
+              <a:cs typeface="Times New Roman" panose="02020603050405020304" pitchFamily="18" charset="0"/>
+            </a:endParaRPr>
+          </a:p>
+        </p:txBody>
+      </p:sp>
+    </p:spTree>
+    <p:extLst>
+      <p:ext uri="{BB962C8B-B14F-4D97-AF65-F5344CB8AC3E}">
+        <p14:creationId xmlns:p14="http://schemas.microsoft.com/office/powerpoint/2010/main" val="3075260716"/>
       </p:ext>
     </p:extLst>
   </p:cSld>
